--- a/Slides-RPR/2019-H1-DAA-L32-DynProg-MultiStage-Graphs.pptx
+++ b/Slides-RPR/2019-H1-DAA-L32-DynProg-MultiStage-Graphs.pptx
@@ -3495,8 +3495,8 @@
         </p:nvSpPr>
         <p:spPr>
           <a:xfrm>
-            <a:off x="781247" y="833191"/>
-            <a:ext cx="8886628" cy="558801"/>
+            <a:off x="781248" y="833191"/>
+            <a:ext cx="8886627" cy="558801"/>
           </a:xfrm>
           <a:prstGeom prst="rect">
             <a:avLst/>
@@ -3741,8 +3741,8 @@
     </p:tnLst>
     <p:bldLst>
       <p:bldP build="whole" bldLvl="1" animBg="1" rev="0" advAuto="0" spid="341" grpId="2"/>
+      <p:bldP build="p" bldLvl="5" animBg="1" rev="0" advAuto="0" spid="337" grpId="3"/>
       <p:bldP build="whole" bldLvl="1" animBg="1" rev="0" advAuto="0" spid="342" grpId="1"/>
-      <p:bldP build="p" bldLvl="5" animBg="1" rev="0" advAuto="0" spid="337" grpId="3"/>
     </p:bldLst>
   </p:timing>
 </p:sld>
@@ -5988,7 +5988,7 @@
                 <a:cs typeface="Arial"/>
                 <a:sym typeface="Arial"/>
               </a:rPr>
-              <a:t>+8+0=13</a:t>
+              <a:t>+8+0=10</a:t>
             </a:r>
           </a:p>
           <a:p>
@@ -11450,7 +11450,7 @@
               <a:t>3</a:t>
             </a:r>
             <a:r>
-              <a:t> - all remaining assingments</a:t>
+              <a:t> - all remaining assignments</a:t>
             </a:r>
           </a:p>
           <a:p>
@@ -12427,7 +12427,7 @@
         <p:spPr>
           <a:xfrm>
             <a:off x="450187" y="3749152"/>
-            <a:ext cx="9259626" cy="2784737"/>
+            <a:ext cx="9259626" cy="2784736"/>
           </a:xfrm>
           <a:prstGeom prst="rect">
             <a:avLst/>
@@ -13350,8 +13350,8 @@
       </p:par>
     </p:tnLst>
     <p:bldLst>
+      <p:bldP build="p" bldLvl="5" animBg="1" rev="0" advAuto="0" spid="373" grpId="1"/>
       <p:bldP build="p" bldLvl="5" animBg="1" rev="0" advAuto="0" spid="378" grpId="2"/>
-      <p:bldP build="p" bldLvl="5" animBg="1" rev="0" advAuto="0" spid="373" grpId="1"/>
     </p:bldLst>
   </p:timing>
 </p:sld>
@@ -13382,8 +13382,8 @@
         </p:nvSpPr>
         <p:spPr>
           <a:xfrm flipV="1">
-            <a:off x="3961016" y="2884886"/>
-            <a:ext cx="1437378" cy="924300"/>
+            <a:off x="3961016" y="2884885"/>
+            <a:ext cx="1437378" cy="924301"/>
           </a:xfrm>
           <a:prstGeom prst="line">
             <a:avLst/>
@@ -13392,6 +13392,10 @@
             <a:solidFill>
               <a:schemeClr val="accent4"/>
             </a:solidFill>
+            <a:custDash>
+              <a:ds d="200000" sp="200000"/>
+            </a:custDash>
+            <a:miter lim="400000"/>
             <a:tailEnd type="triangle"/>
           </a:ln>
         </p:spPr>
@@ -14585,8 +14589,8 @@
         </p:nvSpPr>
         <p:spPr>
           <a:xfrm>
-            <a:off x="2715638" y="5632335"/>
-            <a:ext cx="1270001" cy="552909"/>
+            <a:off x="2715638" y="5632336"/>
+            <a:ext cx="1270001" cy="552908"/>
           </a:xfrm>
           <a:prstGeom prst="rect">
             <a:avLst/>
@@ -14855,7 +14859,7 @@
         </p:nvSpPr>
         <p:spPr>
           <a:xfrm>
-            <a:off x="8331737" y="3595124"/>
+            <a:off x="8331737" y="3595125"/>
             <a:ext cx="731013" cy="697213"/>
           </a:xfrm>
           <a:prstGeom prst="ellipse">
@@ -14901,7 +14905,7 @@
         <p:spPr>
           <a:xfrm>
             <a:off x="987056" y="3541483"/>
-            <a:ext cx="731013" cy="804496"/>
+            <a:ext cx="731012" cy="804496"/>
           </a:xfrm>
           <a:prstGeom prst="ellipse">
             <a:avLst/>
@@ -14946,7 +14950,7 @@
         <p:grpSpPr>
           <a:xfrm>
             <a:off x="1518387" y="1760215"/>
-            <a:ext cx="1130283" cy="1853362"/>
+            <a:ext cx="1130283" cy="1853361"/>
             <a:chOff x="0" y="0"/>
             <a:chExt cx="1130281" cy="1853360"/>
           </a:xfrm>
@@ -15092,8 +15096,8 @@
           </p:nvSpPr>
           <p:spPr>
             <a:xfrm>
-              <a:off x="335535" y="0"/>
-              <a:ext cx="324456" cy="447229"/>
+              <a:off x="335535" y="-1"/>
+              <a:ext cx="324456" cy="447230"/>
             </a:xfrm>
             <a:prstGeom prst="rect">
               <a:avLst/>
@@ -15190,8 +15194,8 @@
           </p:nvSpPr>
           <p:spPr>
             <a:xfrm>
-              <a:off x="420593" y="0"/>
-              <a:ext cx="324456" cy="447229"/>
+              <a:off x="420593" y="-1"/>
+              <a:ext cx="324456" cy="447230"/>
             </a:xfrm>
             <a:prstGeom prst="rect">
               <a:avLst/>
@@ -15253,8 +15257,8 @@
           </p:nvSpPr>
           <p:spPr>
             <a:xfrm>
-              <a:off x="0" y="-1"/>
-              <a:ext cx="1084931" cy="1498516"/>
+              <a:off x="-1" y="0"/>
+              <a:ext cx="1084932" cy="1498515"/>
             </a:xfrm>
             <a:prstGeom prst="line">
               <a:avLst/>
@@ -15337,8 +15341,8 @@
         </p:nvSpPr>
         <p:spPr>
           <a:xfrm>
-            <a:off x="4044673" y="1653798"/>
-            <a:ext cx="1316344" cy="1"/>
+            <a:off x="4044674" y="1653798"/>
+            <a:ext cx="1316343" cy="1"/>
           </a:xfrm>
           <a:prstGeom prst="line">
             <a:avLst/>
@@ -15411,8 +15415,8 @@
         </p:nvSpPr>
         <p:spPr>
           <a:xfrm>
-            <a:off x="3998796" y="1691372"/>
-            <a:ext cx="1362221" cy="965168"/>
+            <a:off x="3998796" y="1691371"/>
+            <a:ext cx="1362221" cy="965169"/>
           </a:xfrm>
           <a:prstGeom prst="line">
             <a:avLst/>
@@ -15634,7 +15638,7 @@
         <p:spPr>
           <a:xfrm>
             <a:off x="3915408" y="2114989"/>
-            <a:ext cx="1431913" cy="3662027"/>
+            <a:ext cx="1431914" cy="3662027"/>
           </a:xfrm>
           <a:prstGeom prst="line">
             <a:avLst/>
@@ -15706,84 +15710,6 @@
           <p:nvPr/>
         </p:nvSpPr>
         <p:spPr>
-          <a:xfrm flipV="1">
-            <a:off x="4004346" y="1751093"/>
-            <a:ext cx="1404117" cy="941983"/>
-          </a:xfrm>
-          <a:prstGeom prst="line">
-            <a:avLst/>
-          </a:prstGeom>
-          <a:ln w="38100">
-            <a:solidFill>
-              <a:schemeClr val="accent2"/>
-            </a:solidFill>
-            <a:miter lim="400000"/>
-            <a:tailEnd type="triangle"/>
-          </a:ln>
-        </p:spPr>
-        <p:txBody>
-          <a:bodyPr lIns="0" tIns="0" rIns="0" bIns="0"/>
-          <a:lstStyle/>
-          <a:p>
-            <a:pPr/>
-          </a:p>
-        </p:txBody>
-      </p:sp>
-      <p:sp>
-        <p:nvSpPr>
-          <p:cNvPr id="421" name="0"/>
-          <p:cNvSpPr txBox="1"/>
-          <p:nvPr/>
-        </p:nvSpPr>
-        <p:spPr>
-          <a:xfrm>
-            <a:off x="4917772" y="1624315"/>
-            <a:ext cx="324456" cy="447230"/>
-          </a:xfrm>
-          <a:prstGeom prst="rect">
-            <a:avLst/>
-          </a:prstGeom>
-          <a:ln w="12700">
-            <a:miter lim="400000"/>
-          </a:ln>
-          <a:extLst>
-            <a:ext uri="{C572A759-6A51-4108-AA02-DFA0A04FC94B}">
-              <ma14:wrappingTextBoxFlag xmlns:ma14="http://schemas.microsoft.com/office/mac/drawingml/2011/main" val="1"/>
-            </a:ext>
-          </a:extLst>
-        </p:spPr>
-        <p:txBody>
-          <a:bodyPr wrap="none" lIns="50800" tIns="50800" rIns="50800" bIns="50800" anchor="ctr">
-            <a:spAutoFit/>
-          </a:bodyPr>
-          <a:lstStyle>
-            <a:lvl1pPr>
-              <a:defRPr b="1" sz="2400">
-                <a:solidFill>
-                  <a:schemeClr val="accent2"/>
-                </a:solidFill>
-                <a:latin typeface="Arial"/>
-                <a:ea typeface="Arial"/>
-                <a:cs typeface="Arial"/>
-                <a:sym typeface="Arial"/>
-              </a:defRPr>
-            </a:lvl1pPr>
-          </a:lstStyle>
-          <a:p>
-            <a:pPr/>
-            <a:r>
-              <a:t>0</a:t>
-            </a:r>
-          </a:p>
-        </p:txBody>
-      </p:sp>
-      <p:sp>
-        <p:nvSpPr>
-          <p:cNvPr id="422" name="Line"/>
-          <p:cNvSpPr/>
-          <p:nvPr/>
-        </p:nvSpPr>
-        <p:spPr>
           <a:xfrm>
             <a:off x="3995366" y="2794500"/>
             <a:ext cx="1361740" cy="1"/>
@@ -15808,7 +15734,7 @@
       </p:sp>
       <p:sp>
         <p:nvSpPr>
-          <p:cNvPr id="423" name="4"/>
+          <p:cNvPr id="421" name="0"/>
           <p:cNvSpPr txBox="1"/>
           <p:nvPr/>
         </p:nvSpPr>
@@ -15849,21 +15775,21 @@
           <a:p>
             <a:pPr/>
             <a:r>
-              <a:t>4</a:t>
+              <a:t>0</a:t>
             </a:r>
           </a:p>
         </p:txBody>
       </p:sp>
       <p:sp>
         <p:nvSpPr>
-          <p:cNvPr id="424" name="Line"/>
+          <p:cNvPr id="422" name="Line"/>
           <p:cNvSpPr/>
           <p:nvPr/>
         </p:nvSpPr>
         <p:spPr>
           <a:xfrm>
-            <a:off x="3998796" y="2883950"/>
-            <a:ext cx="1415962" cy="1078291"/>
+            <a:off x="3998797" y="2883950"/>
+            <a:ext cx="1415961" cy="1078291"/>
           </a:xfrm>
           <a:prstGeom prst="line">
             <a:avLst/>
@@ -15885,14 +15811,14 @@
       </p:sp>
       <p:sp>
         <p:nvSpPr>
-          <p:cNvPr id="425" name="7"/>
+          <p:cNvPr id="423" name="4"/>
           <p:cNvSpPr txBox="1"/>
           <p:nvPr/>
         </p:nvSpPr>
         <p:spPr>
           <a:xfrm>
             <a:off x="4748375" y="3255996"/>
-            <a:ext cx="324456" cy="447229"/>
+            <a:ext cx="324456" cy="447230"/>
           </a:xfrm>
           <a:prstGeom prst="rect">
             <a:avLst/>
@@ -15926,14 +15852,14 @@
           <a:p>
             <a:pPr/>
             <a:r>
-              <a:t>7</a:t>
+              <a:t>4</a:t>
             </a:r>
           </a:p>
         </p:txBody>
       </p:sp>
       <p:sp>
         <p:nvSpPr>
-          <p:cNvPr id="426" name="Line"/>
+          <p:cNvPr id="424" name="Line"/>
           <p:cNvSpPr/>
           <p:nvPr/>
         </p:nvSpPr>
@@ -15962,7 +15888,7 @@
       </p:sp>
       <p:sp>
         <p:nvSpPr>
-          <p:cNvPr id="427" name="8"/>
+          <p:cNvPr id="425" name="7"/>
           <p:cNvSpPr txBox="1"/>
           <p:nvPr/>
         </p:nvSpPr>
@@ -16003,14 +15929,14 @@
           <a:p>
             <a:pPr/>
             <a:r>
-              <a:t>8</a:t>
+              <a:t>7</a:t>
             </a:r>
           </a:p>
         </p:txBody>
       </p:sp>
       <p:sp>
         <p:nvSpPr>
-          <p:cNvPr id="428" name="Line"/>
+          <p:cNvPr id="426" name="Line"/>
           <p:cNvSpPr/>
           <p:nvPr/>
         </p:nvSpPr>
@@ -16026,6 +15952,10 @@
             <a:solidFill>
               <a:schemeClr val="accent4"/>
             </a:solidFill>
+            <a:custDash>
+              <a:ds d="200000" sp="200000"/>
+            </a:custDash>
+            <a:miter lim="400000"/>
             <a:tailEnd type="triangle"/>
           </a:ln>
         </p:spPr>
@@ -16039,14 +15969,14 @@
       </p:sp>
       <p:sp>
         <p:nvSpPr>
-          <p:cNvPr id="429" name="0"/>
+          <p:cNvPr id="427" name="0"/>
           <p:cNvSpPr txBox="1"/>
           <p:nvPr/>
         </p:nvSpPr>
         <p:spPr>
           <a:xfrm>
-            <a:off x="4912219" y="1902790"/>
-            <a:ext cx="324456" cy="447230"/>
+            <a:off x="4179428" y="3671092"/>
+            <a:ext cx="324456" cy="447229"/>
           </a:xfrm>
           <a:prstGeom prst="rect">
             <a:avLst/>
@@ -16087,7 +16017,7 @@
       </p:sp>
       <p:grpSp>
         <p:nvGrpSpPr>
-          <p:cNvPr id="432" name="Group"/>
+          <p:cNvPr id="430" name="Group"/>
           <p:cNvGrpSpPr/>
           <p:nvPr/>
         </p:nvGrpSpPr>
@@ -16101,14 +16031,14 @@
         </p:grpSpPr>
         <p:sp>
           <p:nvSpPr>
-            <p:cNvPr id="430" name="2"/>
+            <p:cNvPr id="428" name="2"/>
             <p:cNvSpPr txBox="1"/>
             <p:nvPr/>
           </p:nvSpPr>
           <p:spPr>
             <a:xfrm>
-              <a:off x="214973" y="0"/>
-              <a:ext cx="324457" cy="447229"/>
+              <a:off x="214973" y="-1"/>
+              <a:ext cx="324457" cy="447230"/>
             </a:xfrm>
             <a:prstGeom prst="rect">
               <a:avLst/>
@@ -16149,7 +16079,7 @@
         </p:sp>
         <p:sp>
           <p:nvSpPr>
-            <p:cNvPr id="431" name="Line"/>
+            <p:cNvPr id="429" name="Line"/>
             <p:cNvSpPr/>
             <p:nvPr/>
           </p:nvSpPr>
@@ -16185,61 +16115,13 @@
       </p:grpSp>
       <p:sp>
         <p:nvSpPr>
-          <p:cNvPr id="433" name="4"/>
-          <p:cNvSpPr txBox="1"/>
-          <p:nvPr/>
-        </p:nvSpPr>
-        <p:spPr>
-          <a:xfrm>
-            <a:off x="3998338" y="3574487"/>
-            <a:ext cx="324456" cy="447229"/>
-          </a:xfrm>
-          <a:prstGeom prst="rect">
-            <a:avLst/>
-          </a:prstGeom>
-          <a:ln w="12700">
-            <a:miter lim="400000"/>
-          </a:ln>
-          <a:extLst>
-            <a:ext uri="{C572A759-6A51-4108-AA02-DFA0A04FC94B}">
-              <ma14:wrappingTextBoxFlag xmlns:ma14="http://schemas.microsoft.com/office/mac/drawingml/2011/main" val="1"/>
-            </a:ext>
-          </a:extLst>
-        </p:spPr>
-        <p:txBody>
-          <a:bodyPr wrap="none" lIns="50800" tIns="50800" rIns="50800" bIns="50800" anchor="ctr">
-            <a:spAutoFit/>
-          </a:bodyPr>
-          <a:lstStyle>
-            <a:lvl1pPr>
-              <a:defRPr b="1" sz="2400">
-                <a:solidFill>
-                  <a:schemeClr val="accent4"/>
-                </a:solidFill>
-                <a:latin typeface="Arial"/>
-                <a:ea typeface="Arial"/>
-                <a:cs typeface="Arial"/>
-                <a:sym typeface="Arial"/>
-              </a:defRPr>
-            </a:lvl1pPr>
-          </a:lstStyle>
-          <a:p>
-            <a:pPr/>
-            <a:r>
-              <a:t>4</a:t>
-            </a:r>
-          </a:p>
-        </p:txBody>
-      </p:sp>
-      <p:sp>
-        <p:nvSpPr>
-          <p:cNvPr id="434" name="Line"/>
+          <p:cNvPr id="431" name="Line"/>
           <p:cNvSpPr/>
           <p:nvPr/>
         </p:nvSpPr>
         <p:spPr>
           <a:xfrm>
-            <a:off x="3975252" y="4003601"/>
+            <a:off x="3975252" y="4003602"/>
             <a:ext cx="1385995" cy="1"/>
           </a:xfrm>
           <a:prstGeom prst="line">
@@ -16262,13 +16144,13 @@
       </p:sp>
       <p:sp>
         <p:nvSpPr>
-          <p:cNvPr id="435" name="7"/>
+          <p:cNvPr id="432" name="7"/>
           <p:cNvSpPr txBox="1"/>
           <p:nvPr/>
         </p:nvSpPr>
         <p:spPr>
           <a:xfrm>
-            <a:off x="3998338" y="3964204"/>
+            <a:off x="3467368" y="4048722"/>
             <a:ext cx="324456" cy="447230"/>
           </a:xfrm>
           <a:prstGeom prst="rect">
@@ -16310,13 +16192,13 @@
       </p:sp>
       <p:sp>
         <p:nvSpPr>
-          <p:cNvPr id="436" name="Line"/>
+          <p:cNvPr id="433" name="Line"/>
           <p:cNvSpPr/>
           <p:nvPr/>
         </p:nvSpPr>
         <p:spPr>
           <a:xfrm flipV="1">
-            <a:off x="4009181" y="1917146"/>
+            <a:off x="3996262" y="1802692"/>
             <a:ext cx="1398406" cy="2851185"/>
           </a:xfrm>
           <a:prstGeom prst="line">
@@ -16326,6 +16208,10 @@
             <a:solidFill>
               <a:schemeClr val="accent6"/>
             </a:solidFill>
+            <a:custDash>
+              <a:ds d="200000" sp="200000"/>
+            </a:custDash>
+            <a:miter lim="400000"/>
             <a:tailEnd type="triangle"/>
           </a:ln>
         </p:spPr>
@@ -16339,13 +16225,534 @@
       </p:sp>
       <p:sp>
         <p:nvSpPr>
-          <p:cNvPr id="437" name="0"/>
+          <p:cNvPr id="434" name="Line"/>
+          <p:cNvSpPr/>
+          <p:nvPr/>
+        </p:nvSpPr>
+        <p:spPr>
+          <a:xfrm flipV="1">
+            <a:off x="3961016" y="3105081"/>
+            <a:ext cx="1400231" cy="1789243"/>
+          </a:xfrm>
+          <a:prstGeom prst="line">
+            <a:avLst/>
+          </a:prstGeom>
+          <a:ln w="38100">
+            <a:solidFill>
+              <a:schemeClr val="accent6"/>
+            </a:solidFill>
+            <a:custDash>
+              <a:ds d="200000" sp="200000"/>
+            </a:custDash>
+            <a:miter lim="400000"/>
+            <a:tailEnd type="triangle"/>
+          </a:ln>
+        </p:spPr>
+        <p:txBody>
+          <a:bodyPr lIns="0" tIns="0" rIns="0" bIns="0"/>
+          <a:lstStyle/>
+          <a:p>
+            <a:pPr/>
+          </a:p>
+        </p:txBody>
+      </p:sp>
+      <p:sp>
+        <p:nvSpPr>
+          <p:cNvPr id="435" name="Line"/>
+          <p:cNvSpPr/>
+          <p:nvPr/>
+        </p:nvSpPr>
+        <p:spPr>
+          <a:xfrm flipV="1">
+            <a:off x="3987792" y="2111639"/>
+            <a:ext cx="1833095" cy="3557374"/>
+          </a:xfrm>
+          <a:prstGeom prst="line">
+            <a:avLst/>
+          </a:prstGeom>
+          <a:ln w="50800">
+            <a:solidFill>
+              <a:srgbClr val="00D2A9"/>
+            </a:solidFill>
+            <a:custDash>
+              <a:ds d="200000" sp="200000"/>
+            </a:custDash>
+            <a:miter lim="400000"/>
+            <a:tailEnd type="triangle"/>
+          </a:ln>
+        </p:spPr>
+        <p:txBody>
+          <a:bodyPr lIns="0" tIns="0" rIns="0" bIns="0"/>
+          <a:lstStyle/>
+          <a:p>
+            <a:pPr/>
+          </a:p>
+        </p:txBody>
+      </p:sp>
+      <p:sp>
+        <p:nvSpPr>
+          <p:cNvPr id="436" name="Line"/>
+          <p:cNvSpPr/>
+          <p:nvPr/>
+        </p:nvSpPr>
+        <p:spPr>
+          <a:xfrm>
+            <a:off x="6707614" y="1632327"/>
+            <a:ext cx="1772286" cy="2060066"/>
+          </a:xfrm>
+          <a:prstGeom prst="line">
+            <a:avLst/>
+          </a:prstGeom>
+          <a:ln w="50800">
+            <a:solidFill>
+              <a:schemeClr val="accent3">
+                <a:hueOff val="-333990"/>
+                <a:satOff val="3917"/>
+                <a:lumOff val="-6666"/>
+              </a:schemeClr>
+            </a:solidFill>
+            <a:tailEnd type="triangle"/>
+          </a:ln>
+        </p:spPr>
+        <p:txBody>
+          <a:bodyPr lIns="0" tIns="0" rIns="0" bIns="0"/>
+          <a:lstStyle/>
+          <a:p>
+            <a:pPr/>
+          </a:p>
+        </p:txBody>
+      </p:sp>
+      <p:sp>
+        <p:nvSpPr>
+          <p:cNvPr id="437" name="6"/>
           <p:cNvSpPr txBox="1"/>
           <p:nvPr/>
         </p:nvSpPr>
         <p:spPr>
           <a:xfrm>
-            <a:off x="3856382" y="4275001"/>
+            <a:off x="6753083" y="1430184"/>
+            <a:ext cx="324457" cy="447230"/>
+          </a:xfrm>
+          <a:prstGeom prst="rect">
+            <a:avLst/>
+          </a:prstGeom>
+          <a:ln w="12700">
+            <a:miter lim="400000"/>
+          </a:ln>
+          <a:extLst>
+            <a:ext uri="{C572A759-6A51-4108-AA02-DFA0A04FC94B}">
+              <ma14:wrappingTextBoxFlag xmlns:ma14="http://schemas.microsoft.com/office/mac/drawingml/2011/main" val="1"/>
+            </a:ext>
+          </a:extLst>
+        </p:spPr>
+        <p:txBody>
+          <a:bodyPr wrap="none" lIns="50800" tIns="50800" rIns="50800" bIns="50800" anchor="ctr">
+            <a:spAutoFit/>
+          </a:bodyPr>
+          <a:lstStyle>
+            <a:lvl1pPr>
+              <a:defRPr b="1" sz="2400">
+                <a:solidFill>
+                  <a:schemeClr val="accent3">
+                    <a:hueOff val="-333990"/>
+                    <a:satOff val="3917"/>
+                    <a:lumOff val="-6666"/>
+                  </a:schemeClr>
+                </a:solidFill>
+                <a:latin typeface="Arial"/>
+                <a:ea typeface="Arial"/>
+                <a:cs typeface="Arial"/>
+                <a:sym typeface="Arial"/>
+              </a:defRPr>
+            </a:lvl1pPr>
+          </a:lstStyle>
+          <a:p>
+            <a:pPr/>
+            <a:r>
+              <a:t>6</a:t>
+            </a:r>
+          </a:p>
+        </p:txBody>
+      </p:sp>
+      <p:sp>
+        <p:nvSpPr>
+          <p:cNvPr id="438" name="Line"/>
+          <p:cNvSpPr/>
+          <p:nvPr/>
+        </p:nvSpPr>
+        <p:spPr>
+          <a:xfrm>
+            <a:off x="6692221" y="2885622"/>
+            <a:ext cx="1600997" cy="944449"/>
+          </a:xfrm>
+          <a:prstGeom prst="line">
+            <a:avLst/>
+          </a:prstGeom>
+          <a:ln w="50800">
+            <a:solidFill>
+              <a:schemeClr val="accent3">
+                <a:hueOff val="-333990"/>
+                <a:satOff val="3917"/>
+                <a:lumOff val="-6666"/>
+              </a:schemeClr>
+            </a:solidFill>
+            <a:tailEnd type="triangle"/>
+          </a:ln>
+        </p:spPr>
+        <p:txBody>
+          <a:bodyPr lIns="0" tIns="0" rIns="0" bIns="0"/>
+          <a:lstStyle/>
+          <a:p>
+            <a:pPr/>
+          </a:p>
+        </p:txBody>
+      </p:sp>
+      <p:sp>
+        <p:nvSpPr>
+          <p:cNvPr id="439" name="6"/>
+          <p:cNvSpPr txBox="1"/>
+          <p:nvPr/>
+        </p:nvSpPr>
+        <p:spPr>
+          <a:xfrm>
+            <a:off x="6884196" y="2682992"/>
+            <a:ext cx="324456" cy="447230"/>
+          </a:xfrm>
+          <a:prstGeom prst="rect">
+            <a:avLst/>
+          </a:prstGeom>
+          <a:ln w="12700">
+            <a:miter lim="400000"/>
+          </a:ln>
+          <a:extLst>
+            <a:ext uri="{C572A759-6A51-4108-AA02-DFA0A04FC94B}">
+              <ma14:wrappingTextBoxFlag xmlns:ma14="http://schemas.microsoft.com/office/mac/drawingml/2011/main" val="1"/>
+            </a:ext>
+          </a:extLst>
+        </p:spPr>
+        <p:txBody>
+          <a:bodyPr wrap="none" lIns="50800" tIns="50800" rIns="50800" bIns="50800" anchor="ctr">
+            <a:spAutoFit/>
+          </a:bodyPr>
+          <a:lstStyle>
+            <a:lvl1pPr>
+              <a:defRPr b="1" sz="2400">
+                <a:solidFill>
+                  <a:schemeClr val="accent3">
+                    <a:hueOff val="-333990"/>
+                    <a:satOff val="3917"/>
+                    <a:lumOff val="-6666"/>
+                  </a:schemeClr>
+                </a:solidFill>
+                <a:latin typeface="Arial"/>
+                <a:ea typeface="Arial"/>
+                <a:cs typeface="Arial"/>
+                <a:sym typeface="Arial"/>
+              </a:defRPr>
+            </a:lvl1pPr>
+          </a:lstStyle>
+          <a:p>
+            <a:pPr/>
+            <a:r>
+              <a:t>6</a:t>
+            </a:r>
+          </a:p>
+        </p:txBody>
+      </p:sp>
+      <p:sp>
+        <p:nvSpPr>
+          <p:cNvPr id="440" name="Line"/>
+          <p:cNvSpPr/>
+          <p:nvPr/>
+        </p:nvSpPr>
+        <p:spPr>
+          <a:xfrm>
+            <a:off x="6748857" y="3943730"/>
+            <a:ext cx="1524075" cy="1"/>
+          </a:xfrm>
+          <a:prstGeom prst="line">
+            <a:avLst/>
+          </a:prstGeom>
+          <a:ln w="50800">
+            <a:solidFill>
+              <a:schemeClr val="accent3">
+                <a:hueOff val="-333990"/>
+                <a:satOff val="3917"/>
+                <a:lumOff val="-6666"/>
+              </a:schemeClr>
+            </a:solidFill>
+            <a:tailEnd type="triangle"/>
+          </a:ln>
+        </p:spPr>
+        <p:txBody>
+          <a:bodyPr lIns="0" tIns="0" rIns="0" bIns="0"/>
+          <a:lstStyle/>
+          <a:p>
+            <a:pPr/>
+          </a:p>
+        </p:txBody>
+      </p:sp>
+      <p:sp>
+        <p:nvSpPr>
+          <p:cNvPr id="441" name="5"/>
+          <p:cNvSpPr txBox="1"/>
+          <p:nvPr/>
+        </p:nvSpPr>
+        <p:spPr>
+          <a:xfrm>
+            <a:off x="6958096" y="3574487"/>
+            <a:ext cx="324457" cy="447229"/>
+          </a:xfrm>
+          <a:prstGeom prst="rect">
+            <a:avLst/>
+          </a:prstGeom>
+          <a:ln w="12700">
+            <a:miter lim="400000"/>
+          </a:ln>
+          <a:extLst>
+            <a:ext uri="{C572A759-6A51-4108-AA02-DFA0A04FC94B}">
+              <ma14:wrappingTextBoxFlag xmlns:ma14="http://schemas.microsoft.com/office/mac/drawingml/2011/main" val="1"/>
+            </a:ext>
+          </a:extLst>
+        </p:spPr>
+        <p:txBody>
+          <a:bodyPr wrap="none" lIns="50800" tIns="50800" rIns="50800" bIns="50800" anchor="ctr">
+            <a:spAutoFit/>
+          </a:bodyPr>
+          <a:lstStyle>
+            <a:lvl1pPr>
+              <a:defRPr b="1" sz="2400">
+                <a:solidFill>
+                  <a:schemeClr val="accent3">
+                    <a:hueOff val="-333990"/>
+                    <a:satOff val="3917"/>
+                    <a:lumOff val="-6666"/>
+                  </a:schemeClr>
+                </a:solidFill>
+                <a:latin typeface="Arial"/>
+                <a:ea typeface="Arial"/>
+                <a:cs typeface="Arial"/>
+                <a:sym typeface="Arial"/>
+              </a:defRPr>
+            </a:lvl1pPr>
+          </a:lstStyle>
+          <a:p>
+            <a:pPr/>
+            <a:r>
+              <a:t>5</a:t>
+            </a:r>
+          </a:p>
+        </p:txBody>
+      </p:sp>
+      <p:sp>
+        <p:nvSpPr>
+          <p:cNvPr id="442" name="Line"/>
+          <p:cNvSpPr/>
+          <p:nvPr/>
+        </p:nvSpPr>
+        <p:spPr>
+          <a:xfrm flipV="1">
+            <a:off x="6714949" y="4187818"/>
+            <a:ext cx="1597834" cy="851553"/>
+          </a:xfrm>
+          <a:prstGeom prst="line">
+            <a:avLst/>
+          </a:prstGeom>
+          <a:ln w="50800">
+            <a:solidFill>
+              <a:schemeClr val="accent3">
+                <a:hueOff val="-333990"/>
+                <a:satOff val="3917"/>
+                <a:lumOff val="-6666"/>
+              </a:schemeClr>
+            </a:solidFill>
+            <a:tailEnd type="triangle"/>
+          </a:ln>
+        </p:spPr>
+        <p:txBody>
+          <a:bodyPr lIns="0" tIns="0" rIns="0" bIns="0"/>
+          <a:lstStyle/>
+          <a:p>
+            <a:pPr/>
+          </a:p>
+        </p:txBody>
+      </p:sp>
+      <p:sp>
+        <p:nvSpPr>
+          <p:cNvPr id="443" name="5"/>
+          <p:cNvSpPr txBox="1"/>
+          <p:nvPr/>
+        </p:nvSpPr>
+        <p:spPr>
+          <a:xfrm>
+            <a:off x="6749544" y="4422777"/>
+            <a:ext cx="324457" cy="447230"/>
+          </a:xfrm>
+          <a:prstGeom prst="rect">
+            <a:avLst/>
+          </a:prstGeom>
+          <a:ln w="12700">
+            <a:miter lim="400000"/>
+          </a:ln>
+          <a:extLst>
+            <a:ext uri="{C572A759-6A51-4108-AA02-DFA0A04FC94B}">
+              <ma14:wrappingTextBoxFlag xmlns:ma14="http://schemas.microsoft.com/office/mac/drawingml/2011/main" val="1"/>
+            </a:ext>
+          </a:extLst>
+        </p:spPr>
+        <p:txBody>
+          <a:bodyPr wrap="none" lIns="50800" tIns="50800" rIns="50800" bIns="50800" anchor="ctr">
+            <a:spAutoFit/>
+          </a:bodyPr>
+          <a:lstStyle>
+            <a:lvl1pPr>
+              <a:defRPr b="1" sz="2400">
+                <a:solidFill>
+                  <a:schemeClr val="accent3">
+                    <a:hueOff val="-333990"/>
+                    <a:satOff val="3917"/>
+                    <a:lumOff val="-6666"/>
+                  </a:schemeClr>
+                </a:solidFill>
+                <a:latin typeface="Arial"/>
+                <a:ea typeface="Arial"/>
+                <a:cs typeface="Arial"/>
+                <a:sym typeface="Arial"/>
+              </a:defRPr>
+            </a:lvl1pPr>
+          </a:lstStyle>
+          <a:p>
+            <a:pPr/>
+            <a:r>
+              <a:t>5</a:t>
+            </a:r>
+          </a:p>
+        </p:txBody>
+      </p:sp>
+      <p:sp>
+        <p:nvSpPr>
+          <p:cNvPr id="444" name="Line"/>
+          <p:cNvSpPr/>
+          <p:nvPr/>
+        </p:nvSpPr>
+        <p:spPr>
+          <a:xfrm flipV="1">
+            <a:off x="6713847" y="4275001"/>
+            <a:ext cx="1748862" cy="1739682"/>
+          </a:xfrm>
+          <a:prstGeom prst="line">
+            <a:avLst/>
+          </a:prstGeom>
+          <a:ln w="50800">
+            <a:solidFill>
+              <a:schemeClr val="accent3">
+                <a:hueOff val="-333990"/>
+                <a:satOff val="3917"/>
+                <a:lumOff val="-6666"/>
+              </a:schemeClr>
+            </a:solidFill>
+            <a:tailEnd type="triangle"/>
+          </a:ln>
+        </p:spPr>
+        <p:txBody>
+          <a:bodyPr lIns="0" tIns="0" rIns="0" bIns="0"/>
+          <a:lstStyle/>
+          <a:p>
+            <a:pPr/>
+          </a:p>
+        </p:txBody>
+      </p:sp>
+      <p:sp>
+        <p:nvSpPr>
+          <p:cNvPr id="445" name="0"/>
+          <p:cNvSpPr txBox="1"/>
+          <p:nvPr/>
+        </p:nvSpPr>
+        <p:spPr>
+          <a:xfrm>
+            <a:off x="6724154" y="5421785"/>
+            <a:ext cx="324456" cy="447230"/>
+          </a:xfrm>
+          <a:prstGeom prst="rect">
+            <a:avLst/>
+          </a:prstGeom>
+          <a:ln w="12700">
+            <a:miter lim="400000"/>
+          </a:ln>
+          <a:extLst>
+            <a:ext uri="{C572A759-6A51-4108-AA02-DFA0A04FC94B}">
+              <ma14:wrappingTextBoxFlag xmlns:ma14="http://schemas.microsoft.com/office/mac/drawingml/2011/main" val="1"/>
+            </a:ext>
+          </a:extLst>
+        </p:spPr>
+        <p:txBody>
+          <a:bodyPr wrap="none" lIns="50800" tIns="50800" rIns="50800" bIns="50800" anchor="ctr">
+            <a:spAutoFit/>
+          </a:bodyPr>
+          <a:lstStyle>
+            <a:lvl1pPr>
+              <a:defRPr b="1" sz="2400">
+                <a:solidFill>
+                  <a:schemeClr val="accent3">
+                    <a:hueOff val="-333990"/>
+                    <a:satOff val="3917"/>
+                    <a:lumOff val="-6666"/>
+                  </a:schemeClr>
+                </a:solidFill>
+                <a:latin typeface="Arial"/>
+                <a:ea typeface="Arial"/>
+                <a:cs typeface="Arial"/>
+                <a:sym typeface="Arial"/>
+              </a:defRPr>
+            </a:lvl1pPr>
+          </a:lstStyle>
+          <a:p>
+            <a:pPr/>
+            <a:r>
+              <a:t>0</a:t>
+            </a:r>
+          </a:p>
+        </p:txBody>
+      </p:sp>
+      <p:sp>
+        <p:nvSpPr>
+          <p:cNvPr id="446" name="Line"/>
+          <p:cNvSpPr/>
+          <p:nvPr/>
+        </p:nvSpPr>
+        <p:spPr>
+          <a:xfrm>
+            <a:off x="3716078" y="3106539"/>
+            <a:ext cx="1749567" cy="2804251"/>
+          </a:xfrm>
+          <a:prstGeom prst="line">
+            <a:avLst/>
+          </a:prstGeom>
+          <a:ln w="38100">
+            <a:solidFill>
+              <a:schemeClr val="accent2"/>
+            </a:solidFill>
+            <a:miter lim="400000"/>
+            <a:tailEnd type="triangle"/>
+          </a:ln>
+        </p:spPr>
+        <p:txBody>
+          <a:bodyPr lIns="0" tIns="0" rIns="0" bIns="0"/>
+          <a:lstStyle/>
+          <a:p>
+            <a:pPr/>
+          </a:p>
+        </p:txBody>
+      </p:sp>
+      <p:sp>
+        <p:nvSpPr>
+          <p:cNvPr id="447" name="4"/>
+          <p:cNvSpPr txBox="1"/>
+          <p:nvPr/>
+        </p:nvSpPr>
+        <p:spPr>
+          <a:xfrm>
+            <a:off x="3856382" y="5068925"/>
             <a:ext cx="324456" cy="447229"/>
           </a:xfrm>
           <a:prstGeom prst="rect">
@@ -16380,107 +16787,20 @@
           <a:p>
             <a:pPr/>
             <a:r>
-              <a:t>0</a:t>
+              <a:t>4</a:t>
             </a:r>
           </a:p>
         </p:txBody>
       </p:sp>
       <p:sp>
         <p:nvSpPr>
-          <p:cNvPr id="438" name="Line"/>
-          <p:cNvSpPr/>
-          <p:nvPr/>
-        </p:nvSpPr>
-        <p:spPr>
-          <a:xfrm flipV="1">
-            <a:off x="3961016" y="3105081"/>
-            <a:ext cx="1400231" cy="1789243"/>
-          </a:xfrm>
-          <a:prstGeom prst="line">
-            <a:avLst/>
-          </a:prstGeom>
-          <a:ln w="38100">
-            <a:solidFill>
-              <a:schemeClr val="accent6"/>
-            </a:solidFill>
-            <a:tailEnd type="triangle"/>
-          </a:ln>
-        </p:spPr>
-        <p:txBody>
-          <a:bodyPr lIns="0" tIns="0" rIns="0" bIns="0"/>
-          <a:lstStyle/>
-          <a:p>
-            <a:pPr/>
-          </a:p>
-        </p:txBody>
-      </p:sp>
-      <p:sp>
-        <p:nvSpPr>
-          <p:cNvPr id="439" name="Line"/>
-          <p:cNvSpPr/>
-          <p:nvPr/>
-        </p:nvSpPr>
-        <p:spPr>
-          <a:xfrm flipV="1">
-            <a:off x="4009181" y="2111639"/>
-            <a:ext cx="1811706" cy="3864971"/>
-          </a:xfrm>
-          <a:prstGeom prst="line">
-            <a:avLst/>
-          </a:prstGeom>
-          <a:ln w="38100">
-            <a:solidFill>
-              <a:schemeClr val="accent5"/>
-            </a:solidFill>
-            <a:tailEnd type="triangle"/>
-          </a:ln>
-        </p:spPr>
-        <p:txBody>
-          <a:bodyPr lIns="0" tIns="0" rIns="0" bIns="0"/>
-          <a:lstStyle/>
-          <a:p>
-            <a:pPr/>
-          </a:p>
-        </p:txBody>
-      </p:sp>
-      <p:sp>
-        <p:nvSpPr>
-          <p:cNvPr id="440" name="Line"/>
-          <p:cNvSpPr/>
-          <p:nvPr/>
-        </p:nvSpPr>
-        <p:spPr>
-          <a:xfrm>
-            <a:off x="6707614" y="1632326"/>
-            <a:ext cx="1772286" cy="2060067"/>
-          </a:xfrm>
-          <a:prstGeom prst="line">
-            <a:avLst/>
-          </a:prstGeom>
-          <a:ln w="50800">
-            <a:solidFill>
-              <a:srgbClr val="00D2A9"/>
-            </a:solidFill>
-            <a:tailEnd type="triangle"/>
-          </a:ln>
-        </p:spPr>
-        <p:txBody>
-          <a:bodyPr lIns="0" tIns="0" rIns="0" bIns="0"/>
-          <a:lstStyle/>
-          <a:p>
-            <a:pPr/>
-          </a:p>
-        </p:txBody>
-      </p:sp>
-      <p:sp>
-        <p:nvSpPr>
-          <p:cNvPr id="441" name="6"/>
+          <p:cNvPr id="448" name="0"/>
           <p:cNvSpPr txBox="1"/>
           <p:nvPr/>
         </p:nvSpPr>
         <p:spPr>
           <a:xfrm>
-            <a:off x="6753084" y="1430184"/>
+            <a:off x="4501759" y="5777772"/>
             <a:ext cx="324456" cy="447230"/>
           </a:xfrm>
           <a:prstGeom prst="rect">
@@ -16515,29 +16835,30 @@
           <a:p>
             <a:pPr/>
             <a:r>
-              <a:t>6</a:t>
+              <a:t>0</a:t>
             </a:r>
           </a:p>
         </p:txBody>
       </p:sp>
       <p:sp>
         <p:nvSpPr>
-          <p:cNvPr id="442" name="Line"/>
+          <p:cNvPr id="449" name="Line"/>
           <p:cNvSpPr/>
           <p:nvPr/>
         </p:nvSpPr>
         <p:spPr>
           <a:xfrm>
-            <a:off x="6692221" y="2885622"/>
-            <a:ext cx="1600998" cy="944449"/>
+            <a:off x="3938641" y="4131987"/>
+            <a:ext cx="1468712" cy="924103"/>
           </a:xfrm>
           <a:prstGeom prst="line">
             <a:avLst/>
           </a:prstGeom>
-          <a:ln w="50800">
+          <a:ln w="38100">
             <a:solidFill>
-              <a:srgbClr val="00D2A9"/>
+              <a:schemeClr val="accent4"/>
             </a:solidFill>
+            <a:miter lim="400000"/>
             <a:tailEnd type="triangle"/>
           </a:ln>
         </p:spPr>
@@ -16551,13 +16872,75 @@
       </p:sp>
       <p:sp>
         <p:nvSpPr>
-          <p:cNvPr id="443" name="6"/>
+          <p:cNvPr id="450" name="Q: Find max marks using DP Forward approach?…"/>
           <p:cNvSpPr txBox="1"/>
           <p:nvPr/>
         </p:nvSpPr>
         <p:spPr>
           <a:xfrm>
-            <a:off x="6884195" y="2682992"/>
+            <a:off x="891279" y="6128924"/>
+            <a:ext cx="7271282" cy="914401"/>
+          </a:xfrm>
+          <a:prstGeom prst="rect">
+            <a:avLst/>
+          </a:prstGeom>
+          <a:ln w="12700">
+            <a:miter lim="400000"/>
+          </a:ln>
+          <a:extLst>
+            <a:ext uri="{C572A759-6A51-4108-AA02-DFA0A04FC94B}">
+              <ma14:wrappingTextBoxFlag xmlns:ma14="http://schemas.microsoft.com/office/mac/drawingml/2011/main" val="1"/>
+            </a:ext>
+          </a:extLst>
+        </p:spPr>
+        <p:txBody>
+          <a:bodyPr wrap="none" lIns="50800" tIns="50800" rIns="50800" bIns="50800" anchor="ctr">
+            <a:spAutoFit/>
+          </a:bodyPr>
+          <a:lstStyle/>
+          <a:p>
+            <a:pPr>
+              <a:defRPr sz="2800">
+                <a:solidFill>
+                  <a:schemeClr val="accent5"/>
+                </a:solidFill>
+                <a:latin typeface="Gill Sans MT"/>
+                <a:ea typeface="Gill Sans MT"/>
+                <a:cs typeface="Gill Sans MT"/>
+                <a:sym typeface="Gill Sans MT"/>
+              </a:defRPr>
+            </a:pPr>
+            <a:r>
+              <a:t>Q: Find max marks using DP Forward approach?</a:t>
+            </a:r>
+          </a:p>
+          <a:p>
+            <a:pPr>
+              <a:defRPr sz="2800">
+                <a:solidFill>
+                  <a:schemeClr val="accent5"/>
+                </a:solidFill>
+                <a:latin typeface="Gill Sans MT"/>
+                <a:ea typeface="Gill Sans MT"/>
+                <a:cs typeface="Gill Sans MT"/>
+                <a:sym typeface="Gill Sans MT"/>
+              </a:defRPr>
+            </a:pPr>
+            <a:r>
+              <a:t>Q: Find max marks using DP Backward approach?</a:t>
+            </a:r>
+          </a:p>
+        </p:txBody>
+      </p:sp>
+      <p:sp>
+        <p:nvSpPr>
+          <p:cNvPr id="451" name="8"/>
+          <p:cNvSpPr txBox="1"/>
+          <p:nvPr/>
+        </p:nvSpPr>
+        <p:spPr>
+          <a:xfrm>
+            <a:off x="3524856" y="3074035"/>
             <a:ext cx="324457" cy="447230"/>
           </a:xfrm>
           <a:prstGeom prst="rect">
@@ -16580,7 +16963,7 @@
             <a:lvl1pPr>
               <a:defRPr b="1" sz="2400">
                 <a:solidFill>
-                  <a:srgbClr val="00D2A9"/>
+                  <a:schemeClr val="accent2"/>
                 </a:solidFill>
                 <a:latin typeface="Arial"/>
                 <a:ea typeface="Arial"/>
@@ -16592,29 +16975,33 @@
           <a:p>
             <a:pPr/>
             <a:r>
-              <a:t>6</a:t>
+              <a:t>8</a:t>
             </a:r>
           </a:p>
         </p:txBody>
       </p:sp>
       <p:sp>
         <p:nvSpPr>
-          <p:cNvPr id="444" name="Line"/>
+          <p:cNvPr id="452" name="Line"/>
           <p:cNvSpPr/>
           <p:nvPr/>
         </p:nvSpPr>
         <p:spPr>
-          <a:xfrm>
-            <a:off x="6748858" y="3943730"/>
-            <a:ext cx="1524074" cy="1"/>
+          <a:xfrm flipV="1">
+            <a:off x="3988317" y="1760576"/>
+            <a:ext cx="1306264" cy="813731"/>
           </a:xfrm>
           <a:prstGeom prst="line">
             <a:avLst/>
           </a:prstGeom>
-          <a:ln w="50800">
+          <a:ln w="38100">
             <a:solidFill>
-              <a:srgbClr val="00D2A9"/>
+              <a:schemeClr val="accent2"/>
             </a:solidFill>
+            <a:custDash>
+              <a:ds d="200000" sp="200000"/>
+            </a:custDash>
+            <a:miter lim="400000"/>
             <a:tailEnd type="triangle"/>
           </a:ln>
         </p:spPr>
@@ -16628,70 +17015,23 @@
       </p:sp>
       <p:sp>
         <p:nvSpPr>
-          <p:cNvPr id="445" name="5"/>
-          <p:cNvSpPr txBox="1"/>
+          <p:cNvPr id="453" name="Line"/>
+          <p:cNvSpPr/>
           <p:nvPr/>
         </p:nvSpPr>
         <p:spPr>
           <a:xfrm>
-            <a:off x="6958096" y="3574487"/>
-            <a:ext cx="324457" cy="447229"/>
-          </a:xfrm>
-          <a:prstGeom prst="rect">
-            <a:avLst/>
-          </a:prstGeom>
-          <a:ln w="12700">
-            <a:miter lim="400000"/>
-          </a:ln>
-          <a:extLst>
-            <a:ext uri="{C572A759-6A51-4108-AA02-DFA0A04FC94B}">
-              <ma14:wrappingTextBoxFlag xmlns:ma14="http://schemas.microsoft.com/office/mac/drawingml/2011/main" val="1"/>
-            </a:ext>
-          </a:extLst>
-        </p:spPr>
-        <p:txBody>
-          <a:bodyPr wrap="none" lIns="50800" tIns="50800" rIns="50800" bIns="50800" anchor="ctr">
-            <a:spAutoFit/>
-          </a:bodyPr>
-          <a:lstStyle>
-            <a:lvl1pPr>
-              <a:defRPr b="1" sz="2400">
-                <a:solidFill>
-                  <a:srgbClr val="00D2A9"/>
-                </a:solidFill>
-                <a:latin typeface="Arial"/>
-                <a:ea typeface="Arial"/>
-                <a:cs typeface="Arial"/>
-                <a:sym typeface="Arial"/>
-              </a:defRPr>
-            </a:lvl1pPr>
-          </a:lstStyle>
-          <a:p>
-            <a:pPr/>
-            <a:r>
-              <a:t>5</a:t>
-            </a:r>
-          </a:p>
-        </p:txBody>
-      </p:sp>
-      <p:sp>
-        <p:nvSpPr>
-          <p:cNvPr id="446" name="Line"/>
-          <p:cNvSpPr/>
-          <p:nvPr/>
-        </p:nvSpPr>
-        <p:spPr>
-          <a:xfrm flipV="1">
-            <a:off x="6714950" y="4187818"/>
-            <a:ext cx="1597833" cy="851553"/>
+            <a:off x="3713213" y="4197335"/>
+            <a:ext cx="1641831" cy="1835355"/>
           </a:xfrm>
           <a:prstGeom prst="line">
             <a:avLst/>
           </a:prstGeom>
-          <a:ln w="50800">
+          <a:ln w="38100">
             <a:solidFill>
-              <a:srgbClr val="00D2A9"/>
+              <a:schemeClr val="accent4"/>
             </a:solidFill>
+            <a:miter lim="400000"/>
             <a:tailEnd type="triangle"/>
           </a:ln>
         </p:spPr>
@@ -16705,90 +17045,13 @@
       </p:sp>
       <p:sp>
         <p:nvSpPr>
-          <p:cNvPr id="447" name="5"/>
+          <p:cNvPr id="454" name="4"/>
           <p:cNvSpPr txBox="1"/>
           <p:nvPr/>
         </p:nvSpPr>
         <p:spPr>
           <a:xfrm>
-            <a:off x="6928180" y="4401188"/>
-            <a:ext cx="324456" cy="447229"/>
-          </a:xfrm>
-          <a:prstGeom prst="rect">
-            <a:avLst/>
-          </a:prstGeom>
-          <a:ln w="12700">
-            <a:miter lim="400000"/>
-          </a:ln>
-          <a:extLst>
-            <a:ext uri="{C572A759-6A51-4108-AA02-DFA0A04FC94B}">
-              <ma14:wrappingTextBoxFlag xmlns:ma14="http://schemas.microsoft.com/office/mac/drawingml/2011/main" val="1"/>
-            </a:ext>
-          </a:extLst>
-        </p:spPr>
-        <p:txBody>
-          <a:bodyPr wrap="none" lIns="50800" tIns="50800" rIns="50800" bIns="50800" anchor="ctr">
-            <a:spAutoFit/>
-          </a:bodyPr>
-          <a:lstStyle>
-            <a:lvl1pPr>
-              <a:defRPr b="1" sz="2400">
-                <a:solidFill>
-                  <a:srgbClr val="00D2A9"/>
-                </a:solidFill>
-                <a:latin typeface="Arial"/>
-                <a:ea typeface="Arial"/>
-                <a:cs typeface="Arial"/>
-                <a:sym typeface="Arial"/>
-              </a:defRPr>
-            </a:lvl1pPr>
-          </a:lstStyle>
-          <a:p>
-            <a:pPr/>
-            <a:r>
-              <a:t>5</a:t>
-            </a:r>
-          </a:p>
-        </p:txBody>
-      </p:sp>
-      <p:sp>
-        <p:nvSpPr>
-          <p:cNvPr id="448" name="Line"/>
-          <p:cNvSpPr/>
-          <p:nvPr/>
-        </p:nvSpPr>
-        <p:spPr>
-          <a:xfrm flipV="1">
-            <a:off x="6713846" y="4275001"/>
-            <a:ext cx="1748863" cy="1739682"/>
-          </a:xfrm>
-          <a:prstGeom prst="line">
-            <a:avLst/>
-          </a:prstGeom>
-          <a:ln w="50800">
-            <a:solidFill>
-              <a:srgbClr val="00D2A9"/>
-            </a:solidFill>
-            <a:tailEnd type="triangle"/>
-          </a:ln>
-        </p:spPr>
-        <p:txBody>
-          <a:bodyPr lIns="0" tIns="0" rIns="0" bIns="0"/>
-          <a:lstStyle/>
-          <a:p>
-            <a:pPr/>
-          </a:p>
-        </p:txBody>
-      </p:sp>
-      <p:sp>
-        <p:nvSpPr>
-          <p:cNvPr id="449" name="0"/>
-          <p:cNvSpPr txBox="1"/>
-          <p:nvPr/>
-        </p:nvSpPr>
-        <p:spPr>
-          <a:xfrm>
-            <a:off x="6724154" y="5421785"/>
+            <a:off x="3970876" y="3902870"/>
             <a:ext cx="324456" cy="447230"/>
           </a:xfrm>
           <a:prstGeom prst="rect">
@@ -16811,7 +17074,7 @@
             <a:lvl1pPr>
               <a:defRPr b="1" sz="2400">
                 <a:solidFill>
-                  <a:srgbClr val="00D2A9"/>
+                  <a:schemeClr val="accent4"/>
                 </a:solidFill>
                 <a:latin typeface="Arial"/>
                 <a:ea typeface="Arial"/>
@@ -16823,33 +17086,29 @@
           <a:p>
             <a:pPr/>
             <a:r>
-              <a:t>0</a:t>
+              <a:t>4</a:t>
             </a:r>
           </a:p>
         </p:txBody>
       </p:sp>
       <p:sp>
         <p:nvSpPr>
-          <p:cNvPr id="450" name="Line"/>
+          <p:cNvPr id="455" name="Line"/>
           <p:cNvSpPr/>
           <p:nvPr/>
         </p:nvSpPr>
         <p:spPr>
           <a:xfrm>
-            <a:off x="3660957" y="3105034"/>
-            <a:ext cx="1749568" cy="2804252"/>
+            <a:off x="3998190" y="4947231"/>
+            <a:ext cx="1385995" cy="1"/>
           </a:xfrm>
           <a:prstGeom prst="line">
             <a:avLst/>
           </a:prstGeom>
-          <a:ln w="63500" cap="rnd">
+          <a:ln w="38100">
             <a:solidFill>
-              <a:schemeClr val="accent2"/>
+              <a:schemeClr val="accent6"/>
             </a:solidFill>
-            <a:custDash>
-              <a:ds d="100000" sp="200000"/>
-            </a:custDash>
-            <a:miter lim="400000"/>
             <a:tailEnd type="triangle"/>
           </a:ln>
         </p:spPr>
@@ -16863,14 +17122,14 @@
       </p:sp>
       <p:sp>
         <p:nvSpPr>
-          <p:cNvPr id="451" name="4"/>
+          <p:cNvPr id="456" name="0"/>
           <p:cNvSpPr txBox="1"/>
           <p:nvPr/>
         </p:nvSpPr>
         <p:spPr>
           <a:xfrm>
-            <a:off x="3998338" y="4612776"/>
-            <a:ext cx="324456" cy="447229"/>
+            <a:off x="4071409" y="4823438"/>
+            <a:ext cx="324456" cy="447230"/>
           </a:xfrm>
           <a:prstGeom prst="rect">
             <a:avLst/>
@@ -16904,76 +17163,57 @@
           <a:p>
             <a:pPr/>
             <a:r>
-              <a:t>4</a:t>
+              <a:t>0</a:t>
             </a:r>
           </a:p>
         </p:txBody>
       </p:sp>
       <p:sp>
         <p:nvSpPr>
-          <p:cNvPr id="452" name="0"/>
-          <p:cNvSpPr txBox="1"/>
-          <p:nvPr/>
-        </p:nvSpPr>
-        <p:spPr>
-          <a:xfrm>
-            <a:off x="3899908" y="5346720"/>
-            <a:ext cx="324456" cy="447230"/>
-          </a:xfrm>
-          <a:prstGeom prst="rect">
-            <a:avLst/>
-          </a:prstGeom>
-          <a:ln w="12700">
-            <a:miter lim="400000"/>
-          </a:ln>
-          <a:extLst>
-            <a:ext uri="{C572A759-6A51-4108-AA02-DFA0A04FC94B}">
-              <ma14:wrappingTextBoxFlag xmlns:ma14="http://schemas.microsoft.com/office/mac/drawingml/2011/main" val="1"/>
-            </a:ext>
-          </a:extLst>
-        </p:spPr>
-        <p:txBody>
-          <a:bodyPr wrap="none" lIns="50800" tIns="50800" rIns="50800" bIns="50800" anchor="ctr">
-            <a:spAutoFit/>
-          </a:bodyPr>
-          <a:lstStyle>
-            <a:lvl1pPr>
-              <a:defRPr b="1" sz="2400">
-                <a:solidFill>
-                  <a:schemeClr val="accent5"/>
-                </a:solidFill>
-                <a:latin typeface="Arial"/>
-                <a:ea typeface="Arial"/>
-                <a:cs typeface="Arial"/>
-                <a:sym typeface="Arial"/>
-              </a:defRPr>
-            </a:lvl1pPr>
-          </a:lstStyle>
-          <a:p>
-            <a:pPr/>
-            <a:r>
-              <a:t>0</a:t>
-            </a:r>
-          </a:p>
-        </p:txBody>
-      </p:sp>
-      <p:sp>
-        <p:nvSpPr>
-          <p:cNvPr id="453" name="Line"/>
+          <p:cNvPr id="457" name="Line"/>
           <p:cNvSpPr/>
           <p:nvPr/>
         </p:nvSpPr>
         <p:spPr>
           <a:xfrm>
-            <a:off x="3938641" y="4131987"/>
-            <a:ext cx="1468712" cy="924103"/>
+            <a:off x="3994633" y="5165089"/>
+            <a:ext cx="1329479" cy="975821"/>
           </a:xfrm>
           <a:prstGeom prst="line">
             <a:avLst/>
           </a:prstGeom>
           <a:ln w="38100">
             <a:solidFill>
-              <a:schemeClr val="accent4"/>
+              <a:schemeClr val="accent6"/>
+            </a:solidFill>
+            <a:tailEnd type="triangle"/>
+          </a:ln>
+        </p:spPr>
+        <p:txBody>
+          <a:bodyPr lIns="0" tIns="0" rIns="0" bIns="0"/>
+          <a:lstStyle/>
+          <a:p>
+            <a:pPr/>
+          </a:p>
+        </p:txBody>
+      </p:sp>
+      <p:sp>
+        <p:nvSpPr>
+          <p:cNvPr id="458" name="Line"/>
+          <p:cNvSpPr/>
+          <p:nvPr/>
+        </p:nvSpPr>
+        <p:spPr>
+          <a:xfrm flipV="1">
+            <a:off x="4013192" y="3111755"/>
+            <a:ext cx="1553612" cy="2684258"/>
+          </a:xfrm>
+          <a:prstGeom prst="line">
+            <a:avLst/>
+          </a:prstGeom>
+          <a:ln w="50800">
+            <a:solidFill>
+              <a:srgbClr val="00D2A9"/>
             </a:solidFill>
             <a:custDash>
               <a:ds d="200000" sp="200000"/>
@@ -16992,63 +17232,129 @@
       </p:sp>
       <p:sp>
         <p:nvSpPr>
-          <p:cNvPr id="454" name="Q: Find max marks using DP Forward approach?…"/>
-          <p:cNvSpPr txBox="1"/>
+          <p:cNvPr id="459" name="Line"/>
+          <p:cNvSpPr/>
+          <p:nvPr/>
+        </p:nvSpPr>
+        <p:spPr>
+          <a:xfrm flipV="1">
+            <a:off x="3987792" y="4118285"/>
+            <a:ext cx="1573200" cy="1842828"/>
+          </a:xfrm>
+          <a:prstGeom prst="line">
+            <a:avLst/>
+          </a:prstGeom>
+          <a:ln w="50800">
+            <a:solidFill>
+              <a:srgbClr val="00D2A9"/>
+            </a:solidFill>
+            <a:custDash>
+              <a:ds d="200000" sp="200000"/>
+            </a:custDash>
+            <a:miter lim="400000"/>
+            <a:tailEnd type="triangle"/>
+          </a:ln>
+        </p:spPr>
+        <p:txBody>
+          <a:bodyPr lIns="0" tIns="0" rIns="0" bIns="0"/>
+          <a:lstStyle/>
+          <a:p>
+            <a:pPr/>
+          </a:p>
+        </p:txBody>
+      </p:sp>
+      <p:sp>
+        <p:nvSpPr>
+          <p:cNvPr id="460" name="Line"/>
+          <p:cNvSpPr/>
+          <p:nvPr/>
+        </p:nvSpPr>
+        <p:spPr>
+          <a:xfrm flipV="1">
+            <a:off x="4000492" y="5123622"/>
+            <a:ext cx="1341815" cy="964491"/>
+          </a:xfrm>
+          <a:prstGeom prst="line">
+            <a:avLst/>
+          </a:prstGeom>
+          <a:ln w="50800">
+            <a:solidFill>
+              <a:srgbClr val="00D2A9"/>
+            </a:solidFill>
+            <a:custDash>
+              <a:ds d="200000" sp="200000"/>
+            </a:custDash>
+            <a:miter lim="400000"/>
+            <a:tailEnd type="triangle"/>
+          </a:ln>
+        </p:spPr>
+        <p:txBody>
+          <a:bodyPr lIns="0" tIns="0" rIns="0" bIns="0"/>
+          <a:lstStyle/>
+          <a:p>
+            <a:pPr/>
+          </a:p>
+        </p:txBody>
+      </p:sp>
+      <p:sp>
+        <p:nvSpPr>
+          <p:cNvPr id="461" name="Line"/>
+          <p:cNvSpPr/>
           <p:nvPr/>
         </p:nvSpPr>
         <p:spPr>
           <a:xfrm>
-            <a:off x="891279" y="6128924"/>
-            <a:ext cx="7271282" cy="914401"/>
+            <a:off x="3975252" y="6108816"/>
+            <a:ext cx="1385995" cy="1"/>
           </a:xfrm>
-          <a:prstGeom prst="rect">
+          <a:prstGeom prst="line">
             <a:avLst/>
           </a:prstGeom>
-          <a:ln w="12700">
-            <a:miter lim="400000"/>
+          <a:ln w="38100">
+            <a:solidFill>
+              <a:srgbClr val="00D2A9"/>
+            </a:solidFill>
+            <a:tailEnd type="triangle"/>
           </a:ln>
-          <a:extLst>
-            <a:ext uri="{C572A759-6A51-4108-AA02-DFA0A04FC94B}">
-              <ma14:wrappingTextBoxFlag xmlns:ma14="http://schemas.microsoft.com/office/mac/drawingml/2011/main" val="1"/>
-            </a:ext>
-          </a:extLst>
         </p:spPr>
         <p:txBody>
-          <a:bodyPr wrap="none" lIns="50800" tIns="50800" rIns="50800" bIns="50800" anchor="ctr">
-            <a:spAutoFit/>
-          </a:bodyPr>
+          <a:bodyPr lIns="0" tIns="0" rIns="0" bIns="0"/>
           <a:lstStyle/>
           <a:p>
-            <a:pPr>
-              <a:defRPr sz="2800">
-                <a:solidFill>
-                  <a:schemeClr val="accent5"/>
-                </a:solidFill>
-                <a:latin typeface="Gill Sans MT"/>
-                <a:ea typeface="Gill Sans MT"/>
-                <a:cs typeface="Gill Sans MT"/>
-                <a:sym typeface="Gill Sans MT"/>
-              </a:defRPr>
-            </a:pPr>
-            <a:r>
-              <a:t>Q: Find max marks using DP Forward approach?</a:t>
-            </a:r>
-          </a:p>
-          <a:p>
-            <a:pPr>
-              <a:defRPr sz="2800">
-                <a:solidFill>
-                  <a:schemeClr val="accent5"/>
-                </a:solidFill>
-                <a:latin typeface="Gill Sans MT"/>
-                <a:ea typeface="Gill Sans MT"/>
-                <a:cs typeface="Gill Sans MT"/>
-                <a:sym typeface="Gill Sans MT"/>
-              </a:defRPr>
-            </a:pPr>
-            <a:r>
-              <a:t>Q: Find max marks using DP Backward approach?</a:t>
-            </a:r>
+            <a:pPr/>
+          </a:p>
+        </p:txBody>
+      </p:sp>
+      <p:sp>
+        <p:nvSpPr>
+          <p:cNvPr id="462" name="Line"/>
+          <p:cNvSpPr/>
+          <p:nvPr/>
+        </p:nvSpPr>
+        <p:spPr>
+          <a:xfrm flipV="1">
+            <a:off x="3922916" y="3707322"/>
+            <a:ext cx="1572071" cy="1314002"/>
+          </a:xfrm>
+          <a:prstGeom prst="line">
+            <a:avLst/>
+          </a:prstGeom>
+          <a:ln w="38100">
+            <a:solidFill>
+              <a:schemeClr val="accent6"/>
+            </a:solidFill>
+            <a:custDash>
+              <a:ds d="200000" sp="200000"/>
+            </a:custDash>
+            <a:miter lim="400000"/>
+            <a:tailEnd type="triangle"/>
+          </a:ln>
+        </p:spPr>
+        <p:txBody>
+          <a:bodyPr lIns="0" tIns="0" rIns="0" bIns="0"/>
+          <a:lstStyle/>
+          <a:p>
+            <a:pPr/>
           </a:p>
         </p:txBody>
       </p:sp>
@@ -17267,7 +17573,7 @@
                                       <p:cBhvr>
                                         <p:cTn id="22" fill="hold"/>
                                         <p:tgtEl>
-                                          <p:spTgt spid="432"/>
+                                          <p:spTgt spid="430"/>
                                         </p:tgtEl>
                                         <p:attrNameLst>
                                           <p:attrName>style.visibility</p:attrName>
@@ -18235,7 +18541,7 @@
                                       <p:cBhvr>
                                         <p:cTn id="110" fill="hold"/>
                                         <p:tgtEl>
-                                          <p:spTgt spid="420"/>
+                                          <p:spTgt spid="452"/>
                                         </p:tgtEl>
                                         <p:attrNameLst>
                                           <p:attrName>style.visibility</p:attrName>
@@ -18267,7 +18573,101 @@
                             </p:stCondLst>
                             <p:childTnLst>
                               <p:par>
-                                <p:cTn id="113" presetClass="entr" nodeType="clickEffect" presetSubtype="0" presetID="1" grpId="28" fill="hold">
+                                <p:cTn id="113" presetClass="exit" nodeType="clickEffect" presetSubtype="2" presetID="2" grpId="28" fill="hold">
+                                  <p:stCondLst>
+                                    <p:cond delay="0"/>
+                                  </p:stCondLst>
+                                  <p:iterate type="lt" backwards="0">
+                                    <p:tmAbs val="0"/>
+                                  </p:iterate>
+                                  <p:childTnLst>
+                                    <p:anim calcmode="lin" valueType="num">
+                                      <p:cBhvr>
+                                        <p:cTn id="114" dur="1000" fill="hold"/>
+                                        <p:tgtEl>
+                                          <p:spTgt spid="452"/>
+                                        </p:tgtEl>
+                                        <p:attrNameLst>
+                                          <p:attrName>ppt_x</p:attrName>
+                                        </p:attrNameLst>
+                                      </p:cBhvr>
+                                      <p:tavLst>
+                                        <p:tav tm="0">
+                                          <p:val>
+                                            <p:strVal val="ppt_x"/>
+                                          </p:val>
+                                        </p:tav>
+                                        <p:tav tm="100000">
+                                          <p:val>
+                                            <p:strVal val="1+ppt_w/2"/>
+                                          </p:val>
+                                        </p:tav>
+                                      </p:tavLst>
+                                    </p:anim>
+                                    <p:anim calcmode="lin" valueType="num">
+                                      <p:cBhvr>
+                                        <p:cTn id="115" dur="1000" fill="hold"/>
+                                        <p:tgtEl>
+                                          <p:spTgt spid="452"/>
+                                        </p:tgtEl>
+                                        <p:attrNameLst>
+                                          <p:attrName>ppt_y</p:attrName>
+                                        </p:attrNameLst>
+                                      </p:cBhvr>
+                                      <p:tavLst>
+                                        <p:tav tm="0">
+                                          <p:val>
+                                            <p:strVal val="ppt_y"/>
+                                          </p:val>
+                                        </p:tav>
+                                        <p:tav tm="100000">
+                                          <p:val>
+                                            <p:strVal val="ppt_y"/>
+                                          </p:val>
+                                        </p:tav>
+                                      </p:tavLst>
+                                    </p:anim>
+                                    <p:set>
+                                      <p:cBhvr>
+                                        <p:cTn id="116" fill="hold">
+                                          <p:stCondLst>
+                                            <p:cond delay="999"/>
+                                          </p:stCondLst>
+                                        </p:cTn>
+                                        <p:tgtEl>
+                                          <p:spTgt spid="452"/>
+                                        </p:tgtEl>
+                                        <p:attrNameLst>
+                                          <p:attrName>style.visibility</p:attrName>
+                                        </p:attrNameLst>
+                                      </p:cBhvr>
+                                      <p:to>
+                                        <p:strVal val="hidden"/>
+                                      </p:to>
+                                    </p:set>
+                                  </p:childTnLst>
+                                </p:cTn>
+                              </p:par>
+                            </p:childTnLst>
+                          </p:cTn>
+                        </p:par>
+                      </p:childTnLst>
+                    </p:cTn>
+                  </p:par>
+                  <p:par>
+                    <p:cTn id="117" fill="hold">
+                      <p:stCondLst>
+                        <p:cond delay="indefinite"/>
+                      </p:stCondLst>
+                      <p:childTnLst>
+                        <p:par>
+                          <p:cTn id="118" fill="hold">
+                            <p:stCondLst>
+                              <p:cond delay="0"/>
+                            </p:stCondLst>
+                            <p:childTnLst>
+                              <p:par>
+                                <p:cTn id="119" presetClass="entr" nodeType="clickEffect" presetSubtype="0" presetID="1" grpId="29" fill="hold">
                                   <p:stCondLst>
                                     <p:cond delay="0"/>
                                   </p:stCondLst>
@@ -18277,7 +18677,51 @@
                                   <p:childTnLst>
                                     <p:set>
                                       <p:cBhvr>
-                                        <p:cTn id="114" fill="hold"/>
+                                        <p:cTn id="120" fill="hold"/>
+                                        <p:tgtEl>
+                                          <p:spTgt spid="420"/>
+                                        </p:tgtEl>
+                                        <p:attrNameLst>
+                                          <p:attrName>style.visibility</p:attrName>
+                                        </p:attrNameLst>
+                                      </p:cBhvr>
+                                      <p:to>
+                                        <p:strVal val="visible"/>
+                                      </p:to>
+                                    </p:set>
+                                  </p:childTnLst>
+                                </p:cTn>
+                              </p:par>
+                            </p:childTnLst>
+                          </p:cTn>
+                        </p:par>
+                      </p:childTnLst>
+                    </p:cTn>
+                  </p:par>
+                  <p:par>
+                    <p:cTn id="121" fill="hold">
+                      <p:stCondLst>
+                        <p:cond delay="indefinite"/>
+                      </p:stCondLst>
+                      <p:childTnLst>
+                        <p:par>
+                          <p:cTn id="122" fill="hold">
+                            <p:stCondLst>
+                              <p:cond delay="0"/>
+                            </p:stCondLst>
+                            <p:childTnLst>
+                              <p:par>
+                                <p:cTn id="123" presetClass="entr" nodeType="clickEffect" presetSubtype="0" presetID="1" grpId="30" fill="hold">
+                                  <p:stCondLst>
+                                    <p:cond delay="0"/>
+                                  </p:stCondLst>
+                                  <p:iterate type="el" backwards="0">
+                                    <p:tmAbs val="0"/>
+                                  </p:iterate>
+                                  <p:childTnLst>
+                                    <p:set>
+                                      <p:cBhvr>
+                                        <p:cTn id="124" fill="hold"/>
                                         <p:tgtEl>
                                           <p:spTgt spid="421"/>
                                         </p:tgtEl>
@@ -18299,19 +18743,19 @@
                     </p:cTn>
                   </p:par>
                   <p:par>
-                    <p:cTn id="115" fill="hold">
+                    <p:cTn id="125" fill="hold">
                       <p:stCondLst>
                         <p:cond delay="indefinite"/>
                       </p:stCondLst>
                       <p:childTnLst>
                         <p:par>
-                          <p:cTn id="116" fill="hold">
+                          <p:cTn id="126" fill="hold">
                             <p:stCondLst>
                               <p:cond delay="0"/>
                             </p:stCondLst>
                             <p:childTnLst>
                               <p:par>
-                                <p:cTn id="117" presetClass="entr" nodeType="clickEffect" presetSubtype="0" presetID="1" grpId="29" fill="hold">
+                                <p:cTn id="127" presetClass="entr" nodeType="clickEffect" presetSubtype="0" presetID="1" grpId="31" fill="hold">
                                   <p:stCondLst>
                                     <p:cond delay="0"/>
                                   </p:stCondLst>
@@ -18321,7 +18765,7 @@
                                   <p:childTnLst>
                                     <p:set>
                                       <p:cBhvr>
-                                        <p:cTn id="118" fill="hold"/>
+                                        <p:cTn id="128" fill="hold"/>
                                         <p:tgtEl>
                                           <p:spTgt spid="422"/>
                                         </p:tgtEl>
@@ -18343,19 +18787,19 @@
                     </p:cTn>
                   </p:par>
                   <p:par>
-                    <p:cTn id="119" fill="hold">
+                    <p:cTn id="129" fill="hold">
                       <p:stCondLst>
                         <p:cond delay="indefinite"/>
                       </p:stCondLst>
                       <p:childTnLst>
                         <p:par>
-                          <p:cTn id="120" fill="hold">
+                          <p:cTn id="130" fill="hold">
                             <p:stCondLst>
                               <p:cond delay="0"/>
                             </p:stCondLst>
                             <p:childTnLst>
                               <p:par>
-                                <p:cTn id="121" presetClass="entr" nodeType="clickEffect" presetSubtype="0" presetID="1" grpId="30" fill="hold">
+                                <p:cTn id="131" presetClass="entr" nodeType="clickEffect" presetSubtype="0" presetID="1" grpId="32" fill="hold">
                                   <p:stCondLst>
                                     <p:cond delay="0"/>
                                   </p:stCondLst>
@@ -18365,7 +18809,7 @@
                                   <p:childTnLst>
                                     <p:set>
                                       <p:cBhvr>
-                                        <p:cTn id="122" fill="hold"/>
+                                        <p:cTn id="132" fill="hold"/>
                                         <p:tgtEl>
                                           <p:spTgt spid="423"/>
                                         </p:tgtEl>
@@ -18387,19 +18831,19 @@
                     </p:cTn>
                   </p:par>
                   <p:par>
-                    <p:cTn id="123" fill="hold">
+                    <p:cTn id="133" fill="hold">
                       <p:stCondLst>
                         <p:cond delay="indefinite"/>
                       </p:stCondLst>
                       <p:childTnLst>
                         <p:par>
-                          <p:cTn id="124" fill="hold">
+                          <p:cTn id="134" fill="hold">
                             <p:stCondLst>
                               <p:cond delay="0"/>
                             </p:stCondLst>
                             <p:childTnLst>
                               <p:par>
-                                <p:cTn id="125" presetClass="entr" nodeType="clickEffect" presetSubtype="0" presetID="1" grpId="31" fill="hold">
+                                <p:cTn id="135" presetClass="entr" nodeType="clickEffect" presetSubtype="0" presetID="1" grpId="33" fill="hold">
                                   <p:stCondLst>
                                     <p:cond delay="0"/>
                                   </p:stCondLst>
@@ -18409,7 +18853,7 @@
                                   <p:childTnLst>
                                     <p:set>
                                       <p:cBhvr>
-                                        <p:cTn id="126" fill="hold"/>
+                                        <p:cTn id="136" fill="hold"/>
                                         <p:tgtEl>
                                           <p:spTgt spid="424"/>
                                         </p:tgtEl>
@@ -18431,19 +18875,19 @@
                     </p:cTn>
                   </p:par>
                   <p:par>
-                    <p:cTn id="127" fill="hold">
+                    <p:cTn id="137" fill="hold">
                       <p:stCondLst>
                         <p:cond delay="indefinite"/>
                       </p:stCondLst>
                       <p:childTnLst>
                         <p:par>
-                          <p:cTn id="128" fill="hold">
+                          <p:cTn id="138" fill="hold">
                             <p:stCondLst>
                               <p:cond delay="0"/>
                             </p:stCondLst>
                             <p:childTnLst>
                               <p:par>
-                                <p:cTn id="129" presetClass="entr" nodeType="clickEffect" presetSubtype="0" presetID="1" grpId="32" fill="hold">
+                                <p:cTn id="139" presetClass="entr" nodeType="clickEffect" presetSubtype="0" presetID="1" grpId="34" fill="hold">
                                   <p:stCondLst>
                                     <p:cond delay="0"/>
                                   </p:stCondLst>
@@ -18453,7 +18897,7 @@
                                   <p:childTnLst>
                                     <p:set>
                                       <p:cBhvr>
-                                        <p:cTn id="130" fill="hold"/>
+                                        <p:cTn id="140" fill="hold"/>
                                         <p:tgtEl>
                                           <p:spTgt spid="425"/>
                                         </p:tgtEl>
@@ -18475,19 +18919,19 @@
                     </p:cTn>
                   </p:par>
                   <p:par>
-                    <p:cTn id="131" fill="hold">
+                    <p:cTn id="141" fill="hold">
                       <p:stCondLst>
                         <p:cond delay="indefinite"/>
                       </p:stCondLst>
                       <p:childTnLst>
                         <p:par>
-                          <p:cTn id="132" fill="hold">
+                          <p:cTn id="142" fill="hold">
                             <p:stCondLst>
                               <p:cond delay="0"/>
                             </p:stCondLst>
                             <p:childTnLst>
                               <p:par>
-                                <p:cTn id="133" presetClass="entr" nodeType="clickEffect" presetSubtype="0" presetID="1" grpId="33" fill="hold">
+                                <p:cTn id="143" presetClass="entr" nodeType="clickEffect" presetSubtype="0" presetID="1" grpId="35" fill="hold">
                                   <p:stCondLst>
                                     <p:cond delay="0"/>
                                   </p:stCondLst>
@@ -18497,9 +18941,9 @@
                                   <p:childTnLst>
                                     <p:set>
                                       <p:cBhvr>
-                                        <p:cTn id="134" fill="hold"/>
+                                        <p:cTn id="144" fill="hold"/>
                                         <p:tgtEl>
-                                          <p:spTgt spid="426"/>
+                                          <p:spTgt spid="446"/>
                                         </p:tgtEl>
                                         <p:attrNameLst>
                                           <p:attrName>style.visibility</p:attrName>
@@ -18519,19 +18963,19 @@
                     </p:cTn>
                   </p:par>
                   <p:par>
-                    <p:cTn id="135" fill="hold">
+                    <p:cTn id="145" fill="hold">
                       <p:stCondLst>
                         <p:cond delay="indefinite"/>
                       </p:stCondLst>
                       <p:childTnLst>
                         <p:par>
-                          <p:cTn id="136" fill="hold">
+                          <p:cTn id="146" fill="hold">
                             <p:stCondLst>
                               <p:cond delay="0"/>
                             </p:stCondLst>
                             <p:childTnLst>
                               <p:par>
-                                <p:cTn id="137" presetClass="entr" nodeType="clickEffect" presetSubtype="0" presetID="1" grpId="34" fill="hold">
+                                <p:cTn id="147" presetClass="entr" nodeType="clickEffect" presetSubtype="0" presetID="1" grpId="36" fill="hold">
                                   <p:stCondLst>
                                     <p:cond delay="0"/>
                                   </p:stCondLst>
@@ -18541,9 +18985,9 @@
                                   <p:childTnLst>
                                     <p:set>
                                       <p:cBhvr>
-                                        <p:cTn id="138" fill="hold"/>
+                                        <p:cTn id="148" fill="hold"/>
                                         <p:tgtEl>
-                                          <p:spTgt spid="427"/>
+                                          <p:spTgt spid="451"/>
                                         </p:tgtEl>
                                         <p:attrNameLst>
                                           <p:attrName>style.visibility</p:attrName>
@@ -18551,144 +18995,6 @@
                                       </p:cBhvr>
                                       <p:to>
                                         <p:strVal val="visible"/>
-                                      </p:to>
-                                    </p:set>
-                                  </p:childTnLst>
-                                </p:cTn>
-                              </p:par>
-                            </p:childTnLst>
-                          </p:cTn>
-                        </p:par>
-                      </p:childTnLst>
-                    </p:cTn>
-                  </p:par>
-                  <p:par>
-                    <p:cTn id="139" fill="hold">
-                      <p:stCondLst>
-                        <p:cond delay="indefinite"/>
-                      </p:stCondLst>
-                      <p:childTnLst>
-                        <p:par>
-                          <p:cTn id="140" fill="hold">
-                            <p:stCondLst>
-                              <p:cond delay="0"/>
-                            </p:stCondLst>
-                            <p:childTnLst>
-                              <p:par>
-                                <p:cTn id="141" presetClass="entr" nodeType="clickEffect" presetSubtype="0" presetID="1" grpId="35" fill="hold">
-                                  <p:stCondLst>
-                                    <p:cond delay="0"/>
-                                  </p:stCondLst>
-                                  <p:iterate type="el" backwards="0">
-                                    <p:tmAbs val="0"/>
-                                  </p:iterate>
-                                  <p:childTnLst>
-                                    <p:set>
-                                      <p:cBhvr>
-                                        <p:cTn id="142" fill="hold"/>
-                                        <p:tgtEl>
-                                          <p:spTgt spid="450"/>
-                                        </p:tgtEl>
-                                        <p:attrNameLst>
-                                          <p:attrName>style.visibility</p:attrName>
-                                        </p:attrNameLst>
-                                      </p:cBhvr>
-                                      <p:to>
-                                        <p:strVal val="visible"/>
-                                      </p:to>
-                                    </p:set>
-                                  </p:childTnLst>
-                                </p:cTn>
-                              </p:par>
-                            </p:childTnLst>
-                          </p:cTn>
-                        </p:par>
-                      </p:childTnLst>
-                    </p:cTn>
-                  </p:par>
-                  <p:par>
-                    <p:cTn id="143" fill="hold">
-                      <p:stCondLst>
-                        <p:cond delay="indefinite"/>
-                      </p:stCondLst>
-                      <p:childTnLst>
-                        <p:par>
-                          <p:cTn id="144" fill="hold">
-                            <p:stCondLst>
-                              <p:cond delay="0"/>
-                            </p:stCondLst>
-                            <p:childTnLst>
-                              <p:par>
-                                <p:cTn id="145" presetClass="exit" nodeType="clickEffect" presetSubtype="2" presetID="2" grpId="36" fill="hold">
-                                  <p:stCondLst>
-                                    <p:cond delay="0"/>
-                                  </p:stCondLst>
-                                  <p:iterate type="lt" backwards="0">
-                                    <p:tmAbs val="0"/>
-                                  </p:iterate>
-                                  <p:childTnLst>
-                                    <p:anim calcmode="lin" valueType="num">
-                                      <p:cBhvr>
-                                        <p:cTn id="146" dur="1000" fill="hold"/>
-                                        <p:tgtEl>
-                                          <p:spTgt spid="450"/>
-                                        </p:tgtEl>
-                                        <p:attrNameLst>
-                                          <p:attrName>ppt_x</p:attrName>
-                                        </p:attrNameLst>
-                                      </p:cBhvr>
-                                      <p:tavLst>
-                                        <p:tav tm="0">
-                                          <p:val>
-                                            <p:strVal val="ppt_x"/>
-                                          </p:val>
-                                        </p:tav>
-                                        <p:tav tm="100000">
-                                          <p:val>
-                                            <p:strVal val="1+ppt_w/2"/>
-                                          </p:val>
-                                        </p:tav>
-                                      </p:tavLst>
-                                    </p:anim>
-                                    <p:anim calcmode="lin" valueType="num">
-                                      <p:cBhvr>
-                                        <p:cTn id="147" dur="1000" fill="hold"/>
-                                        <p:tgtEl>
-                                          <p:spTgt spid="450"/>
-                                        </p:tgtEl>
-                                        <p:attrNameLst>
-                                          <p:attrName>ppt_y</p:attrName>
-                                        </p:attrNameLst>
-                                      </p:cBhvr>
-                                      <p:tavLst>
-                                        <p:tav tm="0">
-                                          <p:val>
-                                            <p:strVal val="ppt_y"/>
-                                          </p:val>
-                                        </p:tav>
-                                        <p:tav tm="100000">
-                                          <p:val>
-                                            <p:strVal val="ppt_y"/>
-                                          </p:val>
-                                        </p:tav>
-                                      </p:tavLst>
-                                    </p:anim>
-                                    <p:set>
-                                      <p:cBhvr>
-                                        <p:cTn id="148" fill="hold">
-                                          <p:stCondLst>
-                                            <p:cond delay="999"/>
-                                          </p:stCondLst>
-                                        </p:cTn>
-                                        <p:tgtEl>
-                                          <p:spTgt spid="450"/>
-                                        </p:tgtEl>
-                                        <p:attrNameLst>
-                                          <p:attrName>style.visibility</p:attrName>
-                                        </p:attrNameLst>
-                                      </p:cBhvr>
-                                      <p:to>
-                                        <p:strVal val="hidden"/>
                                       </p:to>
                                     </p:set>
                                   </p:childTnLst>
@@ -18725,7 +19031,7 @@
                                       <p:cBhvr>
                                         <p:cTn id="152" fill="hold"/>
                                         <p:tgtEl>
-                                          <p:spTgt spid="428"/>
+                                          <p:spTgt spid="426"/>
                                         </p:tgtEl>
                                         <p:attrNameLst>
                                           <p:attrName>style.visibility</p:attrName>
@@ -18757,26 +19063,76 @@
                             </p:stCondLst>
                             <p:childTnLst>
                               <p:par>
-                                <p:cTn id="155" presetClass="entr" nodeType="clickEffect" presetSubtype="0" presetID="1" grpId="38" fill="hold">
+                                <p:cTn id="155" presetClass="exit" nodeType="clickEffect" presetSubtype="2" presetID="2" grpId="38" fill="hold">
                                   <p:stCondLst>
                                     <p:cond delay="0"/>
                                   </p:stCondLst>
-                                  <p:iterate type="el" backwards="0">
+                                  <p:iterate type="lt" backwards="0">
                                     <p:tmAbs val="0"/>
                                   </p:iterate>
                                   <p:childTnLst>
+                                    <p:anim calcmode="lin" valueType="num">
+                                      <p:cBhvr>
+                                        <p:cTn id="156" dur="1000" fill="hold"/>
+                                        <p:tgtEl>
+                                          <p:spTgt spid="426"/>
+                                        </p:tgtEl>
+                                        <p:attrNameLst>
+                                          <p:attrName>ppt_x</p:attrName>
+                                        </p:attrNameLst>
+                                      </p:cBhvr>
+                                      <p:tavLst>
+                                        <p:tav tm="0">
+                                          <p:val>
+                                            <p:strVal val="ppt_x"/>
+                                          </p:val>
+                                        </p:tav>
+                                        <p:tav tm="100000">
+                                          <p:val>
+                                            <p:strVal val="1+ppt_w/2"/>
+                                          </p:val>
+                                        </p:tav>
+                                      </p:tavLst>
+                                    </p:anim>
+                                    <p:anim calcmode="lin" valueType="num">
+                                      <p:cBhvr>
+                                        <p:cTn id="157" dur="1000" fill="hold"/>
+                                        <p:tgtEl>
+                                          <p:spTgt spid="426"/>
+                                        </p:tgtEl>
+                                        <p:attrNameLst>
+                                          <p:attrName>ppt_y</p:attrName>
+                                        </p:attrNameLst>
+                                      </p:cBhvr>
+                                      <p:tavLst>
+                                        <p:tav tm="0">
+                                          <p:val>
+                                            <p:strVal val="ppt_y"/>
+                                          </p:val>
+                                        </p:tav>
+                                        <p:tav tm="100000">
+                                          <p:val>
+                                            <p:strVal val="ppt_y"/>
+                                          </p:val>
+                                        </p:tav>
+                                      </p:tavLst>
+                                    </p:anim>
                                     <p:set>
                                       <p:cBhvr>
-                                        <p:cTn id="156" fill="hold"/>
+                                        <p:cTn id="158" fill="hold">
+                                          <p:stCondLst>
+                                            <p:cond delay="999"/>
+                                          </p:stCondLst>
+                                        </p:cTn>
                                         <p:tgtEl>
-                                          <p:spTgt spid="429"/>
+                                          <p:spTgt spid="426"/>
                                         </p:tgtEl>
                                         <p:attrNameLst>
                                           <p:attrName>style.visibility</p:attrName>
                                         </p:attrNameLst>
                                       </p:cBhvr>
                                       <p:to>
-                                        <p:strVal val="visible"/>
+                                        <p:strVal val="hidden"/>
                                       </p:to>
                                     </p:set>
                                   </p:childTnLst>
@@ -18789,19 +19145,19 @@
                     </p:cTn>
                   </p:par>
                   <p:par>
-                    <p:cTn id="157" fill="hold">
+                    <p:cTn id="159" fill="hold">
                       <p:stCondLst>
                         <p:cond delay="indefinite"/>
                       </p:stCondLst>
                       <p:childTnLst>
                         <p:par>
-                          <p:cTn id="158" fill="hold">
+                          <p:cTn id="160" fill="hold">
                             <p:stCondLst>
                               <p:cond delay="0"/>
                             </p:stCondLst>
                             <p:childTnLst>
                               <p:par>
-                                <p:cTn id="159" presetClass="entr" nodeType="clickEffect" presetSubtype="0" presetID="1" grpId="39" fill="hold">
+                                <p:cTn id="161" presetClass="entr" nodeType="clickEffect" presetSubtype="0" presetID="1" grpId="39" fill="hold">
                                   <p:stCondLst>
                                     <p:cond delay="0"/>
                                   </p:stCondLst>
@@ -18811,7 +19167,7 @@
                                   <p:childTnLst>
                                     <p:set>
                                       <p:cBhvr>
-                                        <p:cTn id="160" fill="hold"/>
+                                        <p:cTn id="162" fill="hold"/>
                                         <p:tgtEl>
                                           <p:spTgt spid="380"/>
                                         </p:tgtEl>
@@ -18833,82 +19189,88 @@
                     </p:cTn>
                   </p:par>
                   <p:par>
-                    <p:cTn id="161" fill="hold">
+                    <p:cTn id="163" fill="hold">
                       <p:stCondLst>
                         <p:cond delay="indefinite"/>
                       </p:stCondLst>
                       <p:childTnLst>
                         <p:par>
-                          <p:cTn id="162" fill="hold">
+                          <p:cTn id="164" fill="hold">
                             <p:stCondLst>
                               <p:cond delay="0"/>
                             </p:stCondLst>
                             <p:childTnLst>
                               <p:par>
-                                <p:cTn id="163" presetClass="entr" nodeType="clickEffect" presetSubtype="0" presetID="1" grpId="40" fill="hold">
+                                <p:cTn id="165" presetClass="exit" nodeType="clickEffect" presetSubtype="2" presetID="2" grpId="40" fill="hold">
                                   <p:stCondLst>
                                     <p:cond delay="0"/>
                                   </p:stCondLst>
-                                  <p:iterate type="el" backwards="0">
+                                  <p:iterate type="lt" backwards="0">
                                     <p:tmAbs val="0"/>
                                   </p:iterate>
                                   <p:childTnLst>
+                                    <p:anim calcmode="lin" valueType="num">
+                                      <p:cBhvr>
+                                        <p:cTn id="166" dur="1000" fill="hold"/>
+                                        <p:tgtEl>
+                                          <p:spTgt spid="380"/>
+                                        </p:tgtEl>
+                                        <p:attrNameLst>
+                                          <p:attrName>ppt_x</p:attrName>
+                                        </p:attrNameLst>
+                                      </p:cBhvr>
+                                      <p:tavLst>
+                                        <p:tav tm="0">
+                                          <p:val>
+                                            <p:strVal val="ppt_x"/>
+                                          </p:val>
+                                        </p:tav>
+                                        <p:tav tm="100000">
+                                          <p:val>
+                                            <p:strVal val="1+ppt_w/2"/>
+                                          </p:val>
+                                        </p:tav>
+                                      </p:tavLst>
+                                    </p:anim>
+                                    <p:anim calcmode="lin" valueType="num">
+                                      <p:cBhvr>
+                                        <p:cTn id="167" dur="1000" fill="hold"/>
+                                        <p:tgtEl>
+                                          <p:spTgt spid="380"/>
+                                        </p:tgtEl>
+                                        <p:attrNameLst>
+                                          <p:attrName>ppt_y</p:attrName>
+                                        </p:attrNameLst>
+                                      </p:cBhvr>
+                                      <p:tavLst>
+                                        <p:tav tm="0">
+                                          <p:val>
+                                            <p:strVal val="ppt_y"/>
+                                          </p:val>
+                                        </p:tav>
+                                        <p:tav tm="100000">
+                                          <p:val>
+                                            <p:strVal val="ppt_y"/>
+                                          </p:val>
+                                        </p:tav>
+                                      </p:tavLst>
+                                    </p:anim>
                                     <p:set>
                                       <p:cBhvr>
-                                        <p:cTn id="164" fill="hold"/>
+                                        <p:cTn id="168" fill="hold">
+                                          <p:stCondLst>
+                                            <p:cond delay="999"/>
+                                          </p:stCondLst>
+                                        </p:cTn>
                                         <p:tgtEl>
-                                          <p:spTgt spid="433"/>
+                                          <p:spTgt spid="380"/>
                                         </p:tgtEl>
                                         <p:attrNameLst>
                                           <p:attrName>style.visibility</p:attrName>
                                         </p:attrNameLst>
                                       </p:cBhvr>
                                       <p:to>
-                                        <p:strVal val="visible"/>
-                                      </p:to>
-                                    </p:set>
-                                  </p:childTnLst>
-                                </p:cTn>
-                              </p:par>
-                            </p:childTnLst>
-                          </p:cTn>
-                        </p:par>
-                      </p:childTnLst>
-                    </p:cTn>
-                  </p:par>
-                  <p:par>
-                    <p:cTn id="165" fill="hold">
-                      <p:stCondLst>
-                        <p:cond delay="indefinite"/>
-                      </p:stCondLst>
-                      <p:childTnLst>
-                        <p:par>
-                          <p:cTn id="166" fill="hold">
-                            <p:stCondLst>
-                              <p:cond delay="0"/>
-                            </p:stCondLst>
-                            <p:childTnLst>
-                              <p:par>
-                                <p:cTn id="167" presetClass="entr" nodeType="clickEffect" presetSubtype="0" presetID="1" grpId="41" fill="hold">
-                                  <p:stCondLst>
-                                    <p:cond delay="0"/>
-                                  </p:stCondLst>
-                                  <p:iterate type="el" backwards="0">
-                                    <p:tmAbs val="0"/>
-                                  </p:iterate>
-                                  <p:childTnLst>
-                                    <p:set>
-                                      <p:cBhvr>
-                                        <p:cTn id="168" fill="hold"/>
-                                        <p:tgtEl>
-                                          <p:spTgt spid="434"/>
-                                        </p:tgtEl>
-                                        <p:attrNameLst>
-                                          <p:attrName>style.visibility</p:attrName>
-                                        </p:attrNameLst>
-                                      </p:cBhvr>
-                                      <p:to>
-                                        <p:strVal val="visible"/>
+                                        <p:strVal val="hidden"/>
                                       </p:to>
                                     </p:set>
                                   </p:childTnLst>
@@ -18933,7 +19295,7 @@
                             </p:stCondLst>
                             <p:childTnLst>
                               <p:par>
-                                <p:cTn id="171" presetClass="entr" nodeType="clickEffect" presetSubtype="0" presetID="1" grpId="42" fill="hold">
+                                <p:cTn id="171" presetClass="entr" nodeType="clickEffect" presetSubtype="0" presetID="1" grpId="41" fill="hold">
                                   <p:stCondLst>
                                     <p:cond delay="0"/>
                                   </p:stCondLst>
@@ -18945,7 +19307,7 @@
                                       <p:cBhvr>
                                         <p:cTn id="172" fill="hold"/>
                                         <p:tgtEl>
-                                          <p:spTgt spid="435"/>
+                                          <p:spTgt spid="431"/>
                                         </p:tgtEl>
                                         <p:attrNameLst>
                                           <p:attrName>style.visibility</p:attrName>
@@ -18977,7 +19339,7 @@
                             </p:stCondLst>
                             <p:childTnLst>
                               <p:par>
-                                <p:cTn id="175" presetClass="entr" nodeType="clickEffect" presetSubtype="0" presetID="1" grpId="43" fill="hold">
+                                <p:cTn id="175" presetClass="entr" nodeType="clickEffect" presetSubtype="0" presetID="1" grpId="42" fill="hold">
                                   <p:stCondLst>
                                     <p:cond delay="0"/>
                                   </p:stCondLst>
@@ -18989,7 +19351,7 @@
                                       <p:cBhvr>
                                         <p:cTn id="176" fill="hold"/>
                                         <p:tgtEl>
-                                          <p:spTgt spid="453"/>
+                                          <p:spTgt spid="427"/>
                                         </p:tgtEl>
                                         <p:attrNameLst>
                                           <p:attrName>style.visibility</p:attrName>
@@ -19021,7 +19383,227 @@
                             </p:stCondLst>
                             <p:childTnLst>
                               <p:par>
-                                <p:cTn id="179" presetClass="exit" nodeType="clickEffect" presetSubtype="2" presetID="2" grpId="44" fill="hold">
+                                <p:cTn id="179" presetClass="entr" nodeType="clickEffect" presetSubtype="0" presetID="1" grpId="43" fill="hold">
+                                  <p:stCondLst>
+                                    <p:cond delay="0"/>
+                                  </p:stCondLst>
+                                  <p:iterate type="el" backwards="0">
+                                    <p:tmAbs val="0"/>
+                                  </p:iterate>
+                                  <p:childTnLst>
+                                    <p:set>
+                                      <p:cBhvr>
+                                        <p:cTn id="180" fill="hold"/>
+                                        <p:tgtEl>
+                                          <p:spTgt spid="449"/>
+                                        </p:tgtEl>
+                                        <p:attrNameLst>
+                                          <p:attrName>style.visibility</p:attrName>
+                                        </p:attrNameLst>
+                                      </p:cBhvr>
+                                      <p:to>
+                                        <p:strVal val="visible"/>
+                                      </p:to>
+                                    </p:set>
+                                  </p:childTnLst>
+                                </p:cTn>
+                              </p:par>
+                            </p:childTnLst>
+                          </p:cTn>
+                        </p:par>
+                      </p:childTnLst>
+                    </p:cTn>
+                  </p:par>
+                  <p:par>
+                    <p:cTn id="181" fill="hold">
+                      <p:stCondLst>
+                        <p:cond delay="indefinite"/>
+                      </p:stCondLst>
+                      <p:childTnLst>
+                        <p:par>
+                          <p:cTn id="182" fill="hold">
+                            <p:stCondLst>
+                              <p:cond delay="0"/>
+                            </p:stCondLst>
+                            <p:childTnLst>
+                              <p:par>
+                                <p:cTn id="183" presetClass="entr" nodeType="clickEffect" presetSubtype="0" presetID="1" grpId="44" fill="hold">
+                                  <p:stCondLst>
+                                    <p:cond delay="0"/>
+                                  </p:stCondLst>
+                                  <p:iterate type="el" backwards="0">
+                                    <p:tmAbs val="0"/>
+                                  </p:iterate>
+                                  <p:childTnLst>
+                                    <p:set>
+                                      <p:cBhvr>
+                                        <p:cTn id="184" fill="hold"/>
+                                        <p:tgtEl>
+                                          <p:spTgt spid="454"/>
+                                        </p:tgtEl>
+                                        <p:attrNameLst>
+                                          <p:attrName>style.visibility</p:attrName>
+                                        </p:attrNameLst>
+                                      </p:cBhvr>
+                                      <p:to>
+                                        <p:strVal val="visible"/>
+                                      </p:to>
+                                    </p:set>
+                                  </p:childTnLst>
+                                </p:cTn>
+                              </p:par>
+                            </p:childTnLst>
+                          </p:cTn>
+                        </p:par>
+                      </p:childTnLst>
+                    </p:cTn>
+                  </p:par>
+                  <p:par>
+                    <p:cTn id="185" fill="hold">
+                      <p:stCondLst>
+                        <p:cond delay="indefinite"/>
+                      </p:stCondLst>
+                      <p:childTnLst>
+                        <p:par>
+                          <p:cTn id="186" fill="hold">
+                            <p:stCondLst>
+                              <p:cond delay="0"/>
+                            </p:stCondLst>
+                            <p:childTnLst>
+                              <p:par>
+                                <p:cTn id="187" presetClass="entr" nodeType="clickEffect" presetSubtype="0" presetID="1" grpId="45" fill="hold">
+                                  <p:stCondLst>
+                                    <p:cond delay="0"/>
+                                  </p:stCondLst>
+                                  <p:iterate type="el" backwards="0">
+                                    <p:tmAbs val="0"/>
+                                  </p:iterate>
+                                  <p:childTnLst>
+                                    <p:set>
+                                      <p:cBhvr>
+                                        <p:cTn id="188" fill="hold"/>
+                                        <p:tgtEl>
+                                          <p:spTgt spid="453"/>
+                                        </p:tgtEl>
+                                        <p:attrNameLst>
+                                          <p:attrName>style.visibility</p:attrName>
+                                        </p:attrNameLst>
+                                      </p:cBhvr>
+                                      <p:to>
+                                        <p:strVal val="visible"/>
+                                      </p:to>
+                                    </p:set>
+                                  </p:childTnLst>
+                                </p:cTn>
+                              </p:par>
+                            </p:childTnLst>
+                          </p:cTn>
+                        </p:par>
+                      </p:childTnLst>
+                    </p:cTn>
+                  </p:par>
+                  <p:par>
+                    <p:cTn id="189" fill="hold">
+                      <p:stCondLst>
+                        <p:cond delay="indefinite"/>
+                      </p:stCondLst>
+                      <p:childTnLst>
+                        <p:par>
+                          <p:cTn id="190" fill="hold">
+                            <p:stCondLst>
+                              <p:cond delay="0"/>
+                            </p:stCondLst>
+                            <p:childTnLst>
+                              <p:par>
+                                <p:cTn id="191" presetClass="entr" nodeType="clickEffect" presetSubtype="0" presetID="1" grpId="46" fill="hold">
+                                  <p:stCondLst>
+                                    <p:cond delay="0"/>
+                                  </p:stCondLst>
+                                  <p:iterate type="el" backwards="0">
+                                    <p:tmAbs val="0"/>
+                                  </p:iterate>
+                                  <p:childTnLst>
+                                    <p:set>
+                                      <p:cBhvr>
+                                        <p:cTn id="192" fill="hold"/>
+                                        <p:tgtEl>
+                                          <p:spTgt spid="432"/>
+                                        </p:tgtEl>
+                                        <p:attrNameLst>
+                                          <p:attrName>style.visibility</p:attrName>
+                                        </p:attrNameLst>
+                                      </p:cBhvr>
+                                      <p:to>
+                                        <p:strVal val="visible"/>
+                                      </p:to>
+                                    </p:set>
+                                  </p:childTnLst>
+                                </p:cTn>
+                              </p:par>
+                            </p:childTnLst>
+                          </p:cTn>
+                        </p:par>
+                      </p:childTnLst>
+                    </p:cTn>
+                  </p:par>
+                  <p:par>
+                    <p:cTn id="193" fill="hold">
+                      <p:stCondLst>
+                        <p:cond delay="indefinite"/>
+                      </p:stCondLst>
+                      <p:childTnLst>
+                        <p:par>
+                          <p:cTn id="194" fill="hold">
+                            <p:stCondLst>
+                              <p:cond delay="0"/>
+                            </p:stCondLst>
+                            <p:childTnLst>
+                              <p:par>
+                                <p:cTn id="195" presetClass="entr" nodeType="clickEffect" presetSubtype="0" presetID="1" grpId="47" fill="hold">
+                                  <p:stCondLst>
+                                    <p:cond delay="0"/>
+                                  </p:stCondLst>
+                                  <p:iterate type="el" backwards="0">
+                                    <p:tmAbs val="0"/>
+                                  </p:iterate>
+                                  <p:childTnLst>
+                                    <p:set>
+                                      <p:cBhvr>
+                                        <p:cTn id="196" fill="hold"/>
+                                        <p:tgtEl>
+                                          <p:spTgt spid="433"/>
+                                        </p:tgtEl>
+                                        <p:attrNameLst>
+                                          <p:attrName>style.visibility</p:attrName>
+                                        </p:attrNameLst>
+                                      </p:cBhvr>
+                                      <p:to>
+                                        <p:strVal val="visible"/>
+                                      </p:to>
+                                    </p:set>
+                                  </p:childTnLst>
+                                </p:cTn>
+                              </p:par>
+                            </p:childTnLst>
+                          </p:cTn>
+                        </p:par>
+                      </p:childTnLst>
+                    </p:cTn>
+                  </p:par>
+                  <p:par>
+                    <p:cTn id="197" fill="hold">
+                      <p:stCondLst>
+                        <p:cond delay="indefinite"/>
+                      </p:stCondLst>
+                      <p:childTnLst>
+                        <p:par>
+                          <p:cTn id="198" fill="hold">
+                            <p:stCondLst>
+                              <p:cond delay="0"/>
+                            </p:stCondLst>
+                            <p:childTnLst>
+                              <p:par>
+                                <p:cTn id="199" presetClass="exit" nodeType="clickEffect" presetSubtype="2" presetID="2" grpId="48" fill="hold">
                                   <p:stCondLst>
                                     <p:cond delay="0"/>
                                   </p:stCondLst>
@@ -19031,9 +19613,9 @@
                                   <p:childTnLst>
                                     <p:anim calcmode="lin" valueType="num">
                                       <p:cBhvr>
-                                        <p:cTn id="180" dur="1000" fill="hold"/>
+                                        <p:cTn id="200" dur="1000" fill="hold"/>
                                         <p:tgtEl>
-                                          <p:spTgt spid="453"/>
+                                          <p:spTgt spid="433"/>
                                         </p:tgtEl>
                                         <p:attrNameLst>
                                           <p:attrName>ppt_x</p:attrName>
@@ -19054,9 +19636,9 @@
                                     </p:anim>
                                     <p:anim calcmode="lin" valueType="num">
                                       <p:cBhvr>
-                                        <p:cTn id="181" dur="1000" fill="hold"/>
+                                        <p:cTn id="201" dur="1000" fill="hold"/>
                                         <p:tgtEl>
-                                          <p:spTgt spid="453"/>
+                                          <p:spTgt spid="433"/>
                                         </p:tgtEl>
                                         <p:attrNameLst>
                                           <p:attrName>ppt_y</p:attrName>
@@ -19077,13 +19659,13 @@
                                     </p:anim>
                                     <p:set>
                                       <p:cBhvr>
-                                        <p:cTn id="182" fill="hold">
+                                        <p:cTn id="202" fill="hold">
                                           <p:stCondLst>
                                             <p:cond delay="999"/>
                                           </p:stCondLst>
                                         </p:cTn>
                                         <p:tgtEl>
-                                          <p:spTgt spid="453"/>
+                                          <p:spTgt spid="433"/>
                                         </p:tgtEl>
                                         <p:attrNameLst>
                                           <p:attrName>style.visibility</p:attrName>
@@ -19091,226 +19673,6 @@
                                       </p:cBhvr>
                                       <p:to>
                                         <p:strVal val="hidden"/>
-                                      </p:to>
-                                    </p:set>
-                                  </p:childTnLst>
-                                </p:cTn>
-                              </p:par>
-                            </p:childTnLst>
-                          </p:cTn>
-                        </p:par>
-                      </p:childTnLst>
-                    </p:cTn>
-                  </p:par>
-                  <p:par>
-                    <p:cTn id="183" fill="hold">
-                      <p:stCondLst>
-                        <p:cond delay="indefinite"/>
-                      </p:stCondLst>
-                      <p:childTnLst>
-                        <p:par>
-                          <p:cTn id="184" fill="hold">
-                            <p:stCondLst>
-                              <p:cond delay="0"/>
-                            </p:stCondLst>
-                            <p:childTnLst>
-                              <p:par>
-                                <p:cTn id="185" presetClass="entr" nodeType="clickEffect" presetSubtype="0" presetID="1" grpId="45" fill="hold">
-                                  <p:stCondLst>
-                                    <p:cond delay="0"/>
-                                  </p:stCondLst>
-                                  <p:iterate type="el" backwards="0">
-                                    <p:tmAbs val="0"/>
-                                  </p:iterate>
-                                  <p:childTnLst>
-                                    <p:set>
-                                      <p:cBhvr>
-                                        <p:cTn id="186" fill="hold"/>
-                                        <p:tgtEl>
-                                          <p:spTgt spid="436"/>
-                                        </p:tgtEl>
-                                        <p:attrNameLst>
-                                          <p:attrName>style.visibility</p:attrName>
-                                        </p:attrNameLst>
-                                      </p:cBhvr>
-                                      <p:to>
-                                        <p:strVal val="visible"/>
-                                      </p:to>
-                                    </p:set>
-                                  </p:childTnLst>
-                                </p:cTn>
-                              </p:par>
-                            </p:childTnLst>
-                          </p:cTn>
-                        </p:par>
-                      </p:childTnLst>
-                    </p:cTn>
-                  </p:par>
-                  <p:par>
-                    <p:cTn id="187" fill="hold">
-                      <p:stCondLst>
-                        <p:cond delay="indefinite"/>
-                      </p:stCondLst>
-                      <p:childTnLst>
-                        <p:par>
-                          <p:cTn id="188" fill="hold">
-                            <p:stCondLst>
-                              <p:cond delay="0"/>
-                            </p:stCondLst>
-                            <p:childTnLst>
-                              <p:par>
-                                <p:cTn id="189" presetClass="entr" nodeType="clickEffect" presetSubtype="0" presetID="1" grpId="46" fill="hold">
-                                  <p:stCondLst>
-                                    <p:cond delay="0"/>
-                                  </p:stCondLst>
-                                  <p:iterate type="el" backwards="0">
-                                    <p:tmAbs val="0"/>
-                                  </p:iterate>
-                                  <p:childTnLst>
-                                    <p:set>
-                                      <p:cBhvr>
-                                        <p:cTn id="190" fill="hold"/>
-                                        <p:tgtEl>
-                                          <p:spTgt spid="437"/>
-                                        </p:tgtEl>
-                                        <p:attrNameLst>
-                                          <p:attrName>style.visibility</p:attrName>
-                                        </p:attrNameLst>
-                                      </p:cBhvr>
-                                      <p:to>
-                                        <p:strVal val="visible"/>
-                                      </p:to>
-                                    </p:set>
-                                  </p:childTnLst>
-                                </p:cTn>
-                              </p:par>
-                            </p:childTnLst>
-                          </p:cTn>
-                        </p:par>
-                      </p:childTnLst>
-                    </p:cTn>
-                  </p:par>
-                  <p:par>
-                    <p:cTn id="191" fill="hold">
-                      <p:stCondLst>
-                        <p:cond delay="indefinite"/>
-                      </p:stCondLst>
-                      <p:childTnLst>
-                        <p:par>
-                          <p:cTn id="192" fill="hold">
-                            <p:stCondLst>
-                              <p:cond delay="0"/>
-                            </p:stCondLst>
-                            <p:childTnLst>
-                              <p:par>
-                                <p:cTn id="193" presetClass="entr" nodeType="clickEffect" presetSubtype="0" presetID="1" grpId="47" fill="hold">
-                                  <p:stCondLst>
-                                    <p:cond delay="0"/>
-                                  </p:stCondLst>
-                                  <p:iterate type="el" backwards="0">
-                                    <p:tmAbs val="0"/>
-                                  </p:iterate>
-                                  <p:childTnLst>
-                                    <p:set>
-                                      <p:cBhvr>
-                                        <p:cTn id="194" fill="hold"/>
-                                        <p:tgtEl>
-                                          <p:spTgt spid="438"/>
-                                        </p:tgtEl>
-                                        <p:attrNameLst>
-                                          <p:attrName>style.visibility</p:attrName>
-                                        </p:attrNameLst>
-                                      </p:cBhvr>
-                                      <p:to>
-                                        <p:strVal val="visible"/>
-                                      </p:to>
-                                    </p:set>
-                                  </p:childTnLst>
-                                </p:cTn>
-                              </p:par>
-                            </p:childTnLst>
-                          </p:cTn>
-                        </p:par>
-                      </p:childTnLst>
-                    </p:cTn>
-                  </p:par>
-                  <p:par>
-                    <p:cTn id="195" fill="hold">
-                      <p:stCondLst>
-                        <p:cond delay="indefinite"/>
-                      </p:stCondLst>
-                      <p:childTnLst>
-                        <p:par>
-                          <p:cTn id="196" fill="hold">
-                            <p:stCondLst>
-                              <p:cond delay="0"/>
-                            </p:stCondLst>
-                            <p:childTnLst>
-                              <p:par>
-                                <p:cTn id="197" presetClass="entr" nodeType="clickEffect" presetSubtype="0" presetID="1" grpId="48" fill="hold">
-                                  <p:stCondLst>
-                                    <p:cond delay="0"/>
-                                  </p:stCondLst>
-                                  <p:iterate type="el" backwards="0">
-                                    <p:tmAbs val="0"/>
-                                  </p:iterate>
-                                  <p:childTnLst>
-                                    <p:set>
-                                      <p:cBhvr>
-                                        <p:cTn id="198" fill="hold"/>
-                                        <p:tgtEl>
-                                          <p:spTgt spid="451"/>
-                                        </p:tgtEl>
-                                        <p:attrNameLst>
-                                          <p:attrName>style.visibility</p:attrName>
-                                        </p:attrNameLst>
-                                      </p:cBhvr>
-                                      <p:to>
-                                        <p:strVal val="visible"/>
-                                      </p:to>
-                                    </p:set>
-                                  </p:childTnLst>
-                                </p:cTn>
-                              </p:par>
-                            </p:childTnLst>
-                          </p:cTn>
-                        </p:par>
-                      </p:childTnLst>
-                    </p:cTn>
-                  </p:par>
-                  <p:par>
-                    <p:cTn id="199" fill="hold">
-                      <p:stCondLst>
-                        <p:cond delay="indefinite"/>
-                      </p:stCondLst>
-                      <p:childTnLst>
-                        <p:par>
-                          <p:cTn id="200" fill="hold">
-                            <p:stCondLst>
-                              <p:cond delay="0"/>
-                            </p:stCondLst>
-                            <p:childTnLst>
-                              <p:par>
-                                <p:cTn id="201" presetClass="entr" nodeType="clickEffect" presetSubtype="0" presetID="1" grpId="49" fill="hold">
-                                  <p:stCondLst>
-                                    <p:cond delay="0"/>
-                                  </p:stCondLst>
-                                  <p:iterate type="el" backwards="0">
-                                    <p:tmAbs val="0"/>
-                                  </p:iterate>
-                                  <p:childTnLst>
-                                    <p:set>
-                                      <p:cBhvr>
-                                        <p:cTn id="202" fill="hold"/>
-                                        <p:tgtEl>
-                                          <p:spTgt spid="439"/>
-                                        </p:tgtEl>
-                                        <p:attrNameLst>
-                                          <p:attrName>style.visibility</p:attrName>
-                                        </p:attrNameLst>
-                                      </p:cBhvr>
-                                      <p:to>
-                                        <p:strVal val="visible"/>
                                       </p:to>
                                     </p:set>
                                   </p:childTnLst>
@@ -19335,7 +19697,7 @@
                             </p:stCondLst>
                             <p:childTnLst>
                               <p:par>
-                                <p:cTn id="205" presetClass="entr" nodeType="clickEffect" presetSubtype="0" presetID="1" grpId="50" fill="hold">
+                                <p:cTn id="205" presetClass="entr" nodeType="clickEffect" presetSubtype="0" presetID="1" grpId="49" fill="hold">
                                   <p:stCondLst>
                                     <p:cond delay="0"/>
                                   </p:stCondLst>
@@ -19347,7 +19709,7 @@
                                       <p:cBhvr>
                                         <p:cTn id="206" fill="hold"/>
                                         <p:tgtEl>
-                                          <p:spTgt spid="452"/>
+                                          <p:spTgt spid="434"/>
                                         </p:tgtEl>
                                         <p:attrNameLst>
                                           <p:attrName>style.visibility</p:attrName>
@@ -19379,7 +19741,101 @@
                             </p:stCondLst>
                             <p:childTnLst>
                               <p:par>
-                                <p:cTn id="209" presetClass="entr" nodeType="clickEffect" presetSubtype="0" presetID="1" grpId="51" fill="hold">
+                                <p:cTn id="209" presetClass="exit" nodeType="clickEffect" presetSubtype="2" presetID="2" grpId="50" fill="hold">
+                                  <p:stCondLst>
+                                    <p:cond delay="0"/>
+                                  </p:stCondLst>
+                                  <p:iterate type="lt" backwards="0">
+                                    <p:tmAbs val="0"/>
+                                  </p:iterate>
+                                  <p:childTnLst>
+                                    <p:anim calcmode="lin" valueType="num">
+                                      <p:cBhvr>
+                                        <p:cTn id="210" dur="1000" fill="hold"/>
+                                        <p:tgtEl>
+                                          <p:spTgt spid="434"/>
+                                        </p:tgtEl>
+                                        <p:attrNameLst>
+                                          <p:attrName>ppt_x</p:attrName>
+                                        </p:attrNameLst>
+                                      </p:cBhvr>
+                                      <p:tavLst>
+                                        <p:tav tm="0">
+                                          <p:val>
+                                            <p:strVal val="ppt_x"/>
+                                          </p:val>
+                                        </p:tav>
+                                        <p:tav tm="100000">
+                                          <p:val>
+                                            <p:strVal val="1+ppt_w/2"/>
+                                          </p:val>
+                                        </p:tav>
+                                      </p:tavLst>
+                                    </p:anim>
+                                    <p:anim calcmode="lin" valueType="num">
+                                      <p:cBhvr>
+                                        <p:cTn id="211" dur="1000" fill="hold"/>
+                                        <p:tgtEl>
+                                          <p:spTgt spid="434"/>
+                                        </p:tgtEl>
+                                        <p:attrNameLst>
+                                          <p:attrName>ppt_y</p:attrName>
+                                        </p:attrNameLst>
+                                      </p:cBhvr>
+                                      <p:tavLst>
+                                        <p:tav tm="0">
+                                          <p:val>
+                                            <p:strVal val="ppt_y"/>
+                                          </p:val>
+                                        </p:tav>
+                                        <p:tav tm="100000">
+                                          <p:val>
+                                            <p:strVal val="ppt_y"/>
+                                          </p:val>
+                                        </p:tav>
+                                      </p:tavLst>
+                                    </p:anim>
+                                    <p:set>
+                                      <p:cBhvr>
+                                        <p:cTn id="212" fill="hold">
+                                          <p:stCondLst>
+                                            <p:cond delay="999"/>
+                                          </p:stCondLst>
+                                        </p:cTn>
+                                        <p:tgtEl>
+                                          <p:spTgt spid="434"/>
+                                        </p:tgtEl>
+                                        <p:attrNameLst>
+                                          <p:attrName>style.visibility</p:attrName>
+                                        </p:attrNameLst>
+                                      </p:cBhvr>
+                                      <p:to>
+                                        <p:strVal val="hidden"/>
+                                      </p:to>
+                                    </p:set>
+                                  </p:childTnLst>
+                                </p:cTn>
+                              </p:par>
+                            </p:childTnLst>
+                          </p:cTn>
+                        </p:par>
+                      </p:childTnLst>
+                    </p:cTn>
+                  </p:par>
+                  <p:par>
+                    <p:cTn id="213" fill="hold">
+                      <p:stCondLst>
+                        <p:cond delay="indefinite"/>
+                      </p:stCondLst>
+                      <p:childTnLst>
+                        <p:par>
+                          <p:cTn id="214" fill="hold">
+                            <p:stCondLst>
+                              <p:cond delay="0"/>
+                            </p:stCondLst>
+                            <p:childTnLst>
+                              <p:par>
+                                <p:cTn id="215" presetClass="entr" nodeType="clickEffect" presetSubtype="0" presetID="1" grpId="51" fill="hold">
                                   <p:stCondLst>
                                     <p:cond delay="0"/>
                                   </p:stCondLst>
@@ -19389,9 +19845,9 @@
                                   <p:childTnLst>
                                     <p:set>
                                       <p:cBhvr>
-                                        <p:cTn id="210" fill="hold"/>
+                                        <p:cTn id="216" fill="hold"/>
                                         <p:tgtEl>
-                                          <p:spTgt spid="396"/>
+                                          <p:spTgt spid="462"/>
                                         </p:tgtEl>
                                         <p:attrNameLst>
                                           <p:attrName>style.visibility</p:attrName>
@@ -19411,126 +19867,88 @@
                     </p:cTn>
                   </p:par>
                   <p:par>
-                    <p:cTn id="211" fill="hold">
+                    <p:cTn id="217" fill="hold">
                       <p:stCondLst>
                         <p:cond delay="indefinite"/>
                       </p:stCondLst>
                       <p:childTnLst>
                         <p:par>
-                          <p:cTn id="212" fill="hold">
+                          <p:cTn id="218" fill="hold">
                             <p:stCondLst>
                               <p:cond delay="0"/>
                             </p:stCondLst>
                             <p:childTnLst>
                               <p:par>
-                                <p:cTn id="213" presetClass="entr" nodeType="clickEffect" presetSubtype="0" presetID="1" grpId="52" fill="hold">
+                                <p:cTn id="219" presetClass="exit" nodeType="clickEffect" presetSubtype="2" presetID="2" grpId="52" fill="hold">
                                   <p:stCondLst>
                                     <p:cond delay="0"/>
                                   </p:stCondLst>
-                                  <p:iterate type="el" backwards="0">
+                                  <p:iterate type="lt" backwards="0">
                                     <p:tmAbs val="0"/>
                                   </p:iterate>
                                   <p:childTnLst>
+                                    <p:anim calcmode="lin" valueType="num">
+                                      <p:cBhvr>
+                                        <p:cTn id="220" dur="1000" fill="hold"/>
+                                        <p:tgtEl>
+                                          <p:spTgt spid="462"/>
+                                        </p:tgtEl>
+                                        <p:attrNameLst>
+                                          <p:attrName>ppt_x</p:attrName>
+                                        </p:attrNameLst>
+                                      </p:cBhvr>
+                                      <p:tavLst>
+                                        <p:tav tm="0">
+                                          <p:val>
+                                            <p:strVal val="ppt_x"/>
+                                          </p:val>
+                                        </p:tav>
+                                        <p:tav tm="100000">
+                                          <p:val>
+                                            <p:strVal val="1+ppt_w/2"/>
+                                          </p:val>
+                                        </p:tav>
+                                      </p:tavLst>
+                                    </p:anim>
+                                    <p:anim calcmode="lin" valueType="num">
+                                      <p:cBhvr>
+                                        <p:cTn id="221" dur="1000" fill="hold"/>
+                                        <p:tgtEl>
+                                          <p:spTgt spid="462"/>
+                                        </p:tgtEl>
+                                        <p:attrNameLst>
+                                          <p:attrName>ppt_y</p:attrName>
+                                        </p:attrNameLst>
+                                      </p:cBhvr>
+                                      <p:tavLst>
+                                        <p:tav tm="0">
+                                          <p:val>
+                                            <p:strVal val="ppt_y"/>
+                                          </p:val>
+                                        </p:tav>
+                                        <p:tav tm="100000">
+                                          <p:val>
+                                            <p:strVal val="ppt_y"/>
+                                          </p:val>
+                                        </p:tav>
+                                      </p:tavLst>
+                                    </p:anim>
                                     <p:set>
                                       <p:cBhvr>
-                                        <p:cTn id="214" fill="hold"/>
+                                        <p:cTn id="222" fill="hold">
+                                          <p:stCondLst>
+                                            <p:cond delay="999"/>
+                                          </p:stCondLst>
+                                        </p:cTn>
                                         <p:tgtEl>
-                                          <p:spTgt spid="440"/>
+                                          <p:spTgt spid="462"/>
                                         </p:tgtEl>
                                         <p:attrNameLst>
                                           <p:attrName>style.visibility</p:attrName>
                                         </p:attrNameLst>
                                       </p:cBhvr>
                                       <p:to>
-                                        <p:strVal val="visible"/>
-                                      </p:to>
-                                    </p:set>
-                                  </p:childTnLst>
-                                </p:cTn>
-                              </p:par>
-                            </p:childTnLst>
-                          </p:cTn>
-                        </p:par>
-                      </p:childTnLst>
-                    </p:cTn>
-                  </p:par>
-                  <p:par>
-                    <p:cTn id="215" fill="hold">
-                      <p:stCondLst>
-                        <p:cond delay="indefinite"/>
-                      </p:stCondLst>
-                      <p:childTnLst>
-                        <p:par>
-                          <p:cTn id="216" fill="hold">
-                            <p:stCondLst>
-                              <p:cond delay="0"/>
-                            </p:stCondLst>
-                            <p:childTnLst>
-                              <p:par>
-                                <p:cTn id="217" presetClass="entr" nodeType="clickEffect" presetSubtype="0" presetID="1" grpId="53" fill="hold">
-                                  <p:stCondLst>
-                                    <p:cond delay="0"/>
-                                  </p:stCondLst>
-                                  <p:iterate type="el" backwards="0">
-                                    <p:tmAbs val="0"/>
-                                  </p:iterate>
-                                  <p:childTnLst>
-                                    <p:set>
-                                      <p:cBhvr>
-                                        <p:cTn id="218" fill="hold"/>
-                                        <p:tgtEl>
-                                          <p:spTgt spid="441"/>
-                                        </p:tgtEl>
-                                        <p:attrNameLst>
-                                          <p:attrName>style.visibility</p:attrName>
-                                        </p:attrNameLst>
-                                      </p:cBhvr>
-                                      <p:to>
-                                        <p:strVal val="visible"/>
-                                      </p:to>
-                                    </p:set>
-                                  </p:childTnLst>
-                                </p:cTn>
-                              </p:par>
-                            </p:childTnLst>
-                          </p:cTn>
-                        </p:par>
-                      </p:childTnLst>
-                    </p:cTn>
-                  </p:par>
-                  <p:par>
-                    <p:cTn id="219" fill="hold">
-                      <p:stCondLst>
-                        <p:cond delay="indefinite"/>
-                      </p:stCondLst>
-                      <p:childTnLst>
-                        <p:par>
-                          <p:cTn id="220" fill="hold">
-                            <p:stCondLst>
-                              <p:cond delay="0"/>
-                            </p:stCondLst>
-                            <p:childTnLst>
-                              <p:par>
-                                <p:cTn id="221" presetClass="entr" nodeType="clickEffect" presetSubtype="0" presetID="1" grpId="54" fill="hold">
-                                  <p:stCondLst>
-                                    <p:cond delay="0"/>
-                                  </p:stCondLst>
-                                  <p:iterate type="el" backwards="0">
-                                    <p:tmAbs val="0"/>
-                                  </p:iterate>
-                                  <p:childTnLst>
-                                    <p:set>
-                                      <p:cBhvr>
-                                        <p:cTn id="222" fill="hold"/>
-                                        <p:tgtEl>
-                                          <p:spTgt spid="442"/>
-                                        </p:tgtEl>
-                                        <p:attrNameLst>
-                                          <p:attrName>style.visibility</p:attrName>
-                                        </p:attrNameLst>
-                                      </p:cBhvr>
-                                      <p:to>
-                                        <p:strVal val="visible"/>
+                                        <p:strVal val="hidden"/>
                                       </p:to>
                                     </p:set>
                                   </p:childTnLst>
@@ -19555,7 +19973,7 @@
                             </p:stCondLst>
                             <p:childTnLst>
                               <p:par>
-                                <p:cTn id="225" presetClass="entr" nodeType="clickEffect" presetSubtype="0" presetID="1" grpId="55" fill="hold">
+                                <p:cTn id="225" presetClass="entr" nodeType="clickEffect" presetSubtype="0" presetID="1" grpId="53" fill="hold">
                                   <p:stCondLst>
                                     <p:cond delay="0"/>
                                   </p:stCondLst>
@@ -19567,7 +19985,7 @@
                                       <p:cBhvr>
                                         <p:cTn id="226" fill="hold"/>
                                         <p:tgtEl>
-                                          <p:spTgt spid="443"/>
+                                          <p:spTgt spid="455"/>
                                         </p:tgtEl>
                                         <p:attrNameLst>
                                           <p:attrName>style.visibility</p:attrName>
@@ -19599,7 +20017,7 @@
                             </p:stCondLst>
                             <p:childTnLst>
                               <p:par>
-                                <p:cTn id="229" presetClass="entr" nodeType="clickEffect" presetSubtype="0" presetID="1" grpId="56" fill="hold">
+                                <p:cTn id="229" presetClass="entr" nodeType="clickEffect" presetSubtype="0" presetID="1" grpId="54" fill="hold">
                                   <p:stCondLst>
                                     <p:cond delay="0"/>
                                   </p:stCondLst>
@@ -19611,7 +20029,7 @@
                                       <p:cBhvr>
                                         <p:cTn id="230" fill="hold"/>
                                         <p:tgtEl>
-                                          <p:spTgt spid="444"/>
+                                          <p:spTgt spid="456"/>
                                         </p:tgtEl>
                                         <p:attrNameLst>
                                           <p:attrName>style.visibility</p:attrName>
@@ -19643,7 +20061,7 @@
                             </p:stCondLst>
                             <p:childTnLst>
                               <p:par>
-                                <p:cTn id="233" presetClass="entr" nodeType="clickEffect" presetSubtype="0" presetID="1" grpId="57" fill="hold">
+                                <p:cTn id="233" presetClass="entr" nodeType="clickEffect" presetSubtype="0" presetID="1" grpId="55" fill="hold">
                                   <p:stCondLst>
                                     <p:cond delay="0"/>
                                   </p:stCondLst>
@@ -19655,7 +20073,7 @@
                                       <p:cBhvr>
                                         <p:cTn id="234" fill="hold"/>
                                         <p:tgtEl>
-                                          <p:spTgt spid="445"/>
+                                          <p:spTgt spid="457"/>
                                         </p:tgtEl>
                                         <p:attrNameLst>
                                           <p:attrName>style.visibility</p:attrName>
@@ -19687,7 +20105,7 @@
                             </p:stCondLst>
                             <p:childTnLst>
                               <p:par>
-                                <p:cTn id="237" presetClass="entr" nodeType="clickEffect" presetSubtype="0" presetID="1" grpId="58" fill="hold">
+                                <p:cTn id="237" presetClass="entr" nodeType="clickEffect" presetSubtype="0" presetID="1" grpId="56" fill="hold">
                                   <p:stCondLst>
                                     <p:cond delay="0"/>
                                   </p:stCondLst>
@@ -19699,7 +20117,7 @@
                                       <p:cBhvr>
                                         <p:cTn id="238" fill="hold"/>
                                         <p:tgtEl>
-                                          <p:spTgt spid="446"/>
+                                          <p:spTgt spid="447"/>
                                         </p:tgtEl>
                                         <p:attrNameLst>
                                           <p:attrName>style.visibility</p:attrName>
@@ -19731,7 +20149,7 @@
                             </p:stCondLst>
                             <p:childTnLst>
                               <p:par>
-                                <p:cTn id="241" presetClass="entr" nodeType="clickEffect" presetSubtype="0" presetID="1" grpId="59" fill="hold">
+                                <p:cTn id="241" presetClass="entr" nodeType="clickEffect" presetSubtype="0" presetID="1" grpId="57" fill="hold">
                                   <p:stCondLst>
                                     <p:cond delay="0"/>
                                   </p:stCondLst>
@@ -19743,7 +20161,7 @@
                                       <p:cBhvr>
                                         <p:cTn id="242" fill="hold"/>
                                         <p:tgtEl>
-                                          <p:spTgt spid="447"/>
+                                          <p:spTgt spid="435"/>
                                         </p:tgtEl>
                                         <p:attrNameLst>
                                           <p:attrName>style.visibility</p:attrName>
@@ -19775,7 +20193,101 @@
                             </p:stCondLst>
                             <p:childTnLst>
                               <p:par>
-                                <p:cTn id="245" presetClass="entr" nodeType="clickEffect" presetSubtype="0" presetID="1" grpId="60" fill="hold">
+                                <p:cTn id="245" presetClass="exit" nodeType="clickEffect" presetSubtype="2" presetID="2" grpId="58" fill="hold">
+                                  <p:stCondLst>
+                                    <p:cond delay="0"/>
+                                  </p:stCondLst>
+                                  <p:iterate type="lt" backwards="0">
+                                    <p:tmAbs val="0"/>
+                                  </p:iterate>
+                                  <p:childTnLst>
+                                    <p:anim calcmode="lin" valueType="num">
+                                      <p:cBhvr>
+                                        <p:cTn id="246" dur="1000" fill="hold"/>
+                                        <p:tgtEl>
+                                          <p:spTgt spid="435"/>
+                                        </p:tgtEl>
+                                        <p:attrNameLst>
+                                          <p:attrName>ppt_x</p:attrName>
+                                        </p:attrNameLst>
+                                      </p:cBhvr>
+                                      <p:tavLst>
+                                        <p:tav tm="0">
+                                          <p:val>
+                                            <p:strVal val="ppt_x"/>
+                                          </p:val>
+                                        </p:tav>
+                                        <p:tav tm="100000">
+                                          <p:val>
+                                            <p:strVal val="1+ppt_w/2"/>
+                                          </p:val>
+                                        </p:tav>
+                                      </p:tavLst>
+                                    </p:anim>
+                                    <p:anim calcmode="lin" valueType="num">
+                                      <p:cBhvr>
+                                        <p:cTn id="247" dur="1000" fill="hold"/>
+                                        <p:tgtEl>
+                                          <p:spTgt spid="435"/>
+                                        </p:tgtEl>
+                                        <p:attrNameLst>
+                                          <p:attrName>ppt_y</p:attrName>
+                                        </p:attrNameLst>
+                                      </p:cBhvr>
+                                      <p:tavLst>
+                                        <p:tav tm="0">
+                                          <p:val>
+                                            <p:strVal val="ppt_y"/>
+                                          </p:val>
+                                        </p:tav>
+                                        <p:tav tm="100000">
+                                          <p:val>
+                                            <p:strVal val="ppt_y"/>
+                                          </p:val>
+                                        </p:tav>
+                                      </p:tavLst>
+                                    </p:anim>
+                                    <p:set>
+                                      <p:cBhvr>
+                                        <p:cTn id="248" fill="hold">
+                                          <p:stCondLst>
+                                            <p:cond delay="999"/>
+                                          </p:stCondLst>
+                                        </p:cTn>
+                                        <p:tgtEl>
+                                          <p:spTgt spid="435"/>
+                                        </p:tgtEl>
+                                        <p:attrNameLst>
+                                          <p:attrName>style.visibility</p:attrName>
+                                        </p:attrNameLst>
+                                      </p:cBhvr>
+                                      <p:to>
+                                        <p:strVal val="hidden"/>
+                                      </p:to>
+                                    </p:set>
+                                  </p:childTnLst>
+                                </p:cTn>
+                              </p:par>
+                            </p:childTnLst>
+                          </p:cTn>
+                        </p:par>
+                      </p:childTnLst>
+                    </p:cTn>
+                  </p:par>
+                  <p:par>
+                    <p:cTn id="249" fill="hold">
+                      <p:stCondLst>
+                        <p:cond delay="indefinite"/>
+                      </p:stCondLst>
+                      <p:childTnLst>
+                        <p:par>
+                          <p:cTn id="250" fill="hold">
+                            <p:stCondLst>
+                              <p:cond delay="0"/>
+                            </p:stCondLst>
+                            <p:childTnLst>
+                              <p:par>
+                                <p:cTn id="251" presetClass="entr" nodeType="clickEffect" presetSubtype="0" presetID="1" grpId="59" fill="hold">
                                   <p:stCondLst>
                                     <p:cond delay="0"/>
                                   </p:stCondLst>
@@ -19785,7 +20297,465 @@
                                   <p:childTnLst>
                                     <p:set>
                                       <p:cBhvr>
-                                        <p:cTn id="246" fill="hold"/>
+                                        <p:cTn id="252" fill="hold"/>
+                                        <p:tgtEl>
+                                          <p:spTgt spid="458"/>
+                                        </p:tgtEl>
+                                        <p:attrNameLst>
+                                          <p:attrName>style.visibility</p:attrName>
+                                        </p:attrNameLst>
+                                      </p:cBhvr>
+                                      <p:to>
+                                        <p:strVal val="visible"/>
+                                      </p:to>
+                                    </p:set>
+                                  </p:childTnLst>
+                                </p:cTn>
+                              </p:par>
+                            </p:childTnLst>
+                          </p:cTn>
+                        </p:par>
+                      </p:childTnLst>
+                    </p:cTn>
+                  </p:par>
+                  <p:par>
+                    <p:cTn id="253" fill="hold">
+                      <p:stCondLst>
+                        <p:cond delay="indefinite"/>
+                      </p:stCondLst>
+                      <p:childTnLst>
+                        <p:par>
+                          <p:cTn id="254" fill="hold">
+                            <p:stCondLst>
+                              <p:cond delay="0"/>
+                            </p:stCondLst>
+                            <p:childTnLst>
+                              <p:par>
+                                <p:cTn id="255" presetClass="exit" nodeType="clickEffect" presetSubtype="2" presetID="2" grpId="60" fill="hold">
+                                  <p:stCondLst>
+                                    <p:cond delay="0"/>
+                                  </p:stCondLst>
+                                  <p:iterate type="lt" backwards="0">
+                                    <p:tmAbs val="0"/>
+                                  </p:iterate>
+                                  <p:childTnLst>
+                                    <p:anim calcmode="lin" valueType="num">
+                                      <p:cBhvr>
+                                        <p:cTn id="256" dur="1000" fill="hold"/>
+                                        <p:tgtEl>
+                                          <p:spTgt spid="458"/>
+                                        </p:tgtEl>
+                                        <p:attrNameLst>
+                                          <p:attrName>ppt_x</p:attrName>
+                                        </p:attrNameLst>
+                                      </p:cBhvr>
+                                      <p:tavLst>
+                                        <p:tav tm="0">
+                                          <p:val>
+                                            <p:strVal val="ppt_x"/>
+                                          </p:val>
+                                        </p:tav>
+                                        <p:tav tm="100000">
+                                          <p:val>
+                                            <p:strVal val="1+ppt_w/2"/>
+                                          </p:val>
+                                        </p:tav>
+                                      </p:tavLst>
+                                    </p:anim>
+                                    <p:anim calcmode="lin" valueType="num">
+                                      <p:cBhvr>
+                                        <p:cTn id="257" dur="1000" fill="hold"/>
+                                        <p:tgtEl>
+                                          <p:spTgt spid="458"/>
+                                        </p:tgtEl>
+                                        <p:attrNameLst>
+                                          <p:attrName>ppt_y</p:attrName>
+                                        </p:attrNameLst>
+                                      </p:cBhvr>
+                                      <p:tavLst>
+                                        <p:tav tm="0">
+                                          <p:val>
+                                            <p:strVal val="ppt_y"/>
+                                          </p:val>
+                                        </p:tav>
+                                        <p:tav tm="100000">
+                                          <p:val>
+                                            <p:strVal val="ppt_y"/>
+                                          </p:val>
+                                        </p:tav>
+                                      </p:tavLst>
+                                    </p:anim>
+                                    <p:set>
+                                      <p:cBhvr>
+                                        <p:cTn id="258" fill="hold">
+                                          <p:stCondLst>
+                                            <p:cond delay="999"/>
+                                          </p:stCondLst>
+                                        </p:cTn>
+                                        <p:tgtEl>
+                                          <p:spTgt spid="458"/>
+                                        </p:tgtEl>
+                                        <p:attrNameLst>
+                                          <p:attrName>style.visibility</p:attrName>
+                                        </p:attrNameLst>
+                                      </p:cBhvr>
+                                      <p:to>
+                                        <p:strVal val="hidden"/>
+                                      </p:to>
+                                    </p:set>
+                                  </p:childTnLst>
+                                </p:cTn>
+                              </p:par>
+                            </p:childTnLst>
+                          </p:cTn>
+                        </p:par>
+                      </p:childTnLst>
+                    </p:cTn>
+                  </p:par>
+                  <p:par>
+                    <p:cTn id="259" fill="hold">
+                      <p:stCondLst>
+                        <p:cond delay="indefinite"/>
+                      </p:stCondLst>
+                      <p:childTnLst>
+                        <p:par>
+                          <p:cTn id="260" fill="hold">
+                            <p:stCondLst>
+                              <p:cond delay="0"/>
+                            </p:stCondLst>
+                            <p:childTnLst>
+                              <p:par>
+                                <p:cTn id="261" presetClass="entr" nodeType="clickEffect" presetSubtype="0" presetID="1" grpId="61" fill="hold">
+                                  <p:stCondLst>
+                                    <p:cond delay="0"/>
+                                  </p:stCondLst>
+                                  <p:iterate type="el" backwards="0">
+                                    <p:tmAbs val="0"/>
+                                  </p:iterate>
+                                  <p:childTnLst>
+                                    <p:set>
+                                      <p:cBhvr>
+                                        <p:cTn id="262" fill="hold"/>
+                                        <p:tgtEl>
+                                          <p:spTgt spid="459"/>
+                                        </p:tgtEl>
+                                        <p:attrNameLst>
+                                          <p:attrName>style.visibility</p:attrName>
+                                        </p:attrNameLst>
+                                      </p:cBhvr>
+                                      <p:to>
+                                        <p:strVal val="visible"/>
+                                      </p:to>
+                                    </p:set>
+                                  </p:childTnLst>
+                                </p:cTn>
+                              </p:par>
+                            </p:childTnLst>
+                          </p:cTn>
+                        </p:par>
+                      </p:childTnLst>
+                    </p:cTn>
+                  </p:par>
+                  <p:par>
+                    <p:cTn id="263" fill="hold">
+                      <p:stCondLst>
+                        <p:cond delay="indefinite"/>
+                      </p:stCondLst>
+                      <p:childTnLst>
+                        <p:par>
+                          <p:cTn id="264" fill="hold">
+                            <p:stCondLst>
+                              <p:cond delay="0"/>
+                            </p:stCondLst>
+                            <p:childTnLst>
+                              <p:par>
+                                <p:cTn id="265" presetClass="exit" nodeType="clickEffect" presetSubtype="2" presetID="2" grpId="62" fill="hold">
+                                  <p:stCondLst>
+                                    <p:cond delay="0"/>
+                                  </p:stCondLst>
+                                  <p:iterate type="lt" backwards="0">
+                                    <p:tmAbs val="0"/>
+                                  </p:iterate>
+                                  <p:childTnLst>
+                                    <p:anim calcmode="lin" valueType="num">
+                                      <p:cBhvr>
+                                        <p:cTn id="266" dur="1000" fill="hold"/>
+                                        <p:tgtEl>
+                                          <p:spTgt spid="459"/>
+                                        </p:tgtEl>
+                                        <p:attrNameLst>
+                                          <p:attrName>ppt_x</p:attrName>
+                                        </p:attrNameLst>
+                                      </p:cBhvr>
+                                      <p:tavLst>
+                                        <p:tav tm="0">
+                                          <p:val>
+                                            <p:strVal val="ppt_x"/>
+                                          </p:val>
+                                        </p:tav>
+                                        <p:tav tm="100000">
+                                          <p:val>
+                                            <p:strVal val="1+ppt_w/2"/>
+                                          </p:val>
+                                        </p:tav>
+                                      </p:tavLst>
+                                    </p:anim>
+                                    <p:anim calcmode="lin" valueType="num">
+                                      <p:cBhvr>
+                                        <p:cTn id="267" dur="1000" fill="hold"/>
+                                        <p:tgtEl>
+                                          <p:spTgt spid="459"/>
+                                        </p:tgtEl>
+                                        <p:attrNameLst>
+                                          <p:attrName>ppt_y</p:attrName>
+                                        </p:attrNameLst>
+                                      </p:cBhvr>
+                                      <p:tavLst>
+                                        <p:tav tm="0">
+                                          <p:val>
+                                            <p:strVal val="ppt_y"/>
+                                          </p:val>
+                                        </p:tav>
+                                        <p:tav tm="100000">
+                                          <p:val>
+                                            <p:strVal val="ppt_y"/>
+                                          </p:val>
+                                        </p:tav>
+                                      </p:tavLst>
+                                    </p:anim>
+                                    <p:set>
+                                      <p:cBhvr>
+                                        <p:cTn id="268" fill="hold">
+                                          <p:stCondLst>
+                                            <p:cond delay="999"/>
+                                          </p:stCondLst>
+                                        </p:cTn>
+                                        <p:tgtEl>
+                                          <p:spTgt spid="459"/>
+                                        </p:tgtEl>
+                                        <p:attrNameLst>
+                                          <p:attrName>style.visibility</p:attrName>
+                                        </p:attrNameLst>
+                                      </p:cBhvr>
+                                      <p:to>
+                                        <p:strVal val="hidden"/>
+                                      </p:to>
+                                    </p:set>
+                                  </p:childTnLst>
+                                </p:cTn>
+                              </p:par>
+                            </p:childTnLst>
+                          </p:cTn>
+                        </p:par>
+                      </p:childTnLst>
+                    </p:cTn>
+                  </p:par>
+                  <p:par>
+                    <p:cTn id="269" fill="hold">
+                      <p:stCondLst>
+                        <p:cond delay="indefinite"/>
+                      </p:stCondLst>
+                      <p:childTnLst>
+                        <p:par>
+                          <p:cTn id="270" fill="hold">
+                            <p:stCondLst>
+                              <p:cond delay="0"/>
+                            </p:stCondLst>
+                            <p:childTnLst>
+                              <p:par>
+                                <p:cTn id="271" presetClass="entr" nodeType="clickEffect" presetSubtype="0" presetID="1" grpId="63" fill="hold">
+                                  <p:stCondLst>
+                                    <p:cond delay="0"/>
+                                  </p:stCondLst>
+                                  <p:iterate type="el" backwards="0">
+                                    <p:tmAbs val="0"/>
+                                  </p:iterate>
+                                  <p:childTnLst>
+                                    <p:set>
+                                      <p:cBhvr>
+                                        <p:cTn id="272" fill="hold"/>
+                                        <p:tgtEl>
+                                          <p:spTgt spid="460"/>
+                                        </p:tgtEl>
+                                        <p:attrNameLst>
+                                          <p:attrName>style.visibility</p:attrName>
+                                        </p:attrNameLst>
+                                      </p:cBhvr>
+                                      <p:to>
+                                        <p:strVal val="visible"/>
+                                      </p:to>
+                                    </p:set>
+                                  </p:childTnLst>
+                                </p:cTn>
+                              </p:par>
+                            </p:childTnLst>
+                          </p:cTn>
+                        </p:par>
+                      </p:childTnLst>
+                    </p:cTn>
+                  </p:par>
+                  <p:par>
+                    <p:cTn id="273" fill="hold">
+                      <p:stCondLst>
+                        <p:cond delay="indefinite"/>
+                      </p:stCondLst>
+                      <p:childTnLst>
+                        <p:par>
+                          <p:cTn id="274" fill="hold">
+                            <p:stCondLst>
+                              <p:cond delay="0"/>
+                            </p:stCondLst>
+                            <p:childTnLst>
+                              <p:par>
+                                <p:cTn id="275" presetClass="exit" nodeType="clickEffect" presetSubtype="2" presetID="2" grpId="64" fill="hold">
+                                  <p:stCondLst>
+                                    <p:cond delay="0"/>
+                                  </p:stCondLst>
+                                  <p:iterate type="lt" backwards="0">
+                                    <p:tmAbs val="0"/>
+                                  </p:iterate>
+                                  <p:childTnLst>
+                                    <p:anim calcmode="lin" valueType="num">
+                                      <p:cBhvr>
+                                        <p:cTn id="276" dur="1000" fill="hold"/>
+                                        <p:tgtEl>
+                                          <p:spTgt spid="460"/>
+                                        </p:tgtEl>
+                                        <p:attrNameLst>
+                                          <p:attrName>ppt_x</p:attrName>
+                                        </p:attrNameLst>
+                                      </p:cBhvr>
+                                      <p:tavLst>
+                                        <p:tav tm="0">
+                                          <p:val>
+                                            <p:strVal val="ppt_x"/>
+                                          </p:val>
+                                        </p:tav>
+                                        <p:tav tm="100000">
+                                          <p:val>
+                                            <p:strVal val="1+ppt_w/2"/>
+                                          </p:val>
+                                        </p:tav>
+                                      </p:tavLst>
+                                    </p:anim>
+                                    <p:anim calcmode="lin" valueType="num">
+                                      <p:cBhvr>
+                                        <p:cTn id="277" dur="1000" fill="hold"/>
+                                        <p:tgtEl>
+                                          <p:spTgt spid="460"/>
+                                        </p:tgtEl>
+                                        <p:attrNameLst>
+                                          <p:attrName>ppt_y</p:attrName>
+                                        </p:attrNameLst>
+                                      </p:cBhvr>
+                                      <p:tavLst>
+                                        <p:tav tm="0">
+                                          <p:val>
+                                            <p:strVal val="ppt_y"/>
+                                          </p:val>
+                                        </p:tav>
+                                        <p:tav tm="100000">
+                                          <p:val>
+                                            <p:strVal val="ppt_y"/>
+                                          </p:val>
+                                        </p:tav>
+                                      </p:tavLst>
+                                    </p:anim>
+                                    <p:set>
+                                      <p:cBhvr>
+                                        <p:cTn id="278" fill="hold">
+                                          <p:stCondLst>
+                                            <p:cond delay="999"/>
+                                          </p:stCondLst>
+                                        </p:cTn>
+                                        <p:tgtEl>
+                                          <p:spTgt spid="460"/>
+                                        </p:tgtEl>
+                                        <p:attrNameLst>
+                                          <p:attrName>style.visibility</p:attrName>
+                                        </p:attrNameLst>
+                                      </p:cBhvr>
+                                      <p:to>
+                                        <p:strVal val="hidden"/>
+                                      </p:to>
+                                    </p:set>
+                                  </p:childTnLst>
+                                </p:cTn>
+                              </p:par>
+                            </p:childTnLst>
+                          </p:cTn>
+                        </p:par>
+                      </p:childTnLst>
+                    </p:cTn>
+                  </p:par>
+                  <p:par>
+                    <p:cTn id="279" fill="hold">
+                      <p:stCondLst>
+                        <p:cond delay="indefinite"/>
+                      </p:stCondLst>
+                      <p:childTnLst>
+                        <p:par>
+                          <p:cTn id="280" fill="hold">
+                            <p:stCondLst>
+                              <p:cond delay="0"/>
+                            </p:stCondLst>
+                            <p:childTnLst>
+                              <p:par>
+                                <p:cTn id="281" presetClass="entr" nodeType="clickEffect" presetSubtype="0" presetID="1" grpId="65" fill="hold">
+                                  <p:stCondLst>
+                                    <p:cond delay="0"/>
+                                  </p:stCondLst>
+                                  <p:iterate type="el" backwards="0">
+                                    <p:tmAbs val="0"/>
+                                  </p:iterate>
+                                  <p:childTnLst>
+                                    <p:set>
+                                      <p:cBhvr>
+                                        <p:cTn id="282" fill="hold"/>
+                                        <p:tgtEl>
+                                          <p:spTgt spid="461"/>
+                                        </p:tgtEl>
+                                        <p:attrNameLst>
+                                          <p:attrName>style.visibility</p:attrName>
+                                        </p:attrNameLst>
+                                      </p:cBhvr>
+                                      <p:to>
+                                        <p:strVal val="visible"/>
+                                      </p:to>
+                                    </p:set>
+                                  </p:childTnLst>
+                                </p:cTn>
+                              </p:par>
+                            </p:childTnLst>
+                          </p:cTn>
+                        </p:par>
+                      </p:childTnLst>
+                    </p:cTn>
+                  </p:par>
+                  <p:par>
+                    <p:cTn id="283" fill="hold">
+                      <p:stCondLst>
+                        <p:cond delay="indefinite"/>
+                      </p:stCondLst>
+                      <p:childTnLst>
+                        <p:par>
+                          <p:cTn id="284" fill="hold">
+                            <p:stCondLst>
+                              <p:cond delay="0"/>
+                            </p:stCondLst>
+                            <p:childTnLst>
+                              <p:par>
+                                <p:cTn id="285" presetClass="entr" nodeType="clickEffect" presetSubtype="0" presetID="1" grpId="66" fill="hold">
+                                  <p:stCondLst>
+                                    <p:cond delay="0"/>
+                                  </p:stCondLst>
+                                  <p:iterate type="el" backwards="0">
+                                    <p:tmAbs val="0"/>
+                                  </p:iterate>
+                                  <p:childTnLst>
+                                    <p:set>
+                                      <p:cBhvr>
+                                        <p:cTn id="286" fill="hold"/>
                                         <p:tgtEl>
                                           <p:spTgt spid="448"/>
                                         </p:tgtEl>
@@ -19807,19 +20777,19 @@
                     </p:cTn>
                   </p:par>
                   <p:par>
-                    <p:cTn id="247" fill="hold">
+                    <p:cTn id="287" fill="hold">
                       <p:stCondLst>
                         <p:cond delay="indefinite"/>
                       </p:stCondLst>
                       <p:childTnLst>
                         <p:par>
-                          <p:cTn id="248" fill="hold">
+                          <p:cTn id="288" fill="hold">
                             <p:stCondLst>
                               <p:cond delay="0"/>
                             </p:stCondLst>
                             <p:childTnLst>
                               <p:par>
-                                <p:cTn id="249" presetClass="entr" nodeType="clickEffect" presetSubtype="0" presetID="1" grpId="61" fill="hold">
+                                <p:cTn id="289" presetClass="entr" nodeType="clickEffect" presetSubtype="0" presetID="1" grpId="67" fill="hold">
                                   <p:stCondLst>
                                     <p:cond delay="0"/>
                                   </p:stCondLst>
@@ -19829,9 +20799,9 @@
                                   <p:childTnLst>
                                     <p:set>
                                       <p:cBhvr>
-                                        <p:cTn id="250" fill="hold"/>
+                                        <p:cTn id="290" fill="hold"/>
                                         <p:tgtEl>
-                                          <p:spTgt spid="449"/>
+                                          <p:spTgt spid="396"/>
                                         </p:tgtEl>
                                         <p:attrNameLst>
                                           <p:attrName>style.visibility</p:attrName>
@@ -19851,19 +20821,19 @@
                     </p:cTn>
                   </p:par>
                   <p:par>
-                    <p:cTn id="251" fill="hold">
+                    <p:cTn id="291" fill="hold">
                       <p:stCondLst>
                         <p:cond delay="indefinite"/>
                       </p:stCondLst>
                       <p:childTnLst>
                         <p:par>
-                          <p:cTn id="252" fill="hold">
+                          <p:cTn id="292" fill="hold">
                             <p:stCondLst>
                               <p:cond delay="0"/>
                             </p:stCondLst>
                             <p:childTnLst>
                               <p:par>
-                                <p:cTn id="253" presetClass="entr" nodeType="clickEffect" presetSubtype="0" presetID="1" grpId="62" fill="hold">
+                                <p:cTn id="293" presetClass="entr" nodeType="clickEffect" presetSubtype="0" presetID="1" grpId="68" fill="hold">
                                   <p:stCondLst>
                                     <p:cond delay="0"/>
                                   </p:stCondLst>
@@ -19873,9 +20843,9 @@
                                   <p:childTnLst>
                                     <p:set>
                                       <p:cBhvr>
-                                        <p:cTn id="254" fill="hold"/>
+                                        <p:cTn id="294" fill="hold"/>
                                         <p:tgtEl>
-                                          <p:spTgt spid="454"/>
+                                          <p:spTgt spid="436"/>
                                         </p:tgtEl>
                                         <p:attrNameLst>
                                           <p:attrName>style.visibility</p:attrName>
@@ -19883,6 +20853,540 @@
                                       </p:cBhvr>
                                       <p:to>
                                         <p:strVal val="visible"/>
+                                      </p:to>
+                                    </p:set>
+                                  </p:childTnLst>
+                                </p:cTn>
+                              </p:par>
+                            </p:childTnLst>
+                          </p:cTn>
+                        </p:par>
+                      </p:childTnLst>
+                    </p:cTn>
+                  </p:par>
+                  <p:par>
+                    <p:cTn id="295" fill="hold">
+                      <p:stCondLst>
+                        <p:cond delay="indefinite"/>
+                      </p:stCondLst>
+                      <p:childTnLst>
+                        <p:par>
+                          <p:cTn id="296" fill="hold">
+                            <p:stCondLst>
+                              <p:cond delay="0"/>
+                            </p:stCondLst>
+                            <p:childTnLst>
+                              <p:par>
+                                <p:cTn id="297" presetClass="entr" nodeType="clickEffect" presetSubtype="0" presetID="1" grpId="69" fill="hold">
+                                  <p:stCondLst>
+                                    <p:cond delay="0"/>
+                                  </p:stCondLst>
+                                  <p:iterate type="el" backwards="0">
+                                    <p:tmAbs val="0"/>
+                                  </p:iterate>
+                                  <p:childTnLst>
+                                    <p:set>
+                                      <p:cBhvr>
+                                        <p:cTn id="298" fill="hold"/>
+                                        <p:tgtEl>
+                                          <p:spTgt spid="437"/>
+                                        </p:tgtEl>
+                                        <p:attrNameLst>
+                                          <p:attrName>style.visibility</p:attrName>
+                                        </p:attrNameLst>
+                                      </p:cBhvr>
+                                      <p:to>
+                                        <p:strVal val="visible"/>
+                                      </p:to>
+                                    </p:set>
+                                  </p:childTnLst>
+                                </p:cTn>
+                              </p:par>
+                            </p:childTnLst>
+                          </p:cTn>
+                        </p:par>
+                      </p:childTnLst>
+                    </p:cTn>
+                  </p:par>
+                  <p:par>
+                    <p:cTn id="299" fill="hold">
+                      <p:stCondLst>
+                        <p:cond delay="indefinite"/>
+                      </p:stCondLst>
+                      <p:childTnLst>
+                        <p:par>
+                          <p:cTn id="300" fill="hold">
+                            <p:stCondLst>
+                              <p:cond delay="0"/>
+                            </p:stCondLst>
+                            <p:childTnLst>
+                              <p:par>
+                                <p:cTn id="301" presetClass="entr" nodeType="clickEffect" presetSubtype="0" presetID="1" grpId="70" fill="hold">
+                                  <p:stCondLst>
+                                    <p:cond delay="0"/>
+                                  </p:stCondLst>
+                                  <p:iterate type="el" backwards="0">
+                                    <p:tmAbs val="0"/>
+                                  </p:iterate>
+                                  <p:childTnLst>
+                                    <p:set>
+                                      <p:cBhvr>
+                                        <p:cTn id="302" fill="hold"/>
+                                        <p:tgtEl>
+                                          <p:spTgt spid="438"/>
+                                        </p:tgtEl>
+                                        <p:attrNameLst>
+                                          <p:attrName>style.visibility</p:attrName>
+                                        </p:attrNameLst>
+                                      </p:cBhvr>
+                                      <p:to>
+                                        <p:strVal val="visible"/>
+                                      </p:to>
+                                    </p:set>
+                                  </p:childTnLst>
+                                </p:cTn>
+                              </p:par>
+                            </p:childTnLst>
+                          </p:cTn>
+                        </p:par>
+                      </p:childTnLst>
+                    </p:cTn>
+                  </p:par>
+                  <p:par>
+                    <p:cTn id="303" fill="hold">
+                      <p:stCondLst>
+                        <p:cond delay="indefinite"/>
+                      </p:stCondLst>
+                      <p:childTnLst>
+                        <p:par>
+                          <p:cTn id="304" fill="hold">
+                            <p:stCondLst>
+                              <p:cond delay="0"/>
+                            </p:stCondLst>
+                            <p:childTnLst>
+                              <p:par>
+                                <p:cTn id="305" presetClass="entr" nodeType="clickEffect" presetSubtype="0" presetID="1" grpId="71" fill="hold">
+                                  <p:stCondLst>
+                                    <p:cond delay="0"/>
+                                  </p:stCondLst>
+                                  <p:iterate type="el" backwards="0">
+                                    <p:tmAbs val="0"/>
+                                  </p:iterate>
+                                  <p:childTnLst>
+                                    <p:set>
+                                      <p:cBhvr>
+                                        <p:cTn id="306" fill="hold"/>
+                                        <p:tgtEl>
+                                          <p:spTgt spid="439"/>
+                                        </p:tgtEl>
+                                        <p:attrNameLst>
+                                          <p:attrName>style.visibility</p:attrName>
+                                        </p:attrNameLst>
+                                      </p:cBhvr>
+                                      <p:to>
+                                        <p:strVal val="visible"/>
+                                      </p:to>
+                                    </p:set>
+                                  </p:childTnLst>
+                                </p:cTn>
+                              </p:par>
+                            </p:childTnLst>
+                          </p:cTn>
+                        </p:par>
+                      </p:childTnLst>
+                    </p:cTn>
+                  </p:par>
+                  <p:par>
+                    <p:cTn id="307" fill="hold">
+                      <p:stCondLst>
+                        <p:cond delay="indefinite"/>
+                      </p:stCondLst>
+                      <p:childTnLst>
+                        <p:par>
+                          <p:cTn id="308" fill="hold">
+                            <p:stCondLst>
+                              <p:cond delay="0"/>
+                            </p:stCondLst>
+                            <p:childTnLst>
+                              <p:par>
+                                <p:cTn id="309" presetClass="entr" nodeType="clickEffect" presetSubtype="0" presetID="1" grpId="72" fill="hold">
+                                  <p:stCondLst>
+                                    <p:cond delay="0"/>
+                                  </p:stCondLst>
+                                  <p:iterate type="el" backwards="0">
+                                    <p:tmAbs val="0"/>
+                                  </p:iterate>
+                                  <p:childTnLst>
+                                    <p:set>
+                                      <p:cBhvr>
+                                        <p:cTn id="310" fill="hold"/>
+                                        <p:tgtEl>
+                                          <p:spTgt spid="440"/>
+                                        </p:tgtEl>
+                                        <p:attrNameLst>
+                                          <p:attrName>style.visibility</p:attrName>
+                                        </p:attrNameLst>
+                                      </p:cBhvr>
+                                      <p:to>
+                                        <p:strVal val="visible"/>
+                                      </p:to>
+                                    </p:set>
+                                  </p:childTnLst>
+                                </p:cTn>
+                              </p:par>
+                            </p:childTnLst>
+                          </p:cTn>
+                        </p:par>
+                      </p:childTnLst>
+                    </p:cTn>
+                  </p:par>
+                  <p:par>
+                    <p:cTn id="311" fill="hold">
+                      <p:stCondLst>
+                        <p:cond delay="indefinite"/>
+                      </p:stCondLst>
+                      <p:childTnLst>
+                        <p:par>
+                          <p:cTn id="312" fill="hold">
+                            <p:stCondLst>
+                              <p:cond delay="0"/>
+                            </p:stCondLst>
+                            <p:childTnLst>
+                              <p:par>
+                                <p:cTn id="313" presetClass="entr" nodeType="clickEffect" presetSubtype="0" presetID="1" grpId="73" fill="hold">
+                                  <p:stCondLst>
+                                    <p:cond delay="0"/>
+                                  </p:stCondLst>
+                                  <p:iterate type="el" backwards="0">
+                                    <p:tmAbs val="0"/>
+                                  </p:iterate>
+                                  <p:childTnLst>
+                                    <p:set>
+                                      <p:cBhvr>
+                                        <p:cTn id="314" fill="hold"/>
+                                        <p:tgtEl>
+                                          <p:spTgt spid="441"/>
+                                        </p:tgtEl>
+                                        <p:attrNameLst>
+                                          <p:attrName>style.visibility</p:attrName>
+                                        </p:attrNameLst>
+                                      </p:cBhvr>
+                                      <p:to>
+                                        <p:strVal val="visible"/>
+                                      </p:to>
+                                    </p:set>
+                                  </p:childTnLst>
+                                </p:cTn>
+                              </p:par>
+                            </p:childTnLst>
+                          </p:cTn>
+                        </p:par>
+                      </p:childTnLst>
+                    </p:cTn>
+                  </p:par>
+                  <p:par>
+                    <p:cTn id="315" fill="hold">
+                      <p:stCondLst>
+                        <p:cond delay="indefinite"/>
+                      </p:stCondLst>
+                      <p:childTnLst>
+                        <p:par>
+                          <p:cTn id="316" fill="hold">
+                            <p:stCondLst>
+                              <p:cond delay="0"/>
+                            </p:stCondLst>
+                            <p:childTnLst>
+                              <p:par>
+                                <p:cTn id="317" presetClass="entr" nodeType="clickEffect" presetSubtype="0" presetID="1" grpId="74" fill="hold">
+                                  <p:stCondLst>
+                                    <p:cond delay="0"/>
+                                  </p:stCondLst>
+                                  <p:iterate type="el" backwards="0">
+                                    <p:tmAbs val="0"/>
+                                  </p:iterate>
+                                  <p:childTnLst>
+                                    <p:set>
+                                      <p:cBhvr>
+                                        <p:cTn id="318" fill="hold"/>
+                                        <p:tgtEl>
+                                          <p:spTgt spid="442"/>
+                                        </p:tgtEl>
+                                        <p:attrNameLst>
+                                          <p:attrName>style.visibility</p:attrName>
+                                        </p:attrNameLst>
+                                      </p:cBhvr>
+                                      <p:to>
+                                        <p:strVal val="visible"/>
+                                      </p:to>
+                                    </p:set>
+                                  </p:childTnLst>
+                                </p:cTn>
+                              </p:par>
+                            </p:childTnLst>
+                          </p:cTn>
+                        </p:par>
+                      </p:childTnLst>
+                    </p:cTn>
+                  </p:par>
+                  <p:par>
+                    <p:cTn id="319" fill="hold">
+                      <p:stCondLst>
+                        <p:cond delay="indefinite"/>
+                      </p:stCondLst>
+                      <p:childTnLst>
+                        <p:par>
+                          <p:cTn id="320" fill="hold">
+                            <p:stCondLst>
+                              <p:cond delay="0"/>
+                            </p:stCondLst>
+                            <p:childTnLst>
+                              <p:par>
+                                <p:cTn id="321" presetClass="entr" nodeType="clickEffect" presetSubtype="0" presetID="1" grpId="75" fill="hold">
+                                  <p:stCondLst>
+                                    <p:cond delay="0"/>
+                                  </p:stCondLst>
+                                  <p:iterate type="el" backwards="0">
+                                    <p:tmAbs val="0"/>
+                                  </p:iterate>
+                                  <p:childTnLst>
+                                    <p:set>
+                                      <p:cBhvr>
+                                        <p:cTn id="322" fill="hold"/>
+                                        <p:tgtEl>
+                                          <p:spTgt spid="443"/>
+                                        </p:tgtEl>
+                                        <p:attrNameLst>
+                                          <p:attrName>style.visibility</p:attrName>
+                                        </p:attrNameLst>
+                                      </p:cBhvr>
+                                      <p:to>
+                                        <p:strVal val="visible"/>
+                                      </p:to>
+                                    </p:set>
+                                  </p:childTnLst>
+                                </p:cTn>
+                              </p:par>
+                            </p:childTnLst>
+                          </p:cTn>
+                        </p:par>
+                      </p:childTnLst>
+                    </p:cTn>
+                  </p:par>
+                  <p:par>
+                    <p:cTn id="323" fill="hold">
+                      <p:stCondLst>
+                        <p:cond delay="indefinite"/>
+                      </p:stCondLst>
+                      <p:childTnLst>
+                        <p:par>
+                          <p:cTn id="324" fill="hold">
+                            <p:stCondLst>
+                              <p:cond delay="0"/>
+                            </p:stCondLst>
+                            <p:childTnLst>
+                              <p:par>
+                                <p:cTn id="325" presetClass="entr" nodeType="clickEffect" presetSubtype="0" presetID="1" grpId="76" fill="hold">
+                                  <p:stCondLst>
+                                    <p:cond delay="0"/>
+                                  </p:stCondLst>
+                                  <p:iterate type="el" backwards="0">
+                                    <p:tmAbs val="0"/>
+                                  </p:iterate>
+                                  <p:childTnLst>
+                                    <p:set>
+                                      <p:cBhvr>
+                                        <p:cTn id="326" fill="hold"/>
+                                        <p:tgtEl>
+                                          <p:spTgt spid="444"/>
+                                        </p:tgtEl>
+                                        <p:attrNameLst>
+                                          <p:attrName>style.visibility</p:attrName>
+                                        </p:attrNameLst>
+                                      </p:cBhvr>
+                                      <p:to>
+                                        <p:strVal val="visible"/>
+                                      </p:to>
+                                    </p:set>
+                                  </p:childTnLst>
+                                </p:cTn>
+                              </p:par>
+                            </p:childTnLst>
+                          </p:cTn>
+                        </p:par>
+                      </p:childTnLst>
+                    </p:cTn>
+                  </p:par>
+                  <p:par>
+                    <p:cTn id="327" fill="hold">
+                      <p:stCondLst>
+                        <p:cond delay="indefinite"/>
+                      </p:stCondLst>
+                      <p:childTnLst>
+                        <p:par>
+                          <p:cTn id="328" fill="hold">
+                            <p:stCondLst>
+                              <p:cond delay="0"/>
+                            </p:stCondLst>
+                            <p:childTnLst>
+                              <p:par>
+                                <p:cTn id="329" presetClass="entr" nodeType="clickEffect" presetSubtype="0" presetID="1" grpId="77" fill="hold">
+                                  <p:stCondLst>
+                                    <p:cond delay="0"/>
+                                  </p:stCondLst>
+                                  <p:iterate type="el" backwards="0">
+                                    <p:tmAbs val="0"/>
+                                  </p:iterate>
+                                  <p:childTnLst>
+                                    <p:set>
+                                      <p:cBhvr>
+                                        <p:cTn id="330" fill="hold"/>
+                                        <p:tgtEl>
+                                          <p:spTgt spid="445"/>
+                                        </p:tgtEl>
+                                        <p:attrNameLst>
+                                          <p:attrName>style.visibility</p:attrName>
+                                        </p:attrNameLst>
+                                      </p:cBhvr>
+                                      <p:to>
+                                        <p:strVal val="visible"/>
+                                      </p:to>
+                                    </p:set>
+                                  </p:childTnLst>
+                                </p:cTn>
+                              </p:par>
+                            </p:childTnLst>
+                          </p:cTn>
+                        </p:par>
+                      </p:childTnLst>
+                    </p:cTn>
+                  </p:par>
+                  <p:par>
+                    <p:cTn id="331" fill="hold">
+                      <p:stCondLst>
+                        <p:cond delay="indefinite"/>
+                      </p:stCondLst>
+                      <p:childTnLst>
+                        <p:par>
+                          <p:cTn id="332" fill="hold">
+                            <p:stCondLst>
+                              <p:cond delay="0"/>
+                            </p:stCondLst>
+                            <p:childTnLst>
+                              <p:par>
+                                <p:cTn id="333" presetClass="entr" nodeType="clickEffect" presetSubtype="0" presetID="1" grpId="78" fill="hold">
+                                  <p:stCondLst>
+                                    <p:cond delay="0"/>
+                                  </p:stCondLst>
+                                  <p:iterate type="el" backwards="0">
+                                    <p:tmAbs val="0"/>
+                                  </p:iterate>
+                                  <p:childTnLst>
+                                    <p:set>
+                                      <p:cBhvr>
+                                        <p:cTn id="334" fill="hold"/>
+                                        <p:tgtEl>
+                                          <p:spTgt spid="450"/>
+                                        </p:tgtEl>
+                                        <p:attrNameLst>
+                                          <p:attrName>style.visibility</p:attrName>
+                                        </p:attrNameLst>
+                                      </p:cBhvr>
+                                      <p:to>
+                                        <p:strVal val="visible"/>
+                                      </p:to>
+                                    </p:set>
+                                  </p:childTnLst>
+                                </p:cTn>
+                              </p:par>
+                            </p:childTnLst>
+                          </p:cTn>
+                        </p:par>
+                      </p:childTnLst>
+                    </p:cTn>
+                  </p:par>
+                  <p:par>
+                    <p:cTn id="335" fill="hold">
+                      <p:stCondLst>
+                        <p:cond delay="indefinite"/>
+                      </p:stCondLst>
+                      <p:childTnLst>
+                        <p:par>
+                          <p:cTn id="336" fill="hold">
+                            <p:stCondLst>
+                              <p:cond delay="0"/>
+                            </p:stCondLst>
+                            <p:childTnLst>
+                              <p:par>
+                                <p:cTn id="337" presetClass="exit" nodeType="clickEffect" presetSubtype="2" presetID="2" grpId="79" fill="hold">
+                                  <p:stCondLst>
+                                    <p:cond delay="0"/>
+                                  </p:stCondLst>
+                                  <p:iterate type="lt" backwards="0">
+                                    <p:tmAbs val="0"/>
+                                  </p:iterate>
+                                  <p:childTnLst>
+                                    <p:anim calcmode="lin" valueType="num">
+                                      <p:cBhvr>
+                                        <p:cTn id="338" dur="1000" fill="hold"/>
+                                        <p:tgtEl>
+                                          <p:spTgt spid="453"/>
+                                        </p:tgtEl>
+                                        <p:attrNameLst>
+                                          <p:attrName>ppt_x</p:attrName>
+                                        </p:attrNameLst>
+                                      </p:cBhvr>
+                                      <p:tavLst>
+                                        <p:tav tm="0">
+                                          <p:val>
+                                            <p:strVal val="ppt_x"/>
+                                          </p:val>
+                                        </p:tav>
+                                        <p:tav tm="100000">
+                                          <p:val>
+                                            <p:strVal val="1+ppt_w/2"/>
+                                          </p:val>
+                                        </p:tav>
+                                      </p:tavLst>
+                                    </p:anim>
+                                    <p:anim calcmode="lin" valueType="num">
+                                      <p:cBhvr>
+                                        <p:cTn id="339" dur="1000" fill="hold"/>
+                                        <p:tgtEl>
+                                          <p:spTgt spid="453"/>
+                                        </p:tgtEl>
+                                        <p:attrNameLst>
+                                          <p:attrName>ppt_y</p:attrName>
+                                        </p:attrNameLst>
+                                      </p:cBhvr>
+                                      <p:tavLst>
+                                        <p:tav tm="0">
+                                          <p:val>
+                                            <p:strVal val="ppt_y"/>
+                                          </p:val>
+                                        </p:tav>
+                                        <p:tav tm="100000">
+                                          <p:val>
+                                            <p:strVal val="ppt_y"/>
+                                          </p:val>
+                                        </p:tav>
+                                      </p:tavLst>
+                                    </p:anim>
+                                    <p:set>
+                                      <p:cBhvr>
+                                        <p:cTn id="340" fill="hold">
+                                          <p:stCondLst>
+                                            <p:cond delay="999"/>
+                                          </p:stCondLst>
+                                        </p:cTn>
+                                        <p:tgtEl>
+                                          <p:spTgt spid="453"/>
+                                        </p:tgtEl>
+                                        <p:attrNameLst>
+                                          <p:attrName>style.visibility</p:attrName>
+                                        </p:attrNameLst>
+                                      </p:cBhvr>
+                                      <p:to>
+                                        <p:strVal val="hidden"/>
                                       </p:to>
                                     </p:set>
                                   </p:childTnLst>
@@ -19916,68 +21420,85 @@
       </p:par>
     </p:tnLst>
     <p:bldLst>
+      <p:bldP build="whole" bldLvl="1" animBg="1" rev="0" advAuto="0" spid="462" grpId="52"/>
+      <p:bldP build="whole" bldLvl="1" animBg="1" rev="0" advAuto="0" spid="391" grpId="12"/>
+      <p:bldP build="whole" bldLvl="1" animBg="1" rev="0" advAuto="0" spid="410" grpId="17"/>
+      <p:bldP build="whole" bldLvl="1" animBg="1" rev="0" advAuto="0" spid="436" grpId="68"/>
+      <p:bldP build="whole" bldLvl="1" animBg="1" rev="0" advAuto="0" spid="396" grpId="67"/>
+      <p:bldP build="whole" bldLvl="1" animBg="1" rev="0" advAuto="0" spid="445" grpId="77"/>
+      <p:bldP build="whole" bldLvl="1" animBg="1" rev="0" advAuto="0" spid="392" grpId="13"/>
+      <p:bldP build="whole" bldLvl="1" animBg="1" rev="0" advAuto="0" spid="386" grpId="2"/>
+      <p:bldP build="whole" bldLvl="1" animBg="1" rev="0" advAuto="0" spid="388" grpId="6"/>
+      <p:bldP build="whole" bldLvl="1" animBg="1" rev="0" advAuto="0" spid="433" grpId="47"/>
+      <p:bldP build="whole" bldLvl="1" animBg="1" rev="0" advAuto="0" spid="433" grpId="48"/>
+      <p:bldP build="whole" bldLvl="1" animBg="1" rev="0" advAuto="0" spid="423" grpId="32"/>
+      <p:bldP build="whole" bldLvl="1" animBg="1" rev="0" advAuto="0" spid="435" grpId="57"/>
+      <p:bldP build="whole" bldLvl="1" animBg="1" rev="0" advAuto="0" spid="435" grpId="58"/>
+      <p:bldP build="whole" bldLvl="1" animBg="1" rev="0" advAuto="0" spid="453" grpId="45"/>
+      <p:bldP build="whole" bldLvl="1" animBg="1" rev="0" advAuto="0" spid="380" grpId="39"/>
+      <p:bldP build="whole" bldLvl="1" animBg="1" rev="0" advAuto="0" spid="380" grpId="40"/>
+      <p:bldP build="whole" bldLvl="1" animBg="1" rev="0" advAuto="0" spid="406" grpId="9"/>
+      <p:bldP build="whole" bldLvl="1" animBg="1" rev="0" advAuto="0" spid="418" grpId="25"/>
+      <p:bldP build="whole" bldLvl="1" animBg="1" rev="0" advAuto="0" spid="451" grpId="36"/>
+      <p:bldP build="whole" bldLvl="1" animBg="1" rev="0" advAuto="0" spid="442" grpId="74"/>
+      <p:bldP build="whole" bldLvl="1" animBg="1" rev="0" advAuto="0" spid="426" grpId="37"/>
+      <p:bldP build="whole" bldLvl="1" animBg="1" rev="0" advAuto="0" spid="426" grpId="38"/>
+      <p:bldP build="whole" bldLvl="1" animBg="1" rev="0" advAuto="0" spid="412" grpId="19"/>
+      <p:bldP build="whole" bldLvl="1" animBg="1" rev="0" advAuto="0" spid="457" grpId="55"/>
+      <p:bldP build="whole" bldLvl="1" animBg="1" rev="0" advAuto="0" spid="424" grpId="33"/>
+      <p:bldP build="whole" bldLvl="1" animBg="1" rev="0" advAuto="0" spid="461" grpId="65"/>
+      <p:bldP build="whole" bldLvl="1" animBg="1" rev="0" advAuto="0" spid="448" grpId="66"/>
+      <p:bldP build="whole" bldLvl="1" animBg="1" rev="0" advAuto="0" spid="389" grpId="8"/>
+      <p:bldP build="whole" bldLvl="1" animBg="1" rev="0" advAuto="0" spid="415" grpId="22"/>
+      <p:bldP build="whole" bldLvl="1" animBg="1" rev="0" advAuto="0" spid="437" grpId="69"/>
+      <p:bldP build="whole" bldLvl="1" animBg="1" rev="0" advAuto="0" spid="427" grpId="42"/>
+      <p:bldP build="whole" bldLvl="1" animBg="1" rev="0" advAuto="0" spid="417" grpId="24"/>
+      <p:bldP build="whole" bldLvl="1" animBg="1" rev="0" advAuto="0" spid="421" grpId="30"/>
+      <p:bldP build="whole" bldLvl="1" animBg="1" rev="0" advAuto="0" spid="452" grpId="27"/>
+      <p:bldP build="whole" bldLvl="1" animBg="1" rev="0" advAuto="0" spid="452" grpId="28"/>
+      <p:bldP build="whole" bldLvl="1" animBg="1" rev="0" advAuto="0" spid="453" grpId="79"/>
+      <p:bldP build="whole" bldLvl="1" animBg="1" rev="0" advAuto="0" spid="458" grpId="59"/>
+      <p:bldP build="whole" bldLvl="1" animBg="1" rev="0" advAuto="0" spid="458" grpId="60"/>
+      <p:bldP build="whole" bldLvl="1" animBg="1" rev="0" advAuto="0" spid="420" grpId="29"/>
+      <p:bldP build="whole" bldLvl="1" animBg="1" rev="0" advAuto="0" spid="413" grpId="20"/>
+      <p:bldP build="whole" bldLvl="1" animBg="1" rev="0" advAuto="0" spid="460" grpId="63"/>
+      <p:bldP build="whole" bldLvl="1" animBg="1" rev="0" advAuto="0" spid="400" grpId="3"/>
+      <p:bldP build="whole" bldLvl="1" animBg="1" rev="0" advAuto="0" spid="460" grpId="64"/>
+      <p:bldP build="whole" bldLvl="1" animBg="1" rev="0" advAuto="0" spid="439" grpId="71"/>
+      <p:bldP build="whole" bldLvl="1" animBg="1" rev="0" advAuto="0" spid="393" grpId="14"/>
+      <p:bldP build="whole" bldLvl="1" animBg="1" rev="0" advAuto="0" spid="394" grpId="15"/>
+      <p:bldP build="whole" bldLvl="1" animBg="1" rev="0" advAuto="0" spid="403" grpId="7"/>
+      <p:bldP build="whole" bldLvl="1" animBg="1" rev="0" advAuto="0" spid="456" grpId="54"/>
+      <p:bldP build="whole" bldLvl="1" animBg="1" rev="0" advAuto="0" spid="395" grpId="16"/>
+      <p:bldP build="whole" bldLvl="1" animBg="1" rev="0" advAuto="0" spid="409" grpId="11"/>
       <p:bldP build="whole" bldLvl="1" animBg="1" rev="0" advAuto="0" spid="411" grpId="18"/>
-      <p:bldP build="whole" bldLvl="1" animBg="1" rev="0" advAuto="0" spid="454" grpId="62"/>
-      <p:bldP build="whole" bldLvl="1" animBg="1" rev="0" advAuto="0" spid="424" grpId="31"/>
+      <p:bldP build="whole" bldLvl="1" animBg="1" rev="0" advAuto="0" spid="447" grpId="56"/>
+      <p:bldP build="whole" bldLvl="1" animBg="1" rev="0" advAuto="0" spid="441" grpId="73"/>
+      <p:bldP build="whole" bldLvl="1" animBg="1" rev="0" advAuto="0" spid="450" grpId="78"/>
+      <p:bldP build="whole" bldLvl="1" animBg="1" rev="0" advAuto="0" spid="430" grpId="5"/>
+      <p:bldP build="whole" bldLvl="1" animBg="1" rev="0" advAuto="0" spid="387" grpId="4"/>
+      <p:bldP build="whole" bldLvl="1" animBg="1" rev="0" advAuto="0" spid="416" grpId="23"/>
+      <p:bldP build="whole" bldLvl="1" animBg="1" rev="0" advAuto="0" spid="449" grpId="43"/>
+      <p:bldP build="whole" bldLvl="1" animBg="1" rev="0" advAuto="0" spid="390" grpId="10"/>
+      <p:bldP build="whole" bldLvl="1" animBg="1" rev="0" advAuto="0" spid="414" grpId="21"/>
+      <p:bldP build="whole" bldLvl="1" animBg="1" rev="0" advAuto="0" spid="422" grpId="31"/>
+      <p:bldP build="whole" bldLvl="1" animBg="1" rev="0" advAuto="0" spid="446" grpId="35"/>
+      <p:bldP build="whole" bldLvl="1" animBg="1" rev="0" advAuto="0" spid="454" grpId="44"/>
+      <p:bldP build="whole" bldLvl="1" animBg="1" rev="0" advAuto="0" spid="431" grpId="41"/>
+      <p:bldP build="whole" bldLvl="1" animBg="1" rev="0" advAuto="0" spid="432" grpId="46"/>
+      <p:bldP build="whole" bldLvl="1" animBg="1" rev="0" advAuto="0" spid="455" grpId="53"/>
+      <p:bldP build="whole" bldLvl="1" animBg="1" rev="0" advAuto="0" spid="440" grpId="72"/>
+      <p:bldP build="whole" bldLvl="1" animBg="1" rev="0" advAuto="0" spid="443" grpId="75"/>
       <p:bldP build="whole" bldLvl="1" animBg="1" rev="0" advAuto="0" spid="419" grpId="26"/>
       <p:bldP build="whole" bldLvl="1" animBg="1" rev="0" advAuto="0" spid="397" grpId="1"/>
-      <p:bldP build="whole" bldLvl="1" animBg="1" rev="0" advAuto="0" spid="392" grpId="13"/>
-      <p:bldP build="whole" bldLvl="1" animBg="1" rev="0" advAuto="0" spid="403" grpId="7"/>
-      <p:bldP build="whole" bldLvl="1" animBg="1" rev="0" advAuto="0" spid="406" grpId="9"/>
-      <p:bldP build="whole" bldLvl="1" animBg="1" rev="0" advAuto="0" spid="445" grpId="57"/>
-      <p:bldP build="whole" bldLvl="1" animBg="1" rev="0" advAuto="0" spid="422" grpId="29"/>
-      <p:bldP build="whole" bldLvl="1" animBg="1" rev="0" advAuto="0" spid="423" grpId="30"/>
-      <p:bldP build="whole" bldLvl="1" animBg="1" rev="0" advAuto="0" spid="396" grpId="51"/>
-      <p:bldP build="whole" bldLvl="1" animBg="1" rev="0" advAuto="0" spid="441" grpId="53"/>
-      <p:bldP build="whole" bldLvl="1" animBg="1" rev="0" advAuto="0" spid="418" grpId="25"/>
-      <p:bldP build="whole" bldLvl="1" animBg="1" rev="0" advAuto="0" spid="413" grpId="20"/>
-      <p:bldP build="whole" bldLvl="1" animBg="1" rev="0" advAuto="0" spid="453" grpId="43"/>
-      <p:bldP build="whole" bldLvl="1" animBg="1" rev="0" advAuto="0" spid="453" grpId="44"/>
-      <p:bldP build="whole" bldLvl="1" animBg="1" rev="0" advAuto="0" spid="448" grpId="60"/>
-      <p:bldP build="whole" bldLvl="1" animBg="1" rev="0" advAuto="0" spid="449" grpId="61"/>
-      <p:bldP build="whole" bldLvl="1" animBg="1" rev="0" advAuto="0" spid="436" grpId="45"/>
-      <p:bldP build="whole" bldLvl="1" animBg="1" rev="0" advAuto="0" spid="387" grpId="4"/>
-      <p:bldP build="whole" bldLvl="1" animBg="1" rev="0" advAuto="0" spid="391" grpId="12"/>
-      <p:bldP build="whole" bldLvl="1" animBg="1" rev="0" advAuto="0" spid="435" grpId="42"/>
-      <p:bldP build="whole" bldLvl="1" animBg="1" rev="0" advAuto="0" spid="439" grpId="49"/>
-      <p:bldP build="whole" bldLvl="1" animBg="1" rev="0" advAuto="0" spid="446" grpId="58"/>
-      <p:bldP build="whole" bldLvl="1" animBg="1" rev="0" advAuto="0" spid="410" grpId="17"/>
-      <p:bldP build="whole" bldLvl="1" animBg="1" rev="0" advAuto="0" spid="415" grpId="22"/>
-      <p:bldP build="whole" bldLvl="1" animBg="1" rev="0" advAuto="0" spid="427" grpId="34"/>
-      <p:bldP build="whole" bldLvl="1" animBg="1" rev="0" advAuto="0" spid="394" grpId="15"/>
-      <p:bldP build="whole" bldLvl="1" animBg="1" rev="0" advAuto="0" spid="400" grpId="3"/>
-      <p:bldP build="whole" bldLvl="1" animBg="1" rev="0" advAuto="0" spid="432" grpId="5"/>
-      <p:bldP build="whole" bldLvl="1" animBg="1" rev="0" advAuto="0" spid="440" grpId="52"/>
-      <p:bldP build="whole" bldLvl="1" animBg="1" rev="0" advAuto="0" spid="414" grpId="21"/>
-      <p:bldP build="whole" bldLvl="1" animBg="1" rev="0" advAuto="0" spid="380" grpId="39"/>
-      <p:bldP build="whole" bldLvl="1" animBg="1" rev="0" advAuto="0" spid="420" grpId="27"/>
-      <p:bldP build="whole" bldLvl="1" animBg="1" rev="0" advAuto="0" spid="393" grpId="14"/>
-      <p:bldP build="whole" bldLvl="1" animBg="1" rev="0" advAuto="0" spid="417" grpId="24"/>
-      <p:bldP build="whole" bldLvl="1" animBg="1" rev="0" advAuto="0" spid="447" grpId="59"/>
-      <p:bldP build="whole" bldLvl="1" animBg="1" rev="0" advAuto="0" spid="425" grpId="32"/>
-      <p:bldP build="whole" bldLvl="1" animBg="1" rev="0" advAuto="0" spid="386" grpId="2"/>
-      <p:bldP build="whole" bldLvl="1" animBg="1" rev="0" advAuto="0" spid="443" grpId="55"/>
-      <p:bldP build="whole" bldLvl="1" animBg="1" rev="0" advAuto="0" spid="426" grpId="33"/>
-      <p:bldP build="whole" bldLvl="1" animBg="1" rev="0" advAuto="0" spid="429" grpId="38"/>
-      <p:bldP build="whole" bldLvl="1" animBg="1" rev="0" advAuto="0" spid="389" grpId="8"/>
-      <p:bldP build="whole" bldLvl="1" animBg="1" rev="0" advAuto="0" spid="409" grpId="11"/>
-      <p:bldP build="whole" bldLvl="1" animBg="1" rev="0" advAuto="0" spid="433" grpId="40"/>
-      <p:bldP build="whole" bldLvl="1" animBg="1" rev="0" advAuto="0" spid="428" grpId="37"/>
-      <p:bldP build="whole" bldLvl="1" animBg="1" rev="0" advAuto="0" spid="437" grpId="46"/>
-      <p:bldP build="whole" bldLvl="1" animBg="1" rev="0" advAuto="0" spid="416" grpId="23"/>
-      <p:bldP build="whole" bldLvl="1" animBg="1" rev="0" advAuto="0" spid="390" grpId="10"/>
-      <p:bldP build="whole" bldLvl="1" animBg="1" rev="0" advAuto="0" spid="451" grpId="48"/>
-      <p:bldP build="whole" bldLvl="1" animBg="1" rev="0" advAuto="0" spid="442" grpId="54"/>
-      <p:bldP build="whole" bldLvl="1" animBg="1" rev="0" advAuto="0" spid="395" grpId="16"/>
-      <p:bldP build="whole" bldLvl="1" animBg="1" rev="0" advAuto="0" spid="438" grpId="47"/>
-      <p:bldP build="whole" bldLvl="1" animBg="1" rev="0" advAuto="0" spid="412" grpId="19"/>
-      <p:bldP build="whole" bldLvl="1" animBg="1" rev="0" advAuto="0" spid="421" grpId="28"/>
-      <p:bldP build="whole" bldLvl="1" animBg="1" rev="0" advAuto="0" spid="450" grpId="35"/>
-      <p:bldP build="whole" bldLvl="1" animBg="1" rev="0" advAuto="0" spid="450" grpId="36"/>
-      <p:bldP build="whole" bldLvl="1" animBg="1" rev="0" advAuto="0" spid="452" grpId="50"/>
-      <p:bldP build="whole" bldLvl="1" animBg="1" rev="0" advAuto="0" spid="434" grpId="41"/>
-      <p:bldP build="whole" bldLvl="1" animBg="1" rev="0" advAuto="0" spid="444" grpId="56"/>
-      <p:bldP build="whole" bldLvl="1" animBg="1" rev="0" advAuto="0" spid="388" grpId="6"/>
+      <p:bldP build="whole" bldLvl="1" animBg="1" rev="0" advAuto="0" spid="434" grpId="49"/>
+      <p:bldP build="whole" bldLvl="1" animBg="1" rev="0" advAuto="0" spid="434" grpId="50"/>
+      <p:bldP build="whole" bldLvl="1" animBg="1" rev="0" advAuto="0" spid="459" grpId="61"/>
+      <p:bldP build="whole" bldLvl="1" animBg="1" rev="0" advAuto="0" spid="459" grpId="62"/>
+      <p:bldP build="whole" bldLvl="1" animBg="1" rev="0" advAuto="0" spid="444" grpId="76"/>
+      <p:bldP build="whole" bldLvl="1" animBg="1" rev="0" advAuto="0" spid="425" grpId="34"/>
+      <p:bldP build="whole" bldLvl="1" animBg="1" rev="0" advAuto="0" spid="438" grpId="70"/>
+      <p:bldP build="whole" bldLvl="1" animBg="1" rev="0" advAuto="0" spid="462" grpId="51"/>
     </p:bldLst>
   </p:timing>
 </p:sld>
@@ -20002,7 +21523,7 @@
       </p:grpSpPr>
       <p:sp>
         <p:nvSpPr>
-          <p:cNvPr id="456" name="DP Forward approach: Steps"/>
+          <p:cNvPr id="464" name="DP Forward approach: Steps"/>
           <p:cNvSpPr txBox="1"/>
           <p:nvPr>
             <p:ph type="title"/>
@@ -20026,7 +21547,7 @@
       </p:sp>
       <p:sp>
         <p:nvSpPr>
-          <p:cNvPr id="457" name="Generate multi-stage graph in forward direction…"/>
+          <p:cNvPr id="465" name="Generate multi-stage graph in forward direction…"/>
           <p:cNvSpPr txBox="1"/>
           <p:nvPr>
             <p:ph type="body" idx="1"/>
@@ -20164,7 +21685,7 @@
       </p:sp>
       <p:sp>
         <p:nvSpPr>
-          <p:cNvPr id="458" name="Slide Number"/>
+          <p:cNvPr id="466" name="Slide Number"/>
           <p:cNvSpPr txBox="1"/>
           <p:nvPr>
             <p:ph type="sldNum" sz="quarter" idx="2"/>
@@ -20191,7 +21712,7 @@
       </p:sp>
       <p:sp>
         <p:nvSpPr>
-          <p:cNvPr id="459" name="DAA/Dynamic Programming"/>
+          <p:cNvPr id="467" name="DAA/Dynamic Programming"/>
           <p:cNvSpPr txBox="1"/>
           <p:nvPr/>
         </p:nvSpPr>
@@ -20231,7 +21752,7 @@
       </p:sp>
       <p:sp>
         <p:nvSpPr>
-          <p:cNvPr id="460" name="RPR/"/>
+          <p:cNvPr id="468" name="RPR/"/>
           <p:cNvSpPr txBox="1"/>
           <p:nvPr/>
         </p:nvSpPr>
@@ -20308,7 +21829,7 @@
                                       <p:cBhvr>
                                         <p:cTn id="6" fill="hold"/>
                                         <p:tgtEl>
-                                          <p:spTgt spid="457">
+                                          <p:spTgt spid="465">
                                             <p:bg/>
                                           </p:spTgt>
                                         </p:tgtEl>
@@ -20336,7 +21857,7 @@
                                       <p:cBhvr>
                                         <p:cTn id="8" fill="hold"/>
                                         <p:tgtEl>
-                                          <p:spTgt spid="457">
+                                          <p:spTgt spid="465">
                                             <p:txEl>
                                               <p:pRg st="0" end="0"/>
                                             </p:txEl>
@@ -20384,7 +21905,7 @@
                                       <p:cBhvr>
                                         <p:cTn id="12" fill="hold"/>
                                         <p:tgtEl>
-                                          <p:spTgt spid="457">
+                                          <p:spTgt spid="465">
                                             <p:txEl>
                                               <p:pRg st="1" end="1"/>
                                             </p:txEl>
@@ -20432,7 +21953,7 @@
                                       <p:cBhvr>
                                         <p:cTn id="16" fill="hold"/>
                                         <p:tgtEl>
-                                          <p:spTgt spid="457">
+                                          <p:spTgt spid="465">
                                             <p:txEl>
                                               <p:pRg st="2" end="2"/>
                                             </p:txEl>
@@ -20480,7 +22001,7 @@
                                       <p:cBhvr>
                                         <p:cTn id="20" fill="hold"/>
                                         <p:tgtEl>
-                                          <p:spTgt spid="457">
+                                          <p:spTgt spid="465">
                                             <p:txEl>
                                               <p:pRg st="3" end="3"/>
                                             </p:txEl>
@@ -20528,7 +22049,7 @@
                                       <p:cBhvr>
                                         <p:cTn id="24" fill="hold"/>
                                         <p:tgtEl>
-                                          <p:spTgt spid="457">
+                                          <p:spTgt spid="465">
                                             <p:txEl>
                                               <p:pRg st="4" end="4"/>
                                             </p:txEl>
@@ -20576,7 +22097,7 @@
                                       <p:cBhvr>
                                         <p:cTn id="28" fill="hold"/>
                                         <p:tgtEl>
-                                          <p:spTgt spid="457">
+                                          <p:spTgt spid="465">
                                             <p:txEl>
                                               <p:pRg st="5" end="5"/>
                                             </p:txEl>
@@ -20624,7 +22145,7 @@
                                       <p:cBhvr>
                                         <p:cTn id="32" fill="hold"/>
                                         <p:tgtEl>
-                                          <p:spTgt spid="457">
+                                          <p:spTgt spid="465">
                                             <p:txEl>
                                               <p:pRg st="6" end="6"/>
                                             </p:txEl>
@@ -20669,7 +22190,7 @@
       </p:par>
     </p:tnLst>
     <p:bldLst>
-      <p:bldP build="p" bldLvl="5" animBg="1" rev="0" advAuto="0" spid="457" grpId="1"/>
+      <p:bldP build="p" bldLvl="5" animBg="1" rev="0" advAuto="0" spid="465" grpId="1"/>
     </p:bldLst>
   </p:timing>
 </p:sld>
@@ -20694,7 +22215,7 @@
       </p:grpSpPr>
       <p:sp>
         <p:nvSpPr>
-          <p:cNvPr id="462" name="DP Forward approach: Algo"/>
+          <p:cNvPr id="470" name="DP Forward approach: Algo"/>
           <p:cNvSpPr txBox="1"/>
           <p:nvPr>
             <p:ph type="title"/>
@@ -20718,7 +22239,7 @@
       </p:sp>
       <p:sp>
         <p:nvSpPr>
-          <p:cNvPr id="463" name="Algo: FGraph(Graph G, int k, int p[])…"/>
+          <p:cNvPr id="471" name="Algo: FGraph(Graph G, int k, int p[])…"/>
           <p:cNvSpPr txBox="1"/>
           <p:nvPr>
             <p:ph type="body" idx="1"/>
@@ -21264,7 +22785,7 @@
       </p:sp>
       <p:sp>
         <p:nvSpPr>
-          <p:cNvPr id="464" name="Slide Number"/>
+          <p:cNvPr id="472" name="Slide Number"/>
           <p:cNvSpPr txBox="1"/>
           <p:nvPr>
             <p:ph type="sldNum" sz="quarter" idx="2"/>
@@ -21291,7 +22812,7 @@
       </p:sp>
       <p:sp>
         <p:nvSpPr>
-          <p:cNvPr id="465" name="DAA/Dynamic Programming"/>
+          <p:cNvPr id="473" name="DAA/Dynamic Programming"/>
           <p:cNvSpPr txBox="1"/>
           <p:nvPr/>
         </p:nvSpPr>
@@ -21331,7 +22852,7 @@
       </p:sp>
       <p:sp>
         <p:nvSpPr>
-          <p:cNvPr id="466" name="RPR/"/>
+          <p:cNvPr id="474" name="RPR/"/>
           <p:cNvSpPr txBox="1"/>
           <p:nvPr/>
         </p:nvSpPr>
@@ -21408,7 +22929,7 @@
                                       <p:cBhvr>
                                         <p:cTn id="6" fill="hold"/>
                                         <p:tgtEl>
-                                          <p:spTgt spid="463">
+                                          <p:spTgt spid="471">
                                             <p:bg/>
                                           </p:spTgt>
                                         </p:tgtEl>
@@ -21436,7 +22957,7 @@
                                       <p:cBhvr>
                                         <p:cTn id="8" fill="hold"/>
                                         <p:tgtEl>
-                                          <p:spTgt spid="463">
+                                          <p:spTgt spid="471">
                                             <p:txEl>
                                               <p:pRg st="0" end="0"/>
                                             </p:txEl>
@@ -21484,7 +23005,7 @@
                                       <p:cBhvr>
                                         <p:cTn id="12" fill="hold"/>
                                         <p:tgtEl>
-                                          <p:spTgt spid="463">
+                                          <p:spTgt spid="471">
                                             <p:txEl>
                                               <p:pRg st="1" end="1"/>
                                             </p:txEl>
@@ -21532,7 +23053,7 @@
                                       <p:cBhvr>
                                         <p:cTn id="16" fill="hold"/>
                                         <p:tgtEl>
-                                          <p:spTgt spid="463">
+                                          <p:spTgt spid="471">
                                             <p:txEl>
                                               <p:pRg st="2" end="2"/>
                                             </p:txEl>
@@ -21580,7 +23101,7 @@
                                       <p:cBhvr>
                                         <p:cTn id="20" fill="hold"/>
                                         <p:tgtEl>
-                                          <p:spTgt spid="463">
+                                          <p:spTgt spid="471">
                                             <p:txEl>
                                               <p:pRg st="3" end="3"/>
                                             </p:txEl>
@@ -21628,7 +23149,7 @@
                                       <p:cBhvr>
                                         <p:cTn id="24" fill="hold"/>
                                         <p:tgtEl>
-                                          <p:spTgt spid="463">
+                                          <p:spTgt spid="471">
                                             <p:txEl>
                                               <p:pRg st="4" end="4"/>
                                             </p:txEl>
@@ -21676,7 +23197,7 @@
                                       <p:cBhvr>
                                         <p:cTn id="28" fill="hold"/>
                                         <p:tgtEl>
-                                          <p:spTgt spid="463">
+                                          <p:spTgt spid="471">
                                             <p:txEl>
                                               <p:pRg st="5" end="5"/>
                                             </p:txEl>
@@ -21724,7 +23245,7 @@
                                       <p:cBhvr>
                                         <p:cTn id="32" fill="hold"/>
                                         <p:tgtEl>
-                                          <p:spTgt spid="463">
+                                          <p:spTgt spid="471">
                                             <p:txEl>
                                               <p:pRg st="6" end="6"/>
                                             </p:txEl>
@@ -21772,7 +23293,7 @@
                                       <p:cBhvr>
                                         <p:cTn id="36" fill="hold"/>
                                         <p:tgtEl>
-                                          <p:spTgt spid="463">
+                                          <p:spTgt spid="471">
                                             <p:txEl>
                                               <p:pRg st="7" end="7"/>
                                             </p:txEl>
@@ -21820,7 +23341,7 @@
                                       <p:cBhvr>
                                         <p:cTn id="40" fill="hold"/>
                                         <p:tgtEl>
-                                          <p:spTgt spid="463">
+                                          <p:spTgt spid="471">
                                             <p:txEl>
                                               <p:pRg st="8" end="8"/>
                                             </p:txEl>
@@ -21868,7 +23389,7 @@
                                       <p:cBhvr>
                                         <p:cTn id="44" fill="hold"/>
                                         <p:tgtEl>
-                                          <p:spTgt spid="463">
+                                          <p:spTgt spid="471">
                                             <p:txEl>
                                               <p:pRg st="9" end="9"/>
                                             </p:txEl>
@@ -21916,7 +23437,7 @@
                                       <p:cBhvr>
                                         <p:cTn id="48" fill="hold"/>
                                         <p:tgtEl>
-                                          <p:spTgt spid="463">
+                                          <p:spTgt spid="471">
                                             <p:txEl>
                                               <p:pRg st="10" end="10"/>
                                             </p:txEl>
@@ -21964,7 +23485,7 @@
                                       <p:cBhvr>
                                         <p:cTn id="52" fill="hold"/>
                                         <p:tgtEl>
-                                          <p:spTgt spid="463">
+                                          <p:spTgt spid="471">
                                             <p:txEl>
                                               <p:pRg st="11" end="11"/>
                                             </p:txEl>
@@ -22012,7 +23533,7 @@
                                       <p:cBhvr>
                                         <p:cTn id="56" fill="hold"/>
                                         <p:tgtEl>
-                                          <p:spTgt spid="463">
+                                          <p:spTgt spid="471">
                                             <p:txEl>
                                               <p:pRg st="12" end="12"/>
                                             </p:txEl>
@@ -22060,7 +23581,7 @@
                                       <p:cBhvr>
                                         <p:cTn id="60" fill="hold"/>
                                         <p:tgtEl>
-                                          <p:spTgt spid="463">
+                                          <p:spTgt spid="471">
                                             <p:txEl>
                                               <p:pRg st="13" end="13"/>
                                             </p:txEl>
@@ -22105,7 +23626,7 @@
       </p:par>
     </p:tnLst>
     <p:bldLst>
-      <p:bldP build="p" bldLvl="5" animBg="1" rev="0" advAuto="0" spid="463" grpId="1"/>
+      <p:bldP build="p" bldLvl="5" animBg="1" rev="0" advAuto="0" spid="471" grpId="1"/>
     </p:bldLst>
   </p:timing>
 </p:sld>
@@ -22130,7 +23651,7 @@
       </p:grpSpPr>
       <p:sp>
         <p:nvSpPr>
-          <p:cNvPr id="468" name="Exercise: Find min cost path"/>
+          <p:cNvPr id="476" name="Exercise: Find min cost path"/>
           <p:cNvSpPr txBox="1"/>
           <p:nvPr>
             <p:ph type="title"/>
@@ -22154,7 +23675,7 @@
       </p:sp>
       <p:sp>
         <p:nvSpPr>
-          <p:cNvPr id="469" name="Slide Number"/>
+          <p:cNvPr id="477" name="Slide Number"/>
           <p:cNvSpPr txBox="1"/>
           <p:nvPr>
             <p:ph type="sldNum" sz="quarter" idx="2"/>
@@ -22181,7 +23702,7 @@
       </p:sp>
       <p:sp>
         <p:nvSpPr>
-          <p:cNvPr id="470" name="DAA/Dynamic Programming"/>
+          <p:cNvPr id="478" name="DAA/Dynamic Programming"/>
           <p:cNvSpPr txBox="1"/>
           <p:nvPr/>
         </p:nvSpPr>
@@ -22221,7 +23742,7 @@
       </p:sp>
       <p:sp>
         <p:nvSpPr>
-          <p:cNvPr id="471" name="RPR/"/>
+          <p:cNvPr id="479" name="RPR/"/>
           <p:cNvSpPr txBox="1"/>
           <p:nvPr/>
         </p:nvSpPr>
@@ -22261,7 +23782,7 @@
       </p:sp>
       <p:sp>
         <p:nvSpPr>
-          <p:cNvPr id="472" name="1"/>
+          <p:cNvPr id="480" name="1"/>
           <p:cNvSpPr/>
           <p:nvPr/>
         </p:nvSpPr>
@@ -22306,7 +23827,7 @@
       </p:sp>
       <p:sp>
         <p:nvSpPr>
-          <p:cNvPr id="473" name="2"/>
+          <p:cNvPr id="481" name="2"/>
           <p:cNvSpPr/>
           <p:nvPr/>
         </p:nvSpPr>
@@ -22351,7 +23872,7 @@
       </p:sp>
       <p:sp>
         <p:nvSpPr>
-          <p:cNvPr id="474" name="3"/>
+          <p:cNvPr id="482" name="3"/>
           <p:cNvSpPr/>
           <p:nvPr/>
         </p:nvSpPr>
@@ -22396,7 +23917,7 @@
       </p:sp>
       <p:sp>
         <p:nvSpPr>
-          <p:cNvPr id="475" name="4"/>
+          <p:cNvPr id="483" name="4"/>
           <p:cNvSpPr/>
           <p:nvPr/>
         </p:nvSpPr>
@@ -22441,7 +23962,7 @@
       </p:sp>
       <p:sp>
         <p:nvSpPr>
-          <p:cNvPr id="476" name="5"/>
+          <p:cNvPr id="484" name="5"/>
           <p:cNvSpPr/>
           <p:nvPr/>
         </p:nvSpPr>
@@ -22486,7 +24007,7 @@
       </p:sp>
       <p:sp>
         <p:nvSpPr>
-          <p:cNvPr id="477" name="6"/>
+          <p:cNvPr id="485" name="6"/>
           <p:cNvSpPr/>
           <p:nvPr/>
         </p:nvSpPr>
@@ -22531,14 +24052,14 @@
       </p:sp>
       <p:sp>
         <p:nvSpPr>
-          <p:cNvPr id="478" name="7"/>
+          <p:cNvPr id="486" name="7"/>
           <p:cNvSpPr/>
           <p:nvPr/>
         </p:nvSpPr>
         <p:spPr>
           <a:xfrm>
             <a:off x="6858976" y="2364114"/>
-            <a:ext cx="580050" cy="616814"/>
+            <a:ext cx="580049" cy="616814"/>
           </a:xfrm>
           <a:prstGeom prst="ellipse">
             <a:avLst/>
@@ -22576,14 +24097,14 @@
       </p:sp>
       <p:sp>
         <p:nvSpPr>
-          <p:cNvPr id="479" name="8"/>
+          <p:cNvPr id="487" name="8"/>
           <p:cNvSpPr/>
           <p:nvPr/>
         </p:nvSpPr>
         <p:spPr>
           <a:xfrm>
             <a:off x="6858976" y="4344917"/>
-            <a:ext cx="580050" cy="616814"/>
+            <a:ext cx="580049" cy="616814"/>
           </a:xfrm>
           <a:prstGeom prst="ellipse">
             <a:avLst/>
@@ -22621,7 +24142,7 @@
       </p:sp>
       <p:sp>
         <p:nvSpPr>
-          <p:cNvPr id="480" name="9"/>
+          <p:cNvPr id="488" name="9"/>
           <p:cNvSpPr/>
           <p:nvPr/>
         </p:nvSpPr>
@@ -22666,7 +24187,7 @@
       </p:sp>
       <p:sp>
         <p:nvSpPr>
-          <p:cNvPr id="481" name="Line"/>
+          <p:cNvPr id="489" name="Line"/>
           <p:cNvSpPr/>
           <p:nvPr/>
         </p:nvSpPr>
@@ -22695,7 +24216,7 @@
       </p:sp>
       <p:sp>
         <p:nvSpPr>
-          <p:cNvPr id="482" name="Line"/>
+          <p:cNvPr id="490" name="Line"/>
           <p:cNvSpPr/>
           <p:nvPr/>
         </p:nvSpPr>
@@ -22724,7 +24245,7 @@
       </p:sp>
       <p:sp>
         <p:nvSpPr>
-          <p:cNvPr id="483" name="Line"/>
+          <p:cNvPr id="491" name="Line"/>
           <p:cNvSpPr/>
           <p:nvPr/>
         </p:nvSpPr>
@@ -22753,14 +24274,14 @@
       </p:sp>
       <p:sp>
         <p:nvSpPr>
-          <p:cNvPr id="484" name="Line"/>
+          <p:cNvPr id="492" name="Line"/>
           <p:cNvSpPr/>
           <p:nvPr/>
         </p:nvSpPr>
         <p:spPr>
           <a:xfrm flipV="1">
             <a:off x="5173343" y="4841679"/>
-            <a:ext cx="1635803" cy="611631"/>
+            <a:ext cx="1635802" cy="611631"/>
           </a:xfrm>
           <a:prstGeom prst="line">
             <a:avLst/>
@@ -22782,7 +24303,7 @@
       </p:sp>
       <p:sp>
         <p:nvSpPr>
-          <p:cNvPr id="485" name="Line"/>
+          <p:cNvPr id="493" name="Line"/>
           <p:cNvSpPr/>
           <p:nvPr/>
         </p:nvSpPr>
@@ -22811,14 +24332,14 @@
       </p:sp>
       <p:sp>
         <p:nvSpPr>
-          <p:cNvPr id="486" name="Line"/>
+          <p:cNvPr id="494" name="Line"/>
           <p:cNvSpPr/>
           <p:nvPr/>
         </p:nvSpPr>
         <p:spPr>
           <a:xfrm flipV="1">
             <a:off x="5173343" y="2874122"/>
-            <a:ext cx="1636845" cy="772712"/>
+            <a:ext cx="1636845" cy="772711"/>
           </a:xfrm>
           <a:prstGeom prst="line">
             <a:avLst/>
@@ -22840,7 +24361,7 @@
       </p:sp>
       <p:sp>
         <p:nvSpPr>
-          <p:cNvPr id="487" name="Line"/>
+          <p:cNvPr id="495" name="Line"/>
           <p:cNvSpPr/>
           <p:nvPr/>
         </p:nvSpPr>
@@ -22869,14 +24390,14 @@
       </p:sp>
       <p:sp>
         <p:nvSpPr>
-          <p:cNvPr id="488" name="Line"/>
+          <p:cNvPr id="496" name="Line"/>
           <p:cNvSpPr/>
           <p:nvPr/>
         </p:nvSpPr>
         <p:spPr>
           <a:xfrm>
             <a:off x="3167454" y="2915607"/>
-            <a:ext cx="1543351" cy="2393346"/>
+            <a:ext cx="1543351" cy="2393345"/>
           </a:xfrm>
           <a:prstGeom prst="line">
             <a:avLst/>
@@ -22898,14 +24419,14 @@
       </p:sp>
       <p:sp>
         <p:nvSpPr>
-          <p:cNvPr id="489" name="Line"/>
+          <p:cNvPr id="497" name="Line"/>
           <p:cNvSpPr/>
           <p:nvPr/>
         </p:nvSpPr>
         <p:spPr>
           <a:xfrm flipV="1">
-            <a:off x="3161427" y="2148533"/>
-            <a:ext cx="1554979" cy="2221845"/>
+            <a:off x="3161426" y="2148533"/>
+            <a:ext cx="1554980" cy="2221845"/>
           </a:xfrm>
           <a:prstGeom prst="line">
             <a:avLst/>
@@ -22927,7 +24448,7 @@
       </p:sp>
       <p:sp>
         <p:nvSpPr>
-          <p:cNvPr id="490" name="Line"/>
+          <p:cNvPr id="498" name="Line"/>
           <p:cNvSpPr/>
           <p:nvPr/>
         </p:nvSpPr>
@@ -22956,7 +24477,7 @@
       </p:sp>
       <p:sp>
         <p:nvSpPr>
-          <p:cNvPr id="491" name="Line"/>
+          <p:cNvPr id="499" name="Line"/>
           <p:cNvSpPr/>
           <p:nvPr/>
         </p:nvSpPr>
@@ -22985,7 +24506,7 @@
       </p:sp>
       <p:sp>
         <p:nvSpPr>
-          <p:cNvPr id="492" name="Line"/>
+          <p:cNvPr id="500" name="Line"/>
           <p:cNvSpPr/>
           <p:nvPr/>
         </p:nvSpPr>
@@ -23014,7 +24535,7 @@
       </p:sp>
       <p:sp>
         <p:nvSpPr>
-          <p:cNvPr id="493" name="Line"/>
+          <p:cNvPr id="501" name="Line"/>
           <p:cNvSpPr/>
           <p:nvPr/>
         </p:nvSpPr>
@@ -23043,7 +24564,7 @@
       </p:sp>
       <p:sp>
         <p:nvSpPr>
-          <p:cNvPr id="494" name="Line"/>
+          <p:cNvPr id="502" name="Line"/>
           <p:cNvSpPr/>
           <p:nvPr/>
         </p:nvSpPr>
@@ -23072,7 +24593,7 @@
       </p:sp>
       <p:sp>
         <p:nvSpPr>
-          <p:cNvPr id="495" name="Line"/>
+          <p:cNvPr id="503" name="Line"/>
           <p:cNvSpPr/>
           <p:nvPr/>
         </p:nvSpPr>
@@ -23101,14 +24622,14 @@
       </p:sp>
       <p:sp>
         <p:nvSpPr>
-          <p:cNvPr id="496" name="source"/>
+          <p:cNvPr id="504" name="source"/>
           <p:cNvSpPr txBox="1"/>
           <p:nvPr/>
         </p:nvSpPr>
         <p:spPr>
           <a:xfrm>
-            <a:off x="307052" y="3998084"/>
-            <a:ext cx="1069788" cy="447230"/>
+            <a:off x="307052" y="3998085"/>
+            <a:ext cx="1069788" cy="447229"/>
           </a:xfrm>
           <a:prstGeom prst="rect">
             <a:avLst/>
@@ -23146,7 +24667,7 @@
       </p:sp>
       <p:sp>
         <p:nvSpPr>
-          <p:cNvPr id="497" name="5"/>
+          <p:cNvPr id="505" name="5"/>
           <p:cNvSpPr txBox="1"/>
           <p:nvPr/>
         </p:nvSpPr>
@@ -23191,7 +24712,7 @@
       </p:sp>
       <p:sp>
         <p:nvSpPr>
-          <p:cNvPr id="498" name="2"/>
+          <p:cNvPr id="506" name="2"/>
           <p:cNvSpPr txBox="1"/>
           <p:nvPr/>
         </p:nvSpPr>
@@ -23236,13 +24757,58 @@
       </p:sp>
       <p:sp>
         <p:nvSpPr>
-          <p:cNvPr id="499" name="3"/>
+          <p:cNvPr id="507" name="3"/>
           <p:cNvSpPr txBox="1"/>
           <p:nvPr/>
         </p:nvSpPr>
         <p:spPr>
           <a:xfrm>
-            <a:off x="3497344" y="1816992"/>
+            <a:off x="3497343" y="1816992"/>
+            <a:ext cx="324457" cy="447230"/>
+          </a:xfrm>
+          <a:prstGeom prst="rect">
+            <a:avLst/>
+          </a:prstGeom>
+          <a:ln w="12700">
+            <a:miter lim="400000"/>
+          </a:ln>
+          <a:extLst>
+            <a:ext uri="{C572A759-6A51-4108-AA02-DFA0A04FC94B}">
+              <ma14:wrappingTextBoxFlag xmlns:ma14="http://schemas.microsoft.com/office/mac/drawingml/2011/main" val="1"/>
+            </a:ext>
+          </a:extLst>
+        </p:spPr>
+        <p:txBody>
+          <a:bodyPr wrap="none" lIns="50800" tIns="50800" rIns="50800" bIns="50800" anchor="ctr">
+            <a:spAutoFit/>
+          </a:bodyPr>
+          <a:lstStyle>
+            <a:lvl1pPr>
+              <a:defRPr sz="2400">
+                <a:latin typeface="Arial"/>
+                <a:ea typeface="Arial"/>
+                <a:cs typeface="Arial"/>
+                <a:sym typeface="Arial"/>
+              </a:defRPr>
+            </a:lvl1pPr>
+          </a:lstStyle>
+          <a:p>
+            <a:pPr/>
+            <a:r>
+              <a:t>3</a:t>
+            </a:r>
+          </a:p>
+        </p:txBody>
+      </p:sp>
+      <p:sp>
+        <p:nvSpPr>
+          <p:cNvPr id="508" name="3"/>
+          <p:cNvSpPr txBox="1"/>
+          <p:nvPr/>
+        </p:nvSpPr>
+        <p:spPr>
+          <a:xfrm>
+            <a:off x="3314774" y="2820984"/>
             <a:ext cx="324456" cy="447230"/>
           </a:xfrm>
           <a:prstGeom prst="rect">
@@ -23281,13 +24847,13 @@
       </p:sp>
       <p:sp>
         <p:nvSpPr>
-          <p:cNvPr id="500" name="3"/>
+          <p:cNvPr id="509" name="6"/>
           <p:cNvSpPr txBox="1"/>
           <p:nvPr/>
         </p:nvSpPr>
         <p:spPr>
           <a:xfrm>
-            <a:off x="3314774" y="2820985"/>
+            <a:off x="3008028" y="3824977"/>
             <a:ext cx="324456" cy="447229"/>
           </a:xfrm>
           <a:prstGeom prst="rect">
@@ -23319,59 +24885,14 @@
           <a:p>
             <a:pPr/>
             <a:r>
-              <a:t>3</a:t>
+              <a:t>6</a:t>
             </a:r>
           </a:p>
         </p:txBody>
       </p:sp>
       <p:sp>
         <p:nvSpPr>
-          <p:cNvPr id="501" name="6"/>
-          <p:cNvSpPr txBox="1"/>
-          <p:nvPr/>
-        </p:nvSpPr>
-        <p:spPr>
-          <a:xfrm>
-            <a:off x="3008028" y="3824977"/>
-            <a:ext cx="324456" cy="447230"/>
-          </a:xfrm>
-          <a:prstGeom prst="rect">
-            <a:avLst/>
-          </a:prstGeom>
-          <a:ln w="12700">
-            <a:miter lim="400000"/>
-          </a:ln>
-          <a:extLst>
-            <a:ext uri="{C572A759-6A51-4108-AA02-DFA0A04FC94B}">
-              <ma14:wrappingTextBoxFlag xmlns:ma14="http://schemas.microsoft.com/office/mac/drawingml/2011/main" val="1"/>
-            </a:ext>
-          </a:extLst>
-        </p:spPr>
-        <p:txBody>
-          <a:bodyPr wrap="none" lIns="50800" tIns="50800" rIns="50800" bIns="50800" anchor="ctr">
-            <a:spAutoFit/>
-          </a:bodyPr>
-          <a:lstStyle>
-            <a:lvl1pPr>
-              <a:defRPr sz="2400">
-                <a:latin typeface="Arial"/>
-                <a:ea typeface="Arial"/>
-                <a:cs typeface="Arial"/>
-                <a:sym typeface="Arial"/>
-              </a:defRPr>
-            </a:lvl1pPr>
-          </a:lstStyle>
-          <a:p>
-            <a:pPr/>
-            <a:r>
-              <a:t>6</a:t>
-            </a:r>
-          </a:p>
-        </p:txBody>
-      </p:sp>
-      <p:sp>
-        <p:nvSpPr>
-          <p:cNvPr id="502" name="5"/>
+          <p:cNvPr id="510" name="5"/>
           <p:cNvSpPr txBox="1"/>
           <p:nvPr/>
         </p:nvSpPr>
@@ -23416,7 +24937,7 @@
       </p:sp>
       <p:sp>
         <p:nvSpPr>
-          <p:cNvPr id="503" name="8"/>
+          <p:cNvPr id="511" name="8"/>
           <p:cNvSpPr txBox="1"/>
           <p:nvPr/>
         </p:nvSpPr>
@@ -23461,7 +24982,7 @@
       </p:sp>
       <p:sp>
         <p:nvSpPr>
-          <p:cNvPr id="504" name="1"/>
+          <p:cNvPr id="512" name="1"/>
           <p:cNvSpPr txBox="1"/>
           <p:nvPr/>
         </p:nvSpPr>
@@ -23506,14 +25027,14 @@
       </p:sp>
       <p:sp>
         <p:nvSpPr>
-          <p:cNvPr id="505" name="4"/>
+          <p:cNvPr id="513" name="4"/>
           <p:cNvSpPr txBox="1"/>
           <p:nvPr/>
         </p:nvSpPr>
         <p:spPr>
           <a:xfrm>
-            <a:off x="5546691" y="2243740"/>
-            <a:ext cx="324457" cy="447230"/>
+            <a:off x="5546692" y="2243740"/>
+            <a:ext cx="324456" cy="447230"/>
           </a:xfrm>
           <a:prstGeom prst="rect">
             <a:avLst/>
@@ -23551,7 +25072,7 @@
       </p:sp>
       <p:sp>
         <p:nvSpPr>
-          <p:cNvPr id="506" name="6"/>
+          <p:cNvPr id="514" name="6"/>
           <p:cNvSpPr txBox="1"/>
           <p:nvPr/>
         </p:nvSpPr>
@@ -23596,7 +25117,7 @@
       </p:sp>
       <p:sp>
         <p:nvSpPr>
-          <p:cNvPr id="507" name="2"/>
+          <p:cNvPr id="515" name="2"/>
           <p:cNvSpPr txBox="1"/>
           <p:nvPr/>
         </p:nvSpPr>
@@ -23641,14 +25162,14 @@
       </p:sp>
       <p:sp>
         <p:nvSpPr>
-          <p:cNvPr id="508" name="6"/>
+          <p:cNvPr id="516" name="6"/>
           <p:cNvSpPr txBox="1"/>
           <p:nvPr/>
         </p:nvSpPr>
         <p:spPr>
           <a:xfrm>
-            <a:off x="5161092" y="4657233"/>
-            <a:ext cx="324457" cy="447230"/>
+            <a:off x="5161093" y="4657233"/>
+            <a:ext cx="324456" cy="447230"/>
           </a:xfrm>
           <a:prstGeom prst="rect">
             <a:avLst/>
@@ -23686,14 +25207,14 @@
       </p:sp>
       <p:sp>
         <p:nvSpPr>
-          <p:cNvPr id="509" name="2"/>
+          <p:cNvPr id="517" name="2"/>
           <p:cNvSpPr txBox="1"/>
           <p:nvPr/>
         </p:nvSpPr>
         <p:spPr>
           <a:xfrm>
-            <a:off x="5616313" y="4826886"/>
-            <a:ext cx="324456" cy="447229"/>
+            <a:off x="5616313" y="4826885"/>
+            <a:ext cx="324456" cy="447230"/>
           </a:xfrm>
           <a:prstGeom prst="rect">
             <a:avLst/>
@@ -23731,7 +25252,7 @@
       </p:sp>
       <p:sp>
         <p:nvSpPr>
-          <p:cNvPr id="510" name="7"/>
+          <p:cNvPr id="518" name="7"/>
           <p:cNvSpPr txBox="1"/>
           <p:nvPr/>
         </p:nvSpPr>
@@ -23776,14 +25297,14 @@
       </p:sp>
       <p:sp>
         <p:nvSpPr>
-          <p:cNvPr id="511" name="3"/>
+          <p:cNvPr id="519" name="3"/>
           <p:cNvSpPr txBox="1"/>
           <p:nvPr/>
         </p:nvSpPr>
         <p:spPr>
           <a:xfrm>
-            <a:off x="7513675" y="3998084"/>
-            <a:ext cx="324456" cy="447230"/>
+            <a:off x="7513675" y="3998085"/>
+            <a:ext cx="324456" cy="447229"/>
           </a:xfrm>
           <a:prstGeom prst="rect">
             <a:avLst/>
@@ -23821,14 +25342,14 @@
       </p:sp>
       <p:sp>
         <p:nvSpPr>
-          <p:cNvPr id="512" name="sink"/>
+          <p:cNvPr id="520" name="sink"/>
           <p:cNvSpPr txBox="1"/>
           <p:nvPr/>
         </p:nvSpPr>
         <p:spPr>
           <a:xfrm>
-            <a:off x="8808437" y="3998084"/>
-            <a:ext cx="696973" cy="447230"/>
+            <a:off x="8808437" y="3998085"/>
+            <a:ext cx="696973" cy="447229"/>
           </a:xfrm>
           <a:prstGeom prst="rect">
             <a:avLst/>
@@ -24231,7 +25752,7 @@
       </p:grpSpPr>
       <p:sp>
         <p:nvSpPr>
-          <p:cNvPr id="514" name="Summary"/>
+          <p:cNvPr id="522" name="Summary"/>
           <p:cNvSpPr txBox="1"/>
           <p:nvPr>
             <p:ph type="title"/>
@@ -24255,7 +25776,7 @@
       </p:sp>
       <p:sp>
         <p:nvSpPr>
-          <p:cNvPr id="515" name="Multi stage graph…"/>
+          <p:cNvPr id="523" name="Multi stage graph…"/>
           <p:cNvSpPr txBox="1"/>
           <p:nvPr>
             <p:ph type="body" idx="1"/>
@@ -24291,7 +25812,7 @@
       </p:sp>
       <p:sp>
         <p:nvSpPr>
-          <p:cNvPr id="516" name="Slide Number"/>
+          <p:cNvPr id="524" name="Slide Number"/>
           <p:cNvSpPr txBox="1"/>
           <p:nvPr>
             <p:ph type="sldNum" sz="quarter" idx="2"/>
@@ -24318,7 +25839,7 @@
       </p:sp>
       <p:sp>
         <p:nvSpPr>
-          <p:cNvPr id="517" name="DAA/Dynamic Programming"/>
+          <p:cNvPr id="525" name="DAA/Dynamic Programming"/>
           <p:cNvSpPr txBox="1"/>
           <p:nvPr/>
         </p:nvSpPr>
@@ -24358,7 +25879,7 @@
       </p:sp>
       <p:sp>
         <p:nvSpPr>
-          <p:cNvPr id="518" name="RPR/"/>
+          <p:cNvPr id="526" name="RPR/"/>
           <p:cNvSpPr txBox="1"/>
           <p:nvPr/>
         </p:nvSpPr>
@@ -24435,7 +25956,7 @@
                                       <p:cBhvr>
                                         <p:cTn id="6" fill="hold"/>
                                         <p:tgtEl>
-                                          <p:spTgt spid="515">
+                                          <p:spTgt spid="523">
                                             <p:bg/>
                                           </p:spTgt>
                                         </p:tgtEl>
@@ -24463,7 +25984,7 @@
                                       <p:cBhvr>
                                         <p:cTn id="8" fill="hold"/>
                                         <p:tgtEl>
-                                          <p:spTgt spid="515">
+                                          <p:spTgt spid="523">
                                             <p:txEl>
                                               <p:pRg st="0" end="0"/>
                                             </p:txEl>
@@ -24511,7 +26032,7 @@
                                       <p:cBhvr>
                                         <p:cTn id="12" fill="hold"/>
                                         <p:tgtEl>
-                                          <p:spTgt spid="515">
+                                          <p:spTgt spid="523">
                                             <p:txEl>
                                               <p:pRg st="1" end="1"/>
                                             </p:txEl>
@@ -24559,7 +26080,7 @@
                                       <p:cBhvr>
                                         <p:cTn id="16" fill="hold"/>
                                         <p:tgtEl>
-                                          <p:spTgt spid="515">
+                                          <p:spTgt spid="523">
                                             <p:txEl>
                                               <p:pRg st="2" end="2"/>
                                             </p:txEl>
@@ -24604,7 +26125,7 @@
       </p:par>
     </p:tnLst>
     <p:bldLst>
-      <p:bldP build="p" bldLvl="5" animBg="1" rev="0" advAuto="0" spid="515" grpId="1"/>
+      <p:bldP build="p" bldLvl="5" animBg="1" rev="0" advAuto="0" spid="523" grpId="1"/>
     </p:bldLst>
   </p:timing>
 </p:sld>
@@ -29206,19 +30727,19 @@
       </p:par>
     </p:tnLst>
     <p:bldLst>
+      <p:bldP build="whole" bldLvl="1" animBg="1" rev="0" advAuto="0" spid="103" grpId="6"/>
+      <p:bldP build="whole" bldLvl="1" animBg="1" rev="0" advAuto="0" spid="107" grpId="7"/>
+      <p:bldP build="whole" bldLvl="1" animBg="1" rev="0" advAuto="0" spid="116" grpId="10"/>
+      <p:bldP build="whole" bldLvl="1" animBg="1" rev="0" advAuto="0" spid="122" grpId="12"/>
+      <p:bldP build="whole" bldLvl="1" animBg="1" rev="0" advAuto="0" spid="143" grpId="13"/>
       <p:bldP build="whole" bldLvl="1" animBg="1" rev="0" advAuto="0" spid="119" grpId="11"/>
-      <p:bldP build="whole" bldLvl="1" animBg="1" rev="0" advAuto="0" spid="116" grpId="10"/>
       <p:bldP build="whole" bldLvl="1" animBg="1" rev="0" advAuto="0" spid="90" grpId="4"/>
+      <p:bldP build="whole" bldLvl="1" animBg="1" rev="0" advAuto="0" spid="113" grpId="9"/>
+      <p:bldP build="whole" bldLvl="1" animBg="1" rev="0" advAuto="0" spid="75" grpId="2"/>
       <p:bldP build="whole" bldLvl="1" animBg="1" rev="0" advAuto="0" spid="63" grpId="1"/>
-      <p:bldP build="whole" bldLvl="1" animBg="1" rev="0" advAuto="0" spid="113" grpId="9"/>
-      <p:bldP build="whole" bldLvl="1" animBg="1" rev="0" advAuto="0" spid="122" grpId="12"/>
-      <p:bldP build="whole" bldLvl="1" animBg="1" rev="0" advAuto="0" spid="107" grpId="7"/>
       <p:bldP build="whole" bldLvl="1" animBg="1" rev="0" advAuto="0" spid="110" grpId="8"/>
       <p:bldP build="whole" bldLvl="1" animBg="1" rev="0" advAuto="0" spid="97" grpId="5"/>
       <p:bldP build="whole" bldLvl="1" animBg="1" rev="0" advAuto="0" spid="82" grpId="3"/>
-      <p:bldP build="whole" bldLvl="1" animBg="1" rev="0" advAuto="0" spid="143" grpId="13"/>
-      <p:bldP build="whole" bldLvl="1" animBg="1" rev="0" advAuto="0" spid="103" grpId="6"/>
-      <p:bldP build="whole" bldLvl="1" animBg="1" rev="0" advAuto="0" spid="75" grpId="2"/>
     </p:bldLst>
   </p:timing>
 </p:sld>
@@ -34351,8 +35872,8 @@
           </p:nvSpPr>
           <p:spPr>
             <a:xfrm>
-              <a:off x="0" y="-1"/>
-              <a:ext cx="3868456" cy="873706"/>
+              <a:off x="0" y="0"/>
+              <a:ext cx="3868456" cy="873705"/>
             </a:xfrm>
             <a:prstGeom prst="line">
               <a:avLst/>
@@ -34497,8 +36018,8 @@
           </p:nvSpPr>
           <p:spPr>
             <a:xfrm>
-              <a:off x="2242905" y="0"/>
-              <a:ext cx="1120305" cy="419100"/>
+              <a:off x="2242905" y="-1"/>
+              <a:ext cx="1120305" cy="419101"/>
             </a:xfrm>
             <a:prstGeom prst="rect">
               <a:avLst/>
@@ -34569,8 +36090,8 @@
           </p:nvSpPr>
           <p:spPr>
             <a:xfrm flipV="1">
-              <a:off x="0" y="217311"/>
-              <a:ext cx="3073918" cy="687770"/>
+              <a:off x="-1" y="217311"/>
+              <a:ext cx="3073919" cy="687770"/>
             </a:xfrm>
             <a:prstGeom prst="line">
               <a:avLst/>
@@ -36094,31 +37615,31 @@
       </p:par>
     </p:tnLst>
     <p:bldLst>
-      <p:bldP build="whole" bldLvl="1" animBg="1" rev="0" advAuto="0" spid="271" grpId="2"/>
+      <p:bldP build="p" bldLvl="5" animBg="1" rev="0" advAuto="0" spid="232" grpId="5"/>
       <p:bldP build="whole" bldLvl="1" animBg="1" rev="0" advAuto="0" spid="252" grpId="6"/>
-      <p:bldP build="whole" bldLvl="1" animBg="1" rev="0" advAuto="0" spid="246" grpId="19"/>
-      <p:bldP build="whole" bldLvl="1" animBg="1" rev="0" advAuto="0" spid="242" grpId="25"/>
-      <p:bldP build="whole" bldLvl="1" animBg="1" rev="0" advAuto="0" spid="271" grpId="7"/>
-      <p:bldP build="whole" bldLvl="1" animBg="1" rev="0" advAuto="0" spid="246" grpId="23"/>
-      <p:bldP build="whole" bldLvl="1" animBg="1" rev="0" advAuto="0" spid="241" grpId="16"/>
-      <p:bldP build="whole" bldLvl="1" animBg="1" rev="0" advAuto="0" spid="250" grpId="14"/>
-      <p:bldP build="whole" bldLvl="1" animBg="1" rev="0" advAuto="0" spid="245" grpId="20"/>
-      <p:bldP build="whole" bldLvl="1" animBg="1" rev="0" advAuto="0" spid="257" grpId="22"/>
-      <p:bldP build="whole" bldLvl="1" animBg="1" rev="0" advAuto="0" spid="251" grpId="13"/>
-      <p:bldP build="whole" bldLvl="1" animBg="1" rev="0" advAuto="0" spid="274" grpId="3"/>
+      <p:bldP build="whole" bldLvl="1" animBg="1" rev="0" advAuto="0" spid="249" grpId="12"/>
       <p:bldP build="whole" bldLvl="1" animBg="1" rev="0" advAuto="0" spid="251" grpId="17"/>
       <p:bldP build="whole" bldLvl="1" animBg="1" rev="0" advAuto="0" spid="268" grpId="1"/>
-      <p:bldP build="whole" bldLvl="1" animBg="1" rev="0" advAuto="0" spid="243" grpId="10"/>
+      <p:bldP build="whole" bldLvl="1" animBg="1" rev="0" advAuto="0" spid="241" grpId="16"/>
+      <p:bldP build="whole" bldLvl="1" animBg="1" rev="0" advAuto="0" spid="242" grpId="21"/>
+      <p:bldP build="whole" bldLvl="1" animBg="1" rev="0" advAuto="0" spid="242" grpId="25"/>
+      <p:bldP build="whole" bldLvl="1" animBg="1" rev="0" advAuto="0" spid="246" grpId="15"/>
+      <p:bldP build="whole" bldLvl="1" animBg="1" rev="0" advAuto="0" spid="271" grpId="2"/>
+      <p:bldP build="whole" bldLvl="1" animBg="1" rev="0" advAuto="0" spid="246" grpId="19"/>
+      <p:bldP build="whole" bldLvl="1" animBg="1" rev="0" advAuto="0" spid="274" grpId="3"/>
+      <p:bldP build="whole" bldLvl="1" animBg="1" rev="0" advAuto="0" spid="250" grpId="14"/>
+      <p:bldP build="whole" bldLvl="1" animBg="1" rev="0" advAuto="0" spid="271" grpId="7"/>
+      <p:bldP build="whole" bldLvl="1" animBg="1" rev="0" advAuto="0" spid="277" grpId="4"/>
+      <p:bldP build="whole" bldLvl="1" animBg="1" rev="0" advAuto="0" spid="257" grpId="22"/>
       <p:bldP build="whole" bldLvl="1" animBg="1" rev="0" advAuto="0" spid="274" grpId="9"/>
+      <p:bldP build="whole" bldLvl="1" animBg="1" rev="0" advAuto="0" spid="246" grpId="23"/>
       <p:bldP build="whole" bldLvl="1" animBg="1" rev="0" advAuto="0" spid="248" grpId="24"/>
-      <p:bldP build="whole" bldLvl="1" animBg="1" rev="0" advAuto="0" spid="249" grpId="12"/>
-      <p:bldP build="whole" bldLvl="1" animBg="1" rev="0" advAuto="0" spid="277" grpId="4"/>
+      <p:bldP build="whole" bldLvl="1" animBg="1" rev="0" advAuto="0" spid="277" grpId="11"/>
+      <p:bldP build="whole" bldLvl="1" animBg="1" rev="0" advAuto="0" spid="245" grpId="20"/>
       <p:bldP build="whole" bldLvl="1" animBg="1" rev="0" advAuto="0" spid="247" grpId="18"/>
       <p:bldP build="whole" bldLvl="1" animBg="1" rev="0" advAuto="0" spid="244" grpId="8"/>
-      <p:bldP build="p" bldLvl="5" animBg="1" rev="0" advAuto="0" spid="232" grpId="5"/>
-      <p:bldP build="whole" bldLvl="1" animBg="1" rev="0" advAuto="0" spid="246" grpId="15"/>
-      <p:bldP build="whole" bldLvl="1" animBg="1" rev="0" advAuto="0" spid="242" grpId="21"/>
-      <p:bldP build="whole" bldLvl="1" animBg="1" rev="0" advAuto="0" spid="277" grpId="11"/>
+      <p:bldP build="whole" bldLvl="1" animBg="1" rev="0" advAuto="0" spid="243" grpId="10"/>
+      <p:bldP build="whole" bldLvl="1" animBg="1" rev="0" advAuto="0" spid="251" grpId="13"/>
     </p:bldLst>
   </p:timing>
 </p:sld>
@@ -38026,8 +39547,8 @@
           </p:nvSpPr>
           <p:spPr>
             <a:xfrm>
-              <a:off x="884062" y="0"/>
-              <a:ext cx="1120305" cy="419100"/>
+              <a:off x="884062" y="-1"/>
+              <a:ext cx="1120305" cy="419101"/>
             </a:xfrm>
             <a:prstGeom prst="rect">
               <a:avLst/>
@@ -38084,10 +39605,10 @@
         </p:nvGrpSpPr>
         <p:grpSpPr>
           <a:xfrm>
-            <a:off x="1229601" y="2809621"/>
+            <a:off x="1229601" y="2809620"/>
             <a:ext cx="3348098" cy="1173525"/>
             <a:chOff x="0" y="0"/>
-            <a:chExt cx="3348097" cy="1173524"/>
+            <a:chExt cx="3348097" cy="1173523"/>
           </a:xfrm>
         </p:grpSpPr>
         <p:sp>
@@ -38099,7 +39620,7 @@
           <p:spPr>
             <a:xfrm>
               <a:off x="0" y="67384"/>
-              <a:ext cx="3348098" cy="1106141"/>
+              <a:ext cx="3348098" cy="1106140"/>
             </a:xfrm>
             <a:prstGeom prst="line">
               <a:avLst/>
@@ -38977,17 +40498,17 @@
       </p:par>
     </p:tnLst>
     <p:bldLst>
+      <p:bldP build="whole" bldLvl="1" animBg="1" rev="0" advAuto="0" spid="325" grpId="7"/>
+      <p:bldP build="p" bldLvl="5" animBg="1" rev="0" advAuto="0" spid="283" grpId="11"/>
+      <p:bldP build="whole" bldLvl="1" animBg="1" rev="0" advAuto="0" spid="322" grpId="5"/>
+      <p:bldP build="whole" bldLvl="1" animBg="1" rev="0" advAuto="0" spid="328" grpId="4"/>
+      <p:bldP build="whole" bldLvl="1" animBg="1" rev="0" advAuto="0" spid="294" grpId="10"/>
+      <p:bldP build="whole" bldLvl="1" animBg="1" rev="0" advAuto="0" spid="303" grpId="6"/>
+      <p:bldP build="whole" bldLvl="1" animBg="1" rev="0" advAuto="0" spid="298" grpId="8"/>
+      <p:bldP build="whole" bldLvl="1" animBg="1" rev="0" advAuto="0" spid="325" grpId="3"/>
       <p:bldP build="whole" bldLvl="1" animBg="1" rev="0" advAuto="0" spid="328" grpId="9"/>
-      <p:bldP build="p" bldLvl="5" animBg="1" rev="0" advAuto="0" spid="283" grpId="11"/>
-      <p:bldP build="whole" bldLvl="1" animBg="1" rev="0" advAuto="0" spid="325" grpId="3"/>
       <p:bldP build="whole" bldLvl="1" animBg="1" rev="0" advAuto="0" spid="319" grpId="1"/>
-      <p:bldP build="whole" bldLvl="1" animBg="1" rev="0" advAuto="0" spid="328" grpId="4"/>
       <p:bldP build="whole" bldLvl="1" animBg="1" rev="0" advAuto="0" spid="322" grpId="2"/>
-      <p:bldP build="whole" bldLvl="1" animBg="1" rev="0" advAuto="0" spid="325" grpId="7"/>
-      <p:bldP build="whole" bldLvl="1" animBg="1" rev="0" advAuto="0" spid="294" grpId="10"/>
-      <p:bldP build="whole" bldLvl="1" animBg="1" rev="0" advAuto="0" spid="322" grpId="5"/>
-      <p:bldP build="whole" bldLvl="1" animBg="1" rev="0" advAuto="0" spid="298" grpId="8"/>
-      <p:bldP build="whole" bldLvl="1" animBg="1" rev="0" advAuto="0" spid="303" grpId="6"/>
     </p:bldLst>
   </p:timing>
 </p:sld>

--- a/Slides-RPR/2019-H1-DAA-L32-DynProg-MultiStage-Graphs.pptx
+++ b/Slides-RPR/2019-H1-DAA-L32-DynProg-MultiStage-Graphs.pptx
@@ -6136,7 +6136,7 @@
                 <a:cs typeface="Arial"/>
                 <a:sym typeface="Arial"/>
               </a:rPr>
-              <a:t>+4+6=11</a:t>
+              <a:t>+4+5=11</a:t>
             </a:r>
           </a:p>
           <a:p>
@@ -16585,8 +16585,8 @@
         </p:nvSpPr>
         <p:spPr>
           <a:xfrm>
-            <a:off x="6749544" y="4422777"/>
-            <a:ext cx="324457" cy="447230"/>
+            <a:off x="6749544" y="4422778"/>
+            <a:ext cx="324456" cy="447229"/>
           </a:xfrm>
           <a:prstGeom prst="rect">
             <a:avLst/>
@@ -17021,8 +17021,8 @@
         </p:nvSpPr>
         <p:spPr>
           <a:xfrm>
-            <a:off x="3713213" y="4197335"/>
-            <a:ext cx="1641831" cy="1835355"/>
+            <a:off x="3713214" y="4197335"/>
+            <a:ext cx="1641830" cy="1835355"/>
           </a:xfrm>
           <a:prstGeom prst="line">
             <a:avLst/>
@@ -17177,7 +17177,7 @@
         <p:spPr>
           <a:xfrm>
             <a:off x="3994633" y="5165089"/>
-            <a:ext cx="1329479" cy="975821"/>
+            <a:ext cx="1329480" cy="975821"/>
           </a:xfrm>
           <a:prstGeom prst="line">
             <a:avLst/>
@@ -17304,7 +17304,7 @@
         </p:nvSpPr>
         <p:spPr>
           <a:xfrm>
-            <a:off x="3975252" y="6108816"/>
+            <a:off x="3975252" y="6108815"/>
             <a:ext cx="1385995" cy="1"/>
           </a:xfrm>
           <a:prstGeom prst="line">
@@ -21420,85 +21420,85 @@
       </p:par>
     </p:tnLst>
     <p:bldLst>
+      <p:bldP build="whole" bldLvl="1" animBg="1" rev="0" advAuto="0" spid="387" grpId="4"/>
+      <p:bldP build="whole" bldLvl="1" animBg="1" rev="0" advAuto="0" spid="424" grpId="33"/>
+      <p:bldP build="whole" bldLvl="1" animBg="1" rev="0" advAuto="0" spid="400" grpId="3"/>
+      <p:bldP build="whole" bldLvl="1" animBg="1" rev="0" advAuto="0" spid="421" grpId="30"/>
+      <p:bldP build="whole" bldLvl="1" animBg="1" rev="0" advAuto="0" spid="461" grpId="65"/>
+      <p:bldP build="whole" bldLvl="1" animBg="1" rev="0" advAuto="0" spid="458" grpId="59"/>
+      <p:bldP build="whole" bldLvl="1" animBg="1" rev="0" advAuto="0" spid="458" grpId="60"/>
+      <p:bldP build="whole" bldLvl="1" animBg="1" rev="0" advAuto="0" spid="435" grpId="57"/>
+      <p:bldP build="whole" bldLvl="1" animBg="1" rev="0" advAuto="0" spid="452" grpId="27"/>
+      <p:bldP build="whole" bldLvl="1" animBg="1" rev="0" advAuto="0" spid="452" grpId="28"/>
+      <p:bldP build="whole" bldLvl="1" animBg="1" rev="0" advAuto="0" spid="454" grpId="44"/>
+      <p:bldP build="whole" bldLvl="1" animBg="1" rev="0" advAuto="0" spid="435" grpId="58"/>
+      <p:bldP build="whole" bldLvl="1" animBg="1" rev="0" advAuto="0" spid="459" grpId="61"/>
+      <p:bldP build="whole" bldLvl="1" animBg="1" rev="0" advAuto="0" spid="459" grpId="62"/>
+      <p:bldP build="whole" bldLvl="1" animBg="1" rev="0" advAuto="0" spid="448" grpId="66"/>
+      <p:bldP build="whole" bldLvl="1" animBg="1" rev="0" advAuto="0" spid="438" grpId="70"/>
+      <p:bldP build="whole" bldLvl="1" animBg="1" rev="0" advAuto="0" spid="411" grpId="18"/>
+      <p:bldP build="whole" bldLvl="1" animBg="1" rev="0" advAuto="0" spid="406" grpId="9"/>
+      <p:bldP build="whole" bldLvl="1" animBg="1" rev="0" advAuto="0" spid="425" grpId="34"/>
+      <p:bldP build="whole" bldLvl="1" animBg="1" rev="0" advAuto="0" spid="419" grpId="26"/>
+      <p:bldP build="whole" bldLvl="1" animBg="1" rev="0" advAuto="0" spid="451" grpId="36"/>
+      <p:bldP build="whole" bldLvl="1" animBg="1" rev="0" advAuto="0" spid="388" grpId="6"/>
+      <p:bldP build="whole" bldLvl="1" animBg="1" rev="0" advAuto="0" spid="410" grpId="17"/>
+      <p:bldP build="whole" bldLvl="1" animBg="1" rev="0" advAuto="0" spid="453" grpId="79"/>
+      <p:bldP build="whole" bldLvl="1" animBg="1" rev="0" advAuto="0" spid="441" grpId="73"/>
+      <p:bldP build="whole" bldLvl="1" animBg="1" rev="0" advAuto="0" spid="415" grpId="22"/>
+      <p:bldP build="whole" bldLvl="1" animBg="1" rev="0" advAuto="0" spid="436" grpId="68"/>
+      <p:bldP build="whole" bldLvl="1" animBg="1" rev="0" advAuto="0" spid="395" grpId="16"/>
+      <p:bldP build="whole" bldLvl="1" animBg="1" rev="0" advAuto="0" spid="431" grpId="41"/>
+      <p:bldP build="whole" bldLvl="1" animBg="1" rev="0" advAuto="0" spid="380" grpId="39"/>
+      <p:bldP build="whole" bldLvl="1" animBg="1" rev="0" advAuto="0" spid="380" grpId="40"/>
+      <p:bldP build="whole" bldLvl="1" animBg="1" rev="0" advAuto="0" spid="409" grpId="11"/>
+      <p:bldP build="whole" bldLvl="1" animBg="1" rev="0" advAuto="0" spid="439" grpId="71"/>
+      <p:bldP build="whole" bldLvl="1" animBg="1" rev="0" advAuto="0" spid="412" grpId="19"/>
+      <p:bldP build="whole" bldLvl="1" animBg="1" rev="0" advAuto="0" spid="390" grpId="10"/>
+      <p:bldP build="whole" bldLvl="1" animBg="1" rev="0" advAuto="0" spid="462" grpId="51"/>
       <p:bldP build="whole" bldLvl="1" animBg="1" rev="0" advAuto="0" spid="462" grpId="52"/>
-      <p:bldP build="whole" bldLvl="1" animBg="1" rev="0" advAuto="0" spid="391" grpId="12"/>
-      <p:bldP build="whole" bldLvl="1" animBg="1" rev="0" advAuto="0" spid="410" grpId="17"/>
-      <p:bldP build="whole" bldLvl="1" animBg="1" rev="0" advAuto="0" spid="436" grpId="68"/>
-      <p:bldP build="whole" bldLvl="1" animBg="1" rev="0" advAuto="0" spid="396" grpId="67"/>
+      <p:bldP build="whole" bldLvl="1" animBg="1" rev="0" advAuto="0" spid="389" grpId="8"/>
+      <p:bldP build="whole" bldLvl="1" animBg="1" rev="0" advAuto="0" spid="440" grpId="72"/>
+      <p:bldP build="whole" bldLvl="1" animBg="1" rev="0" advAuto="0" spid="426" grpId="37"/>
+      <p:bldP build="whole" bldLvl="1" animBg="1" rev="0" advAuto="0" spid="426" grpId="38"/>
+      <p:bldP build="whole" bldLvl="1" animBg="1" rev="0" advAuto="0" spid="460" grpId="63"/>
+      <p:bldP build="whole" bldLvl="1" animBg="1" rev="0" advAuto="0" spid="392" grpId="13"/>
+      <p:bldP build="whole" bldLvl="1" animBg="1" rev="0" advAuto="0" spid="460" grpId="64"/>
+      <p:bldP build="whole" bldLvl="1" animBg="1" rev="0" advAuto="0" spid="394" grpId="15"/>
+      <p:bldP build="whole" bldLvl="1" animBg="1" rev="0" advAuto="0" spid="418" grpId="25"/>
+      <p:bldP build="whole" bldLvl="1" animBg="1" rev="0" advAuto="0" spid="393" grpId="14"/>
+      <p:bldP build="whole" bldLvl="1" animBg="1" rev="0" advAuto="0" spid="437" grpId="69"/>
       <p:bldP build="whole" bldLvl="1" animBg="1" rev="0" advAuto="0" spid="445" grpId="77"/>
-      <p:bldP build="whole" bldLvl="1" animBg="1" rev="0" advAuto="0" spid="392" grpId="13"/>
-      <p:bldP build="whole" bldLvl="1" animBg="1" rev="0" advAuto="0" spid="386" grpId="2"/>
-      <p:bldP build="whole" bldLvl="1" animBg="1" rev="0" advAuto="0" spid="388" grpId="6"/>
       <p:bldP build="whole" bldLvl="1" animBg="1" rev="0" advAuto="0" spid="433" grpId="47"/>
       <p:bldP build="whole" bldLvl="1" animBg="1" rev="0" advAuto="0" spid="433" grpId="48"/>
-      <p:bldP build="whole" bldLvl="1" animBg="1" rev="0" advAuto="0" spid="423" grpId="32"/>
-      <p:bldP build="whole" bldLvl="1" animBg="1" rev="0" advAuto="0" spid="435" grpId="57"/>
-      <p:bldP build="whole" bldLvl="1" animBg="1" rev="0" advAuto="0" spid="435" grpId="58"/>
-      <p:bldP build="whole" bldLvl="1" animBg="1" rev="0" advAuto="0" spid="453" grpId="45"/>
-      <p:bldP build="whole" bldLvl="1" animBg="1" rev="0" advAuto="0" spid="380" grpId="39"/>
-      <p:bldP build="whole" bldLvl="1" animBg="1" rev="0" advAuto="0" spid="380" grpId="40"/>
-      <p:bldP build="whole" bldLvl="1" animBg="1" rev="0" advAuto="0" spid="406" grpId="9"/>
-      <p:bldP build="whole" bldLvl="1" animBg="1" rev="0" advAuto="0" spid="418" grpId="25"/>
-      <p:bldP build="whole" bldLvl="1" animBg="1" rev="0" advAuto="0" spid="451" grpId="36"/>
+      <p:bldP build="whole" bldLvl="1" animBg="1" rev="0" advAuto="0" spid="422" grpId="31"/>
+      <p:bldP build="whole" bldLvl="1" animBg="1" rev="0" advAuto="0" spid="432" grpId="46"/>
+      <p:bldP build="whole" bldLvl="1" animBg="1" rev="0" advAuto="0" spid="397" grpId="1"/>
+      <p:bldP build="whole" bldLvl="1" animBg="1" rev="0" advAuto="0" spid="391" grpId="12"/>
+      <p:bldP build="whole" bldLvl="1" animBg="1" rev="0" advAuto="0" spid="403" grpId="7"/>
       <p:bldP build="whole" bldLvl="1" animBg="1" rev="0" advAuto="0" spid="442" grpId="74"/>
-      <p:bldP build="whole" bldLvl="1" animBg="1" rev="0" advAuto="0" spid="426" grpId="37"/>
-      <p:bldP build="whole" bldLvl="1" animBg="1" rev="0" advAuto="0" spid="426" grpId="38"/>
-      <p:bldP build="whole" bldLvl="1" animBg="1" rev="0" advAuto="0" spid="412" grpId="19"/>
-      <p:bldP build="whole" bldLvl="1" animBg="1" rev="0" advAuto="0" spid="457" grpId="55"/>
-      <p:bldP build="whole" bldLvl="1" animBg="1" rev="0" advAuto="0" spid="424" grpId="33"/>
-      <p:bldP build="whole" bldLvl="1" animBg="1" rev="0" advAuto="0" spid="461" grpId="65"/>
-      <p:bldP build="whole" bldLvl="1" animBg="1" rev="0" advAuto="0" spid="448" grpId="66"/>
-      <p:bldP build="whole" bldLvl="1" animBg="1" rev="0" advAuto="0" spid="389" grpId="8"/>
-      <p:bldP build="whole" bldLvl="1" animBg="1" rev="0" advAuto="0" spid="415" grpId="22"/>
-      <p:bldP build="whole" bldLvl="1" animBg="1" rev="0" advAuto="0" spid="437" grpId="69"/>
+      <p:bldP build="whole" bldLvl="1" animBg="1" rev="0" advAuto="0" spid="447" grpId="56"/>
+      <p:bldP build="whole" bldLvl="1" animBg="1" rev="0" advAuto="0" spid="455" grpId="53"/>
+      <p:bldP build="whole" bldLvl="1" animBg="1" rev="0" advAuto="0" spid="446" grpId="35"/>
+      <p:bldP build="whole" bldLvl="1" animBg="1" rev="0" advAuto="0" spid="396" grpId="67"/>
+      <p:bldP build="whole" bldLvl="1" animBg="1" rev="0" advAuto="0" spid="386" grpId="2"/>
+      <p:bldP build="whole" bldLvl="1" animBg="1" rev="0" advAuto="0" spid="443" grpId="75"/>
       <p:bldP build="whole" bldLvl="1" animBg="1" rev="0" advAuto="0" spid="427" grpId="42"/>
-      <p:bldP build="whole" bldLvl="1" animBg="1" rev="0" advAuto="0" spid="417" grpId="24"/>
-      <p:bldP build="whole" bldLvl="1" animBg="1" rev="0" advAuto="0" spid="421" grpId="30"/>
-      <p:bldP build="whole" bldLvl="1" animBg="1" rev="0" advAuto="0" spid="452" grpId="27"/>
-      <p:bldP build="whole" bldLvl="1" animBg="1" rev="0" advAuto="0" spid="452" grpId="28"/>
-      <p:bldP build="whole" bldLvl="1" animBg="1" rev="0" advAuto="0" spid="453" grpId="79"/>
-      <p:bldP build="whole" bldLvl="1" animBg="1" rev="0" advAuto="0" spid="458" grpId="59"/>
-      <p:bldP build="whole" bldLvl="1" animBg="1" rev="0" advAuto="0" spid="458" grpId="60"/>
-      <p:bldP build="whole" bldLvl="1" animBg="1" rev="0" advAuto="0" spid="420" grpId="29"/>
+      <p:bldP build="whole" bldLvl="1" animBg="1" rev="0" advAuto="0" spid="444" grpId="76"/>
       <p:bldP build="whole" bldLvl="1" animBg="1" rev="0" advAuto="0" spid="413" grpId="20"/>
-      <p:bldP build="whole" bldLvl="1" animBg="1" rev="0" advAuto="0" spid="460" grpId="63"/>
-      <p:bldP build="whole" bldLvl="1" animBg="1" rev="0" advAuto="0" spid="400" grpId="3"/>
-      <p:bldP build="whole" bldLvl="1" animBg="1" rev="0" advAuto="0" spid="460" grpId="64"/>
-      <p:bldP build="whole" bldLvl="1" animBg="1" rev="0" advAuto="0" spid="439" grpId="71"/>
-      <p:bldP build="whole" bldLvl="1" animBg="1" rev="0" advAuto="0" spid="393" grpId="14"/>
-      <p:bldP build="whole" bldLvl="1" animBg="1" rev="0" advAuto="0" spid="394" grpId="15"/>
-      <p:bldP build="whole" bldLvl="1" animBg="1" rev="0" advAuto="0" spid="403" grpId="7"/>
-      <p:bldP build="whole" bldLvl="1" animBg="1" rev="0" advAuto="0" spid="456" grpId="54"/>
-      <p:bldP build="whole" bldLvl="1" animBg="1" rev="0" advAuto="0" spid="395" grpId="16"/>
-      <p:bldP build="whole" bldLvl="1" animBg="1" rev="0" advAuto="0" spid="409" grpId="11"/>
-      <p:bldP build="whole" bldLvl="1" animBg="1" rev="0" advAuto="0" spid="411" grpId="18"/>
-      <p:bldP build="whole" bldLvl="1" animBg="1" rev="0" advAuto="0" spid="447" grpId="56"/>
-      <p:bldP build="whole" bldLvl="1" animBg="1" rev="0" advAuto="0" spid="441" grpId="73"/>
-      <p:bldP build="whole" bldLvl="1" animBg="1" rev="0" advAuto="0" spid="450" grpId="78"/>
       <p:bldP build="whole" bldLvl="1" animBg="1" rev="0" advAuto="0" spid="430" grpId="5"/>
-      <p:bldP build="whole" bldLvl="1" animBg="1" rev="0" advAuto="0" spid="387" grpId="4"/>
-      <p:bldP build="whole" bldLvl="1" animBg="1" rev="0" advAuto="0" spid="416" grpId="23"/>
-      <p:bldP build="whole" bldLvl="1" animBg="1" rev="0" advAuto="0" spid="449" grpId="43"/>
-      <p:bldP build="whole" bldLvl="1" animBg="1" rev="0" advAuto="0" spid="390" grpId="10"/>
-      <p:bldP build="whole" bldLvl="1" animBg="1" rev="0" advAuto="0" spid="414" grpId="21"/>
-      <p:bldP build="whole" bldLvl="1" animBg="1" rev="0" advAuto="0" spid="422" grpId="31"/>
-      <p:bldP build="whole" bldLvl="1" animBg="1" rev="0" advAuto="0" spid="446" grpId="35"/>
-      <p:bldP build="whole" bldLvl="1" animBg="1" rev="0" advAuto="0" spid="454" grpId="44"/>
-      <p:bldP build="whole" bldLvl="1" animBg="1" rev="0" advAuto="0" spid="431" grpId="41"/>
-      <p:bldP build="whole" bldLvl="1" animBg="1" rev="0" advAuto="0" spid="432" grpId="46"/>
-      <p:bldP build="whole" bldLvl="1" animBg="1" rev="0" advAuto="0" spid="455" grpId="53"/>
-      <p:bldP build="whole" bldLvl="1" animBg="1" rev="0" advAuto="0" spid="440" grpId="72"/>
-      <p:bldP build="whole" bldLvl="1" animBg="1" rev="0" advAuto="0" spid="443" grpId="75"/>
-      <p:bldP build="whole" bldLvl="1" animBg="1" rev="0" advAuto="0" spid="419" grpId="26"/>
-      <p:bldP build="whole" bldLvl="1" animBg="1" rev="0" advAuto="0" spid="397" grpId="1"/>
       <p:bldP build="whole" bldLvl="1" animBg="1" rev="0" advAuto="0" spid="434" grpId="49"/>
       <p:bldP build="whole" bldLvl="1" animBg="1" rev="0" advAuto="0" spid="434" grpId="50"/>
-      <p:bldP build="whole" bldLvl="1" animBg="1" rev="0" advAuto="0" spid="459" grpId="61"/>
-      <p:bldP build="whole" bldLvl="1" animBg="1" rev="0" advAuto="0" spid="459" grpId="62"/>
-      <p:bldP build="whole" bldLvl="1" animBg="1" rev="0" advAuto="0" spid="444" grpId="76"/>
-      <p:bldP build="whole" bldLvl="1" animBg="1" rev="0" advAuto="0" spid="425" grpId="34"/>
-      <p:bldP build="whole" bldLvl="1" animBg="1" rev="0" advAuto="0" spid="438" grpId="70"/>
-      <p:bldP build="whole" bldLvl="1" animBg="1" rev="0" advAuto="0" spid="462" grpId="51"/>
+      <p:bldP build="whole" bldLvl="1" animBg="1" rev="0" advAuto="0" spid="456" grpId="54"/>
+      <p:bldP build="whole" bldLvl="1" animBg="1" rev="0" advAuto="0" spid="449" grpId="43"/>
+      <p:bldP build="whole" bldLvl="1" animBg="1" rev="0" advAuto="0" spid="423" grpId="32"/>
+      <p:bldP build="whole" bldLvl="1" animBg="1" rev="0" advAuto="0" spid="420" grpId="29"/>
+      <p:bldP build="whole" bldLvl="1" animBg="1" rev="0" advAuto="0" spid="457" grpId="55"/>
+      <p:bldP build="whole" bldLvl="1" animBg="1" rev="0" advAuto="0" spid="450" grpId="78"/>
+      <p:bldP build="whole" bldLvl="1" animBg="1" rev="0" advAuto="0" spid="453" grpId="45"/>
+      <p:bldP build="whole" bldLvl="1" animBg="1" rev="0" advAuto="0" spid="417" grpId="24"/>
+      <p:bldP build="whole" bldLvl="1" animBg="1" rev="0" advAuto="0" spid="414" grpId="21"/>
+      <p:bldP build="whole" bldLvl="1" animBg="1" rev="0" advAuto="0" spid="416" grpId="23"/>
     </p:bldLst>
   </p:timing>
 </p:sld>
@@ -30727,19 +30727,19 @@
       </p:par>
     </p:tnLst>
     <p:bldLst>
+      <p:bldP build="whole" bldLvl="1" animBg="1" rev="0" advAuto="0" spid="90" grpId="4"/>
       <p:bldP build="whole" bldLvl="1" animBg="1" rev="0" advAuto="0" spid="103" grpId="6"/>
+      <p:bldP build="whole" bldLvl="1" animBg="1" rev="0" advAuto="0" spid="110" grpId="8"/>
+      <p:bldP build="whole" bldLvl="1" animBg="1" rev="0" advAuto="0" spid="116" grpId="10"/>
+      <p:bldP build="whole" bldLvl="1" animBg="1" rev="0" advAuto="0" spid="119" grpId="11"/>
+      <p:bldP build="whole" bldLvl="1" animBg="1" rev="0" advAuto="0" spid="82" grpId="3"/>
+      <p:bldP build="whole" bldLvl="1" animBg="1" rev="0" advAuto="0" spid="143" grpId="13"/>
+      <p:bldP build="whole" bldLvl="1" animBg="1" rev="0" advAuto="0" spid="122" grpId="12"/>
+      <p:bldP build="whole" bldLvl="1" animBg="1" rev="0" advAuto="0" spid="63" grpId="1"/>
+      <p:bldP build="whole" bldLvl="1" animBg="1" rev="0" advAuto="0" spid="75" grpId="2"/>
       <p:bldP build="whole" bldLvl="1" animBg="1" rev="0" advAuto="0" spid="107" grpId="7"/>
-      <p:bldP build="whole" bldLvl="1" animBg="1" rev="0" advAuto="0" spid="116" grpId="10"/>
-      <p:bldP build="whole" bldLvl="1" animBg="1" rev="0" advAuto="0" spid="122" grpId="12"/>
-      <p:bldP build="whole" bldLvl="1" animBg="1" rev="0" advAuto="0" spid="143" grpId="13"/>
-      <p:bldP build="whole" bldLvl="1" animBg="1" rev="0" advAuto="0" spid="119" grpId="11"/>
-      <p:bldP build="whole" bldLvl="1" animBg="1" rev="0" advAuto="0" spid="90" grpId="4"/>
       <p:bldP build="whole" bldLvl="1" animBg="1" rev="0" advAuto="0" spid="113" grpId="9"/>
-      <p:bldP build="whole" bldLvl="1" animBg="1" rev="0" advAuto="0" spid="75" grpId="2"/>
-      <p:bldP build="whole" bldLvl="1" animBg="1" rev="0" advAuto="0" spid="63" grpId="1"/>
-      <p:bldP build="whole" bldLvl="1" animBg="1" rev="0" advAuto="0" spid="110" grpId="8"/>
       <p:bldP build="whole" bldLvl="1" animBg="1" rev="0" advAuto="0" spid="97" grpId="5"/>
-      <p:bldP build="whole" bldLvl="1" animBg="1" rev="0" advAuto="0" spid="82" grpId="3"/>
     </p:bldLst>
   </p:timing>
 </p:sld>
@@ -37615,31 +37615,31 @@
       </p:par>
     </p:tnLst>
     <p:bldLst>
-      <p:bldP build="p" bldLvl="5" animBg="1" rev="0" advAuto="0" spid="232" grpId="5"/>
-      <p:bldP build="whole" bldLvl="1" animBg="1" rev="0" advAuto="0" spid="252" grpId="6"/>
+      <p:bldP build="whole" bldLvl="1" animBg="1" rev="0" advAuto="0" spid="245" grpId="20"/>
       <p:bldP build="whole" bldLvl="1" animBg="1" rev="0" advAuto="0" spid="249" grpId="12"/>
-      <p:bldP build="whole" bldLvl="1" animBg="1" rev="0" advAuto="0" spid="251" grpId="17"/>
-      <p:bldP build="whole" bldLvl="1" animBg="1" rev="0" advAuto="0" spid="268" grpId="1"/>
-      <p:bldP build="whole" bldLvl="1" animBg="1" rev="0" advAuto="0" spid="241" grpId="16"/>
+      <p:bldP build="whole" bldLvl="1" animBg="1" rev="0" advAuto="0" spid="250" grpId="14"/>
       <p:bldP build="whole" bldLvl="1" animBg="1" rev="0" advAuto="0" spid="242" grpId="21"/>
       <p:bldP build="whole" bldLvl="1" animBg="1" rev="0" advAuto="0" spid="242" grpId="25"/>
+      <p:bldP build="whole" bldLvl="1" animBg="1" rev="0" advAuto="0" spid="274" grpId="3"/>
+      <p:bldP build="p" bldLvl="5" animBg="1" rev="0" advAuto="0" spid="232" grpId="5"/>
+      <p:bldP build="whole" bldLvl="1" animBg="1" rev="0" advAuto="0" spid="268" grpId="1"/>
+      <p:bldP build="whole" bldLvl="1" animBg="1" rev="0" advAuto="0" spid="252" grpId="6"/>
+      <p:bldP build="whole" bldLvl="1" animBg="1" rev="0" advAuto="0" spid="277" grpId="4"/>
+      <p:bldP build="whole" bldLvl="1" animBg="1" rev="0" advAuto="0" spid="247" grpId="18"/>
+      <p:bldP build="whole" bldLvl="1" animBg="1" rev="0" advAuto="0" spid="244" grpId="8"/>
+      <p:bldP build="whole" bldLvl="1" animBg="1" rev="0" advAuto="0" spid="274" grpId="9"/>
+      <p:bldP build="whole" bldLvl="1" animBg="1" rev="0" advAuto="0" spid="277" grpId="11"/>
+      <p:bldP build="whole" bldLvl="1" animBg="1" rev="0" advAuto="0" spid="248" grpId="24"/>
+      <p:bldP build="whole" bldLvl="1" animBg="1" rev="0" advAuto="0" spid="257" grpId="22"/>
+      <p:bldP build="whole" bldLvl="1" animBg="1" rev="0" advAuto="0" spid="241" grpId="16"/>
       <p:bldP build="whole" bldLvl="1" animBg="1" rev="0" advAuto="0" spid="246" grpId="15"/>
       <p:bldP build="whole" bldLvl="1" animBg="1" rev="0" advAuto="0" spid="271" grpId="2"/>
+      <p:bldP build="whole" bldLvl="1" animBg="1" rev="0" advAuto="0" spid="251" grpId="13"/>
+      <p:bldP build="whole" bldLvl="1" animBg="1" rev="0" advAuto="0" spid="243" grpId="10"/>
       <p:bldP build="whole" bldLvl="1" animBg="1" rev="0" advAuto="0" spid="246" grpId="19"/>
-      <p:bldP build="whole" bldLvl="1" animBg="1" rev="0" advAuto="0" spid="274" grpId="3"/>
-      <p:bldP build="whole" bldLvl="1" animBg="1" rev="0" advAuto="0" spid="250" grpId="14"/>
+      <p:bldP build="whole" bldLvl="1" animBg="1" rev="0" advAuto="0" spid="251" grpId="17"/>
       <p:bldP build="whole" bldLvl="1" animBg="1" rev="0" advAuto="0" spid="271" grpId="7"/>
-      <p:bldP build="whole" bldLvl="1" animBg="1" rev="0" advAuto="0" spid="277" grpId="4"/>
-      <p:bldP build="whole" bldLvl="1" animBg="1" rev="0" advAuto="0" spid="257" grpId="22"/>
-      <p:bldP build="whole" bldLvl="1" animBg="1" rev="0" advAuto="0" spid="274" grpId="9"/>
       <p:bldP build="whole" bldLvl="1" animBg="1" rev="0" advAuto="0" spid="246" grpId="23"/>
-      <p:bldP build="whole" bldLvl="1" animBg="1" rev="0" advAuto="0" spid="248" grpId="24"/>
-      <p:bldP build="whole" bldLvl="1" animBg="1" rev="0" advAuto="0" spid="277" grpId="11"/>
-      <p:bldP build="whole" bldLvl="1" animBg="1" rev="0" advAuto="0" spid="245" grpId="20"/>
-      <p:bldP build="whole" bldLvl="1" animBg="1" rev="0" advAuto="0" spid="247" grpId="18"/>
-      <p:bldP build="whole" bldLvl="1" animBg="1" rev="0" advAuto="0" spid="244" grpId="8"/>
-      <p:bldP build="whole" bldLvl="1" animBg="1" rev="0" advAuto="0" spid="243" grpId="10"/>
-      <p:bldP build="whole" bldLvl="1" animBg="1" rev="0" advAuto="0" spid="251" grpId="13"/>
     </p:bldLst>
   </p:timing>
 </p:sld>
@@ -40498,17 +40498,17 @@
       </p:par>
     </p:tnLst>
     <p:bldLst>
-      <p:bldP build="whole" bldLvl="1" animBg="1" rev="0" advAuto="0" spid="325" grpId="7"/>
-      <p:bldP build="p" bldLvl="5" animBg="1" rev="0" advAuto="0" spid="283" grpId="11"/>
       <p:bldP build="whole" bldLvl="1" animBg="1" rev="0" advAuto="0" spid="322" grpId="5"/>
+      <p:bldP build="whole" bldLvl="1" animBg="1" rev="0" advAuto="0" spid="319" grpId="1"/>
       <p:bldP build="whole" bldLvl="1" animBg="1" rev="0" advAuto="0" spid="328" grpId="4"/>
       <p:bldP build="whole" bldLvl="1" animBg="1" rev="0" advAuto="0" spid="294" grpId="10"/>
+      <p:bldP build="p" bldLvl="5" animBg="1" rev="0" advAuto="0" spid="283" grpId="11"/>
+      <p:bldP build="whole" bldLvl="1" animBg="1" rev="0" advAuto="0" spid="328" grpId="9"/>
+      <p:bldP build="whole" bldLvl="1" animBg="1" rev="0" advAuto="0" spid="325" grpId="3"/>
+      <p:bldP build="whole" bldLvl="1" animBg="1" rev="0" advAuto="0" spid="298" grpId="8"/>
       <p:bldP build="whole" bldLvl="1" animBg="1" rev="0" advAuto="0" spid="303" grpId="6"/>
-      <p:bldP build="whole" bldLvl="1" animBg="1" rev="0" advAuto="0" spid="298" grpId="8"/>
-      <p:bldP build="whole" bldLvl="1" animBg="1" rev="0" advAuto="0" spid="325" grpId="3"/>
-      <p:bldP build="whole" bldLvl="1" animBg="1" rev="0" advAuto="0" spid="328" grpId="9"/>
-      <p:bldP build="whole" bldLvl="1" animBg="1" rev="0" advAuto="0" spid="319" grpId="1"/>
       <p:bldP build="whole" bldLvl="1" animBg="1" rev="0" advAuto="0" spid="322" grpId="2"/>
+      <p:bldP build="whole" bldLvl="1" animBg="1" rev="0" advAuto="0" spid="325" grpId="7"/>
     </p:bldLst>
   </p:timing>
 </p:sld>

--- a/Slides-RPR/2019-H1-DAA-L32-DynProg-MultiStage-Graphs.pptx
+++ b/Slides-RPR/2019-H1-DAA-L32-DynProg-MultiStage-Graphs.pptx
@@ -2125,7 +2125,7 @@
       </p:grpSpPr>
       <p:sp>
         <p:nvSpPr>
-          <p:cNvPr id="42" name="Design and Analysis of Algorithms   L31: Multi-Stage Graphs…"/>
+          <p:cNvPr id="42" name="Design and Analysis of Algorithms   L32: Multi-Stage Graphs…"/>
           <p:cNvSpPr txBox="1"/>
           <p:nvPr>
             <p:ph type="title"/>
@@ -2201,7 +2201,7 @@
                 <a:cs typeface="Arial"/>
                 <a:sym typeface="Arial"/>
               </a:rPr>
-              <a:t>L31: Multi-Stage Graphs</a:t>
+              <a:t>L32: Multi-Stage Graphs</a:t>
             </a:r>
             <a:endParaRPr>
               <a:latin typeface="Arial"/>
@@ -3740,9 +3740,9 @@
       </p:par>
     </p:tnLst>
     <p:bldLst>
+      <p:bldP build="whole" bldLvl="1" animBg="1" rev="0" advAuto="0" spid="342" grpId="1"/>
       <p:bldP build="whole" bldLvl="1" animBg="1" rev="0" advAuto="0" spid="341" grpId="2"/>
       <p:bldP build="p" bldLvl="5" animBg="1" rev="0" advAuto="0" spid="337" grpId="3"/>
-      <p:bldP build="whole" bldLvl="1" animBg="1" rev="0" advAuto="0" spid="342" grpId="1"/>
     </p:bldLst>
   </p:timing>
 </p:sld>
@@ -13350,8 +13350,8 @@
       </p:par>
     </p:tnLst>
     <p:bldLst>
+      <p:bldP build="p" bldLvl="5" animBg="1" rev="0" advAuto="0" spid="378" grpId="2"/>
       <p:bldP build="p" bldLvl="5" animBg="1" rev="0" advAuto="0" spid="373" grpId="1"/>
-      <p:bldP build="p" bldLvl="5" animBg="1" rev="0" advAuto="0" spid="378" grpId="2"/>
     </p:bldLst>
   </p:timing>
 </p:sld>
@@ -21420,85 +21420,85 @@
       </p:par>
     </p:tnLst>
     <p:bldLst>
+      <p:bldP build="whole" bldLvl="1" animBg="1" rev="0" advAuto="0" spid="426" grpId="37"/>
+      <p:bldP build="whole" bldLvl="1" animBg="1" rev="0" advAuto="0" spid="462" grpId="51"/>
+      <p:bldP build="whole" bldLvl="1" animBg="1" rev="0" advAuto="0" spid="462" grpId="52"/>
+      <p:bldP build="whole" bldLvl="1" animBg="1" rev="0" advAuto="0" spid="426" grpId="38"/>
+      <p:bldP build="whole" bldLvl="1" animBg="1" rev="0" advAuto="0" spid="425" grpId="34"/>
+      <p:bldP build="whole" bldLvl="1" animBg="1" rev="0" advAuto="0" spid="409" grpId="11"/>
+      <p:bldP build="whole" bldLvl="1" animBg="1" rev="0" advAuto="0" spid="446" grpId="35"/>
+      <p:bldP build="whole" bldLvl="1" animBg="1" rev="0" advAuto="0" spid="422" grpId="31"/>
       <p:bldP build="whole" bldLvl="1" animBg="1" rev="0" advAuto="0" spid="387" grpId="4"/>
-      <p:bldP build="whole" bldLvl="1" animBg="1" rev="0" advAuto="0" spid="424" grpId="33"/>
+      <p:bldP build="whole" bldLvl="1" animBg="1" rev="0" advAuto="0" spid="448" grpId="66"/>
+      <p:bldP build="whole" bldLvl="1" animBg="1" rev="0" advAuto="0" spid="388" grpId="6"/>
+      <p:bldP build="whole" bldLvl="1" animBg="1" rev="0" advAuto="0" spid="411" grpId="18"/>
+      <p:bldP build="whole" bldLvl="1" animBg="1" rev="0" advAuto="0" spid="433" grpId="47"/>
+      <p:bldP build="whole" bldLvl="1" animBg="1" rev="0" advAuto="0" spid="391" grpId="12"/>
+      <p:bldP build="whole" bldLvl="1" animBg="1" rev="0" advAuto="0" spid="433" grpId="48"/>
+      <p:bldP build="whole" bldLvl="1" animBg="1" rev="0" advAuto="0" spid="389" grpId="8"/>
+      <p:bldP build="whole" bldLvl="1" animBg="1" rev="0" advAuto="0" spid="393" grpId="14"/>
+      <p:bldP build="whole" bldLvl="1" animBg="1" rev="0" advAuto="0" spid="460" grpId="63"/>
+      <p:bldP build="whole" bldLvl="1" animBg="1" rev="0" advAuto="0" spid="414" grpId="21"/>
+      <p:bldP build="whole" bldLvl="1" animBg="1" rev="0" advAuto="0" spid="460" grpId="64"/>
+      <p:bldP build="whole" bldLvl="1" animBg="1" rev="0" advAuto="0" spid="439" grpId="71"/>
+      <p:bldP build="whole" bldLvl="1" animBg="1" rev="0" advAuto="0" spid="444" grpId="76"/>
+      <p:bldP build="whole" bldLvl="1" animBg="1" rev="0" advAuto="0" spid="445" grpId="77"/>
+      <p:bldP build="whole" bldLvl="1" animBg="1" rev="0" advAuto="0" spid="456" grpId="54"/>
+      <p:bldP build="whole" bldLvl="1" animBg="1" rev="0" advAuto="0" spid="394" grpId="15"/>
+      <p:bldP build="whole" bldLvl="1" animBg="1" rev="0" advAuto="0" spid="417" grpId="24"/>
+      <p:bldP build="whole" bldLvl="1" animBg="1" rev="0" advAuto="0" spid="459" grpId="61"/>
+      <p:bldP build="whole" bldLvl="1" animBg="1" rev="0" advAuto="0" spid="459" grpId="62"/>
+      <p:bldP build="whole" bldLvl="1" animBg="1" rev="0" advAuto="0" spid="421" grpId="30"/>
+      <p:bldP build="whole" bldLvl="1" animBg="1" rev="0" advAuto="0" spid="451" grpId="36"/>
+      <p:bldP build="whole" bldLvl="1" animBg="1" rev="0" advAuto="0" spid="395" grpId="16"/>
       <p:bldP build="whole" bldLvl="1" animBg="1" rev="0" advAuto="0" spid="400" grpId="3"/>
-      <p:bldP build="whole" bldLvl="1" animBg="1" rev="0" advAuto="0" spid="421" grpId="30"/>
-      <p:bldP build="whole" bldLvl="1" animBg="1" rev="0" advAuto="0" spid="461" grpId="65"/>
+      <p:bldP build="whole" bldLvl="1" animBg="1" rev="0" advAuto="0" spid="386" grpId="2"/>
+      <p:bldP build="whole" bldLvl="1" animBg="1" rev="0" advAuto="0" spid="432" grpId="46"/>
+      <p:bldP build="whole" bldLvl="1" animBg="1" rev="0" advAuto="0" spid="453" grpId="45"/>
+      <p:bldP build="whole" bldLvl="1" animBg="1" rev="0" advAuto="0" spid="380" grpId="40"/>
+      <p:bldP build="whole" bldLvl="1" animBg="1" rev="0" advAuto="0" spid="397" grpId="1"/>
+      <p:bldP build="whole" bldLvl="1" animBg="1" rev="0" advAuto="0" spid="415" grpId="22"/>
+      <p:bldP build="whole" bldLvl="1" animBg="1" rev="0" advAuto="0" spid="390" grpId="10"/>
+      <p:bldP build="whole" bldLvl="1" animBg="1" rev="0" advAuto="0" spid="380" grpId="39"/>
+      <p:bldP build="whole" bldLvl="1" animBg="1" rev="0" advAuto="0" spid="436" grpId="68"/>
+      <p:bldP build="whole" bldLvl="1" animBg="1" rev="0" advAuto="0" spid="443" grpId="75"/>
+      <p:bldP build="whole" bldLvl="1" animBg="1" rev="0" advAuto="0" spid="392" grpId="13"/>
+      <p:bldP build="whole" bldLvl="1" animBg="1" rev="0" advAuto="0" spid="412" grpId="19"/>
+      <p:bldP build="whole" bldLvl="1" animBg="1" rev="0" advAuto="0" spid="406" grpId="9"/>
+      <p:bldP build="whole" bldLvl="1" animBg="1" rev="0" advAuto="0" spid="430" grpId="5"/>
+      <p:bldP build="whole" bldLvl="1" animBg="1" rev="0" advAuto="0" spid="455" grpId="53"/>
       <p:bldP build="whole" bldLvl="1" animBg="1" rev="0" advAuto="0" spid="458" grpId="59"/>
       <p:bldP build="whole" bldLvl="1" animBg="1" rev="0" advAuto="0" spid="458" grpId="60"/>
+      <p:bldP build="whole" bldLvl="1" animBg="1" rev="0" advAuto="0" spid="461" grpId="65"/>
+      <p:bldP build="whole" bldLvl="1" animBg="1" rev="0" advAuto="0" spid="437" grpId="69"/>
+      <p:bldP build="whole" bldLvl="1" animBg="1" rev="0" advAuto="0" spid="419" grpId="26"/>
+      <p:bldP build="whole" bldLvl="1" animBg="1" rev="0" advAuto="0" spid="423" grpId="32"/>
+      <p:bldP build="whole" bldLvl="1" animBg="1" rev="0" advAuto="0" spid="410" grpId="17"/>
+      <p:bldP build="whole" bldLvl="1" animBg="1" rev="0" advAuto="0" spid="449" grpId="43"/>
+      <p:bldP build="whole" bldLvl="1" animBg="1" rev="0" advAuto="0" spid="457" grpId="55"/>
+      <p:bldP build="whole" bldLvl="1" animBg="1" rev="0" advAuto="0" spid="440" grpId="72"/>
+      <p:bldP build="whole" bldLvl="1" animBg="1" rev="0" advAuto="0" spid="453" grpId="79"/>
       <p:bldP build="whole" bldLvl="1" animBg="1" rev="0" advAuto="0" spid="435" grpId="57"/>
+      <p:bldP build="whole" bldLvl="1" animBg="1" rev="0" advAuto="0" spid="418" grpId="25"/>
+      <p:bldP build="whole" bldLvl="1" animBg="1" rev="0" advAuto="0" spid="447" grpId="56"/>
+      <p:bldP build="whole" bldLvl="1" animBg="1" rev="0" advAuto="0" spid="435" grpId="58"/>
+      <p:bldP build="whole" bldLvl="1" animBg="1" rev="0" advAuto="0" spid="442" grpId="74"/>
+      <p:bldP build="whole" bldLvl="1" animBg="1" rev="0" advAuto="0" spid="454" grpId="44"/>
+      <p:bldP build="whole" bldLvl="1" animBg="1" rev="0" advAuto="0" spid="441" grpId="73"/>
+      <p:bldP build="whole" bldLvl="1" animBg="1" rev="0" advAuto="0" spid="431" grpId="41"/>
+      <p:bldP build="whole" bldLvl="1" animBg="1" rev="0" advAuto="0" spid="396" grpId="67"/>
+      <p:bldP build="whole" bldLvl="1" animBg="1" rev="0" advAuto="0" spid="413" grpId="20"/>
+      <p:bldP build="whole" bldLvl="1" animBg="1" rev="0" advAuto="0" spid="416" grpId="23"/>
       <p:bldP build="whole" bldLvl="1" animBg="1" rev="0" advAuto="0" spid="452" grpId="27"/>
       <p:bldP build="whole" bldLvl="1" animBg="1" rev="0" advAuto="0" spid="452" grpId="28"/>
-      <p:bldP build="whole" bldLvl="1" animBg="1" rev="0" advAuto="0" spid="454" grpId="44"/>
-      <p:bldP build="whole" bldLvl="1" animBg="1" rev="0" advAuto="0" spid="435" grpId="58"/>
-      <p:bldP build="whole" bldLvl="1" animBg="1" rev="0" advAuto="0" spid="459" grpId="61"/>
-      <p:bldP build="whole" bldLvl="1" animBg="1" rev="0" advAuto="0" spid="459" grpId="62"/>
-      <p:bldP build="whole" bldLvl="1" animBg="1" rev="0" advAuto="0" spid="448" grpId="66"/>
+      <p:bldP build="whole" bldLvl="1" animBg="1" rev="0" advAuto="0" spid="403" grpId="7"/>
       <p:bldP build="whole" bldLvl="1" animBg="1" rev="0" advAuto="0" spid="438" grpId="70"/>
-      <p:bldP build="whole" bldLvl="1" animBg="1" rev="0" advAuto="0" spid="411" grpId="18"/>
-      <p:bldP build="whole" bldLvl="1" animBg="1" rev="0" advAuto="0" spid="406" grpId="9"/>
-      <p:bldP build="whole" bldLvl="1" animBg="1" rev="0" advAuto="0" spid="425" grpId="34"/>
-      <p:bldP build="whole" bldLvl="1" animBg="1" rev="0" advAuto="0" spid="419" grpId="26"/>
-      <p:bldP build="whole" bldLvl="1" animBg="1" rev="0" advAuto="0" spid="451" grpId="36"/>
-      <p:bldP build="whole" bldLvl="1" animBg="1" rev="0" advAuto="0" spid="388" grpId="6"/>
-      <p:bldP build="whole" bldLvl="1" animBg="1" rev="0" advAuto="0" spid="410" grpId="17"/>
-      <p:bldP build="whole" bldLvl="1" animBg="1" rev="0" advAuto="0" spid="453" grpId="79"/>
-      <p:bldP build="whole" bldLvl="1" animBg="1" rev="0" advAuto="0" spid="441" grpId="73"/>
-      <p:bldP build="whole" bldLvl="1" animBg="1" rev="0" advAuto="0" spid="415" grpId="22"/>
-      <p:bldP build="whole" bldLvl="1" animBg="1" rev="0" advAuto="0" spid="436" grpId="68"/>
-      <p:bldP build="whole" bldLvl="1" animBg="1" rev="0" advAuto="0" spid="395" grpId="16"/>
-      <p:bldP build="whole" bldLvl="1" animBg="1" rev="0" advAuto="0" spid="431" grpId="41"/>
-      <p:bldP build="whole" bldLvl="1" animBg="1" rev="0" advAuto="0" spid="380" grpId="39"/>
-      <p:bldP build="whole" bldLvl="1" animBg="1" rev="0" advAuto="0" spid="380" grpId="40"/>
-      <p:bldP build="whole" bldLvl="1" animBg="1" rev="0" advAuto="0" spid="409" grpId="11"/>
-      <p:bldP build="whole" bldLvl="1" animBg="1" rev="0" advAuto="0" spid="439" grpId="71"/>
-      <p:bldP build="whole" bldLvl="1" animBg="1" rev="0" advAuto="0" spid="412" grpId="19"/>
-      <p:bldP build="whole" bldLvl="1" animBg="1" rev="0" advAuto="0" spid="390" grpId="10"/>
-      <p:bldP build="whole" bldLvl="1" animBg="1" rev="0" advAuto="0" spid="462" grpId="51"/>
-      <p:bldP build="whole" bldLvl="1" animBg="1" rev="0" advAuto="0" spid="462" grpId="52"/>
-      <p:bldP build="whole" bldLvl="1" animBg="1" rev="0" advAuto="0" spid="389" grpId="8"/>
-      <p:bldP build="whole" bldLvl="1" animBg="1" rev="0" advAuto="0" spid="440" grpId="72"/>
-      <p:bldP build="whole" bldLvl="1" animBg="1" rev="0" advAuto="0" spid="426" grpId="37"/>
-      <p:bldP build="whole" bldLvl="1" animBg="1" rev="0" advAuto="0" spid="426" grpId="38"/>
-      <p:bldP build="whole" bldLvl="1" animBg="1" rev="0" advAuto="0" spid="460" grpId="63"/>
-      <p:bldP build="whole" bldLvl="1" animBg="1" rev="0" advAuto="0" spid="392" grpId="13"/>
-      <p:bldP build="whole" bldLvl="1" animBg="1" rev="0" advAuto="0" spid="460" grpId="64"/>
-      <p:bldP build="whole" bldLvl="1" animBg="1" rev="0" advAuto="0" spid="394" grpId="15"/>
-      <p:bldP build="whole" bldLvl="1" animBg="1" rev="0" advAuto="0" spid="418" grpId="25"/>
-      <p:bldP build="whole" bldLvl="1" animBg="1" rev="0" advAuto="0" spid="393" grpId="14"/>
-      <p:bldP build="whole" bldLvl="1" animBg="1" rev="0" advAuto="0" spid="437" grpId="69"/>
-      <p:bldP build="whole" bldLvl="1" animBg="1" rev="0" advAuto="0" spid="445" grpId="77"/>
-      <p:bldP build="whole" bldLvl="1" animBg="1" rev="0" advAuto="0" spid="433" grpId="47"/>
-      <p:bldP build="whole" bldLvl="1" animBg="1" rev="0" advAuto="0" spid="433" grpId="48"/>
-      <p:bldP build="whole" bldLvl="1" animBg="1" rev="0" advAuto="0" spid="422" grpId="31"/>
-      <p:bldP build="whole" bldLvl="1" animBg="1" rev="0" advAuto="0" spid="432" grpId="46"/>
-      <p:bldP build="whole" bldLvl="1" animBg="1" rev="0" advAuto="0" spid="397" grpId="1"/>
-      <p:bldP build="whole" bldLvl="1" animBg="1" rev="0" advAuto="0" spid="391" grpId="12"/>
-      <p:bldP build="whole" bldLvl="1" animBg="1" rev="0" advAuto="0" spid="403" grpId="7"/>
-      <p:bldP build="whole" bldLvl="1" animBg="1" rev="0" advAuto="0" spid="442" grpId="74"/>
-      <p:bldP build="whole" bldLvl="1" animBg="1" rev="0" advAuto="0" spid="447" grpId="56"/>
-      <p:bldP build="whole" bldLvl="1" animBg="1" rev="0" advAuto="0" spid="455" grpId="53"/>
-      <p:bldP build="whole" bldLvl="1" animBg="1" rev="0" advAuto="0" spid="446" grpId="35"/>
-      <p:bldP build="whole" bldLvl="1" animBg="1" rev="0" advAuto="0" spid="396" grpId="67"/>
-      <p:bldP build="whole" bldLvl="1" animBg="1" rev="0" advAuto="0" spid="386" grpId="2"/>
-      <p:bldP build="whole" bldLvl="1" animBg="1" rev="0" advAuto="0" spid="443" grpId="75"/>
+      <p:bldP build="whole" bldLvl="1" animBg="1" rev="0" advAuto="0" spid="450" grpId="78"/>
       <p:bldP build="whole" bldLvl="1" animBg="1" rev="0" advAuto="0" spid="427" grpId="42"/>
-      <p:bldP build="whole" bldLvl="1" animBg="1" rev="0" advAuto="0" spid="444" grpId="76"/>
-      <p:bldP build="whole" bldLvl="1" animBg="1" rev="0" advAuto="0" spid="413" grpId="20"/>
-      <p:bldP build="whole" bldLvl="1" animBg="1" rev="0" advAuto="0" spid="430" grpId="5"/>
+      <p:bldP build="whole" bldLvl="1" animBg="1" rev="0" advAuto="0" spid="420" grpId="29"/>
       <p:bldP build="whole" bldLvl="1" animBg="1" rev="0" advAuto="0" spid="434" grpId="49"/>
       <p:bldP build="whole" bldLvl="1" animBg="1" rev="0" advAuto="0" spid="434" grpId="50"/>
-      <p:bldP build="whole" bldLvl="1" animBg="1" rev="0" advAuto="0" spid="456" grpId="54"/>
-      <p:bldP build="whole" bldLvl="1" animBg="1" rev="0" advAuto="0" spid="449" grpId="43"/>
-      <p:bldP build="whole" bldLvl="1" animBg="1" rev="0" advAuto="0" spid="423" grpId="32"/>
-      <p:bldP build="whole" bldLvl="1" animBg="1" rev="0" advAuto="0" spid="420" grpId="29"/>
-      <p:bldP build="whole" bldLvl="1" animBg="1" rev="0" advAuto="0" spid="457" grpId="55"/>
-      <p:bldP build="whole" bldLvl="1" animBg="1" rev="0" advAuto="0" spid="450" grpId="78"/>
-      <p:bldP build="whole" bldLvl="1" animBg="1" rev="0" advAuto="0" spid="453" grpId="45"/>
-      <p:bldP build="whole" bldLvl="1" animBg="1" rev="0" advAuto="0" spid="417" grpId="24"/>
-      <p:bldP build="whole" bldLvl="1" animBg="1" rev="0" advAuto="0" spid="414" grpId="21"/>
-      <p:bldP build="whole" bldLvl="1" animBg="1" rev="0" advAuto="0" spid="416" grpId="23"/>
+      <p:bldP build="whole" bldLvl="1" animBg="1" rev="0" advAuto="0" spid="424" grpId="33"/>
     </p:bldLst>
   </p:timing>
 </p:sld>
@@ -23788,7 +23788,52 @@
         </p:nvSpPr>
         <p:spPr>
           <a:xfrm>
-            <a:off x="928638" y="3419750"/>
+            <a:off x="895381" y="4417459"/>
+            <a:ext cx="580049" cy="616813"/>
+          </a:xfrm>
+          <a:prstGeom prst="ellipse">
+            <a:avLst/>
+          </a:prstGeom>
+          <a:ln w="25400">
+            <a:solidFill>
+              <a:srgbClr val="000000"/>
+            </a:solidFill>
+          </a:ln>
+          <a:extLst>
+            <a:ext uri="{C572A759-6A51-4108-AA02-DFA0A04FC94B}">
+              <ma14:wrappingTextBoxFlag xmlns:ma14="http://schemas.microsoft.com/office/mac/drawingml/2011/main" val="1"/>
+            </a:ext>
+          </a:extLst>
+        </p:spPr>
+        <p:txBody>
+          <a:bodyPr lIns="50800" tIns="50800" rIns="50800" bIns="50800" anchor="ctr"/>
+          <a:lstStyle>
+            <a:lvl1pPr algn="ctr">
+              <a:defRPr sz="2600">
+                <a:latin typeface="Arial"/>
+                <a:ea typeface="Arial"/>
+                <a:cs typeface="Arial"/>
+                <a:sym typeface="Arial"/>
+              </a:defRPr>
+            </a:lvl1pPr>
+          </a:lstStyle>
+          <a:p>
+            <a:pPr/>
+            <a:r>
+              <a:t>1</a:t>
+            </a:r>
+          </a:p>
+        </p:txBody>
+      </p:sp>
+      <p:sp>
+        <p:nvSpPr>
+          <p:cNvPr id="481" name="2"/>
+          <p:cNvSpPr/>
+          <p:nvPr/>
+        </p:nvSpPr>
+        <p:spPr>
+          <a:xfrm>
+            <a:off x="2708670" y="3361823"/>
             <a:ext cx="580049" cy="616814"/>
           </a:xfrm>
           <a:prstGeom prst="ellipse">
@@ -23820,20 +23865,200 @@
           <a:p>
             <a:pPr/>
             <a:r>
-              <a:t>1</a:t>
+              <a:t>2</a:t>
             </a:r>
           </a:p>
         </p:txBody>
       </p:sp>
       <p:sp>
         <p:nvSpPr>
-          <p:cNvPr id="481" name="2"/>
+          <p:cNvPr id="482" name="3"/>
           <p:cNvSpPr/>
           <p:nvPr/>
         </p:nvSpPr>
         <p:spPr>
           <a:xfrm>
-            <a:off x="2741927" y="2364114"/>
+            <a:off x="2708670" y="5342626"/>
+            <a:ext cx="580049" cy="616813"/>
+          </a:xfrm>
+          <a:prstGeom prst="ellipse">
+            <a:avLst/>
+          </a:prstGeom>
+          <a:ln w="25400">
+            <a:solidFill>
+              <a:srgbClr val="000000"/>
+            </a:solidFill>
+          </a:ln>
+          <a:extLst>
+            <a:ext uri="{C572A759-6A51-4108-AA02-DFA0A04FC94B}">
+              <ma14:wrappingTextBoxFlag xmlns:ma14="http://schemas.microsoft.com/office/mac/drawingml/2011/main" val="1"/>
+            </a:ext>
+          </a:extLst>
+        </p:spPr>
+        <p:txBody>
+          <a:bodyPr lIns="50800" tIns="50800" rIns="50800" bIns="50800" anchor="ctr"/>
+          <a:lstStyle>
+            <a:lvl1pPr algn="ctr">
+              <a:defRPr sz="2600">
+                <a:latin typeface="Arial"/>
+                <a:ea typeface="Arial"/>
+                <a:cs typeface="Arial"/>
+                <a:sym typeface="Arial"/>
+              </a:defRPr>
+            </a:lvl1pPr>
+          </a:lstStyle>
+          <a:p>
+            <a:pPr/>
+            <a:r>
+              <a:t>3</a:t>
+            </a:r>
+          </a:p>
+        </p:txBody>
+      </p:sp>
+      <p:sp>
+        <p:nvSpPr>
+          <p:cNvPr id="483" name="4"/>
+          <p:cNvSpPr/>
+          <p:nvPr/>
+        </p:nvSpPr>
+        <p:spPr>
+          <a:xfrm>
+            <a:off x="4547618" y="2449271"/>
+            <a:ext cx="580049" cy="616813"/>
+          </a:xfrm>
+          <a:prstGeom prst="ellipse">
+            <a:avLst/>
+          </a:prstGeom>
+          <a:ln w="25400">
+            <a:solidFill>
+              <a:srgbClr val="000000"/>
+            </a:solidFill>
+          </a:ln>
+          <a:extLst>
+            <a:ext uri="{C572A759-6A51-4108-AA02-DFA0A04FC94B}">
+              <ma14:wrappingTextBoxFlag xmlns:ma14="http://schemas.microsoft.com/office/mac/drawingml/2011/main" val="1"/>
+            </a:ext>
+          </a:extLst>
+        </p:spPr>
+        <p:txBody>
+          <a:bodyPr lIns="50800" tIns="50800" rIns="50800" bIns="50800" anchor="ctr"/>
+          <a:lstStyle>
+            <a:lvl1pPr algn="ctr">
+              <a:defRPr sz="2600">
+                <a:latin typeface="Arial"/>
+                <a:ea typeface="Arial"/>
+                <a:cs typeface="Arial"/>
+                <a:sym typeface="Arial"/>
+              </a:defRPr>
+            </a:lvl1pPr>
+          </a:lstStyle>
+          <a:p>
+            <a:pPr/>
+            <a:r>
+              <a:t>4</a:t>
+            </a:r>
+          </a:p>
+        </p:txBody>
+      </p:sp>
+      <p:sp>
+        <p:nvSpPr>
+          <p:cNvPr id="484" name="5"/>
+          <p:cNvSpPr/>
+          <p:nvPr/>
+        </p:nvSpPr>
+        <p:spPr>
+          <a:xfrm>
+            <a:off x="4547618" y="4417459"/>
+            <a:ext cx="580049" cy="616813"/>
+          </a:xfrm>
+          <a:prstGeom prst="ellipse">
+            <a:avLst/>
+          </a:prstGeom>
+          <a:ln w="25400">
+            <a:solidFill>
+              <a:srgbClr val="000000"/>
+            </a:solidFill>
+          </a:ln>
+          <a:extLst>
+            <a:ext uri="{C572A759-6A51-4108-AA02-DFA0A04FC94B}">
+              <ma14:wrappingTextBoxFlag xmlns:ma14="http://schemas.microsoft.com/office/mac/drawingml/2011/main" val="1"/>
+            </a:ext>
+          </a:extLst>
+        </p:spPr>
+        <p:txBody>
+          <a:bodyPr lIns="50800" tIns="50800" rIns="50800" bIns="50800" anchor="ctr"/>
+          <a:lstStyle>
+            <a:lvl1pPr algn="ctr">
+              <a:defRPr sz="2600">
+                <a:latin typeface="Arial"/>
+                <a:ea typeface="Arial"/>
+                <a:cs typeface="Arial"/>
+                <a:sym typeface="Arial"/>
+              </a:defRPr>
+            </a:lvl1pPr>
+          </a:lstStyle>
+          <a:p>
+            <a:pPr/>
+            <a:r>
+              <a:t>5</a:t>
+            </a:r>
+          </a:p>
+        </p:txBody>
+      </p:sp>
+      <p:sp>
+        <p:nvSpPr>
+          <p:cNvPr id="485" name="6"/>
+          <p:cNvSpPr/>
+          <p:nvPr/>
+        </p:nvSpPr>
+        <p:spPr>
+          <a:xfrm>
+            <a:off x="4547618" y="6195876"/>
+            <a:ext cx="580049" cy="616813"/>
+          </a:xfrm>
+          <a:prstGeom prst="ellipse">
+            <a:avLst/>
+          </a:prstGeom>
+          <a:ln w="25400">
+            <a:solidFill>
+              <a:srgbClr val="000000"/>
+            </a:solidFill>
+          </a:ln>
+          <a:extLst>
+            <a:ext uri="{C572A759-6A51-4108-AA02-DFA0A04FC94B}">
+              <ma14:wrappingTextBoxFlag xmlns:ma14="http://schemas.microsoft.com/office/mac/drawingml/2011/main" val="1"/>
+            </a:ext>
+          </a:extLst>
+        </p:spPr>
+        <p:txBody>
+          <a:bodyPr lIns="50800" tIns="50800" rIns="50800" bIns="50800" anchor="ctr"/>
+          <a:lstStyle>
+            <a:lvl1pPr algn="ctr">
+              <a:defRPr sz="2600">
+                <a:latin typeface="Arial"/>
+                <a:ea typeface="Arial"/>
+                <a:cs typeface="Arial"/>
+                <a:sym typeface="Arial"/>
+              </a:defRPr>
+            </a:lvl1pPr>
+          </a:lstStyle>
+          <a:p>
+            <a:pPr/>
+            <a:r>
+              <a:t>6</a:t>
+            </a:r>
+          </a:p>
+        </p:txBody>
+      </p:sp>
+      <p:sp>
+        <p:nvSpPr>
+          <p:cNvPr id="486" name="7"/>
+          <p:cNvSpPr/>
+          <p:nvPr/>
+        </p:nvSpPr>
+        <p:spPr>
+          <a:xfrm>
+            <a:off x="6825719" y="3361823"/>
             <a:ext cx="580049" cy="616814"/>
           </a:xfrm>
           <a:prstGeom prst="ellipse">
@@ -23865,21 +24090,21 @@
           <a:p>
             <a:pPr/>
             <a:r>
-              <a:t>2</a:t>
+              <a:t>7</a:t>
             </a:r>
           </a:p>
         </p:txBody>
       </p:sp>
       <p:sp>
         <p:nvSpPr>
-          <p:cNvPr id="482" name="3"/>
+          <p:cNvPr id="487" name="8"/>
           <p:cNvSpPr/>
           <p:nvPr/>
         </p:nvSpPr>
         <p:spPr>
           <a:xfrm>
-            <a:off x="2741927" y="4344917"/>
-            <a:ext cx="580049" cy="616814"/>
+            <a:off x="6825719" y="5342626"/>
+            <a:ext cx="580049" cy="616813"/>
           </a:xfrm>
           <a:prstGeom prst="ellipse">
             <a:avLst/>
@@ -23910,21 +24135,21 @@
           <a:p>
             <a:pPr/>
             <a:r>
-              <a:t>3</a:t>
+              <a:t>8</a:t>
             </a:r>
           </a:p>
         </p:txBody>
       </p:sp>
       <p:sp>
         <p:nvSpPr>
-          <p:cNvPr id="483" name="4"/>
+          <p:cNvPr id="488" name="9"/>
           <p:cNvSpPr/>
           <p:nvPr/>
         </p:nvSpPr>
         <p:spPr>
           <a:xfrm>
-            <a:off x="4580875" y="1451562"/>
-            <a:ext cx="580049" cy="616814"/>
+            <a:off x="8787880" y="4417459"/>
+            <a:ext cx="580049" cy="616813"/>
           </a:xfrm>
           <a:prstGeom prst="ellipse">
             <a:avLst/>
@@ -23955,231 +24180,6 @@
           <a:p>
             <a:pPr/>
             <a:r>
-              <a:t>4</a:t>
-            </a:r>
-          </a:p>
-        </p:txBody>
-      </p:sp>
-      <p:sp>
-        <p:nvSpPr>
-          <p:cNvPr id="484" name="5"/>
-          <p:cNvSpPr/>
-          <p:nvPr/>
-        </p:nvSpPr>
-        <p:spPr>
-          <a:xfrm>
-            <a:off x="4580875" y="3419750"/>
-            <a:ext cx="580049" cy="616814"/>
-          </a:xfrm>
-          <a:prstGeom prst="ellipse">
-            <a:avLst/>
-          </a:prstGeom>
-          <a:ln w="25400">
-            <a:solidFill>
-              <a:srgbClr val="000000"/>
-            </a:solidFill>
-          </a:ln>
-          <a:extLst>
-            <a:ext uri="{C572A759-6A51-4108-AA02-DFA0A04FC94B}">
-              <ma14:wrappingTextBoxFlag xmlns:ma14="http://schemas.microsoft.com/office/mac/drawingml/2011/main" val="1"/>
-            </a:ext>
-          </a:extLst>
-        </p:spPr>
-        <p:txBody>
-          <a:bodyPr lIns="50800" tIns="50800" rIns="50800" bIns="50800" anchor="ctr"/>
-          <a:lstStyle>
-            <a:lvl1pPr algn="ctr">
-              <a:defRPr sz="2600">
-                <a:latin typeface="Arial"/>
-                <a:ea typeface="Arial"/>
-                <a:cs typeface="Arial"/>
-                <a:sym typeface="Arial"/>
-              </a:defRPr>
-            </a:lvl1pPr>
-          </a:lstStyle>
-          <a:p>
-            <a:pPr/>
-            <a:r>
-              <a:t>5</a:t>
-            </a:r>
-          </a:p>
-        </p:txBody>
-      </p:sp>
-      <p:sp>
-        <p:nvSpPr>
-          <p:cNvPr id="485" name="6"/>
-          <p:cNvSpPr/>
-          <p:nvPr/>
-        </p:nvSpPr>
-        <p:spPr>
-          <a:xfrm>
-            <a:off x="4580875" y="5198167"/>
-            <a:ext cx="580049" cy="616814"/>
-          </a:xfrm>
-          <a:prstGeom prst="ellipse">
-            <a:avLst/>
-          </a:prstGeom>
-          <a:ln w="25400">
-            <a:solidFill>
-              <a:srgbClr val="000000"/>
-            </a:solidFill>
-          </a:ln>
-          <a:extLst>
-            <a:ext uri="{C572A759-6A51-4108-AA02-DFA0A04FC94B}">
-              <ma14:wrappingTextBoxFlag xmlns:ma14="http://schemas.microsoft.com/office/mac/drawingml/2011/main" val="1"/>
-            </a:ext>
-          </a:extLst>
-        </p:spPr>
-        <p:txBody>
-          <a:bodyPr lIns="50800" tIns="50800" rIns="50800" bIns="50800" anchor="ctr"/>
-          <a:lstStyle>
-            <a:lvl1pPr algn="ctr">
-              <a:defRPr sz="2600">
-                <a:latin typeface="Arial"/>
-                <a:ea typeface="Arial"/>
-                <a:cs typeface="Arial"/>
-                <a:sym typeface="Arial"/>
-              </a:defRPr>
-            </a:lvl1pPr>
-          </a:lstStyle>
-          <a:p>
-            <a:pPr/>
-            <a:r>
-              <a:t>6</a:t>
-            </a:r>
-          </a:p>
-        </p:txBody>
-      </p:sp>
-      <p:sp>
-        <p:nvSpPr>
-          <p:cNvPr id="486" name="7"/>
-          <p:cNvSpPr/>
-          <p:nvPr/>
-        </p:nvSpPr>
-        <p:spPr>
-          <a:xfrm>
-            <a:off x="6858976" y="2364114"/>
-            <a:ext cx="580049" cy="616814"/>
-          </a:xfrm>
-          <a:prstGeom prst="ellipse">
-            <a:avLst/>
-          </a:prstGeom>
-          <a:ln w="25400">
-            <a:solidFill>
-              <a:srgbClr val="000000"/>
-            </a:solidFill>
-          </a:ln>
-          <a:extLst>
-            <a:ext uri="{C572A759-6A51-4108-AA02-DFA0A04FC94B}">
-              <ma14:wrappingTextBoxFlag xmlns:ma14="http://schemas.microsoft.com/office/mac/drawingml/2011/main" val="1"/>
-            </a:ext>
-          </a:extLst>
-        </p:spPr>
-        <p:txBody>
-          <a:bodyPr lIns="50800" tIns="50800" rIns="50800" bIns="50800" anchor="ctr"/>
-          <a:lstStyle>
-            <a:lvl1pPr algn="ctr">
-              <a:defRPr sz="2600">
-                <a:latin typeface="Arial"/>
-                <a:ea typeface="Arial"/>
-                <a:cs typeface="Arial"/>
-                <a:sym typeface="Arial"/>
-              </a:defRPr>
-            </a:lvl1pPr>
-          </a:lstStyle>
-          <a:p>
-            <a:pPr/>
-            <a:r>
-              <a:t>7</a:t>
-            </a:r>
-          </a:p>
-        </p:txBody>
-      </p:sp>
-      <p:sp>
-        <p:nvSpPr>
-          <p:cNvPr id="487" name="8"/>
-          <p:cNvSpPr/>
-          <p:nvPr/>
-        </p:nvSpPr>
-        <p:spPr>
-          <a:xfrm>
-            <a:off x="6858976" y="4344917"/>
-            <a:ext cx="580049" cy="616814"/>
-          </a:xfrm>
-          <a:prstGeom prst="ellipse">
-            <a:avLst/>
-          </a:prstGeom>
-          <a:ln w="25400">
-            <a:solidFill>
-              <a:srgbClr val="000000"/>
-            </a:solidFill>
-          </a:ln>
-          <a:extLst>
-            <a:ext uri="{C572A759-6A51-4108-AA02-DFA0A04FC94B}">
-              <ma14:wrappingTextBoxFlag xmlns:ma14="http://schemas.microsoft.com/office/mac/drawingml/2011/main" val="1"/>
-            </a:ext>
-          </a:extLst>
-        </p:spPr>
-        <p:txBody>
-          <a:bodyPr lIns="50800" tIns="50800" rIns="50800" bIns="50800" anchor="ctr"/>
-          <a:lstStyle>
-            <a:lvl1pPr algn="ctr">
-              <a:defRPr sz="2600">
-                <a:latin typeface="Arial"/>
-                <a:ea typeface="Arial"/>
-                <a:cs typeface="Arial"/>
-                <a:sym typeface="Arial"/>
-              </a:defRPr>
-            </a:lvl1pPr>
-          </a:lstStyle>
-          <a:p>
-            <a:pPr/>
-            <a:r>
-              <a:t>8</a:t>
-            </a:r>
-          </a:p>
-        </p:txBody>
-      </p:sp>
-      <p:sp>
-        <p:nvSpPr>
-          <p:cNvPr id="488" name="9"/>
-          <p:cNvSpPr/>
-          <p:nvPr/>
-        </p:nvSpPr>
-        <p:spPr>
-          <a:xfrm>
-            <a:off x="8821137" y="3419750"/>
-            <a:ext cx="580049" cy="616814"/>
-          </a:xfrm>
-          <a:prstGeom prst="ellipse">
-            <a:avLst/>
-          </a:prstGeom>
-          <a:ln w="25400">
-            <a:solidFill>
-              <a:srgbClr val="000000"/>
-            </a:solidFill>
-          </a:ln>
-          <a:extLst>
-            <a:ext uri="{C572A759-6A51-4108-AA02-DFA0A04FC94B}">
-              <ma14:wrappingTextBoxFlag xmlns:ma14="http://schemas.microsoft.com/office/mac/drawingml/2011/main" val="1"/>
-            </a:ext>
-          </a:extLst>
-        </p:spPr>
-        <p:txBody>
-          <a:bodyPr lIns="50800" tIns="50800" rIns="50800" bIns="50800" anchor="ctr"/>
-          <a:lstStyle>
-            <a:lvl1pPr algn="ctr">
-              <a:defRPr sz="2600">
-                <a:latin typeface="Arial"/>
-                <a:ea typeface="Arial"/>
-                <a:cs typeface="Arial"/>
-                <a:sym typeface="Arial"/>
-              </a:defRPr>
-            </a:lvl1pPr>
-          </a:lstStyle>
-          <a:p>
-            <a:pPr/>
-            <a:r>
               <a:t>9</a:t>
             </a:r>
           </a:p>
@@ -24193,8 +24193,8 @@
         </p:nvSpPr>
         <p:spPr>
           <a:xfrm flipV="1">
-            <a:off x="1494006" y="2866553"/>
-            <a:ext cx="1271080" cy="780281"/>
+            <a:off x="1460749" y="3864262"/>
+            <a:ext cx="1271080" cy="780280"/>
           </a:xfrm>
           <a:prstGeom prst="line">
             <a:avLst/>
@@ -24222,8 +24222,8 @@
         </p:nvSpPr>
         <p:spPr>
           <a:xfrm flipV="1">
-            <a:off x="3300482" y="1811680"/>
-            <a:ext cx="1271081" cy="780281"/>
+            <a:off x="3267225" y="2809389"/>
+            <a:ext cx="1271081" cy="780280"/>
           </a:xfrm>
           <a:prstGeom prst="line">
             <a:avLst/>
@@ -24251,8 +24251,8 @@
         </p:nvSpPr>
         <p:spPr>
           <a:xfrm flipV="1">
-            <a:off x="3300482" y="3824977"/>
-            <a:ext cx="1271081" cy="780281"/>
+            <a:off x="3267225" y="4822686"/>
+            <a:ext cx="1271081" cy="780280"/>
           </a:xfrm>
           <a:prstGeom prst="line">
             <a:avLst/>
@@ -24280,8 +24280,8 @@
         </p:nvSpPr>
         <p:spPr>
           <a:xfrm flipV="1">
-            <a:off x="5173343" y="4841679"/>
-            <a:ext cx="1635802" cy="611631"/>
+            <a:off x="5140086" y="5839387"/>
+            <a:ext cx="1635803" cy="611632"/>
           </a:xfrm>
           <a:prstGeom prst="line">
             <a:avLst/>
@@ -24309,8 +24309,8 @@
         </p:nvSpPr>
         <p:spPr>
           <a:xfrm flipV="1">
-            <a:off x="7457602" y="3824977"/>
-            <a:ext cx="1271080" cy="780281"/>
+            <a:off x="7424345" y="4822686"/>
+            <a:ext cx="1271080" cy="780280"/>
           </a:xfrm>
           <a:prstGeom prst="line">
             <a:avLst/>
@@ -24338,7 +24338,7 @@
         </p:nvSpPr>
         <p:spPr>
           <a:xfrm flipV="1">
-            <a:off x="5173343" y="2874122"/>
+            <a:off x="5140086" y="3871831"/>
             <a:ext cx="1636845" cy="772711"/>
           </a:xfrm>
           <a:prstGeom prst="line">
@@ -24367,7 +24367,7 @@
         </p:nvSpPr>
         <p:spPr>
           <a:xfrm>
-            <a:off x="1494006" y="3873604"/>
+            <a:off x="1460749" y="4871312"/>
             <a:ext cx="1271828" cy="715014"/>
           </a:xfrm>
           <a:prstGeom prst="line">
@@ -24396,8 +24396,8 @@
         </p:nvSpPr>
         <p:spPr>
           <a:xfrm>
-            <a:off x="3167454" y="2915607"/>
-            <a:ext cx="1543351" cy="2393345"/>
+            <a:off x="3134197" y="3913315"/>
+            <a:ext cx="1543351" cy="2393346"/>
           </a:xfrm>
           <a:prstGeom prst="line">
             <a:avLst/>
@@ -24425,8 +24425,8 @@
         </p:nvSpPr>
         <p:spPr>
           <a:xfrm flipV="1">
-            <a:off x="3161426" y="2148533"/>
-            <a:ext cx="1554980" cy="2221845"/>
+            <a:off x="3128170" y="3146242"/>
+            <a:ext cx="1554979" cy="2221845"/>
           </a:xfrm>
           <a:prstGeom prst="line">
             <a:avLst/>
@@ -24454,7 +24454,7 @@
         </p:nvSpPr>
         <p:spPr>
           <a:xfrm>
-            <a:off x="3296348" y="4797312"/>
+            <a:off x="3263091" y="5795020"/>
             <a:ext cx="1271828" cy="715014"/>
           </a:xfrm>
           <a:prstGeom prst="line">
@@ -24483,7 +24483,7 @@
         </p:nvSpPr>
         <p:spPr>
           <a:xfrm>
-            <a:off x="5172654" y="1828286"/>
+            <a:off x="5139397" y="2825995"/>
             <a:ext cx="1638861" cy="778590"/>
           </a:xfrm>
           <a:prstGeom prst="line">
@@ -24512,8 +24512,8 @@
         </p:nvSpPr>
         <p:spPr>
           <a:xfrm>
-            <a:off x="5114909" y="1988543"/>
-            <a:ext cx="1761465" cy="2392758"/>
+            <a:off x="5081652" y="2986251"/>
+            <a:ext cx="1761465" cy="2392759"/>
           </a:xfrm>
           <a:prstGeom prst="line">
             <a:avLst/>
@@ -24541,8 +24541,8 @@
         </p:nvSpPr>
         <p:spPr>
           <a:xfrm>
-            <a:off x="5099811" y="3939905"/>
-            <a:ext cx="1783578" cy="611393"/>
+            <a:off x="5066555" y="4937614"/>
+            <a:ext cx="1783577" cy="611393"/>
           </a:xfrm>
           <a:prstGeom prst="line">
             <a:avLst/>
@@ -24570,8 +24570,8 @@
         </p:nvSpPr>
         <p:spPr>
           <a:xfrm flipV="1">
-            <a:off x="5122341" y="3079847"/>
-            <a:ext cx="1928467" cy="2274670"/>
+            <a:off x="5089085" y="4077556"/>
+            <a:ext cx="1928466" cy="2274670"/>
           </a:xfrm>
           <a:prstGeom prst="line">
             <a:avLst/>
@@ -24599,8 +24599,8 @@
         </p:nvSpPr>
         <p:spPr>
           <a:xfrm>
-            <a:off x="7413714" y="2830071"/>
-            <a:ext cx="1358173" cy="715043"/>
+            <a:off x="7380458" y="3827779"/>
+            <a:ext cx="1358172" cy="715043"/>
           </a:xfrm>
           <a:prstGeom prst="line">
             <a:avLst/>
@@ -24628,8 +24628,8 @@
         </p:nvSpPr>
         <p:spPr>
           <a:xfrm>
-            <a:off x="307052" y="3998085"/>
-            <a:ext cx="1069788" cy="447229"/>
+            <a:off x="273795" y="4995793"/>
+            <a:ext cx="1069788" cy="447230"/>
           </a:xfrm>
           <a:prstGeom prst="rect">
             <a:avLst/>
@@ -24673,7 +24673,52 @@
         </p:nvSpPr>
         <p:spPr>
           <a:xfrm>
-            <a:off x="1707781" y="2955660"/>
+            <a:off x="1674524" y="3953369"/>
+            <a:ext cx="324456" cy="447229"/>
+          </a:xfrm>
+          <a:prstGeom prst="rect">
+            <a:avLst/>
+          </a:prstGeom>
+          <a:ln w="12700">
+            <a:miter lim="400000"/>
+          </a:ln>
+          <a:extLst>
+            <a:ext uri="{C572A759-6A51-4108-AA02-DFA0A04FC94B}">
+              <ma14:wrappingTextBoxFlag xmlns:ma14="http://schemas.microsoft.com/office/mac/drawingml/2011/main" val="1"/>
+            </a:ext>
+          </a:extLst>
+        </p:spPr>
+        <p:txBody>
+          <a:bodyPr wrap="none" lIns="50800" tIns="50800" rIns="50800" bIns="50800" anchor="ctr">
+            <a:spAutoFit/>
+          </a:bodyPr>
+          <a:lstStyle>
+            <a:lvl1pPr>
+              <a:defRPr sz="2400">
+                <a:latin typeface="Arial"/>
+                <a:ea typeface="Arial"/>
+                <a:cs typeface="Arial"/>
+                <a:sym typeface="Arial"/>
+              </a:defRPr>
+            </a:lvl1pPr>
+          </a:lstStyle>
+          <a:p>
+            <a:pPr/>
+            <a:r>
+              <a:t>5</a:t>
+            </a:r>
+          </a:p>
+        </p:txBody>
+      </p:sp>
+      <p:sp>
+        <p:nvSpPr>
+          <p:cNvPr id="506" name="2"/>
+          <p:cNvSpPr txBox="1"/>
+          <p:nvPr/>
+        </p:nvSpPr>
+        <p:spPr>
+          <a:xfrm>
+            <a:off x="1674524" y="5086650"/>
             <a:ext cx="324456" cy="447230"/>
           </a:xfrm>
           <a:prstGeom prst="rect">
@@ -24705,20 +24750,110 @@
           <a:p>
             <a:pPr/>
             <a:r>
-              <a:t>5</a:t>
+              <a:t>2</a:t>
             </a:r>
           </a:p>
         </p:txBody>
       </p:sp>
       <p:sp>
         <p:nvSpPr>
-          <p:cNvPr id="506" name="2"/>
+          <p:cNvPr id="507" name="3"/>
           <p:cNvSpPr txBox="1"/>
           <p:nvPr/>
         </p:nvSpPr>
         <p:spPr>
           <a:xfrm>
-            <a:off x="1707781" y="4088942"/>
+            <a:off x="3464086" y="2814701"/>
+            <a:ext cx="324457" cy="447229"/>
+          </a:xfrm>
+          <a:prstGeom prst="rect">
+            <a:avLst/>
+          </a:prstGeom>
+          <a:ln w="12700">
+            <a:miter lim="400000"/>
+          </a:ln>
+          <a:extLst>
+            <a:ext uri="{C572A759-6A51-4108-AA02-DFA0A04FC94B}">
+              <ma14:wrappingTextBoxFlag xmlns:ma14="http://schemas.microsoft.com/office/mac/drawingml/2011/main" val="1"/>
+            </a:ext>
+          </a:extLst>
+        </p:spPr>
+        <p:txBody>
+          <a:bodyPr wrap="none" lIns="50800" tIns="50800" rIns="50800" bIns="50800" anchor="ctr">
+            <a:spAutoFit/>
+          </a:bodyPr>
+          <a:lstStyle>
+            <a:lvl1pPr>
+              <a:defRPr sz="2400">
+                <a:latin typeface="Arial"/>
+                <a:ea typeface="Arial"/>
+                <a:cs typeface="Arial"/>
+                <a:sym typeface="Arial"/>
+              </a:defRPr>
+            </a:lvl1pPr>
+          </a:lstStyle>
+          <a:p>
+            <a:pPr/>
+            <a:r>
+              <a:t>3</a:t>
+            </a:r>
+          </a:p>
+        </p:txBody>
+      </p:sp>
+      <p:sp>
+        <p:nvSpPr>
+          <p:cNvPr id="508" name="3"/>
+          <p:cNvSpPr txBox="1"/>
+          <p:nvPr/>
+        </p:nvSpPr>
+        <p:spPr>
+          <a:xfrm>
+            <a:off x="3281517" y="3818693"/>
+            <a:ext cx="324456" cy="447230"/>
+          </a:xfrm>
+          <a:prstGeom prst="rect">
+            <a:avLst/>
+          </a:prstGeom>
+          <a:ln w="12700">
+            <a:miter lim="400000"/>
+          </a:ln>
+          <a:extLst>
+            <a:ext uri="{C572A759-6A51-4108-AA02-DFA0A04FC94B}">
+              <ma14:wrappingTextBoxFlag xmlns:ma14="http://schemas.microsoft.com/office/mac/drawingml/2011/main" val="1"/>
+            </a:ext>
+          </a:extLst>
+        </p:spPr>
+        <p:txBody>
+          <a:bodyPr wrap="none" lIns="50800" tIns="50800" rIns="50800" bIns="50800" anchor="ctr">
+            <a:spAutoFit/>
+          </a:bodyPr>
+          <a:lstStyle>
+            <a:lvl1pPr>
+              <a:defRPr sz="2400">
+                <a:latin typeface="Arial"/>
+                <a:ea typeface="Arial"/>
+                <a:cs typeface="Arial"/>
+                <a:sym typeface="Arial"/>
+              </a:defRPr>
+            </a:lvl1pPr>
+          </a:lstStyle>
+          <a:p>
+            <a:pPr/>
+            <a:r>
+              <a:t>3</a:t>
+            </a:r>
+          </a:p>
+        </p:txBody>
+      </p:sp>
+      <p:sp>
+        <p:nvSpPr>
+          <p:cNvPr id="509" name="6"/>
+          <p:cNvSpPr txBox="1"/>
+          <p:nvPr/>
+        </p:nvSpPr>
+        <p:spPr>
+          <a:xfrm>
+            <a:off x="2974771" y="4822686"/>
             <a:ext cx="324456" cy="447229"/>
           </a:xfrm>
           <a:prstGeom prst="rect">
@@ -24750,21 +24885,21 @@
           <a:p>
             <a:pPr/>
             <a:r>
-              <a:t>2</a:t>
+              <a:t>6</a:t>
             </a:r>
           </a:p>
         </p:txBody>
       </p:sp>
       <p:sp>
         <p:nvSpPr>
-          <p:cNvPr id="507" name="3"/>
+          <p:cNvPr id="510" name="5"/>
           <p:cNvSpPr txBox="1"/>
           <p:nvPr/>
         </p:nvSpPr>
         <p:spPr>
           <a:xfrm>
-            <a:off x="3497343" y="1816992"/>
-            <a:ext cx="324457" cy="447230"/>
+            <a:off x="3370417" y="4997329"/>
+            <a:ext cx="324456" cy="447229"/>
           </a:xfrm>
           <a:prstGeom prst="rect">
             <a:avLst/>
@@ -24795,20 +24930,20 @@
           <a:p>
             <a:pPr/>
             <a:r>
-              <a:t>3</a:t>
+              <a:t>5</a:t>
             </a:r>
           </a:p>
         </p:txBody>
       </p:sp>
       <p:sp>
         <p:nvSpPr>
-          <p:cNvPr id="508" name="3"/>
+          <p:cNvPr id="511" name="8"/>
           <p:cNvSpPr txBox="1"/>
           <p:nvPr/>
         </p:nvSpPr>
         <p:spPr>
           <a:xfrm>
-            <a:off x="3314774" y="2820984"/>
+            <a:off x="3281517" y="5890143"/>
             <a:ext cx="324456" cy="447230"/>
           </a:xfrm>
           <a:prstGeom prst="rect">
@@ -24840,20 +24975,20 @@
           <a:p>
             <a:pPr/>
             <a:r>
-              <a:t>3</a:t>
+              <a:t>8</a:t>
             </a:r>
           </a:p>
         </p:txBody>
       </p:sp>
       <p:sp>
         <p:nvSpPr>
-          <p:cNvPr id="509" name="6"/>
+          <p:cNvPr id="512" name="1"/>
           <p:cNvSpPr txBox="1"/>
           <p:nvPr/>
         </p:nvSpPr>
         <p:spPr>
           <a:xfrm>
-            <a:off x="3008028" y="3824977"/>
+            <a:off x="5366046" y="2534063"/>
             <a:ext cx="324456" cy="447229"/>
           </a:xfrm>
           <a:prstGeom prst="rect">
@@ -24885,20 +25020,65 @@
           <a:p>
             <a:pPr/>
             <a:r>
-              <a:t>6</a:t>
+              <a:t>1</a:t>
             </a:r>
           </a:p>
         </p:txBody>
       </p:sp>
       <p:sp>
         <p:nvSpPr>
-          <p:cNvPr id="510" name="5"/>
+          <p:cNvPr id="513" name="4"/>
           <p:cNvSpPr txBox="1"/>
           <p:nvPr/>
         </p:nvSpPr>
         <p:spPr>
           <a:xfrm>
-            <a:off x="3403674" y="3999620"/>
+            <a:off x="5513435" y="3241449"/>
+            <a:ext cx="324456" cy="447229"/>
+          </a:xfrm>
+          <a:prstGeom prst="rect">
+            <a:avLst/>
+          </a:prstGeom>
+          <a:ln w="12700">
+            <a:miter lim="400000"/>
+          </a:ln>
+          <a:extLst>
+            <a:ext uri="{C572A759-6A51-4108-AA02-DFA0A04FC94B}">
+              <ma14:wrappingTextBoxFlag xmlns:ma14="http://schemas.microsoft.com/office/mac/drawingml/2011/main" val="1"/>
+            </a:ext>
+          </a:extLst>
+        </p:spPr>
+        <p:txBody>
+          <a:bodyPr wrap="none" lIns="50800" tIns="50800" rIns="50800" bIns="50800" anchor="ctr">
+            <a:spAutoFit/>
+          </a:bodyPr>
+          <a:lstStyle>
+            <a:lvl1pPr>
+              <a:defRPr sz="2400">
+                <a:latin typeface="Arial"/>
+                <a:ea typeface="Arial"/>
+                <a:cs typeface="Arial"/>
+                <a:sym typeface="Arial"/>
+              </a:defRPr>
+            </a:lvl1pPr>
+          </a:lstStyle>
+          <a:p>
+            <a:pPr/>
+            <a:r>
+              <a:t>4</a:t>
+            </a:r>
+          </a:p>
+        </p:txBody>
+      </p:sp>
+      <p:sp>
+        <p:nvSpPr>
+          <p:cNvPr id="514" name="6"/>
+          <p:cNvSpPr txBox="1"/>
+          <p:nvPr/>
+        </p:nvSpPr>
+        <p:spPr>
+          <a:xfrm>
+            <a:off x="5162377" y="4175302"/>
             <a:ext cx="324456" cy="447230"/>
           </a:xfrm>
           <a:prstGeom prst="rect">
@@ -24930,20 +25110,20 @@
           <a:p>
             <a:pPr/>
             <a:r>
-              <a:t>5</a:t>
+              <a:t>6</a:t>
             </a:r>
           </a:p>
         </p:txBody>
       </p:sp>
       <p:sp>
         <p:nvSpPr>
-          <p:cNvPr id="511" name="8"/>
+          <p:cNvPr id="515" name="2"/>
           <p:cNvSpPr txBox="1"/>
           <p:nvPr/>
         </p:nvSpPr>
         <p:spPr>
           <a:xfrm>
-            <a:off x="3314774" y="4892435"/>
+            <a:off x="5258075" y="4634894"/>
             <a:ext cx="324456" cy="447229"/>
           </a:xfrm>
           <a:prstGeom prst="rect">
@@ -24975,20 +25155,110 @@
           <a:p>
             <a:pPr/>
             <a:r>
-              <a:t>8</a:t>
+              <a:t>2</a:t>
             </a:r>
           </a:p>
         </p:txBody>
       </p:sp>
       <p:sp>
         <p:nvSpPr>
-          <p:cNvPr id="512" name="1"/>
+          <p:cNvPr id="516" name="6"/>
           <p:cNvSpPr txBox="1"/>
           <p:nvPr/>
         </p:nvSpPr>
         <p:spPr>
           <a:xfrm>
-            <a:off x="5399303" y="1536354"/>
+            <a:off x="5127836" y="5654942"/>
+            <a:ext cx="324456" cy="447230"/>
+          </a:xfrm>
+          <a:prstGeom prst="rect">
+            <a:avLst/>
+          </a:prstGeom>
+          <a:ln w="12700">
+            <a:miter lim="400000"/>
+          </a:ln>
+          <a:extLst>
+            <a:ext uri="{C572A759-6A51-4108-AA02-DFA0A04FC94B}">
+              <ma14:wrappingTextBoxFlag xmlns:ma14="http://schemas.microsoft.com/office/mac/drawingml/2011/main" val="1"/>
+            </a:ext>
+          </a:extLst>
+        </p:spPr>
+        <p:txBody>
+          <a:bodyPr wrap="none" lIns="50800" tIns="50800" rIns="50800" bIns="50800" anchor="ctr">
+            <a:spAutoFit/>
+          </a:bodyPr>
+          <a:lstStyle>
+            <a:lvl1pPr>
+              <a:defRPr sz="2400">
+                <a:latin typeface="Arial"/>
+                <a:ea typeface="Arial"/>
+                <a:cs typeface="Arial"/>
+                <a:sym typeface="Arial"/>
+              </a:defRPr>
+            </a:lvl1pPr>
+          </a:lstStyle>
+          <a:p>
+            <a:pPr/>
+            <a:r>
+              <a:t>6</a:t>
+            </a:r>
+          </a:p>
+        </p:txBody>
+      </p:sp>
+      <p:sp>
+        <p:nvSpPr>
+          <p:cNvPr id="517" name="2"/>
+          <p:cNvSpPr txBox="1"/>
+          <p:nvPr/>
+        </p:nvSpPr>
+        <p:spPr>
+          <a:xfrm>
+            <a:off x="5583056" y="5824594"/>
+            <a:ext cx="324456" cy="447230"/>
+          </a:xfrm>
+          <a:prstGeom prst="rect">
+            <a:avLst/>
+          </a:prstGeom>
+          <a:ln w="12700">
+            <a:miter lim="400000"/>
+          </a:ln>
+          <a:extLst>
+            <a:ext uri="{C572A759-6A51-4108-AA02-DFA0A04FC94B}">
+              <ma14:wrappingTextBoxFlag xmlns:ma14="http://schemas.microsoft.com/office/mac/drawingml/2011/main" val="1"/>
+            </a:ext>
+          </a:extLst>
+        </p:spPr>
+        <p:txBody>
+          <a:bodyPr wrap="none" lIns="50800" tIns="50800" rIns="50800" bIns="50800" anchor="ctr">
+            <a:spAutoFit/>
+          </a:bodyPr>
+          <a:lstStyle>
+            <a:lvl1pPr>
+              <a:defRPr sz="2400">
+                <a:latin typeface="Arial"/>
+                <a:ea typeface="Arial"/>
+                <a:cs typeface="Arial"/>
+                <a:sym typeface="Arial"/>
+              </a:defRPr>
+            </a:lvl1pPr>
+          </a:lstStyle>
+          <a:p>
+            <a:pPr/>
+            <a:r>
+              <a:t>2</a:t>
+            </a:r>
+          </a:p>
+        </p:txBody>
+      </p:sp>
+      <p:sp>
+        <p:nvSpPr>
+          <p:cNvPr id="518" name="7"/>
+          <p:cNvSpPr txBox="1"/>
+          <p:nvPr/>
+        </p:nvSpPr>
+        <p:spPr>
+          <a:xfrm>
+            <a:off x="7692530" y="3647786"/>
             <a:ext cx="324456" cy="447229"/>
           </a:xfrm>
           <a:prstGeom prst="rect">
@@ -25020,20 +25290,20 @@
           <a:p>
             <a:pPr/>
             <a:r>
-              <a:t>1</a:t>
+              <a:t>7</a:t>
             </a:r>
           </a:p>
         </p:txBody>
       </p:sp>
       <p:sp>
         <p:nvSpPr>
-          <p:cNvPr id="513" name="4"/>
+          <p:cNvPr id="519" name="3"/>
           <p:cNvSpPr txBox="1"/>
           <p:nvPr/>
         </p:nvSpPr>
         <p:spPr>
           <a:xfrm>
-            <a:off x="5546692" y="2243740"/>
+            <a:off x="7480418" y="4995793"/>
             <a:ext cx="324456" cy="447230"/>
           </a:xfrm>
           <a:prstGeom prst="rect">
@@ -25065,21 +25335,21 @@
           <a:p>
             <a:pPr/>
             <a:r>
-              <a:t>4</a:t>
+              <a:t>3</a:t>
             </a:r>
           </a:p>
         </p:txBody>
       </p:sp>
       <p:sp>
         <p:nvSpPr>
-          <p:cNvPr id="514" name="6"/>
+          <p:cNvPr id="520" name="sink"/>
           <p:cNvSpPr txBox="1"/>
           <p:nvPr/>
         </p:nvSpPr>
         <p:spPr>
           <a:xfrm>
-            <a:off x="5195634" y="3177594"/>
-            <a:ext cx="324456" cy="447229"/>
+            <a:off x="8775180" y="4995793"/>
+            <a:ext cx="696973" cy="447230"/>
           </a:xfrm>
           <a:prstGeom prst="rect">
             <a:avLst/>
@@ -25110,21 +25380,21 @@
           <a:p>
             <a:pPr/>
             <a:r>
-              <a:t>6</a:t>
+              <a:t>sink</a:t>
             </a:r>
           </a:p>
         </p:txBody>
       </p:sp>
       <p:sp>
         <p:nvSpPr>
-          <p:cNvPr id="515" name="2"/>
+          <p:cNvPr id="521" name="Using forward approach…"/>
           <p:cNvSpPr txBox="1"/>
           <p:nvPr/>
         </p:nvSpPr>
         <p:spPr>
           <a:xfrm>
-            <a:off x="5291332" y="3637185"/>
-            <a:ext cx="324456" cy="447230"/>
+            <a:off x="442846" y="964053"/>
+            <a:ext cx="4715075" cy="1059181"/>
           </a:xfrm>
           <a:prstGeom prst="rect">
             <a:avLst/>
@@ -25142,245 +25412,47 @@
           <a:bodyPr wrap="none" lIns="50800" tIns="50800" rIns="50800" bIns="50800" anchor="ctr">
             <a:spAutoFit/>
           </a:bodyPr>
-          <a:lstStyle>
-            <a:lvl1pPr>
-              <a:defRPr sz="2400">
-                <a:latin typeface="Arial"/>
-                <a:ea typeface="Arial"/>
-                <a:cs typeface="Arial"/>
-                <a:sym typeface="Arial"/>
+          <a:lstStyle/>
+          <a:p>
+            <a:pPr marL="382587" indent="-342900">
+              <a:lnSpc>
+                <a:spcPct val="90000"/>
+              </a:lnSpc>
+              <a:spcBef>
+                <a:spcPts val="700"/>
+              </a:spcBef>
+              <a:buSzPct val="100000"/>
+              <a:buChar char="•"/>
+              <a:defRPr sz="3200">
+                <a:latin typeface="+mn-lt"/>
+                <a:ea typeface="+mn-ea"/>
+                <a:cs typeface="+mn-cs"/>
+                <a:sym typeface="Gill Sans"/>
               </a:defRPr>
-            </a:lvl1pPr>
-          </a:lstStyle>
-          <a:p>
-            <a:pPr/>
-            <a:r>
-              <a:t>2</a:t>
-            </a:r>
-          </a:p>
-        </p:txBody>
-      </p:sp>
-      <p:sp>
-        <p:nvSpPr>
-          <p:cNvPr id="516" name="6"/>
-          <p:cNvSpPr txBox="1"/>
-          <p:nvPr/>
-        </p:nvSpPr>
-        <p:spPr>
-          <a:xfrm>
-            <a:off x="5161093" y="4657233"/>
-            <a:ext cx="324456" cy="447230"/>
-          </a:xfrm>
-          <a:prstGeom prst="rect">
-            <a:avLst/>
-          </a:prstGeom>
-          <a:ln w="12700">
-            <a:miter lim="400000"/>
-          </a:ln>
-          <a:extLst>
-            <a:ext uri="{C572A759-6A51-4108-AA02-DFA0A04FC94B}">
-              <ma14:wrappingTextBoxFlag xmlns:ma14="http://schemas.microsoft.com/office/mac/drawingml/2011/main" val="1"/>
-            </a:ext>
-          </a:extLst>
-        </p:spPr>
-        <p:txBody>
-          <a:bodyPr wrap="none" lIns="50800" tIns="50800" rIns="50800" bIns="50800" anchor="ctr">
-            <a:spAutoFit/>
-          </a:bodyPr>
-          <a:lstStyle>
-            <a:lvl1pPr>
-              <a:defRPr sz="2400">
-                <a:latin typeface="Arial"/>
-                <a:ea typeface="Arial"/>
-                <a:cs typeface="Arial"/>
-                <a:sym typeface="Arial"/>
+            </a:pPr>
+            <a:r>
+              <a:t>Using forward approach</a:t>
+            </a:r>
+          </a:p>
+          <a:p>
+            <a:pPr marL="382587" indent="-342900">
+              <a:lnSpc>
+                <a:spcPct val="90000"/>
+              </a:lnSpc>
+              <a:spcBef>
+                <a:spcPts val="700"/>
+              </a:spcBef>
+              <a:buSzPct val="100000"/>
+              <a:buChar char="•"/>
+              <a:defRPr sz="3200">
+                <a:latin typeface="+mn-lt"/>
+                <a:ea typeface="+mn-ea"/>
+                <a:cs typeface="+mn-cs"/>
+                <a:sym typeface="Gill Sans"/>
               </a:defRPr>
-            </a:lvl1pPr>
-          </a:lstStyle>
-          <a:p>
-            <a:pPr/>
-            <a:r>
-              <a:t>6</a:t>
-            </a:r>
-          </a:p>
-        </p:txBody>
-      </p:sp>
-      <p:sp>
-        <p:nvSpPr>
-          <p:cNvPr id="517" name="2"/>
-          <p:cNvSpPr txBox="1"/>
-          <p:nvPr/>
-        </p:nvSpPr>
-        <p:spPr>
-          <a:xfrm>
-            <a:off x="5616313" y="4826885"/>
-            <a:ext cx="324456" cy="447230"/>
-          </a:xfrm>
-          <a:prstGeom prst="rect">
-            <a:avLst/>
-          </a:prstGeom>
-          <a:ln w="12700">
-            <a:miter lim="400000"/>
-          </a:ln>
-          <a:extLst>
-            <a:ext uri="{C572A759-6A51-4108-AA02-DFA0A04FC94B}">
-              <ma14:wrappingTextBoxFlag xmlns:ma14="http://schemas.microsoft.com/office/mac/drawingml/2011/main" val="1"/>
-            </a:ext>
-          </a:extLst>
-        </p:spPr>
-        <p:txBody>
-          <a:bodyPr wrap="none" lIns="50800" tIns="50800" rIns="50800" bIns="50800" anchor="ctr">
-            <a:spAutoFit/>
-          </a:bodyPr>
-          <a:lstStyle>
-            <a:lvl1pPr>
-              <a:defRPr sz="2400">
-                <a:latin typeface="Arial"/>
-                <a:ea typeface="Arial"/>
-                <a:cs typeface="Arial"/>
-                <a:sym typeface="Arial"/>
-              </a:defRPr>
-            </a:lvl1pPr>
-          </a:lstStyle>
-          <a:p>
-            <a:pPr/>
-            <a:r>
-              <a:t>2</a:t>
-            </a:r>
-          </a:p>
-        </p:txBody>
-      </p:sp>
-      <p:sp>
-        <p:nvSpPr>
-          <p:cNvPr id="518" name="7"/>
-          <p:cNvSpPr txBox="1"/>
-          <p:nvPr/>
-        </p:nvSpPr>
-        <p:spPr>
-          <a:xfrm>
-            <a:off x="7725787" y="2650077"/>
-            <a:ext cx="324456" cy="447230"/>
-          </a:xfrm>
-          <a:prstGeom prst="rect">
-            <a:avLst/>
-          </a:prstGeom>
-          <a:ln w="12700">
-            <a:miter lim="400000"/>
-          </a:ln>
-          <a:extLst>
-            <a:ext uri="{C572A759-6A51-4108-AA02-DFA0A04FC94B}">
-              <ma14:wrappingTextBoxFlag xmlns:ma14="http://schemas.microsoft.com/office/mac/drawingml/2011/main" val="1"/>
-            </a:ext>
-          </a:extLst>
-        </p:spPr>
-        <p:txBody>
-          <a:bodyPr wrap="none" lIns="50800" tIns="50800" rIns="50800" bIns="50800" anchor="ctr">
-            <a:spAutoFit/>
-          </a:bodyPr>
-          <a:lstStyle>
-            <a:lvl1pPr>
-              <a:defRPr sz="2400">
-                <a:latin typeface="Arial"/>
-                <a:ea typeface="Arial"/>
-                <a:cs typeface="Arial"/>
-                <a:sym typeface="Arial"/>
-              </a:defRPr>
-            </a:lvl1pPr>
-          </a:lstStyle>
-          <a:p>
-            <a:pPr/>
-            <a:r>
-              <a:t>7</a:t>
-            </a:r>
-          </a:p>
-        </p:txBody>
-      </p:sp>
-      <p:sp>
-        <p:nvSpPr>
-          <p:cNvPr id="519" name="3"/>
-          <p:cNvSpPr txBox="1"/>
-          <p:nvPr/>
-        </p:nvSpPr>
-        <p:spPr>
-          <a:xfrm>
-            <a:off x="7513675" y="3998085"/>
-            <a:ext cx="324456" cy="447229"/>
-          </a:xfrm>
-          <a:prstGeom prst="rect">
-            <a:avLst/>
-          </a:prstGeom>
-          <a:ln w="12700">
-            <a:miter lim="400000"/>
-          </a:ln>
-          <a:extLst>
-            <a:ext uri="{C572A759-6A51-4108-AA02-DFA0A04FC94B}">
-              <ma14:wrappingTextBoxFlag xmlns:ma14="http://schemas.microsoft.com/office/mac/drawingml/2011/main" val="1"/>
-            </a:ext>
-          </a:extLst>
-        </p:spPr>
-        <p:txBody>
-          <a:bodyPr wrap="none" lIns="50800" tIns="50800" rIns="50800" bIns="50800" anchor="ctr">
-            <a:spAutoFit/>
-          </a:bodyPr>
-          <a:lstStyle>
-            <a:lvl1pPr>
-              <a:defRPr sz="2400">
-                <a:latin typeface="Arial"/>
-                <a:ea typeface="Arial"/>
-                <a:cs typeface="Arial"/>
-                <a:sym typeface="Arial"/>
-              </a:defRPr>
-            </a:lvl1pPr>
-          </a:lstStyle>
-          <a:p>
-            <a:pPr/>
-            <a:r>
-              <a:t>3</a:t>
-            </a:r>
-          </a:p>
-        </p:txBody>
-      </p:sp>
-      <p:sp>
-        <p:nvSpPr>
-          <p:cNvPr id="520" name="sink"/>
-          <p:cNvSpPr txBox="1"/>
-          <p:nvPr/>
-        </p:nvSpPr>
-        <p:spPr>
-          <a:xfrm>
-            <a:off x="8808437" y="3998085"/>
-            <a:ext cx="696973" cy="447229"/>
-          </a:xfrm>
-          <a:prstGeom prst="rect">
-            <a:avLst/>
-          </a:prstGeom>
-          <a:ln w="12700">
-            <a:miter lim="400000"/>
-          </a:ln>
-          <a:extLst>
-            <a:ext uri="{C572A759-6A51-4108-AA02-DFA0A04FC94B}">
-              <ma14:wrappingTextBoxFlag xmlns:ma14="http://schemas.microsoft.com/office/mac/drawingml/2011/main" val="1"/>
-            </a:ext>
-          </a:extLst>
-        </p:spPr>
-        <p:txBody>
-          <a:bodyPr wrap="none" lIns="50800" tIns="50800" rIns="50800" bIns="50800" anchor="ctr">
-            <a:spAutoFit/>
-          </a:bodyPr>
-          <a:lstStyle>
-            <a:lvl1pPr>
-              <a:defRPr sz="2400">
-                <a:latin typeface="Arial"/>
-                <a:ea typeface="Arial"/>
-                <a:cs typeface="Arial"/>
-                <a:sym typeface="Arial"/>
-              </a:defRPr>
-            </a:lvl1pPr>
-          </a:lstStyle>
-          <a:p>
-            <a:pPr/>
-            <a:r>
-              <a:t>sink</a:t>
+            </a:pPr>
+            <a:r>
+              <a:t>Using backward approach</a:t>
             </a:r>
           </a:p>
         </p:txBody>
@@ -25752,7 +25824,7 @@
       </p:grpSpPr>
       <p:sp>
         <p:nvSpPr>
-          <p:cNvPr id="522" name="Summary"/>
+          <p:cNvPr id="523" name="Summary"/>
           <p:cNvSpPr txBox="1"/>
           <p:nvPr>
             <p:ph type="title"/>
@@ -25776,7 +25848,7 @@
       </p:sp>
       <p:sp>
         <p:nvSpPr>
-          <p:cNvPr id="523" name="Multi stage graph…"/>
+          <p:cNvPr id="524" name="Multi stage graph…"/>
           <p:cNvSpPr txBox="1"/>
           <p:nvPr>
             <p:ph type="body" idx="1"/>
@@ -25812,7 +25884,7 @@
       </p:sp>
       <p:sp>
         <p:nvSpPr>
-          <p:cNvPr id="524" name="Slide Number"/>
+          <p:cNvPr id="525" name="Slide Number"/>
           <p:cNvSpPr txBox="1"/>
           <p:nvPr>
             <p:ph type="sldNum" sz="quarter" idx="2"/>
@@ -25839,7 +25911,7 @@
       </p:sp>
       <p:sp>
         <p:nvSpPr>
-          <p:cNvPr id="525" name="DAA/Dynamic Programming"/>
+          <p:cNvPr id="526" name="DAA/Dynamic Programming"/>
           <p:cNvSpPr txBox="1"/>
           <p:nvPr/>
         </p:nvSpPr>
@@ -25879,7 +25951,7 @@
       </p:sp>
       <p:sp>
         <p:nvSpPr>
-          <p:cNvPr id="526" name="RPR/"/>
+          <p:cNvPr id="527" name="RPR/"/>
           <p:cNvSpPr txBox="1"/>
           <p:nvPr/>
         </p:nvSpPr>
@@ -25956,7 +26028,7 @@
                                       <p:cBhvr>
                                         <p:cTn id="6" fill="hold"/>
                                         <p:tgtEl>
-                                          <p:spTgt spid="523">
+                                          <p:spTgt spid="524">
                                             <p:bg/>
                                           </p:spTgt>
                                         </p:tgtEl>
@@ -25984,7 +26056,7 @@
                                       <p:cBhvr>
                                         <p:cTn id="8" fill="hold"/>
                                         <p:tgtEl>
-                                          <p:spTgt spid="523">
+                                          <p:spTgt spid="524">
                                             <p:txEl>
                                               <p:pRg st="0" end="0"/>
                                             </p:txEl>
@@ -26032,7 +26104,7 @@
                                       <p:cBhvr>
                                         <p:cTn id="12" fill="hold"/>
                                         <p:tgtEl>
-                                          <p:spTgt spid="523">
+                                          <p:spTgt spid="524">
                                             <p:txEl>
                                               <p:pRg st="1" end="1"/>
                                             </p:txEl>
@@ -26080,7 +26152,7 @@
                                       <p:cBhvr>
                                         <p:cTn id="16" fill="hold"/>
                                         <p:tgtEl>
-                                          <p:spTgt spid="523">
+                                          <p:spTgt spid="524">
                                             <p:txEl>
                                               <p:pRg st="2" end="2"/>
                                             </p:txEl>
@@ -26125,7 +26197,7 @@
       </p:par>
     </p:tnLst>
     <p:bldLst>
-      <p:bldP build="p" bldLvl="5" animBg="1" rev="0" advAuto="0" spid="523" grpId="1"/>
+      <p:bldP build="p" bldLvl="5" animBg="1" rev="0" advAuto="0" spid="524" grpId="1"/>
     </p:bldLst>
   </p:timing>
 </p:sld>
@@ -30727,19 +30799,19 @@
       </p:par>
     </p:tnLst>
     <p:bldLst>
-      <p:bldP build="whole" bldLvl="1" animBg="1" rev="0" advAuto="0" spid="90" grpId="4"/>
-      <p:bldP build="whole" bldLvl="1" animBg="1" rev="0" advAuto="0" spid="103" grpId="6"/>
+      <p:bldP build="whole" bldLvl="1" animBg="1" rev="0" advAuto="0" spid="82" grpId="3"/>
+      <p:bldP build="whole" bldLvl="1" animBg="1" rev="0" advAuto="0" spid="119" grpId="11"/>
+      <p:bldP build="whole" bldLvl="1" animBg="1" rev="0" advAuto="0" spid="63" grpId="1"/>
       <p:bldP build="whole" bldLvl="1" animBg="1" rev="0" advAuto="0" spid="110" grpId="8"/>
-      <p:bldP build="whole" bldLvl="1" animBg="1" rev="0" advAuto="0" spid="116" grpId="10"/>
-      <p:bldP build="whole" bldLvl="1" animBg="1" rev="0" advAuto="0" spid="119" grpId="11"/>
-      <p:bldP build="whole" bldLvl="1" animBg="1" rev="0" advAuto="0" spid="82" grpId="3"/>
-      <p:bldP build="whole" bldLvl="1" animBg="1" rev="0" advAuto="0" spid="143" grpId="13"/>
-      <p:bldP build="whole" bldLvl="1" animBg="1" rev="0" advAuto="0" spid="122" grpId="12"/>
-      <p:bldP build="whole" bldLvl="1" animBg="1" rev="0" advAuto="0" spid="63" grpId="1"/>
       <p:bldP build="whole" bldLvl="1" animBg="1" rev="0" advAuto="0" spid="75" grpId="2"/>
       <p:bldP build="whole" bldLvl="1" animBg="1" rev="0" advAuto="0" spid="107" grpId="7"/>
+      <p:bldP build="whole" bldLvl="1" animBg="1" rev="0" advAuto="0" spid="90" grpId="4"/>
+      <p:bldP build="whole" bldLvl="1" animBg="1" rev="0" advAuto="0" spid="122" grpId="12"/>
+      <p:bldP build="whole" bldLvl="1" animBg="1" rev="0" advAuto="0" spid="143" grpId="13"/>
+      <p:bldP build="whole" bldLvl="1" animBg="1" rev="0" advAuto="0" spid="116" grpId="10"/>
       <p:bldP build="whole" bldLvl="1" animBg="1" rev="0" advAuto="0" spid="113" grpId="9"/>
       <p:bldP build="whole" bldLvl="1" animBg="1" rev="0" advAuto="0" spid="97" grpId="5"/>
+      <p:bldP build="whole" bldLvl="1" animBg="1" rev="0" advAuto="0" spid="103" grpId="6"/>
     </p:bldLst>
   </p:timing>
 </p:sld>
@@ -32381,8 +32453,8 @@
       </p:par>
     </p:tnLst>
     <p:bldLst>
+      <p:bldP build="p" bldLvl="5" animBg="1" rev="0" advAuto="0" spid="146" grpId="1"/>
       <p:bldP build="whole" bldLvl="1" animBg="1" rev="0" advAuto="0" spid="179" grpId="2"/>
-      <p:bldP build="p" bldLvl="5" animBg="1" rev="0" advAuto="0" spid="146" grpId="1"/>
     </p:bldLst>
   </p:timing>
 </p:sld>
@@ -37615,31 +37687,31 @@
       </p:par>
     </p:tnLst>
     <p:bldLst>
+      <p:bldP build="whole" bldLvl="1" animBg="1" rev="0" advAuto="0" spid="246" grpId="23"/>
+      <p:bldP build="p" bldLvl="5" animBg="1" rev="0" advAuto="0" spid="232" grpId="5"/>
+      <p:bldP build="whole" bldLvl="1" animBg="1" rev="0" advAuto="0" spid="243" grpId="10"/>
+      <p:bldP build="whole" bldLvl="1" animBg="1" rev="0" advAuto="0" spid="274" grpId="3"/>
+      <p:bldP build="whole" bldLvl="1" animBg="1" rev="0" advAuto="0" spid="277" grpId="11"/>
+      <p:bldP build="whole" bldLvl="1" animBg="1" rev="0" advAuto="0" spid="251" grpId="17"/>
+      <p:bldP build="whole" bldLvl="1" animBg="1" rev="0" advAuto="0" spid="251" grpId="13"/>
+      <p:bldP build="whole" bldLvl="1" animBg="1" rev="0" advAuto="0" spid="274" grpId="9"/>
+      <p:bldP build="whole" bldLvl="1" animBg="1" rev="0" advAuto="0" spid="257" grpId="22"/>
+      <p:bldP build="whole" bldLvl="1" animBg="1" rev="0" advAuto="0" spid="268" grpId="1"/>
+      <p:bldP build="whole" bldLvl="1" animBg="1" rev="0" advAuto="0" spid="242" grpId="21"/>
+      <p:bldP build="whole" bldLvl="1" animBg="1" rev="0" advAuto="0" spid="249" grpId="12"/>
+      <p:bldP build="whole" bldLvl="1" animBg="1" rev="0" advAuto="0" spid="242" grpId="25"/>
       <p:bldP build="whole" bldLvl="1" animBg="1" rev="0" advAuto="0" spid="245" grpId="20"/>
-      <p:bldP build="whole" bldLvl="1" animBg="1" rev="0" advAuto="0" spid="249" grpId="12"/>
+      <p:bldP build="whole" bldLvl="1" animBg="1" rev="0" advAuto="0" spid="248" grpId="24"/>
+      <p:bldP build="whole" bldLvl="1" animBg="1" rev="0" advAuto="0" spid="271" grpId="2"/>
+      <p:bldP build="whole" bldLvl="1" animBg="1" rev="0" advAuto="0" spid="247" grpId="18"/>
+      <p:bldP build="whole" bldLvl="1" animBg="1" rev="0" advAuto="0" spid="246" grpId="15"/>
+      <p:bldP build="whole" bldLvl="1" animBg="1" rev="0" advAuto="0" spid="244" grpId="8"/>
+      <p:bldP build="whole" bldLvl="1" animBg="1" rev="0" advAuto="0" spid="241" grpId="16"/>
+      <p:bldP build="whole" bldLvl="1" animBg="1" rev="0" advAuto="0" spid="271" grpId="7"/>
+      <p:bldP build="whole" bldLvl="1" animBg="1" rev="0" advAuto="0" spid="246" grpId="19"/>
       <p:bldP build="whole" bldLvl="1" animBg="1" rev="0" advAuto="0" spid="250" grpId="14"/>
-      <p:bldP build="whole" bldLvl="1" animBg="1" rev="0" advAuto="0" spid="242" grpId="21"/>
-      <p:bldP build="whole" bldLvl="1" animBg="1" rev="0" advAuto="0" spid="242" grpId="25"/>
-      <p:bldP build="whole" bldLvl="1" animBg="1" rev="0" advAuto="0" spid="274" grpId="3"/>
-      <p:bldP build="p" bldLvl="5" animBg="1" rev="0" advAuto="0" spid="232" grpId="5"/>
-      <p:bldP build="whole" bldLvl="1" animBg="1" rev="0" advAuto="0" spid="268" grpId="1"/>
+      <p:bldP build="whole" bldLvl="1" animBg="1" rev="0" advAuto="0" spid="277" grpId="4"/>
       <p:bldP build="whole" bldLvl="1" animBg="1" rev="0" advAuto="0" spid="252" grpId="6"/>
-      <p:bldP build="whole" bldLvl="1" animBg="1" rev="0" advAuto="0" spid="277" grpId="4"/>
-      <p:bldP build="whole" bldLvl="1" animBg="1" rev="0" advAuto="0" spid="247" grpId="18"/>
-      <p:bldP build="whole" bldLvl="1" animBg="1" rev="0" advAuto="0" spid="244" grpId="8"/>
-      <p:bldP build="whole" bldLvl="1" animBg="1" rev="0" advAuto="0" spid="274" grpId="9"/>
-      <p:bldP build="whole" bldLvl="1" animBg="1" rev="0" advAuto="0" spid="277" grpId="11"/>
-      <p:bldP build="whole" bldLvl="1" animBg="1" rev="0" advAuto="0" spid="248" grpId="24"/>
-      <p:bldP build="whole" bldLvl="1" animBg="1" rev="0" advAuto="0" spid="257" grpId="22"/>
-      <p:bldP build="whole" bldLvl="1" animBg="1" rev="0" advAuto="0" spid="241" grpId="16"/>
-      <p:bldP build="whole" bldLvl="1" animBg="1" rev="0" advAuto="0" spid="246" grpId="15"/>
-      <p:bldP build="whole" bldLvl="1" animBg="1" rev="0" advAuto="0" spid="271" grpId="2"/>
-      <p:bldP build="whole" bldLvl="1" animBg="1" rev="0" advAuto="0" spid="251" grpId="13"/>
-      <p:bldP build="whole" bldLvl="1" animBg="1" rev="0" advAuto="0" spid="243" grpId="10"/>
-      <p:bldP build="whole" bldLvl="1" animBg="1" rev="0" advAuto="0" spid="246" grpId="19"/>
-      <p:bldP build="whole" bldLvl="1" animBg="1" rev="0" advAuto="0" spid="251" grpId="17"/>
-      <p:bldP build="whole" bldLvl="1" animBg="1" rev="0" advAuto="0" spid="271" grpId="7"/>
-      <p:bldP build="whole" bldLvl="1" animBg="1" rev="0" advAuto="0" spid="246" grpId="23"/>
     </p:bldLst>
   </p:timing>
 </p:sld>
@@ -40498,17 +40570,17 @@
       </p:par>
     </p:tnLst>
     <p:bldLst>
+      <p:bldP build="whole" bldLvl="1" animBg="1" rev="0" advAuto="0" spid="328" grpId="9"/>
+      <p:bldP build="p" bldLvl="5" animBg="1" rev="0" advAuto="0" spid="283" grpId="11"/>
+      <p:bldP build="whole" bldLvl="1" animBg="1" rev="0" advAuto="0" spid="303" grpId="6"/>
+      <p:bldP build="whole" bldLvl="1" animBg="1" rev="0" advAuto="0" spid="328" grpId="4"/>
+      <p:bldP build="whole" bldLvl="1" animBg="1" rev="0" advAuto="0" spid="325" grpId="3"/>
+      <p:bldP build="whole" bldLvl="1" animBg="1" rev="0" advAuto="0" spid="322" grpId="2"/>
+      <p:bldP build="whole" bldLvl="1" animBg="1" rev="0" advAuto="0" spid="294" grpId="10"/>
       <p:bldP build="whole" bldLvl="1" animBg="1" rev="0" advAuto="0" spid="322" grpId="5"/>
       <p:bldP build="whole" bldLvl="1" animBg="1" rev="0" advAuto="0" spid="319" grpId="1"/>
-      <p:bldP build="whole" bldLvl="1" animBg="1" rev="0" advAuto="0" spid="328" grpId="4"/>
-      <p:bldP build="whole" bldLvl="1" animBg="1" rev="0" advAuto="0" spid="294" grpId="10"/>
-      <p:bldP build="p" bldLvl="5" animBg="1" rev="0" advAuto="0" spid="283" grpId="11"/>
-      <p:bldP build="whole" bldLvl="1" animBg="1" rev="0" advAuto="0" spid="328" grpId="9"/>
-      <p:bldP build="whole" bldLvl="1" animBg="1" rev="0" advAuto="0" spid="325" grpId="3"/>
+      <p:bldP build="whole" bldLvl="1" animBg="1" rev="0" advAuto="0" spid="325" grpId="7"/>
       <p:bldP build="whole" bldLvl="1" animBg="1" rev="0" advAuto="0" spid="298" grpId="8"/>
-      <p:bldP build="whole" bldLvl="1" animBg="1" rev="0" advAuto="0" spid="303" grpId="6"/>
-      <p:bldP build="whole" bldLvl="1" animBg="1" rev="0" advAuto="0" spid="322" grpId="2"/>
-      <p:bldP build="whole" bldLvl="1" animBg="1" rev="0" advAuto="0" spid="325" grpId="7"/>
     </p:bldLst>
   </p:timing>
 </p:sld>

--- a/Slides-RPR/2019-H1-DAA-L32-DynProg-MultiStage-Graphs.pptx
+++ b/Slides-RPR/2019-H1-DAA-L32-DynProg-MultiStage-Graphs.pptx
@@ -28,6 +28,15 @@
     <p:sldId id="273" r:id="rId25"/>
     <p:sldId id="274" r:id="rId26"/>
     <p:sldId id="275" r:id="rId27"/>
+    <p:sldId id="276" r:id="rId28"/>
+    <p:sldId id="277" r:id="rId29"/>
+    <p:sldId id="278" r:id="rId30"/>
+    <p:sldId id="279" r:id="rId31"/>
+    <p:sldId id="280" r:id="rId32"/>
+    <p:sldId id="281" r:id="rId33"/>
+    <p:sldId id="282" r:id="rId34"/>
+    <p:sldId id="283" r:id="rId35"/>
+    <p:sldId id="284" r:id="rId36"/>
   </p:sldIdLst>
   <p:sldSz cx="10160000" cy="7620000"/>
   <p:notesSz cx="6858000" cy="9144000"/>
@@ -3741,8 +3750,8 @@
     </p:tnLst>
     <p:bldLst>
       <p:bldP build="whole" bldLvl="1" animBg="1" rev="0" advAuto="0" spid="342" grpId="1"/>
+      <p:bldP build="p" bldLvl="5" animBg="1" rev="0" advAuto="0" spid="337" grpId="3"/>
       <p:bldP build="whole" bldLvl="1" animBg="1" rev="0" advAuto="0" spid="341" grpId="2"/>
-      <p:bldP build="p" bldLvl="5" animBg="1" rev="0" advAuto="0" spid="337" grpId="3"/>
     </p:bldLst>
   </p:timing>
 </p:sld>
@@ -21420,85 +21429,85 @@
       </p:par>
     </p:tnLst>
     <p:bldLst>
-      <p:bldP build="whole" bldLvl="1" animBg="1" rev="0" advAuto="0" spid="426" grpId="37"/>
+      <p:bldP build="whole" bldLvl="1" animBg="1" rev="0" advAuto="0" spid="449" grpId="43"/>
+      <p:bldP build="whole" bldLvl="1" animBg="1" rev="0" advAuto="0" spid="427" grpId="42"/>
+      <p:bldP build="whole" bldLvl="1" animBg="1" rev="0" advAuto="0" spid="431" grpId="41"/>
+      <p:bldP build="whole" bldLvl="1" animBg="1" rev="0" advAuto="0" spid="446" grpId="35"/>
+      <p:bldP build="whole" bldLvl="1" animBg="1" rev="0" advAuto="0" spid="440" grpId="72"/>
+      <p:bldP build="whole" bldLvl="1" animBg="1" rev="0" advAuto="0" spid="391" grpId="12"/>
+      <p:bldP build="whole" bldLvl="1" animBg="1" rev="0" advAuto="0" spid="417" grpId="24"/>
+      <p:bldP build="whole" bldLvl="1" animBg="1" rev="0" advAuto="0" spid="421" grpId="30"/>
+      <p:bldP build="whole" bldLvl="1" animBg="1" rev="0" advAuto="0" spid="441" grpId="73"/>
+      <p:bldP build="whole" bldLvl="1" animBg="1" rev="0" advAuto="0" spid="439" grpId="71"/>
+      <p:bldP build="whole" bldLvl="1" animBg="1" rev="0" advAuto="0" spid="389" grpId="8"/>
+      <p:bldP build="whole" bldLvl="1" animBg="1" rev="0" advAuto="0" spid="444" grpId="76"/>
+      <p:bldP build="whole" bldLvl="1" animBg="1" rev="0" advAuto="0" spid="387" grpId="4"/>
+      <p:bldP build="whole" bldLvl="1" animBg="1" rev="0" advAuto="0" spid="410" grpId="17"/>
+      <p:bldP build="whole" bldLvl="1" animBg="1" rev="0" advAuto="0" spid="456" grpId="54"/>
+      <p:bldP build="whole" bldLvl="1" animBg="1" rev="0" advAuto="0" spid="414" grpId="21"/>
+      <p:bldP build="whole" bldLvl="1" animBg="1" rev="0" advAuto="0" spid="392" grpId="13"/>
+      <p:bldP build="whole" bldLvl="1" animBg="1" rev="0" advAuto="0" spid="450" grpId="78"/>
+      <p:bldP build="whole" bldLvl="1" animBg="1" rev="0" advAuto="0" spid="390" grpId="10"/>
+      <p:bldP build="whole" bldLvl="1" animBg="1" rev="0" advAuto="0" spid="420" grpId="29"/>
+      <p:bldP build="whole" bldLvl="1" animBg="1" rev="0" advAuto="0" spid="433" grpId="47"/>
+      <p:bldP build="whole" bldLvl="1" animBg="1" rev="0" advAuto="0" spid="433" grpId="48"/>
       <p:bldP build="whole" bldLvl="1" animBg="1" rev="0" advAuto="0" spid="462" grpId="51"/>
       <p:bldP build="whole" bldLvl="1" animBg="1" rev="0" advAuto="0" spid="462" grpId="52"/>
+      <p:bldP build="whole" bldLvl="1" animBg="1" rev="0" advAuto="0" spid="395" grpId="16"/>
+      <p:bldP build="whole" bldLvl="1" animBg="1" rev="0" advAuto="0" spid="403" grpId="7"/>
+      <p:bldP build="whole" bldLvl="1" animBg="1" rev="0" advAuto="0" spid="458" grpId="59"/>
+      <p:bldP build="whole" bldLvl="1" animBg="1" rev="0" advAuto="0" spid="453" grpId="45"/>
+      <p:bldP build="whole" bldLvl="1" animBg="1" rev="0" advAuto="0" spid="458" grpId="60"/>
+      <p:bldP build="whole" bldLvl="1" animBg="1" rev="0" advAuto="0" spid="445" grpId="77"/>
+      <p:bldP build="whole" bldLvl="1" animBg="1" rev="0" advAuto="0" spid="443" grpId="75"/>
+      <p:bldP build="whole" bldLvl="1" animBg="1" rev="0" advAuto="0" spid="457" grpId="55"/>
+      <p:bldP build="whole" bldLvl="1" animBg="1" rev="0" advAuto="0" spid="448" grpId="66"/>
+      <p:bldP build="whole" bldLvl="1" animBg="1" rev="0" advAuto="0" spid="460" grpId="63"/>
+      <p:bldP build="whole" bldLvl="1" animBg="1" rev="0" advAuto="0" spid="393" grpId="14"/>
+      <p:bldP build="whole" bldLvl="1" animBg="1" rev="0" advAuto="0" spid="460" grpId="64"/>
+      <p:bldP build="whole" bldLvl="1" animBg="1" rev="0" advAuto="0" spid="388" grpId="6"/>
+      <p:bldP build="whole" bldLvl="1" animBg="1" rev="0" advAuto="0" spid="394" grpId="15"/>
+      <p:bldP build="whole" bldLvl="1" animBg="1" rev="0" advAuto="0" spid="400" grpId="3"/>
+      <p:bldP build="whole" bldLvl="1" animBg="1" rev="0" advAuto="0" spid="434" grpId="49"/>
+      <p:bldP build="whole" bldLvl="1" animBg="1" rev="0" advAuto="0" spid="434" grpId="50"/>
+      <p:bldP build="whole" bldLvl="1" animBg="1" rev="0" advAuto="0" spid="418" grpId="25"/>
+      <p:bldP build="whole" bldLvl="1" animBg="1" rev="0" advAuto="0" spid="442" grpId="74"/>
+      <p:bldP build="whole" bldLvl="1" animBg="1" rev="0" advAuto="0" spid="413" grpId="20"/>
+      <p:bldP build="whole" bldLvl="1" animBg="1" rev="0" advAuto="0" spid="438" grpId="70"/>
+      <p:bldP build="whole" bldLvl="1" animBg="1" rev="0" advAuto="0" spid="453" grpId="79"/>
+      <p:bldP build="whole" bldLvl="1" animBg="1" rev="0" advAuto="0" spid="432" grpId="46"/>
+      <p:bldP build="whole" bldLvl="1" animBg="1" rev="0" advAuto="0" spid="454" grpId="44"/>
+      <p:bldP build="whole" bldLvl="1" animBg="1" rev="0" advAuto="0" spid="436" grpId="68"/>
+      <p:bldP build="whole" bldLvl="1" animBg="1" rev="0" advAuto="0" spid="409" grpId="11"/>
+      <p:bldP build="whole" bldLvl="1" animBg="1" rev="0" advAuto="0" spid="411" grpId="18"/>
+      <p:bldP build="whole" bldLvl="1" animBg="1" rev="0" advAuto="0" spid="386" grpId="2"/>
+      <p:bldP build="whole" bldLvl="1" animBg="1" rev="0" advAuto="0" spid="412" grpId="19"/>
+      <p:bldP build="whole" bldLvl="1" animBg="1" rev="0" advAuto="0" spid="396" grpId="67"/>
+      <p:bldP build="whole" bldLvl="1" animBg="1" rev="0" advAuto="0" spid="416" grpId="23"/>
+      <p:bldP build="whole" bldLvl="1" animBg="1" rev="0" advAuto="0" spid="380" grpId="39"/>
+      <p:bldP build="whole" bldLvl="1" animBg="1" rev="0" advAuto="0" spid="380" grpId="40"/>
+      <p:bldP build="whole" bldLvl="1" animBg="1" rev="0" advAuto="0" spid="426" grpId="37"/>
+      <p:bldP build="whole" bldLvl="1" animBg="1" rev="0" advAuto="0" spid="451" grpId="36"/>
       <p:bldP build="whole" bldLvl="1" animBg="1" rev="0" advAuto="0" spid="426" grpId="38"/>
       <p:bldP build="whole" bldLvl="1" animBg="1" rev="0" advAuto="0" spid="425" grpId="34"/>
-      <p:bldP build="whole" bldLvl="1" animBg="1" rev="0" advAuto="0" spid="409" grpId="11"/>
-      <p:bldP build="whole" bldLvl="1" animBg="1" rev="0" advAuto="0" spid="446" grpId="35"/>
-      <p:bldP build="whole" bldLvl="1" animBg="1" rev="0" advAuto="0" spid="422" grpId="31"/>
-      <p:bldP build="whole" bldLvl="1" animBg="1" rev="0" advAuto="0" spid="387" grpId="4"/>
-      <p:bldP build="whole" bldLvl="1" animBg="1" rev="0" advAuto="0" spid="448" grpId="66"/>
-      <p:bldP build="whole" bldLvl="1" animBg="1" rev="0" advAuto="0" spid="388" grpId="6"/>
-      <p:bldP build="whole" bldLvl="1" animBg="1" rev="0" advAuto="0" spid="411" grpId="18"/>
-      <p:bldP build="whole" bldLvl="1" animBg="1" rev="0" advAuto="0" spid="433" grpId="47"/>
-      <p:bldP build="whole" bldLvl="1" animBg="1" rev="0" advAuto="0" spid="391" grpId="12"/>
-      <p:bldP build="whole" bldLvl="1" animBg="1" rev="0" advAuto="0" spid="433" grpId="48"/>
-      <p:bldP build="whole" bldLvl="1" animBg="1" rev="0" advAuto="0" spid="389" grpId="8"/>
-      <p:bldP build="whole" bldLvl="1" animBg="1" rev="0" advAuto="0" spid="393" grpId="14"/>
-      <p:bldP build="whole" bldLvl="1" animBg="1" rev="0" advAuto="0" spid="460" grpId="63"/>
-      <p:bldP build="whole" bldLvl="1" animBg="1" rev="0" advAuto="0" spid="414" grpId="21"/>
-      <p:bldP build="whole" bldLvl="1" animBg="1" rev="0" advAuto="0" spid="460" grpId="64"/>
-      <p:bldP build="whole" bldLvl="1" animBg="1" rev="0" advAuto="0" spid="439" grpId="71"/>
-      <p:bldP build="whole" bldLvl="1" animBg="1" rev="0" advAuto="0" spid="444" grpId="76"/>
-      <p:bldP build="whole" bldLvl="1" animBg="1" rev="0" advAuto="0" spid="445" grpId="77"/>
-      <p:bldP build="whole" bldLvl="1" animBg="1" rev="0" advAuto="0" spid="456" grpId="54"/>
-      <p:bldP build="whole" bldLvl="1" animBg="1" rev="0" advAuto="0" spid="394" grpId="15"/>
-      <p:bldP build="whole" bldLvl="1" animBg="1" rev="0" advAuto="0" spid="417" grpId="24"/>
+      <p:bldP build="whole" bldLvl="1" animBg="1" rev="0" advAuto="0" spid="455" grpId="53"/>
+      <p:bldP build="whole" bldLvl="1" animBg="1" rev="0" advAuto="0" spid="447" grpId="56"/>
       <p:bldP build="whole" bldLvl="1" animBg="1" rev="0" advAuto="0" spid="459" grpId="61"/>
+      <p:bldP build="whole" bldLvl="1" animBg="1" rev="0" advAuto="0" spid="419" grpId="26"/>
       <p:bldP build="whole" bldLvl="1" animBg="1" rev="0" advAuto="0" spid="459" grpId="62"/>
-      <p:bldP build="whole" bldLvl="1" animBg="1" rev="0" advAuto="0" spid="421" grpId="30"/>
-      <p:bldP build="whole" bldLvl="1" animBg="1" rev="0" advAuto="0" spid="451" grpId="36"/>
-      <p:bldP build="whole" bldLvl="1" animBg="1" rev="0" advAuto="0" spid="395" grpId="16"/>
-      <p:bldP build="whole" bldLvl="1" animBg="1" rev="0" advAuto="0" spid="400" grpId="3"/>
-      <p:bldP build="whole" bldLvl="1" animBg="1" rev="0" advAuto="0" spid="386" grpId="2"/>
-      <p:bldP build="whole" bldLvl="1" animBg="1" rev="0" advAuto="0" spid="432" grpId="46"/>
-      <p:bldP build="whole" bldLvl="1" animBg="1" rev="0" advAuto="0" spid="453" grpId="45"/>
-      <p:bldP build="whole" bldLvl="1" animBg="1" rev="0" advAuto="0" spid="380" grpId="40"/>
+      <p:bldP build="whole" bldLvl="1" animBg="1" rev="0" advAuto="0" spid="423" grpId="32"/>
+      <p:bldP build="whole" bldLvl="1" animBg="1" rev="0" advAuto="0" spid="461" grpId="65"/>
       <p:bldP build="whole" bldLvl="1" animBg="1" rev="0" advAuto="0" spid="397" grpId="1"/>
-      <p:bldP build="whole" bldLvl="1" animBg="1" rev="0" advAuto="0" spid="415" grpId="22"/>
-      <p:bldP build="whole" bldLvl="1" animBg="1" rev="0" advAuto="0" spid="390" grpId="10"/>
-      <p:bldP build="whole" bldLvl="1" animBg="1" rev="0" advAuto="0" spid="380" grpId="39"/>
-      <p:bldP build="whole" bldLvl="1" animBg="1" rev="0" advAuto="0" spid="436" grpId="68"/>
-      <p:bldP build="whole" bldLvl="1" animBg="1" rev="0" advAuto="0" spid="443" grpId="75"/>
-      <p:bldP build="whole" bldLvl="1" animBg="1" rev="0" advAuto="0" spid="392" grpId="13"/>
-      <p:bldP build="whole" bldLvl="1" animBg="1" rev="0" advAuto="0" spid="412" grpId="19"/>
-      <p:bldP build="whole" bldLvl="1" animBg="1" rev="0" advAuto="0" spid="406" grpId="9"/>
-      <p:bldP build="whole" bldLvl="1" animBg="1" rev="0" advAuto="0" spid="430" grpId="5"/>
-      <p:bldP build="whole" bldLvl="1" animBg="1" rev="0" advAuto="0" spid="455" grpId="53"/>
-      <p:bldP build="whole" bldLvl="1" animBg="1" rev="0" advAuto="0" spid="458" grpId="59"/>
-      <p:bldP build="whole" bldLvl="1" animBg="1" rev="0" advAuto="0" spid="458" grpId="60"/>
-      <p:bldP build="whole" bldLvl="1" animBg="1" rev="0" advAuto="0" spid="461" grpId="65"/>
+      <p:bldP build="whole" bldLvl="1" animBg="1" rev="0" advAuto="0" spid="435" grpId="57"/>
+      <p:bldP build="whole" bldLvl="1" animBg="1" rev="0" advAuto="0" spid="435" grpId="58"/>
       <p:bldP build="whole" bldLvl="1" animBg="1" rev="0" advAuto="0" spid="437" grpId="69"/>
-      <p:bldP build="whole" bldLvl="1" animBg="1" rev="0" advAuto="0" spid="419" grpId="26"/>
-      <p:bldP build="whole" bldLvl="1" animBg="1" rev="0" advAuto="0" spid="423" grpId="32"/>
-      <p:bldP build="whole" bldLvl="1" animBg="1" rev="0" advAuto="0" spid="410" grpId="17"/>
-      <p:bldP build="whole" bldLvl="1" animBg="1" rev="0" advAuto="0" spid="449" grpId="43"/>
-      <p:bldP build="whole" bldLvl="1" animBg="1" rev="0" advAuto="0" spid="457" grpId="55"/>
-      <p:bldP build="whole" bldLvl="1" animBg="1" rev="0" advAuto="0" spid="440" grpId="72"/>
-      <p:bldP build="whole" bldLvl="1" animBg="1" rev="0" advAuto="0" spid="453" grpId="79"/>
-      <p:bldP build="whole" bldLvl="1" animBg="1" rev="0" advAuto="0" spid="435" grpId="57"/>
-      <p:bldP build="whole" bldLvl="1" animBg="1" rev="0" advAuto="0" spid="418" grpId="25"/>
-      <p:bldP build="whole" bldLvl="1" animBg="1" rev="0" advAuto="0" spid="447" grpId="56"/>
-      <p:bldP build="whole" bldLvl="1" animBg="1" rev="0" advAuto="0" spid="435" grpId="58"/>
-      <p:bldP build="whole" bldLvl="1" animBg="1" rev="0" advAuto="0" spid="442" grpId="74"/>
-      <p:bldP build="whole" bldLvl="1" animBg="1" rev="0" advAuto="0" spid="454" grpId="44"/>
-      <p:bldP build="whole" bldLvl="1" animBg="1" rev="0" advAuto="0" spid="441" grpId="73"/>
-      <p:bldP build="whole" bldLvl="1" animBg="1" rev="0" advAuto="0" spid="431" grpId="41"/>
-      <p:bldP build="whole" bldLvl="1" animBg="1" rev="0" advAuto="0" spid="396" grpId="67"/>
-      <p:bldP build="whole" bldLvl="1" animBg="1" rev="0" advAuto="0" spid="413" grpId="20"/>
-      <p:bldP build="whole" bldLvl="1" animBg="1" rev="0" advAuto="0" spid="416" grpId="23"/>
       <p:bldP build="whole" bldLvl="1" animBg="1" rev="0" advAuto="0" spid="452" grpId="27"/>
       <p:bldP build="whole" bldLvl="1" animBg="1" rev="0" advAuto="0" spid="452" grpId="28"/>
-      <p:bldP build="whole" bldLvl="1" animBg="1" rev="0" advAuto="0" spid="403" grpId="7"/>
-      <p:bldP build="whole" bldLvl="1" animBg="1" rev="0" advAuto="0" spid="438" grpId="70"/>
-      <p:bldP build="whole" bldLvl="1" animBg="1" rev="0" advAuto="0" spid="450" grpId="78"/>
-      <p:bldP build="whole" bldLvl="1" animBg="1" rev="0" advAuto="0" spid="427" grpId="42"/>
-      <p:bldP build="whole" bldLvl="1" animBg="1" rev="0" advAuto="0" spid="420" grpId="29"/>
-      <p:bldP build="whole" bldLvl="1" animBg="1" rev="0" advAuto="0" spid="434" grpId="49"/>
-      <p:bldP build="whole" bldLvl="1" animBg="1" rev="0" advAuto="0" spid="434" grpId="50"/>
+      <p:bldP build="whole" bldLvl="1" animBg="1" rev="0" advAuto="0" spid="415" grpId="22"/>
+      <p:bldP build="whole" bldLvl="1" animBg="1" rev="0" advAuto="0" spid="422" grpId="31"/>
       <p:bldP build="whole" bldLvl="1" animBg="1" rev="0" advAuto="0" spid="424" grpId="33"/>
+      <p:bldP build="whole" bldLvl="1" animBg="1" rev="0" advAuto="0" spid="430" grpId="5"/>
+      <p:bldP build="whole" bldLvl="1" animBg="1" rev="0" advAuto="0" spid="406" grpId="9"/>
     </p:bldLst>
   </p:timing>
 </p:sld>
@@ -22565,7 +22574,16 @@
               <a:t> 1</a:t>
             </a:r>
             <a:r>
-              <a:t> // compute cost[j]</a:t>
+              <a:t> // compute </a:t>
+            </a:r>
+            <a:r>
+              <a:rPr>
+                <a:latin typeface="Courier New"/>
+                <a:ea typeface="Courier New"/>
+                <a:cs typeface="Courier New"/>
+                <a:sym typeface="Courier New"/>
+              </a:rPr>
+              <a:t>cost[j]</a:t>
             </a:r>
           </a:p>
           <a:p>
@@ -22853,6 +22871,5609 @@
       <p:sp>
         <p:nvSpPr>
           <p:cNvPr id="474" name="RPR/"/>
+          <p:cNvSpPr txBox="1"/>
+          <p:nvPr/>
+        </p:nvSpPr>
+        <p:spPr>
+          <a:xfrm>
+            <a:off x="7535212" y="6988206"/>
+            <a:ext cx="705605" cy="382910"/>
+          </a:xfrm>
+          <a:prstGeom prst="rect">
+            <a:avLst/>
+          </a:prstGeom>
+          <a:ln w="12700">
+            <a:miter lim="400000"/>
+          </a:ln>
+          <a:extLst>
+            <a:ext uri="{C572A759-6A51-4108-AA02-DFA0A04FC94B}">
+              <ma14:wrappingTextBoxFlag xmlns:ma14="http://schemas.microsoft.com/office/mac/drawingml/2011/main" val="1"/>
+            </a:ext>
+          </a:extLst>
+        </p:spPr>
+        <p:txBody>
+          <a:bodyPr wrap="none" lIns="50800" tIns="50800" rIns="50800" bIns="50800" anchor="ctr">
+            <a:spAutoFit/>
+          </a:bodyPr>
+          <a:lstStyle>
+            <a:lvl1pPr>
+              <a:defRPr sz="2000"/>
+            </a:lvl1pPr>
+          </a:lstStyle>
+          <a:p>
+            <a:pPr/>
+            <a:r>
+              <a:t>RPR/</a:t>
+            </a:r>
+          </a:p>
+        </p:txBody>
+      </p:sp>
+    </p:spTree>
+  </p:cSld>
+  <p:clrMapOvr>
+    <a:masterClrMapping/>
+  </p:clrMapOvr>
+  <p:transition xmlns:p14="http://schemas.microsoft.com/office/powerpoint/2010/main" spd="med" advClick="1"/>
+</p:sld>
+</file>
+
+<file path=ppt/slides/slide19.xml><?xml version="1.0" encoding="utf-8"?>
+<p:sld xmlns:a="http://schemas.openxmlformats.org/drawingml/2006/main" xmlns:r="http://schemas.openxmlformats.org/officeDocument/2006/relationships" xmlns:p="http://schemas.openxmlformats.org/presentationml/2006/main" xmlns:m="http://schemas.openxmlformats.org/officeDocument/2006/math" xmlns:a14="http://schemas.microsoft.com/office/drawing/2010/main" showMasterSp="1" showMasterPhAnim="1">
+  <p:cSld>
+    <p:spTree>
+      <p:nvGrpSpPr>
+        <p:cNvPr id="1" name=""/>
+        <p:cNvGrpSpPr/>
+        <p:nvPr/>
+      </p:nvGrpSpPr>
+      <p:grpSpPr>
+        <a:xfrm>
+          <a:off x="0" y="0"/>
+          <a:ext cx="0" cy="0"/>
+          <a:chOff x="0" y="0"/>
+          <a:chExt cx="0" cy="0"/>
+        </a:xfrm>
+      </p:grpSpPr>
+      <p:sp>
+        <p:nvSpPr>
+          <p:cNvPr id="476" name="DP Backward approach: Algo"/>
+          <p:cNvSpPr txBox="1"/>
+          <p:nvPr>
+            <p:ph type="title"/>
+          </p:nvPr>
+        </p:nvSpPr>
+        <p:spPr>
+          <a:prstGeom prst="rect">
+            <a:avLst/>
+          </a:prstGeom>
+        </p:spPr>
+        <p:txBody>
+          <a:bodyPr/>
+          <a:lstStyle/>
+          <a:p>
+            <a:pPr/>
+            <a:r>
+              <a:t>DP Backward approach: Algo</a:t>
+            </a:r>
+          </a:p>
+        </p:txBody>
+      </p:sp>
+      <p:sp>
+        <p:nvSpPr>
+          <p:cNvPr id="477" name="Algo: BGraph(Graph G, int k, int p[])…"/>
+          <p:cNvSpPr txBox="1"/>
+          <p:nvPr>
+            <p:ph type="body" idx="1"/>
+          </p:nvPr>
+        </p:nvSpPr>
+        <p:spPr>
+          <a:xfrm>
+            <a:off x="552194" y="864195"/>
+            <a:ext cx="9055612" cy="6059584"/>
+          </a:xfrm>
+          <a:prstGeom prst="rect">
+            <a:avLst/>
+          </a:prstGeom>
+        </p:spPr>
+        <p:txBody>
+          <a:bodyPr/>
+          <a:lstStyle/>
+          <a:p>
+            <a:pPr marL="0" indent="0">
+              <a:spcBef>
+                <a:spcPts val="200"/>
+              </a:spcBef>
+              <a:buSzTx/>
+              <a:buNone/>
+              <a:defRPr sz="3000"/>
+            </a:pPr>
+            <a:r>
+              <a:t>Algo: </a:t>
+            </a:r>
+            <a:r>
+              <a:rPr>
+                <a:latin typeface="Courier New"/>
+                <a:ea typeface="Courier New"/>
+                <a:cs typeface="Courier New"/>
+                <a:sym typeface="Courier New"/>
+              </a:rPr>
+              <a:t>BGraph(Graph G, int k, int p[])</a:t>
+            </a:r>
+            <a:endParaRPr>
+              <a:latin typeface="Courier New"/>
+              <a:ea typeface="Courier New"/>
+              <a:cs typeface="Courier New"/>
+              <a:sym typeface="Courier New"/>
+            </a:endParaRPr>
+          </a:p>
+          <a:p>
+            <a:pPr marL="0" indent="0">
+              <a:lnSpc>
+                <a:spcPct val="80000"/>
+              </a:lnSpc>
+              <a:spcBef>
+                <a:spcPts val="0"/>
+              </a:spcBef>
+              <a:buSzTx/>
+              <a:buNone/>
+              <a:defRPr sz="3000">
+                <a:latin typeface="Gill Sans MT"/>
+                <a:ea typeface="Gill Sans MT"/>
+                <a:cs typeface="Gill Sans MT"/>
+                <a:sym typeface="Gill Sans MT"/>
+              </a:defRPr>
+            </a:pPr>
+            <a:r>
+              <a:t>// i/p </a:t>
+            </a:r>
+            <a:r>
+              <a:rPr>
+                <a:latin typeface="Courier New"/>
+                <a:ea typeface="Courier New"/>
+                <a:cs typeface="Courier New"/>
+                <a:sym typeface="Courier New"/>
+              </a:rPr>
+              <a:t>k</a:t>
+            </a:r>
+            <a:r>
+              <a:t>-stage graph </a:t>
+            </a:r>
+            <a:r>
+              <a:rPr>
+                <a:latin typeface="Courier New"/>
+                <a:ea typeface="Courier New"/>
+                <a:cs typeface="Courier New"/>
+                <a:sym typeface="Courier New"/>
+              </a:rPr>
+              <a:t>n</a:t>
+            </a:r>
+            <a:r>
+              <a:t> vertices indexed in order of stages.</a:t>
+            </a:r>
+          </a:p>
+          <a:p>
+            <a:pPr marL="0" indent="0">
+              <a:lnSpc>
+                <a:spcPct val="80000"/>
+              </a:lnSpc>
+              <a:spcBef>
+                <a:spcPts val="0"/>
+              </a:spcBef>
+              <a:buSzTx/>
+              <a:buNone/>
+              <a:defRPr sz="3000">
+                <a:latin typeface="Gill Sans MT"/>
+                <a:ea typeface="Gill Sans MT"/>
+                <a:cs typeface="Gill Sans MT"/>
+                <a:sym typeface="Gill Sans MT"/>
+              </a:defRPr>
+            </a:pPr>
+            <a:r>
+              <a:t>//      edge </a:t>
+            </a:r>
+            <a:r>
+              <a:rPr>
+                <a:latin typeface="Courier New"/>
+                <a:ea typeface="Courier New"/>
+                <a:cs typeface="Courier New"/>
+                <a:sym typeface="Courier New"/>
+              </a:rPr>
+              <a:t>c(i,j)</a:t>
+            </a:r>
+            <a:r>
+              <a:t> is cost of edge </a:t>
+            </a:r>
+            <a:r>
+              <a:rPr>
+                <a:latin typeface="Courier New"/>
+                <a:ea typeface="Courier New"/>
+                <a:cs typeface="Courier New"/>
+                <a:sym typeface="Courier New"/>
+              </a:rPr>
+              <a:t>v</a:t>
+            </a:r>
+            <a:r>
+              <a:rPr baseline="-5999">
+                <a:latin typeface="Courier New"/>
+                <a:ea typeface="Courier New"/>
+                <a:cs typeface="Courier New"/>
+                <a:sym typeface="Courier New"/>
+              </a:rPr>
+              <a:t>i</a:t>
+            </a:r>
+            <a:r>
+              <a:rPr>
+                <a:latin typeface="Courier New"/>
+                <a:ea typeface="Courier New"/>
+                <a:cs typeface="Courier New"/>
+                <a:sym typeface="Courier New"/>
+              </a:rPr>
+              <a:t>→v</a:t>
+            </a:r>
+            <a:r>
+              <a:rPr baseline="-5999">
+                <a:latin typeface="Courier New"/>
+                <a:ea typeface="Courier New"/>
+                <a:cs typeface="Courier New"/>
+                <a:sym typeface="Courier New"/>
+              </a:rPr>
+              <a:t>j</a:t>
+            </a:r>
+            <a:endParaRPr>
+              <a:latin typeface="Courier New"/>
+              <a:ea typeface="Courier New"/>
+              <a:cs typeface="Courier New"/>
+              <a:sym typeface="Courier New"/>
+            </a:endParaRPr>
+          </a:p>
+          <a:p>
+            <a:pPr marL="0" indent="0">
+              <a:lnSpc>
+                <a:spcPct val="80000"/>
+              </a:lnSpc>
+              <a:spcBef>
+                <a:spcPts val="0"/>
+              </a:spcBef>
+              <a:buSzTx/>
+              <a:buNone/>
+              <a:defRPr sz="3000">
+                <a:latin typeface="Gill Sans MT"/>
+                <a:ea typeface="Gill Sans MT"/>
+                <a:cs typeface="Gill Sans MT"/>
+                <a:sym typeface="Gill Sans MT"/>
+              </a:defRPr>
+            </a:pPr>
+            <a:r>
+              <a:t>//      </a:t>
+            </a:r>
+            <a:r>
+              <a:rPr>
+                <a:latin typeface="Courier New"/>
+                <a:ea typeface="Courier New"/>
+                <a:cs typeface="Courier New"/>
+                <a:sym typeface="Courier New"/>
+              </a:rPr>
+              <a:t>p[1:k]</a:t>
+            </a:r>
+            <a:r>
+              <a:t> is a minimum cost path</a:t>
+            </a:r>
+          </a:p>
+          <a:p>
+            <a:pPr lvl="1" marL="0" indent="228600">
+              <a:spcBef>
+                <a:spcPts val="200"/>
+              </a:spcBef>
+              <a:buSzTx/>
+              <a:buNone/>
+              <a:defRPr>
+                <a:latin typeface="Gill Sans MT"/>
+                <a:ea typeface="Gill Sans MT"/>
+                <a:cs typeface="Gill Sans MT"/>
+                <a:sym typeface="Gill Sans MT"/>
+              </a:defRPr>
+            </a:pPr>
+            <a:r>
+              <a:rPr i="1" u="sng"/>
+              <a:t>float</a:t>
+            </a:r>
+            <a:r>
+              <a:t> </a:t>
+            </a:r>
+            <a:r>
+              <a:rPr>
+                <a:latin typeface="Courier New"/>
+                <a:ea typeface="Courier New"/>
+                <a:cs typeface="Courier New"/>
+                <a:sym typeface="Courier New"/>
+              </a:rPr>
+              <a:t>bcost[maxsize]</a:t>
+            </a:r>
+            <a:r>
+              <a:t>;  </a:t>
+            </a:r>
+            <a:r>
+              <a:rPr i="1" u="sng"/>
+              <a:t>int</a:t>
+            </a:r>
+            <a:r>
+              <a:t> </a:t>
+            </a:r>
+            <a:r>
+              <a:rPr>
+                <a:latin typeface="Courier New"/>
+                <a:ea typeface="Courier New"/>
+                <a:cs typeface="Courier New"/>
+                <a:sym typeface="Courier New"/>
+              </a:rPr>
+              <a:t>d[maxsize], r;</a:t>
+            </a:r>
+            <a:endParaRPr>
+              <a:latin typeface="Courier New"/>
+              <a:ea typeface="Courier New"/>
+              <a:cs typeface="Courier New"/>
+              <a:sym typeface="Courier New"/>
+            </a:endParaRPr>
+          </a:p>
+          <a:p>
+            <a:pPr lvl="1" marL="0" indent="228600">
+              <a:spcBef>
+                <a:spcPts val="200"/>
+              </a:spcBef>
+              <a:buSzTx/>
+              <a:buNone/>
+              <a:defRPr>
+                <a:latin typeface="Gill Sans MT"/>
+                <a:ea typeface="Gill Sans MT"/>
+                <a:cs typeface="Gill Sans MT"/>
+                <a:sym typeface="Gill Sans MT"/>
+              </a:defRPr>
+            </a:pPr>
+            <a:r>
+              <a:rPr>
+                <a:latin typeface="Courier New"/>
+                <a:ea typeface="Courier New"/>
+                <a:cs typeface="Courier New"/>
+                <a:sym typeface="Courier New"/>
+              </a:rPr>
+              <a:t>bcost[n]=0.0</a:t>
+            </a:r>
+            <a:endParaRPr>
+              <a:latin typeface="Courier New"/>
+              <a:ea typeface="Courier New"/>
+              <a:cs typeface="Courier New"/>
+              <a:sym typeface="Courier New"/>
+            </a:endParaRPr>
+          </a:p>
+          <a:p>
+            <a:pPr lvl="1" marL="0" indent="228600">
+              <a:spcBef>
+                <a:spcPts val="200"/>
+              </a:spcBef>
+              <a:buSzTx/>
+              <a:buNone/>
+              <a:defRPr>
+                <a:latin typeface="Gill Sans MT"/>
+                <a:ea typeface="Gill Sans MT"/>
+                <a:cs typeface="Gill Sans MT"/>
+                <a:sym typeface="Gill Sans MT"/>
+              </a:defRPr>
+            </a:pPr>
+            <a:r>
+              <a:rPr i="1" u="sng"/>
+              <a:t>for</a:t>
+            </a:r>
+            <a:r>
+              <a:rPr>
+                <a:latin typeface="Courier New"/>
+                <a:ea typeface="Courier New"/>
+                <a:cs typeface="Courier New"/>
+                <a:sym typeface="Courier New"/>
+              </a:rPr>
+              <a:t> j=2 </a:t>
+            </a:r>
+            <a:r>
+              <a:rPr i="1" u="sng"/>
+              <a:t>to</a:t>
+            </a:r>
+            <a:r>
+              <a:rPr>
+                <a:latin typeface="Courier New"/>
+                <a:ea typeface="Courier New"/>
+                <a:cs typeface="Courier New"/>
+                <a:sym typeface="Courier New"/>
+              </a:rPr>
+              <a:t> n</a:t>
+            </a:r>
+            <a:r>
+              <a:t> // compute b</a:t>
+            </a:r>
+            <a:r>
+              <a:rPr>
+                <a:latin typeface="Courier New"/>
+                <a:ea typeface="Courier New"/>
+                <a:cs typeface="Courier New"/>
+                <a:sym typeface="Courier New"/>
+              </a:rPr>
+              <a:t>cost[j]</a:t>
+            </a:r>
+          </a:p>
+          <a:p>
+            <a:pPr lvl="3" marL="0" indent="685800">
+              <a:spcBef>
+                <a:spcPts val="200"/>
+              </a:spcBef>
+              <a:buSzTx/>
+              <a:buNone/>
+              <a:defRPr sz="3000">
+                <a:latin typeface="Gill Sans MT"/>
+                <a:ea typeface="Gill Sans MT"/>
+                <a:cs typeface="Gill Sans MT"/>
+                <a:sym typeface="Gill Sans MT"/>
+              </a:defRPr>
+            </a:pPr>
+            <a:r>
+              <a:t>Let </a:t>
+            </a:r>
+            <a:r>
+              <a:rPr>
+                <a:latin typeface="Courier New"/>
+                <a:ea typeface="Courier New"/>
+                <a:cs typeface="Courier New"/>
+                <a:sym typeface="Courier New"/>
+              </a:rPr>
+              <a:t>r</a:t>
+            </a:r>
+            <a:r>
+              <a:t> be a vertex such that </a:t>
+            </a:r>
+            <a:r>
+              <a:rPr>
+                <a:latin typeface="Courier New"/>
+                <a:ea typeface="Courier New"/>
+                <a:cs typeface="Courier New"/>
+                <a:sym typeface="Courier New"/>
+              </a:rPr>
+              <a:t>v</a:t>
+            </a:r>
+            <a:r>
+              <a:rPr baseline="-5999">
+                <a:latin typeface="Courier New"/>
+                <a:ea typeface="Courier New"/>
+                <a:cs typeface="Courier New"/>
+                <a:sym typeface="Courier New"/>
+              </a:rPr>
+              <a:t>r </a:t>
+            </a:r>
+            <a:r>
+              <a:rPr>
+                <a:latin typeface="Courier New"/>
+                <a:ea typeface="Courier New"/>
+                <a:cs typeface="Courier New"/>
+                <a:sym typeface="Courier New"/>
+              </a:rPr>
+              <a:t>→ v</a:t>
+            </a:r>
+            <a:r>
+              <a:rPr baseline="-5999">
+                <a:latin typeface="Courier New"/>
+                <a:ea typeface="Courier New"/>
+                <a:cs typeface="Courier New"/>
+                <a:sym typeface="Courier New"/>
+              </a:rPr>
+              <a:t>j </a:t>
+            </a:r>
+            <a:r>
+              <a:t>is an edge, and </a:t>
+            </a:r>
+          </a:p>
+          <a:p>
+            <a:pPr lvl="3" marL="0" indent="685800">
+              <a:spcBef>
+                <a:spcPts val="200"/>
+              </a:spcBef>
+              <a:buSzTx/>
+              <a:buNone/>
+              <a:defRPr sz="3000">
+                <a:latin typeface="Courier New"/>
+                <a:ea typeface="Courier New"/>
+                <a:cs typeface="Courier New"/>
+                <a:sym typeface="Courier New"/>
+              </a:defRPr>
+            </a:pPr>
+            <a:r>
+              <a:t>bcost[r]+c(r,j)</a:t>
+            </a:r>
+            <a:r>
+              <a:rPr>
+                <a:latin typeface="Gill Sans MT"/>
+                <a:ea typeface="Gill Sans MT"/>
+                <a:cs typeface="Gill Sans MT"/>
+                <a:sym typeface="Gill Sans MT"/>
+              </a:rPr>
+              <a:t> is minimum</a:t>
+            </a:r>
+            <a:endParaRPr>
+              <a:latin typeface="Gill Sans MT"/>
+              <a:ea typeface="Gill Sans MT"/>
+              <a:cs typeface="Gill Sans MT"/>
+              <a:sym typeface="Gill Sans MT"/>
+            </a:endParaRPr>
+          </a:p>
+          <a:p>
+            <a:pPr lvl="3" marL="0" indent="685800">
+              <a:spcBef>
+                <a:spcPts val="200"/>
+              </a:spcBef>
+              <a:buSzTx/>
+              <a:buNone/>
+              <a:defRPr sz="3000">
+                <a:latin typeface="Courier New"/>
+                <a:ea typeface="Courier New"/>
+                <a:cs typeface="Courier New"/>
+                <a:sym typeface="Courier New"/>
+              </a:defRPr>
+            </a:pPr>
+            <a:r>
+              <a:rPr>
+                <a:latin typeface="Gill Sans MT"/>
+                <a:ea typeface="Gill Sans MT"/>
+                <a:cs typeface="Gill Sans MT"/>
+                <a:sym typeface="Gill Sans MT"/>
+              </a:rPr>
+              <a:t>b</a:t>
+            </a:r>
+            <a:r>
+              <a:t>cost[j] = bcost(r) + c[r,j) </a:t>
+            </a:r>
+          </a:p>
+          <a:p>
+            <a:pPr lvl="3" marL="0" indent="685800">
+              <a:spcBef>
+                <a:spcPts val="200"/>
+              </a:spcBef>
+              <a:buSzTx/>
+              <a:buNone/>
+              <a:defRPr sz="3000">
+                <a:latin typeface="Courier New"/>
+                <a:ea typeface="Courier New"/>
+                <a:cs typeface="Courier New"/>
+                <a:sym typeface="Courier New"/>
+              </a:defRPr>
+            </a:pPr>
+            <a:r>
+              <a:t>d[j]=r</a:t>
+            </a:r>
+          </a:p>
+          <a:p>
+            <a:pPr lvl="1" marL="0" indent="228600">
+              <a:spcBef>
+                <a:spcPts val="200"/>
+              </a:spcBef>
+              <a:buSzTx/>
+              <a:buNone/>
+              <a:defRPr>
+                <a:latin typeface="Courier New"/>
+                <a:ea typeface="Courier New"/>
+                <a:cs typeface="Courier New"/>
+                <a:sym typeface="Courier New"/>
+              </a:defRPr>
+            </a:pPr>
+            <a:r>
+              <a:t>p[1]=1; p[k]=n;</a:t>
+            </a:r>
+          </a:p>
+          <a:p>
+            <a:pPr lvl="1" marL="0" indent="228600">
+              <a:spcBef>
+                <a:spcPts val="200"/>
+              </a:spcBef>
+              <a:buSzTx/>
+              <a:buNone/>
+              <a:defRPr>
+                <a:latin typeface="Courier New"/>
+                <a:ea typeface="Courier New"/>
+                <a:cs typeface="Courier New"/>
+                <a:sym typeface="Courier New"/>
+              </a:defRPr>
+            </a:pPr>
+            <a:r>
+              <a:rPr i="1" u="sng">
+                <a:latin typeface="Gill Sans MT"/>
+                <a:ea typeface="Gill Sans MT"/>
+                <a:cs typeface="Gill Sans MT"/>
+                <a:sym typeface="Gill Sans MT"/>
+              </a:rPr>
+              <a:t>for</a:t>
+            </a:r>
+            <a:r>
+              <a:t> j=k-1 </a:t>
+            </a:r>
+            <a:r>
+              <a:rPr i="1" u="sng">
+                <a:latin typeface="Gill Sans MT"/>
+                <a:ea typeface="Gill Sans MT"/>
+                <a:cs typeface="Gill Sans MT"/>
+                <a:sym typeface="Gill Sans MT"/>
+              </a:rPr>
+              <a:t>to</a:t>
+            </a:r>
+            <a:r>
+              <a:t> 2</a:t>
+            </a:r>
+          </a:p>
+          <a:p>
+            <a:pPr lvl="3" marL="0" indent="685800">
+              <a:spcBef>
+                <a:spcPts val="200"/>
+              </a:spcBef>
+              <a:buSzTx/>
+              <a:buNone/>
+              <a:defRPr sz="3000">
+                <a:latin typeface="Courier New"/>
+                <a:ea typeface="Courier New"/>
+                <a:cs typeface="Courier New"/>
+                <a:sym typeface="Courier New"/>
+              </a:defRPr>
+            </a:pPr>
+            <a:r>
+              <a:t>p[j]=d[p[j+1]]</a:t>
+            </a:r>
+          </a:p>
+        </p:txBody>
+      </p:sp>
+      <p:sp>
+        <p:nvSpPr>
+          <p:cNvPr id="478" name="Slide Number"/>
+          <p:cNvSpPr txBox="1"/>
+          <p:nvPr>
+            <p:ph type="sldNum" sz="quarter" idx="2"/>
+          </p:nvPr>
+        </p:nvSpPr>
+        <p:spPr>
+          <a:prstGeom prst="rect">
+            <a:avLst/>
+          </a:prstGeom>
+          <a:extLst>
+            <a:ext uri="{C572A759-6A51-4108-AA02-DFA0A04FC94B}">
+              <ma14:wrappingTextBoxFlag xmlns:ma14="http://schemas.microsoft.com/office/mac/drawingml/2011/main" val="1"/>
+            </a:ext>
+          </a:extLst>
+        </p:spPr>
+        <p:txBody>
+          <a:bodyPr/>
+          <a:lstStyle/>
+          <a:p>
+            <a:pPr/>
+            <a:fld id="{86CB4B4D-7CA3-9044-876B-883B54F8677D}" type="slidenum"/>
+          </a:p>
+        </p:txBody>
+      </p:sp>
+      <p:sp>
+        <p:nvSpPr>
+          <p:cNvPr id="479" name="DAA/Dynamic Programming"/>
+          <p:cNvSpPr txBox="1"/>
+          <p:nvPr/>
+        </p:nvSpPr>
+        <p:spPr>
+          <a:xfrm>
+            <a:off x="423212" y="6963885"/>
+            <a:ext cx="3769679" cy="431552"/>
+          </a:xfrm>
+          <a:prstGeom prst="rect">
+            <a:avLst/>
+          </a:prstGeom>
+          <a:ln w="12700">
+            <a:miter lim="400000"/>
+          </a:ln>
+          <a:extLst>
+            <a:ext uri="{C572A759-6A51-4108-AA02-DFA0A04FC94B}">
+              <ma14:wrappingTextBoxFlag xmlns:ma14="http://schemas.microsoft.com/office/mac/drawingml/2011/main" val="1"/>
+            </a:ext>
+          </a:extLst>
+        </p:spPr>
+        <p:txBody>
+          <a:bodyPr wrap="none" lIns="50800" tIns="50800" rIns="50800" bIns="50800" anchor="ctr">
+            <a:spAutoFit/>
+          </a:bodyPr>
+          <a:lstStyle>
+            <a:lvl1pPr>
+              <a:defRPr sz="2400"/>
+            </a:lvl1pPr>
+          </a:lstStyle>
+          <a:p>
+            <a:pPr/>
+            <a:r>
+              <a:t>DAA/Dynamic Programming</a:t>
+            </a:r>
+          </a:p>
+        </p:txBody>
+      </p:sp>
+      <p:sp>
+        <p:nvSpPr>
+          <p:cNvPr id="480" name="RPR/"/>
+          <p:cNvSpPr txBox="1"/>
+          <p:nvPr/>
+        </p:nvSpPr>
+        <p:spPr>
+          <a:xfrm>
+            <a:off x="7535212" y="6988206"/>
+            <a:ext cx="705605" cy="382910"/>
+          </a:xfrm>
+          <a:prstGeom prst="rect">
+            <a:avLst/>
+          </a:prstGeom>
+          <a:ln w="12700">
+            <a:miter lim="400000"/>
+          </a:ln>
+          <a:extLst>
+            <a:ext uri="{C572A759-6A51-4108-AA02-DFA0A04FC94B}">
+              <ma14:wrappingTextBoxFlag xmlns:ma14="http://schemas.microsoft.com/office/mac/drawingml/2011/main" val="1"/>
+            </a:ext>
+          </a:extLst>
+        </p:spPr>
+        <p:txBody>
+          <a:bodyPr wrap="none" lIns="50800" tIns="50800" rIns="50800" bIns="50800" anchor="ctr">
+            <a:spAutoFit/>
+          </a:bodyPr>
+          <a:lstStyle>
+            <a:lvl1pPr>
+              <a:defRPr sz="2000"/>
+            </a:lvl1pPr>
+          </a:lstStyle>
+          <a:p>
+            <a:pPr/>
+            <a:r>
+              <a:t>RPR/</a:t>
+            </a:r>
+          </a:p>
+        </p:txBody>
+      </p:sp>
+    </p:spTree>
+  </p:cSld>
+  <p:clrMapOvr>
+    <a:masterClrMapping/>
+  </p:clrMapOvr>
+  <p:transition xmlns:p14="http://schemas.microsoft.com/office/powerpoint/2010/main" spd="med" advClick="1"/>
+</p:sld>
+</file>
+
+<file path=ppt/slides/slide2.xml><?xml version="1.0" encoding="utf-8"?>
+<p:sld xmlns:a="http://schemas.openxmlformats.org/drawingml/2006/main" xmlns:r="http://schemas.openxmlformats.org/officeDocument/2006/relationships" xmlns:p="http://schemas.openxmlformats.org/presentationml/2006/main" xmlns:m="http://schemas.openxmlformats.org/officeDocument/2006/math" xmlns:a14="http://schemas.microsoft.com/office/drawing/2010/main" showMasterSp="1" showMasterPhAnim="1">
+  <p:cSld>
+    <p:spTree>
+      <p:nvGrpSpPr>
+        <p:cNvPr id="1" name=""/>
+        <p:cNvGrpSpPr/>
+        <p:nvPr/>
+      </p:nvGrpSpPr>
+      <p:grpSpPr>
+        <a:xfrm>
+          <a:off x="0" y="0"/>
+          <a:ext cx="0" cy="0"/>
+          <a:chOff x="0" y="0"/>
+          <a:chExt cx="0" cy="0"/>
+        </a:xfrm>
+      </p:grpSpPr>
+      <p:sp>
+        <p:nvSpPr>
+          <p:cNvPr id="47" name="Resources"/>
+          <p:cNvSpPr txBox="1"/>
+          <p:nvPr>
+            <p:ph type="title"/>
+          </p:nvPr>
+        </p:nvSpPr>
+        <p:spPr>
+          <a:prstGeom prst="rect">
+            <a:avLst/>
+          </a:prstGeom>
+        </p:spPr>
+        <p:txBody>
+          <a:bodyPr/>
+          <a:lstStyle/>
+          <a:p>
+            <a:pPr/>
+            <a:r>
+              <a:t>Resources</a:t>
+            </a:r>
+          </a:p>
+        </p:txBody>
+      </p:sp>
+      <p:sp>
+        <p:nvSpPr>
+          <p:cNvPr id="48" name="Text book 2: Horowitz…"/>
+          <p:cNvSpPr txBox="1"/>
+          <p:nvPr>
+            <p:ph type="body" idx="1"/>
+          </p:nvPr>
+        </p:nvSpPr>
+        <p:spPr>
+          <a:xfrm>
+            <a:off x="555600" y="1042550"/>
+            <a:ext cx="9048800" cy="5891610"/>
+          </a:xfrm>
+          <a:prstGeom prst="rect">
+            <a:avLst/>
+          </a:prstGeom>
+        </p:spPr>
+        <p:txBody>
+          <a:bodyPr/>
+          <a:lstStyle/>
+          <a:p>
+            <a:pPr marL="382587" indent="-342899">
+              <a:defRPr sz="2800"/>
+            </a:pPr>
+            <a:r>
+              <a:t>Text book 2: Horowitz</a:t>
+            </a:r>
+          </a:p>
+          <a:p>
+            <a:pPr lvl="1">
+              <a:defRPr sz="2800"/>
+            </a:pPr>
+            <a:r>
+              <a:t>Sec </a:t>
+            </a:r>
+            <a:r>
+              <a:rPr>
+                <a:latin typeface="Courier New"/>
+                <a:ea typeface="Courier New"/>
+                <a:cs typeface="Courier New"/>
+                <a:sym typeface="Courier New"/>
+              </a:rPr>
+              <a:t>5.1,5.2,5.4,5.8,5.9</a:t>
+            </a:r>
+            <a:r>
+              <a:t> </a:t>
+            </a:r>
+          </a:p>
+          <a:p>
+            <a:pPr marL="382587" indent="-342899">
+              <a:defRPr sz="2800"/>
+            </a:pPr>
+            <a:r>
+              <a:t>Text book </a:t>
+            </a:r>
+            <a:r>
+              <a:rPr>
+                <a:latin typeface="Arial"/>
+                <a:ea typeface="Arial"/>
+                <a:cs typeface="Arial"/>
+                <a:sym typeface="Arial"/>
+              </a:rPr>
+              <a:t>1</a:t>
+            </a:r>
+            <a:r>
+              <a:t>: Levitin</a:t>
+            </a:r>
+          </a:p>
+          <a:p>
+            <a:pPr lvl="1">
+              <a:defRPr sz="2800"/>
+            </a:pPr>
+            <a:r>
+              <a:t>Sec </a:t>
+            </a:r>
+            <a:r>
+              <a:rPr>
+                <a:latin typeface="Courier New"/>
+                <a:ea typeface="Courier New"/>
+                <a:cs typeface="Courier New"/>
+                <a:sym typeface="Courier New"/>
+              </a:rPr>
+              <a:t>8.2-8.4</a:t>
+            </a:r>
+            <a:r>
+              <a:t> </a:t>
+            </a:r>
+          </a:p>
+          <a:p>
+            <a:pPr marL="382587" indent="-342899">
+              <a:defRPr sz="2800"/>
+            </a:pPr>
+            <a:r>
+              <a:rPr u="sng">
+                <a:hlinkClick r:id="rId2" invalidUrl="" action="" tgtFrame="" tooltip="" history="1" highlightClick="0" endSnd="0"/>
+              </a:rPr>
+              <a:t>http://www.gdeepak.com/course/adslidesold/26ad.pdf</a:t>
+            </a:r>
+          </a:p>
+          <a:p>
+            <a:pPr marL="382587" indent="-342899">
+              <a:defRPr sz="2800"/>
+            </a:pPr>
+            <a:r>
+              <a:t>https://ocw.mit.edu/courses/civil-and-environmental-engineering/</a:t>
+            </a:r>
+            <a:r>
+              <a:rPr>
+                <a:latin typeface="Arial"/>
+                <a:ea typeface="Arial"/>
+                <a:cs typeface="Arial"/>
+                <a:sym typeface="Arial"/>
+              </a:rPr>
+              <a:t>1-204</a:t>
+            </a:r>
+            <a:r>
+              <a:t>-computer-algorithms-in-systems-engineering-spring-</a:t>
+            </a:r>
+            <a:r>
+              <a:rPr>
+                <a:latin typeface="Arial"/>
+                <a:ea typeface="Arial"/>
+                <a:cs typeface="Arial"/>
+                <a:sym typeface="Arial"/>
+              </a:rPr>
+              <a:t>2010</a:t>
+            </a:r>
+            <a:r>
+              <a:t>/lecture-notes/MIT</a:t>
+            </a:r>
+            <a:r>
+              <a:rPr>
+                <a:latin typeface="Arial"/>
+                <a:ea typeface="Arial"/>
+                <a:cs typeface="Arial"/>
+                <a:sym typeface="Arial"/>
+              </a:rPr>
+              <a:t>1_204S10</a:t>
+            </a:r>
+            <a:r>
+              <a:t>_lec</a:t>
+            </a:r>
+            <a:r>
+              <a:rPr>
+                <a:latin typeface="Arial"/>
+                <a:ea typeface="Arial"/>
+                <a:cs typeface="Arial"/>
+                <a:sym typeface="Arial"/>
+              </a:rPr>
+              <a:t>13</a:t>
+            </a:r>
+            <a:r>
+              <a:t>.pdf</a:t>
+            </a:r>
+          </a:p>
+          <a:p>
+            <a:pPr marL="382587" indent="-342899">
+              <a:defRPr sz="2800"/>
+            </a:pPr>
+            <a:r>
+              <a:t>R1: Introduction to Algorithms</a:t>
+            </a:r>
+          </a:p>
+          <a:p>
+            <a:pPr lvl="2"/>
+            <a:r>
+              <a:t>Cormen et al.</a:t>
+            </a:r>
+          </a:p>
+        </p:txBody>
+      </p:sp>
+      <p:sp>
+        <p:nvSpPr>
+          <p:cNvPr id="49" name="Slide Number"/>
+          <p:cNvSpPr txBox="1"/>
+          <p:nvPr>
+            <p:ph type="sldNum" sz="quarter" idx="2"/>
+          </p:nvPr>
+        </p:nvSpPr>
+        <p:spPr>
+          <a:prstGeom prst="rect">
+            <a:avLst/>
+          </a:prstGeom>
+          <a:extLst>
+            <a:ext uri="{C572A759-6A51-4108-AA02-DFA0A04FC94B}">
+              <ma14:wrappingTextBoxFlag xmlns:ma14="http://schemas.microsoft.com/office/mac/drawingml/2011/main" val="1"/>
+            </a:ext>
+          </a:extLst>
+        </p:spPr>
+        <p:txBody>
+          <a:bodyPr/>
+          <a:lstStyle/>
+          <a:p>
+            <a:pPr/>
+            <a:fld id="{86CB4B4D-7CA3-9044-876B-883B54F8677D}" type="slidenum"/>
+          </a:p>
+        </p:txBody>
+      </p:sp>
+      <p:sp>
+        <p:nvSpPr>
+          <p:cNvPr id="50" name="DAA/Dynamic Programming"/>
+          <p:cNvSpPr txBox="1"/>
+          <p:nvPr/>
+        </p:nvSpPr>
+        <p:spPr>
+          <a:xfrm>
+            <a:off x="423212" y="6963885"/>
+            <a:ext cx="3769679" cy="431552"/>
+          </a:xfrm>
+          <a:prstGeom prst="rect">
+            <a:avLst/>
+          </a:prstGeom>
+          <a:ln w="12700">
+            <a:miter lim="400000"/>
+          </a:ln>
+          <a:extLst>
+            <a:ext uri="{C572A759-6A51-4108-AA02-DFA0A04FC94B}">
+              <ma14:wrappingTextBoxFlag xmlns:ma14="http://schemas.microsoft.com/office/mac/drawingml/2011/main" val="1"/>
+            </a:ext>
+          </a:extLst>
+        </p:spPr>
+        <p:txBody>
+          <a:bodyPr wrap="none" lIns="50800" tIns="50800" rIns="50800" bIns="50800" anchor="ctr">
+            <a:spAutoFit/>
+          </a:bodyPr>
+          <a:lstStyle>
+            <a:lvl1pPr>
+              <a:defRPr sz="2400"/>
+            </a:lvl1pPr>
+          </a:lstStyle>
+          <a:p>
+            <a:pPr/>
+            <a:r>
+              <a:t>DAA/Dynamic Programming</a:t>
+            </a:r>
+          </a:p>
+        </p:txBody>
+      </p:sp>
+      <p:sp>
+        <p:nvSpPr>
+          <p:cNvPr id="51" name="RPR/"/>
+          <p:cNvSpPr txBox="1"/>
+          <p:nvPr/>
+        </p:nvSpPr>
+        <p:spPr>
+          <a:xfrm>
+            <a:off x="7535212" y="6988206"/>
+            <a:ext cx="705605" cy="382910"/>
+          </a:xfrm>
+          <a:prstGeom prst="rect">
+            <a:avLst/>
+          </a:prstGeom>
+          <a:ln w="12700">
+            <a:miter lim="400000"/>
+          </a:ln>
+          <a:extLst>
+            <a:ext uri="{C572A759-6A51-4108-AA02-DFA0A04FC94B}">
+              <ma14:wrappingTextBoxFlag xmlns:ma14="http://schemas.microsoft.com/office/mac/drawingml/2011/main" val="1"/>
+            </a:ext>
+          </a:extLst>
+        </p:spPr>
+        <p:txBody>
+          <a:bodyPr wrap="none" lIns="50800" tIns="50800" rIns="50800" bIns="50800" anchor="ctr">
+            <a:spAutoFit/>
+          </a:bodyPr>
+          <a:lstStyle>
+            <a:lvl1pPr>
+              <a:defRPr sz="2000"/>
+            </a:lvl1pPr>
+          </a:lstStyle>
+          <a:p>
+            <a:pPr/>
+            <a:r>
+              <a:t>RPR/</a:t>
+            </a:r>
+          </a:p>
+        </p:txBody>
+      </p:sp>
+    </p:spTree>
+  </p:cSld>
+  <p:clrMapOvr>
+    <a:masterClrMapping/>
+  </p:clrMapOvr>
+  <mc:AlternateContent xmlns:mc="http://schemas.openxmlformats.org/markup-compatibility/2006">
+    <mc:Choice xmlns:p14="http://schemas.microsoft.com/office/powerpoint/2010/main" Requires="p14">
+      <p:transition spd="med" advClick="1" p14:dur="899">
+        <p:wipe dir="l"/>
+      </p:transition>
+    </mc:Choice>
+    <mc:Fallback>
+      <p:transition spd="med">
+        <p:fade/>
+      </p:transition>
+    </mc:Fallback>
+  </mc:AlternateContent>
+</p:sld>
+</file>
+
+<file path=ppt/slides/slide20.xml><?xml version="1.0" encoding="utf-8"?>
+<p:sld xmlns:a="http://schemas.openxmlformats.org/drawingml/2006/main" xmlns:r="http://schemas.openxmlformats.org/officeDocument/2006/relationships" xmlns:p="http://schemas.openxmlformats.org/presentationml/2006/main" xmlns:m="http://schemas.openxmlformats.org/officeDocument/2006/math" xmlns:a14="http://schemas.microsoft.com/office/drawing/2010/main" showMasterSp="1" showMasterPhAnim="1">
+  <p:cSld>
+    <p:spTree>
+      <p:nvGrpSpPr>
+        <p:cNvPr id="1" name=""/>
+        <p:cNvGrpSpPr/>
+        <p:nvPr/>
+      </p:nvGrpSpPr>
+      <p:grpSpPr>
+        <a:xfrm>
+          <a:off x="0" y="0"/>
+          <a:ext cx="0" cy="0"/>
+          <a:chOff x="0" y="0"/>
+          <a:chExt cx="0" cy="0"/>
+        </a:xfrm>
+      </p:grpSpPr>
+      <p:sp>
+        <p:nvSpPr>
+          <p:cNvPr id="482" name="Ex: Build Multistage graph"/>
+          <p:cNvSpPr txBox="1"/>
+          <p:nvPr>
+            <p:ph type="title"/>
+          </p:nvPr>
+        </p:nvSpPr>
+        <p:spPr>
+          <a:prstGeom prst="rect">
+            <a:avLst/>
+          </a:prstGeom>
+        </p:spPr>
+        <p:txBody>
+          <a:bodyPr/>
+          <a:lstStyle/>
+          <a:p>
+            <a:pPr/>
+            <a:r>
+              <a:t>Ex: Build Multistage graph</a:t>
+            </a:r>
+          </a:p>
+        </p:txBody>
+      </p:sp>
+      <p:sp>
+        <p:nvSpPr>
+          <p:cNvPr id="483" name="src: https://ocw.mit.edu/courses/civil-and-environmental-engineering/1-204-computer-algorithms-in-systems-engineering-spring-2010/lecture-notes/MIT1_204S10_lec13.pdf"/>
+          <p:cNvSpPr txBox="1"/>
+          <p:nvPr>
+            <p:ph type="body" sz="quarter" idx="1"/>
+          </p:nvPr>
+        </p:nvSpPr>
+        <p:spPr>
+          <a:xfrm>
+            <a:off x="666288" y="938113"/>
+            <a:ext cx="9055611" cy="1290332"/>
+          </a:xfrm>
+          <a:prstGeom prst="rect">
+            <a:avLst/>
+          </a:prstGeom>
+        </p:spPr>
+        <p:txBody>
+          <a:bodyPr/>
+          <a:lstStyle/>
+          <a:p>
+            <a:pPr marL="0" indent="0">
+              <a:buSzTx/>
+              <a:buNone/>
+              <a:defRPr sz="2000"/>
+            </a:pPr>
+            <a:r>
+              <a:t>src: </a:t>
+            </a:r>
+            <a:r>
+              <a:rPr sz="2400" u="sng">
+                <a:hlinkClick r:id="rId2" invalidUrl="" action="" tgtFrame="" tooltip="" history="1" highlightClick="0" endSnd="0"/>
+              </a:rPr>
+              <a:t>https://ocw.mit.edu/courses/civil-and-environmental-engineering/1-204-computer-algorithms-in-systems-engineering-spring-2010/lecture-notes/MIT1_204S10_lec13.pdf</a:t>
+            </a:r>
+          </a:p>
+        </p:txBody>
+      </p:sp>
+      <p:sp>
+        <p:nvSpPr>
+          <p:cNvPr id="484" name="Slide Number"/>
+          <p:cNvSpPr txBox="1"/>
+          <p:nvPr>
+            <p:ph type="sldNum" sz="quarter" idx="2"/>
+          </p:nvPr>
+        </p:nvSpPr>
+        <p:spPr>
+          <a:prstGeom prst="rect">
+            <a:avLst/>
+          </a:prstGeom>
+          <a:extLst>
+            <a:ext uri="{C572A759-6A51-4108-AA02-DFA0A04FC94B}">
+              <ma14:wrappingTextBoxFlag xmlns:ma14="http://schemas.microsoft.com/office/mac/drawingml/2011/main" val="1"/>
+            </a:ext>
+          </a:extLst>
+        </p:spPr>
+        <p:txBody>
+          <a:bodyPr/>
+          <a:lstStyle/>
+          <a:p>
+            <a:pPr/>
+            <a:fld id="{86CB4B4D-7CA3-9044-876B-883B54F8677D}" type="slidenum"/>
+          </a:p>
+        </p:txBody>
+      </p:sp>
+      <p:sp>
+        <p:nvSpPr>
+          <p:cNvPr id="485" name="DAA/Dynamic Programming"/>
+          <p:cNvSpPr txBox="1"/>
+          <p:nvPr/>
+        </p:nvSpPr>
+        <p:spPr>
+          <a:xfrm>
+            <a:off x="423212" y="6963885"/>
+            <a:ext cx="3769679" cy="431552"/>
+          </a:xfrm>
+          <a:prstGeom prst="rect">
+            <a:avLst/>
+          </a:prstGeom>
+          <a:ln w="12700">
+            <a:miter lim="400000"/>
+          </a:ln>
+          <a:extLst>
+            <a:ext uri="{C572A759-6A51-4108-AA02-DFA0A04FC94B}">
+              <ma14:wrappingTextBoxFlag xmlns:ma14="http://schemas.microsoft.com/office/mac/drawingml/2011/main" val="1"/>
+            </a:ext>
+          </a:extLst>
+        </p:spPr>
+        <p:txBody>
+          <a:bodyPr wrap="none" lIns="50800" tIns="50800" rIns="50800" bIns="50800" anchor="ctr">
+            <a:spAutoFit/>
+          </a:bodyPr>
+          <a:lstStyle>
+            <a:lvl1pPr>
+              <a:defRPr sz="2400"/>
+            </a:lvl1pPr>
+          </a:lstStyle>
+          <a:p>
+            <a:pPr/>
+            <a:r>
+              <a:t>DAA/Dynamic Programming</a:t>
+            </a:r>
+          </a:p>
+        </p:txBody>
+      </p:sp>
+      <p:sp>
+        <p:nvSpPr>
+          <p:cNvPr id="486" name="RPR/"/>
+          <p:cNvSpPr txBox="1"/>
+          <p:nvPr/>
+        </p:nvSpPr>
+        <p:spPr>
+          <a:xfrm>
+            <a:off x="7535212" y="6988206"/>
+            <a:ext cx="705605" cy="382910"/>
+          </a:xfrm>
+          <a:prstGeom prst="rect">
+            <a:avLst/>
+          </a:prstGeom>
+          <a:ln w="12700">
+            <a:miter lim="400000"/>
+          </a:ln>
+          <a:extLst>
+            <a:ext uri="{C572A759-6A51-4108-AA02-DFA0A04FC94B}">
+              <ma14:wrappingTextBoxFlag xmlns:ma14="http://schemas.microsoft.com/office/mac/drawingml/2011/main" val="1"/>
+            </a:ext>
+          </a:extLst>
+        </p:spPr>
+        <p:txBody>
+          <a:bodyPr wrap="none" lIns="50800" tIns="50800" rIns="50800" bIns="50800" anchor="ctr">
+            <a:spAutoFit/>
+          </a:bodyPr>
+          <a:lstStyle>
+            <a:lvl1pPr>
+              <a:defRPr sz="2000"/>
+            </a:lvl1pPr>
+          </a:lstStyle>
+          <a:p>
+            <a:pPr/>
+            <a:r>
+              <a:t>RPR/</a:t>
+            </a:r>
+          </a:p>
+        </p:txBody>
+      </p:sp>
+      <p:graphicFrame>
+        <p:nvGraphicFramePr>
+          <p:cNvPr id="487" name="Table"/>
+          <p:cNvGraphicFramePr/>
+          <p:nvPr/>
+        </p:nvGraphicFramePr>
+        <p:xfrm>
+          <a:off x="1575548" y="2742487"/>
+          <a:ext cx="5080001" cy="2800165"/>
+        </p:xfrm>
+        <a:graphic xmlns:a="http://schemas.openxmlformats.org/drawingml/2006/main">
+          <a:graphicData uri="http://schemas.openxmlformats.org/drawingml/2006/table">
+            <a:tbl>
+              <a:tblPr firstCol="0" firstRow="0" lastCol="0" lastRow="0" bandCol="0" bandRow="0" rtl="0">
+                <a:tableStyleId>{8F44A2F1-9E1F-4B54-A3A2-5F16C0AD49E2}</a:tableStyleId>
+              </a:tblPr>
+              <a:tblGrid>
+                <a:gridCol w="1252527"/>
+                <a:gridCol w="1333500"/>
+                <a:gridCol w="1333500"/>
+                <a:gridCol w="1346200"/>
+              </a:tblGrid>
+              <a:tr h="466694">
+                <a:tc>
+                  <a:txBody>
+                    <a:bodyPr/>
+                    <a:lstStyle/>
+                    <a:p>
+                      <a:pPr defTabSz="457200">
+                        <a:tabLst>
+                          <a:tab pos="914400" algn="l"/>
+                        </a:tabLst>
+                        <a:defRPr sz="1800">
+                          <a:uFillTx/>
+                        </a:defRPr>
+                      </a:pPr>
+                      <a:r>
+                        <a:rPr sz="3000">
+                          <a:solidFill>
+                            <a:srgbClr val="021CA1"/>
+                          </a:solidFill>
+                          <a:uFill>
+                            <a:solidFill>
+                              <a:srgbClr val="000000"/>
+                            </a:solidFill>
+                          </a:uFill>
+                          <a:latin typeface="Arial"/>
+                          <a:ea typeface="Arial"/>
+                          <a:cs typeface="Arial"/>
+                          <a:sym typeface="Arial"/>
+                        </a:rPr>
+                        <a:t>Proj</a:t>
+                      </a:r>
+                    </a:p>
+                  </a:txBody>
+                  <a:tcPr marL="63500" marR="63500" marT="0" marB="0" anchor="ctr" anchorCtr="0" horzOverflow="overflow">
+                    <a:lnL w="28575">
+                      <a:solidFill>
+                        <a:srgbClr val="000000"/>
+                      </a:solidFill>
+                      <a:miter lim="400000"/>
+                    </a:lnL>
+                    <a:lnT w="28575">
+                      <a:solidFill>
+                        <a:srgbClr val="000000"/>
+                      </a:solidFill>
+                      <a:miter lim="400000"/>
+                    </a:lnT>
+                  </a:tcPr>
+                </a:tc>
+                <a:tc>
+                  <a:txBody>
+                    <a:bodyPr/>
+                    <a:lstStyle/>
+                    <a:p>
+                      <a:pPr defTabSz="457200">
+                        <a:tabLst>
+                          <a:tab pos="914400" algn="l"/>
+                        </a:tabLst>
+                        <a:defRPr sz="1800">
+                          <a:uFillTx/>
+                        </a:defRPr>
+                      </a:pPr>
+                      <a:r>
+                        <a:rPr sz="3000">
+                          <a:solidFill>
+                            <a:srgbClr val="021CA1"/>
+                          </a:solidFill>
+                          <a:uFill>
+                            <a:solidFill>
+                              <a:srgbClr val="000000"/>
+                            </a:solidFill>
+                          </a:uFill>
+                          <a:latin typeface="Arial"/>
+                          <a:ea typeface="Arial"/>
+                          <a:cs typeface="Arial"/>
+                          <a:sym typeface="Arial"/>
+                        </a:rPr>
+                        <a:t>0</a:t>
+                      </a:r>
+                    </a:p>
+                  </a:txBody>
+                  <a:tcPr marL="63500" marR="63500" marT="0" marB="0" anchor="ctr" anchorCtr="0" horzOverflow="overflow">
+                    <a:lnT w="28575">
+                      <a:solidFill>
+                        <a:srgbClr val="000000"/>
+                      </a:solidFill>
+                      <a:miter lim="400000"/>
+                    </a:lnT>
+                  </a:tcPr>
+                </a:tc>
+                <a:tc>
+                  <a:txBody>
+                    <a:bodyPr/>
+                    <a:lstStyle/>
+                    <a:p>
+                      <a:pPr defTabSz="457200">
+                        <a:tabLst>
+                          <a:tab pos="914400" algn="l"/>
+                        </a:tabLst>
+                        <a:defRPr sz="1800">
+                          <a:uFillTx/>
+                        </a:defRPr>
+                      </a:pPr>
+                      <a:r>
+                        <a:rPr sz="3000">
+                          <a:solidFill>
+                            <a:srgbClr val="021CA1"/>
+                          </a:solidFill>
+                          <a:uFill>
+                            <a:solidFill>
+                              <a:srgbClr val="000000"/>
+                            </a:solidFill>
+                          </a:uFill>
+                          <a:latin typeface="Arial"/>
+                          <a:ea typeface="Arial"/>
+                          <a:cs typeface="Arial"/>
+                          <a:sym typeface="Arial"/>
+                        </a:rPr>
+                        <a:t>1</a:t>
+                      </a:r>
+                    </a:p>
+                  </a:txBody>
+                  <a:tcPr marL="63500" marR="63500" marT="0" marB="0" anchor="ctr" anchorCtr="0" horzOverflow="overflow">
+                    <a:lnT w="28575">
+                      <a:solidFill>
+                        <a:srgbClr val="000000"/>
+                      </a:solidFill>
+                      <a:miter lim="400000"/>
+                    </a:lnT>
+                  </a:tcPr>
+                </a:tc>
+                <a:tc>
+                  <a:txBody>
+                    <a:bodyPr/>
+                    <a:lstStyle/>
+                    <a:p>
+                      <a:pPr defTabSz="457200">
+                        <a:tabLst>
+                          <a:tab pos="914400" algn="l"/>
+                        </a:tabLst>
+                        <a:defRPr sz="1800">
+                          <a:uFillTx/>
+                        </a:defRPr>
+                      </a:pPr>
+                      <a:r>
+                        <a:rPr sz="3000">
+                          <a:solidFill>
+                            <a:srgbClr val="021CA1"/>
+                          </a:solidFill>
+                          <a:uFill>
+                            <a:solidFill>
+                              <a:srgbClr val="000000"/>
+                            </a:solidFill>
+                          </a:uFill>
+                          <a:latin typeface="Arial"/>
+                          <a:ea typeface="Arial"/>
+                          <a:cs typeface="Arial"/>
+                          <a:sym typeface="Arial"/>
+                        </a:rPr>
+                        <a:t>2</a:t>
+                      </a:r>
+                    </a:p>
+                  </a:txBody>
+                  <a:tcPr marL="63500" marR="63500" marT="0" marB="0" anchor="ctr" anchorCtr="0" horzOverflow="overflow">
+                    <a:lnR w="28575">
+                      <a:solidFill>
+                        <a:srgbClr val="000000"/>
+                      </a:solidFill>
+                      <a:miter lim="400000"/>
+                    </a:lnR>
+                    <a:lnT w="28575">
+                      <a:solidFill>
+                        <a:srgbClr val="000000"/>
+                      </a:solidFill>
+                      <a:miter lim="400000"/>
+                    </a:lnT>
+                  </a:tcPr>
+                </a:tc>
+              </a:tr>
+              <a:tr h="863835">
+                <a:tc>
+                  <a:txBody>
+                    <a:bodyPr/>
+                    <a:lstStyle/>
+                    <a:p>
+                      <a:pPr defTabSz="457200">
+                        <a:tabLst>
+                          <a:tab pos="914400" algn="l"/>
+                        </a:tabLst>
+                        <a:defRPr sz="1800">
+                          <a:uFillTx/>
+                        </a:defRPr>
+                      </a:pPr>
+                      <a:r>
+                        <a:rPr sz="3000">
+                          <a:solidFill>
+                            <a:srgbClr val="021CA1"/>
+                          </a:solidFill>
+                          <a:uFill>
+                            <a:solidFill>
+                              <a:srgbClr val="000000"/>
+                            </a:solidFill>
+                          </a:uFill>
+                          <a:latin typeface="Arial"/>
+                          <a:ea typeface="Arial"/>
+                          <a:cs typeface="Arial"/>
+                          <a:sym typeface="Arial"/>
+                        </a:rPr>
+                        <a:t>Investment</a:t>
+                      </a:r>
+                    </a:p>
+                  </a:txBody>
+                  <a:tcPr marL="63500" marR="63500" marT="0" marB="0" anchor="ctr" anchorCtr="0" horzOverflow="overflow">
+                    <a:lnL w="28575">
+                      <a:solidFill>
+                        <a:srgbClr val="000000"/>
+                      </a:solidFill>
+                      <a:miter lim="400000"/>
+                    </a:lnL>
+                  </a:tcPr>
+                </a:tc>
+                <a:tc>
+                  <a:txBody>
+                    <a:bodyPr/>
+                    <a:lstStyle/>
+                    <a:p>
+                      <a:pPr defTabSz="457200">
+                        <a:tabLst>
+                          <a:tab pos="914400" algn="l"/>
+                        </a:tabLst>
+                        <a:defRPr sz="1800">
+                          <a:uFillTx/>
+                        </a:defRPr>
+                      </a:pPr>
+                      <a:r>
+                        <a:rPr sz="3000">
+                          <a:solidFill>
+                            <a:srgbClr val="021CA1"/>
+                          </a:solidFill>
+                          <a:uFill>
+                            <a:solidFill>
+                              <a:srgbClr val="000000"/>
+                            </a:solidFill>
+                          </a:uFill>
+                          <a:latin typeface="Arial"/>
+                          <a:ea typeface="Arial"/>
+                          <a:cs typeface="Arial"/>
+                          <a:sym typeface="Arial"/>
+                        </a:rPr>
+                        <a:t>Benefit</a:t>
+                      </a:r>
+                    </a:p>
+                  </a:txBody>
+                  <a:tcPr marL="63500" marR="63500" marT="0" marB="0" anchor="ctr" anchorCtr="0" horzOverflow="overflow"/>
+                </a:tc>
+                <a:tc>
+                  <a:txBody>
+                    <a:bodyPr/>
+                    <a:lstStyle/>
+                    <a:p>
+                      <a:pPr defTabSz="457200">
+                        <a:tabLst>
+                          <a:tab pos="914400" algn="l"/>
+                        </a:tabLst>
+                        <a:defRPr sz="1800">
+                          <a:uFillTx/>
+                        </a:defRPr>
+                      </a:pPr>
+                      <a:r>
+                        <a:rPr sz="3000">
+                          <a:solidFill>
+                            <a:srgbClr val="021CA1"/>
+                          </a:solidFill>
+                          <a:uFill>
+                            <a:solidFill>
+                              <a:srgbClr val="000000"/>
+                            </a:solidFill>
+                          </a:uFill>
+                          <a:latin typeface="Arial"/>
+                          <a:ea typeface="Arial"/>
+                          <a:cs typeface="Arial"/>
+                          <a:sym typeface="Arial"/>
+                        </a:rPr>
+                        <a:t>Benefit</a:t>
+                      </a:r>
+                    </a:p>
+                  </a:txBody>
+                  <a:tcPr marL="63500" marR="63500" marT="0" marB="0" anchor="ctr" anchorCtr="0" horzOverflow="overflow"/>
+                </a:tc>
+                <a:tc>
+                  <a:txBody>
+                    <a:bodyPr/>
+                    <a:lstStyle/>
+                    <a:p>
+                      <a:pPr defTabSz="457200">
+                        <a:tabLst>
+                          <a:tab pos="914400" algn="l"/>
+                        </a:tabLst>
+                        <a:defRPr sz="1800">
+                          <a:uFillTx/>
+                        </a:defRPr>
+                      </a:pPr>
+                      <a:r>
+                        <a:rPr sz="3000">
+                          <a:solidFill>
+                            <a:srgbClr val="021CA1"/>
+                          </a:solidFill>
+                          <a:uFill>
+                            <a:solidFill>
+                              <a:srgbClr val="000000"/>
+                            </a:solidFill>
+                          </a:uFill>
+                          <a:latin typeface="Arial"/>
+                          <a:ea typeface="Arial"/>
+                          <a:cs typeface="Arial"/>
+                          <a:sym typeface="Arial"/>
+                        </a:rPr>
+                        <a:t>Benefit</a:t>
+                      </a:r>
+                    </a:p>
+                  </a:txBody>
+                  <a:tcPr marL="63500" marR="63500" marT="0" marB="0" anchor="ctr" anchorCtr="0" horzOverflow="overflow">
+                    <a:lnR w="28575">
+                      <a:solidFill>
+                        <a:srgbClr val="000000"/>
+                      </a:solidFill>
+                      <a:miter lim="400000"/>
+                    </a:lnR>
+                  </a:tcPr>
+                </a:tc>
+              </a:tr>
+              <a:tr h="466694">
+                <a:tc>
+                  <a:txBody>
+                    <a:bodyPr/>
+                    <a:lstStyle/>
+                    <a:p>
+                      <a:pPr defTabSz="457200">
+                        <a:tabLst>
+                          <a:tab pos="914400" algn="l"/>
+                        </a:tabLst>
+                        <a:defRPr sz="1800">
+                          <a:uFillTx/>
+                        </a:defRPr>
+                      </a:pPr>
+                      <a:r>
+                        <a:rPr sz="3000">
+                          <a:uFill>
+                            <a:solidFill>
+                              <a:srgbClr val="000000"/>
+                            </a:solidFill>
+                          </a:uFill>
+                          <a:latin typeface="Arial"/>
+                          <a:ea typeface="Arial"/>
+                          <a:cs typeface="Arial"/>
+                          <a:sym typeface="Arial"/>
+                        </a:rPr>
+                        <a:t>1</a:t>
+                      </a:r>
+                    </a:p>
+                  </a:txBody>
+                  <a:tcPr marL="63500" marR="63500" marT="0" marB="0" anchor="ctr" anchorCtr="0" horzOverflow="overflow">
+                    <a:lnL w="28575">
+                      <a:solidFill>
+                        <a:srgbClr val="000000"/>
+                      </a:solidFill>
+                      <a:miter lim="400000"/>
+                    </a:lnL>
+                  </a:tcPr>
+                </a:tc>
+                <a:tc>
+                  <a:txBody>
+                    <a:bodyPr/>
+                    <a:lstStyle/>
+                    <a:p>
+                      <a:pPr defTabSz="457200">
+                        <a:tabLst>
+                          <a:tab pos="914400" algn="l"/>
+                        </a:tabLst>
+                        <a:defRPr sz="1800">
+                          <a:uFillTx/>
+                        </a:defRPr>
+                      </a:pPr>
+                      <a:r>
+                        <a:rPr sz="3000">
+                          <a:uFill>
+                            <a:solidFill>
+                              <a:srgbClr val="000000"/>
+                            </a:solidFill>
+                          </a:uFill>
+                          <a:latin typeface="Arial"/>
+                          <a:ea typeface="Arial"/>
+                          <a:cs typeface="Arial"/>
+                          <a:sym typeface="Arial"/>
+                        </a:rPr>
+                        <a:t>6</a:t>
+                      </a:r>
+                    </a:p>
+                  </a:txBody>
+                  <a:tcPr marL="63500" marR="63500" marT="0" marB="0" anchor="ctr" anchorCtr="0" horzOverflow="overflow"/>
+                </a:tc>
+                <a:tc>
+                  <a:txBody>
+                    <a:bodyPr/>
+                    <a:lstStyle/>
+                    <a:p>
+                      <a:pPr defTabSz="457200">
+                        <a:tabLst>
+                          <a:tab pos="914400" algn="l"/>
+                        </a:tabLst>
+                        <a:defRPr sz="1800">
+                          <a:uFillTx/>
+                        </a:defRPr>
+                      </a:pPr>
+                      <a:r>
+                        <a:rPr sz="3000">
+                          <a:uFill>
+                            <a:solidFill>
+                              <a:srgbClr val="000000"/>
+                            </a:solidFill>
+                          </a:uFill>
+                          <a:latin typeface="Arial"/>
+                          <a:ea typeface="Arial"/>
+                          <a:cs typeface="Arial"/>
+                          <a:sym typeface="Arial"/>
+                        </a:rPr>
+                        <a:t>5</a:t>
+                      </a:r>
+                    </a:p>
+                  </a:txBody>
+                  <a:tcPr marL="63500" marR="63500" marT="0" marB="0" anchor="ctr" anchorCtr="0" horzOverflow="overflow"/>
+                </a:tc>
+                <a:tc>
+                  <a:txBody>
+                    <a:bodyPr/>
+                    <a:lstStyle/>
+                    <a:p>
+                      <a:pPr defTabSz="457200">
+                        <a:tabLst>
+                          <a:tab pos="914400" algn="l"/>
+                        </a:tabLst>
+                        <a:defRPr sz="1800">
+                          <a:uFillTx/>
+                        </a:defRPr>
+                      </a:pPr>
+                      <a:r>
+                        <a:rPr sz="3000">
+                          <a:uFill>
+                            <a:solidFill>
+                              <a:srgbClr val="000000"/>
+                            </a:solidFill>
+                          </a:uFill>
+                          <a:latin typeface="Arial"/>
+                          <a:ea typeface="Arial"/>
+                          <a:cs typeface="Arial"/>
+                          <a:sym typeface="Arial"/>
+                        </a:rPr>
+                        <a:t>1</a:t>
+                      </a:r>
+                    </a:p>
+                  </a:txBody>
+                  <a:tcPr marL="63500" marR="63500" marT="0" marB="0" anchor="ctr" anchorCtr="0" horzOverflow="overflow">
+                    <a:lnR w="28575">
+                      <a:solidFill>
+                        <a:srgbClr val="000000"/>
+                      </a:solidFill>
+                      <a:miter lim="400000"/>
+                    </a:lnR>
+                  </a:tcPr>
+                </a:tc>
+              </a:tr>
+              <a:tr h="466694">
+                <a:tc>
+                  <a:txBody>
+                    <a:bodyPr/>
+                    <a:lstStyle/>
+                    <a:p>
+                      <a:pPr defTabSz="457200">
+                        <a:tabLst>
+                          <a:tab pos="914400" algn="l"/>
+                        </a:tabLst>
+                        <a:defRPr sz="1800">
+                          <a:uFillTx/>
+                        </a:defRPr>
+                      </a:pPr>
+                      <a:r>
+                        <a:rPr sz="3000">
+                          <a:uFill>
+                            <a:solidFill>
+                              <a:srgbClr val="000000"/>
+                            </a:solidFill>
+                          </a:uFill>
+                          <a:latin typeface="Arial"/>
+                          <a:ea typeface="Arial"/>
+                          <a:cs typeface="Arial"/>
+                          <a:sym typeface="Arial"/>
+                        </a:rPr>
+                        <a:t>2</a:t>
+                      </a:r>
+                    </a:p>
+                  </a:txBody>
+                  <a:tcPr marL="63500" marR="63500" marT="0" marB="0" anchor="ctr" anchorCtr="0" horzOverflow="overflow">
+                    <a:lnL w="28575">
+                      <a:solidFill>
+                        <a:srgbClr val="000000"/>
+                      </a:solidFill>
+                      <a:miter lim="400000"/>
+                    </a:lnL>
+                  </a:tcPr>
+                </a:tc>
+                <a:tc>
+                  <a:txBody>
+                    <a:bodyPr/>
+                    <a:lstStyle/>
+                    <a:p>
+                      <a:pPr defTabSz="457200">
+                        <a:tabLst>
+                          <a:tab pos="914400" algn="l"/>
+                        </a:tabLst>
+                        <a:defRPr sz="1800">
+                          <a:uFillTx/>
+                        </a:defRPr>
+                      </a:pPr>
+                      <a:r>
+                        <a:rPr sz="3000">
+                          <a:uFill>
+                            <a:solidFill>
+                              <a:srgbClr val="000000"/>
+                            </a:solidFill>
+                          </a:uFill>
+                          <a:latin typeface="Arial"/>
+                          <a:ea typeface="Arial"/>
+                          <a:cs typeface="Arial"/>
+                          <a:sym typeface="Arial"/>
+                        </a:rPr>
+                        <a:t>8</a:t>
+                      </a:r>
+                    </a:p>
+                  </a:txBody>
+                  <a:tcPr marL="63500" marR="63500" marT="0" marB="0" anchor="ctr" anchorCtr="0" horzOverflow="overflow"/>
+                </a:tc>
+                <a:tc>
+                  <a:txBody>
+                    <a:bodyPr/>
+                    <a:lstStyle/>
+                    <a:p>
+                      <a:pPr defTabSz="457200">
+                        <a:tabLst>
+                          <a:tab pos="914400" algn="l"/>
+                        </a:tabLst>
+                        <a:defRPr sz="1800">
+                          <a:uFillTx/>
+                        </a:defRPr>
+                      </a:pPr>
+                      <a:r>
+                        <a:rPr sz="3000">
+                          <a:uFill>
+                            <a:solidFill>
+                              <a:srgbClr val="000000"/>
+                            </a:solidFill>
+                          </a:uFill>
+                          <a:latin typeface="Arial"/>
+                          <a:ea typeface="Arial"/>
+                          <a:cs typeface="Arial"/>
+                          <a:sym typeface="Arial"/>
+                        </a:rPr>
+                        <a:t>11</a:t>
+                      </a:r>
+                    </a:p>
+                  </a:txBody>
+                  <a:tcPr marL="63500" marR="63500" marT="0" marB="0" anchor="ctr" anchorCtr="0" horzOverflow="overflow"/>
+                </a:tc>
+                <a:tc>
+                  <a:txBody>
+                    <a:bodyPr/>
+                    <a:lstStyle/>
+                    <a:p>
+                      <a:pPr defTabSz="457200">
+                        <a:tabLst>
+                          <a:tab pos="914400" algn="l"/>
+                        </a:tabLst>
+                        <a:defRPr sz="1800">
+                          <a:uFillTx/>
+                        </a:defRPr>
+                      </a:pPr>
+                      <a:r>
+                        <a:rPr sz="3000">
+                          <a:uFill>
+                            <a:solidFill>
+                              <a:srgbClr val="000000"/>
+                            </a:solidFill>
+                          </a:uFill>
+                          <a:latin typeface="Arial"/>
+                          <a:ea typeface="Arial"/>
+                          <a:cs typeface="Arial"/>
+                          <a:sym typeface="Arial"/>
+                        </a:rPr>
+                        <a:t>4</a:t>
+                      </a:r>
+                    </a:p>
+                  </a:txBody>
+                  <a:tcPr marL="63500" marR="63500" marT="0" marB="0" anchor="ctr" anchorCtr="0" horzOverflow="overflow">
+                    <a:lnR w="28575">
+                      <a:solidFill>
+                        <a:srgbClr val="000000"/>
+                      </a:solidFill>
+                      <a:miter lim="400000"/>
+                    </a:lnR>
+                  </a:tcPr>
+                </a:tc>
+              </a:tr>
+              <a:tr h="466694">
+                <a:tc>
+                  <a:txBody>
+                    <a:bodyPr/>
+                    <a:lstStyle/>
+                    <a:p>
+                      <a:pPr defTabSz="457200">
+                        <a:tabLst>
+                          <a:tab pos="914400" algn="l"/>
+                        </a:tabLst>
+                        <a:defRPr sz="1800">
+                          <a:uFillTx/>
+                        </a:defRPr>
+                      </a:pPr>
+                      <a:r>
+                        <a:rPr sz="3000">
+                          <a:uFill>
+                            <a:solidFill>
+                              <a:srgbClr val="000000"/>
+                            </a:solidFill>
+                          </a:uFill>
+                          <a:latin typeface="Arial"/>
+                          <a:ea typeface="Arial"/>
+                          <a:cs typeface="Arial"/>
+                          <a:sym typeface="Arial"/>
+                        </a:rPr>
+                        <a:t>3</a:t>
+                      </a:r>
+                    </a:p>
+                  </a:txBody>
+                  <a:tcPr marL="63500" marR="63500" marT="0" marB="0" anchor="ctr" anchorCtr="0" horzOverflow="overflow">
+                    <a:lnL w="28575">
+                      <a:solidFill>
+                        <a:srgbClr val="000000"/>
+                      </a:solidFill>
+                      <a:miter lim="400000"/>
+                    </a:lnL>
+                  </a:tcPr>
+                </a:tc>
+                <a:tc>
+                  <a:txBody>
+                    <a:bodyPr/>
+                    <a:lstStyle/>
+                    <a:p>
+                      <a:pPr defTabSz="457200">
+                        <a:tabLst>
+                          <a:tab pos="914400" algn="l"/>
+                        </a:tabLst>
+                        <a:defRPr sz="1800">
+                          <a:uFillTx/>
+                        </a:defRPr>
+                      </a:pPr>
+                      <a:r>
+                        <a:rPr sz="3000">
+                          <a:uFill>
+                            <a:solidFill>
+                              <a:srgbClr val="000000"/>
+                            </a:solidFill>
+                          </a:uFill>
+                          <a:latin typeface="Arial"/>
+                          <a:ea typeface="Arial"/>
+                          <a:cs typeface="Arial"/>
+                          <a:sym typeface="Arial"/>
+                        </a:rPr>
+                        <a:t>8</a:t>
+                      </a:r>
+                    </a:p>
+                  </a:txBody>
+                  <a:tcPr marL="63500" marR="63500" marT="0" marB="0" anchor="ctr" anchorCtr="0" horzOverflow="overflow"/>
+                </a:tc>
+                <a:tc>
+                  <a:txBody>
+                    <a:bodyPr/>
+                    <a:lstStyle/>
+                    <a:p>
+                      <a:pPr defTabSz="457200">
+                        <a:tabLst>
+                          <a:tab pos="914400" algn="l"/>
+                        </a:tabLst>
+                        <a:defRPr sz="1800">
+                          <a:uFillTx/>
+                        </a:defRPr>
+                      </a:pPr>
+                      <a:r>
+                        <a:rPr sz="3000">
+                          <a:uFill>
+                            <a:solidFill>
+                              <a:srgbClr val="000000"/>
+                            </a:solidFill>
+                          </a:uFill>
+                          <a:latin typeface="Arial"/>
+                          <a:ea typeface="Arial"/>
+                          <a:cs typeface="Arial"/>
+                          <a:sym typeface="Arial"/>
+                        </a:rPr>
+                        <a:t>16</a:t>
+                      </a:r>
+                    </a:p>
+                  </a:txBody>
+                  <a:tcPr marL="63500" marR="63500" marT="0" marB="0" anchor="ctr" anchorCtr="0" horzOverflow="overflow"/>
+                </a:tc>
+                <a:tc>
+                  <a:txBody>
+                    <a:bodyPr/>
+                    <a:lstStyle/>
+                    <a:p>
+                      <a:pPr defTabSz="457200">
+                        <a:tabLst>
+                          <a:tab pos="914400" algn="l"/>
+                        </a:tabLst>
+                        <a:defRPr sz="1800">
+                          <a:uFillTx/>
+                        </a:defRPr>
+                      </a:pPr>
+                      <a:r>
+                        <a:rPr sz="3000">
+                          <a:uFill>
+                            <a:solidFill>
+                              <a:srgbClr val="000000"/>
+                            </a:solidFill>
+                          </a:uFill>
+                          <a:latin typeface="Arial"/>
+                          <a:ea typeface="Arial"/>
+                          <a:cs typeface="Arial"/>
+                          <a:sym typeface="Arial"/>
+                        </a:rPr>
+                        <a:t>5</a:t>
+                      </a:r>
+                    </a:p>
+                  </a:txBody>
+                  <a:tcPr marL="63500" marR="63500" marT="0" marB="0" anchor="ctr" anchorCtr="0" horzOverflow="overflow">
+                    <a:lnR w="28575">
+                      <a:solidFill>
+                        <a:srgbClr val="000000"/>
+                      </a:solidFill>
+                      <a:miter lim="400000"/>
+                    </a:lnR>
+                  </a:tcPr>
+                </a:tc>
+              </a:tr>
+              <a:tr h="466694">
+                <a:tc>
+                  <a:txBody>
+                    <a:bodyPr/>
+                    <a:lstStyle/>
+                    <a:p>
+                      <a:pPr defTabSz="457200">
+                        <a:tabLst>
+                          <a:tab pos="914400" algn="l"/>
+                        </a:tabLst>
+                        <a:defRPr sz="1800">
+                          <a:uFillTx/>
+                        </a:defRPr>
+                      </a:pPr>
+                      <a:r>
+                        <a:rPr sz="3000">
+                          <a:uFill>
+                            <a:solidFill>
+                              <a:srgbClr val="000000"/>
+                            </a:solidFill>
+                          </a:uFill>
+                          <a:latin typeface="Arial"/>
+                          <a:ea typeface="Arial"/>
+                          <a:cs typeface="Arial"/>
+                          <a:sym typeface="Arial"/>
+                        </a:rPr>
+                        <a:t>4</a:t>
+                      </a:r>
+                    </a:p>
+                  </a:txBody>
+                  <a:tcPr marL="63500" marR="63500" marT="0" marB="0" anchor="ctr" anchorCtr="0" horzOverflow="overflow">
+                    <a:lnL w="28575">
+                      <a:solidFill>
+                        <a:srgbClr val="000000"/>
+                      </a:solidFill>
+                      <a:miter lim="400000"/>
+                    </a:lnL>
+                    <a:lnB w="28575">
+                      <a:solidFill>
+                        <a:srgbClr val="000000"/>
+                      </a:solidFill>
+                      <a:miter lim="400000"/>
+                    </a:lnB>
+                  </a:tcPr>
+                </a:tc>
+                <a:tc>
+                  <a:txBody>
+                    <a:bodyPr/>
+                    <a:lstStyle/>
+                    <a:p>
+                      <a:pPr defTabSz="457200">
+                        <a:tabLst>
+                          <a:tab pos="914400" algn="l"/>
+                        </a:tabLst>
+                        <a:defRPr sz="1800">
+                          <a:uFillTx/>
+                        </a:defRPr>
+                      </a:pPr>
+                      <a:r>
+                        <a:rPr sz="3000">
+                          <a:uFill>
+                            <a:solidFill>
+                              <a:srgbClr val="000000"/>
+                            </a:solidFill>
+                          </a:uFill>
+                          <a:latin typeface="Arial"/>
+                          <a:ea typeface="Arial"/>
+                          <a:cs typeface="Arial"/>
+                          <a:sym typeface="Arial"/>
+                        </a:rPr>
+                        <a:t>10</a:t>
+                      </a:r>
+                    </a:p>
+                  </a:txBody>
+                  <a:tcPr marL="63500" marR="63500" marT="0" marB="0" anchor="ctr" anchorCtr="0" horzOverflow="overflow">
+                    <a:lnB w="28575">
+                      <a:solidFill>
+                        <a:srgbClr val="000000"/>
+                      </a:solidFill>
+                      <a:miter lim="400000"/>
+                    </a:lnB>
+                  </a:tcPr>
+                </a:tc>
+                <a:tc>
+                  <a:txBody>
+                    <a:bodyPr/>
+                    <a:lstStyle/>
+                    <a:p>
+                      <a:pPr defTabSz="457200">
+                        <a:tabLst>
+                          <a:tab pos="914400" algn="l"/>
+                        </a:tabLst>
+                        <a:defRPr sz="1800">
+                          <a:uFillTx/>
+                        </a:defRPr>
+                      </a:pPr>
+                      <a:r>
+                        <a:rPr sz="3000">
+                          <a:uFill>
+                            <a:solidFill>
+                              <a:srgbClr val="000000"/>
+                            </a:solidFill>
+                          </a:uFill>
+                          <a:latin typeface="Arial"/>
+                          <a:ea typeface="Arial"/>
+                          <a:cs typeface="Arial"/>
+                          <a:sym typeface="Arial"/>
+                        </a:rPr>
+                        <a:t>17</a:t>
+                      </a:r>
+                    </a:p>
+                  </a:txBody>
+                  <a:tcPr marL="63500" marR="63500" marT="0" marB="0" anchor="ctr" anchorCtr="0" horzOverflow="overflow">
+                    <a:lnB w="28575">
+                      <a:solidFill>
+                        <a:srgbClr val="000000"/>
+                      </a:solidFill>
+                      <a:miter lim="400000"/>
+                    </a:lnB>
+                  </a:tcPr>
+                </a:tc>
+                <a:tc>
+                  <a:txBody>
+                    <a:bodyPr/>
+                    <a:lstStyle/>
+                    <a:p>
+                      <a:pPr defTabSz="457200">
+                        <a:tabLst>
+                          <a:tab pos="914400" algn="l"/>
+                        </a:tabLst>
+                        <a:defRPr sz="1800">
+                          <a:uFillTx/>
+                        </a:defRPr>
+                      </a:pPr>
+                      <a:r>
+                        <a:rPr sz="3000">
+                          <a:uFill>
+                            <a:solidFill>
+                              <a:srgbClr val="000000"/>
+                            </a:solidFill>
+                          </a:uFill>
+                          <a:latin typeface="Calibri"/>
+                          <a:ea typeface="Calibri"/>
+                          <a:cs typeface="Calibri"/>
+                          <a:sym typeface="Calibri"/>
+                        </a:rPr>
+                        <a:t>6</a:t>
+                      </a:r>
+                    </a:p>
+                  </a:txBody>
+                  <a:tcPr marL="63500" marR="63500" marT="0" marB="0" anchor="ctr" anchorCtr="0" horzOverflow="overflow">
+                    <a:lnR w="28575">
+                      <a:solidFill>
+                        <a:srgbClr val="000000"/>
+                      </a:solidFill>
+                      <a:miter lim="400000"/>
+                    </a:lnR>
+                    <a:lnB w="28575">
+                      <a:solidFill>
+                        <a:srgbClr val="000000"/>
+                      </a:solidFill>
+                      <a:miter lim="400000"/>
+                    </a:lnB>
+                  </a:tcPr>
+                </a:tc>
+              </a:tr>
+            </a:tbl>
+          </a:graphicData>
+        </a:graphic>
+      </p:graphicFrame>
+    </p:spTree>
+  </p:cSld>
+  <p:clrMapOvr>
+    <a:masterClrMapping/>
+  </p:clrMapOvr>
+  <p:transition xmlns:p14="http://schemas.microsoft.com/office/powerpoint/2010/main" spd="med" advClick="1"/>
+</p:sld>
+</file>
+
+<file path=ppt/slides/slide21.xml><?xml version="1.0" encoding="utf-8"?>
+<p:sld xmlns:a="http://schemas.openxmlformats.org/drawingml/2006/main" xmlns:r="http://schemas.openxmlformats.org/officeDocument/2006/relationships" xmlns:p="http://schemas.openxmlformats.org/presentationml/2006/main" xmlns:m="http://schemas.openxmlformats.org/officeDocument/2006/math" xmlns:a14="http://schemas.microsoft.com/office/drawing/2010/main" showMasterSp="1" showMasterPhAnim="1">
+  <p:cSld>
+    <p:spTree>
+      <p:nvGrpSpPr>
+        <p:cNvPr id="1" name=""/>
+        <p:cNvGrpSpPr/>
+        <p:nvPr/>
+      </p:nvGrpSpPr>
+      <p:grpSpPr>
+        <a:xfrm>
+          <a:off x="0" y="0"/>
+          <a:ext cx="0" cy="0"/>
+          <a:chOff x="0" y="0"/>
+          <a:chExt cx="0" cy="0"/>
+        </a:xfrm>
+      </p:grpSpPr>
+      <p:sp>
+        <p:nvSpPr>
+          <p:cNvPr id="489" name="Slide Number"/>
+          <p:cNvSpPr txBox="1"/>
+          <p:nvPr>
+            <p:ph type="sldNum" sz="quarter" idx="2"/>
+          </p:nvPr>
+        </p:nvSpPr>
+        <p:spPr>
+          <a:prstGeom prst="rect">
+            <a:avLst/>
+          </a:prstGeom>
+          <a:extLst>
+            <a:ext uri="{C572A759-6A51-4108-AA02-DFA0A04FC94B}">
+              <ma14:wrappingTextBoxFlag xmlns:ma14="http://schemas.microsoft.com/office/mac/drawingml/2011/main" val="1"/>
+            </a:ext>
+          </a:extLst>
+        </p:spPr>
+        <p:txBody>
+          <a:bodyPr/>
+          <a:lstStyle/>
+          <a:p>
+            <a:pPr/>
+            <a:fld id="{86CB4B4D-7CA3-9044-876B-883B54F8677D}" type="slidenum"/>
+          </a:p>
+        </p:txBody>
+      </p:sp>
+      <p:sp>
+        <p:nvSpPr>
+          <p:cNvPr id="490" name="DAA/Dynamic Programming"/>
+          <p:cNvSpPr txBox="1"/>
+          <p:nvPr/>
+        </p:nvSpPr>
+        <p:spPr>
+          <a:xfrm>
+            <a:off x="423212" y="6963885"/>
+            <a:ext cx="3769679" cy="431552"/>
+          </a:xfrm>
+          <a:prstGeom prst="rect">
+            <a:avLst/>
+          </a:prstGeom>
+          <a:ln w="12700">
+            <a:miter lim="400000"/>
+          </a:ln>
+          <a:extLst>
+            <a:ext uri="{C572A759-6A51-4108-AA02-DFA0A04FC94B}">
+              <ma14:wrappingTextBoxFlag xmlns:ma14="http://schemas.microsoft.com/office/mac/drawingml/2011/main" val="1"/>
+            </a:ext>
+          </a:extLst>
+        </p:spPr>
+        <p:txBody>
+          <a:bodyPr wrap="none" lIns="50800" tIns="50800" rIns="50800" bIns="50800" anchor="ctr">
+            <a:spAutoFit/>
+          </a:bodyPr>
+          <a:lstStyle>
+            <a:lvl1pPr>
+              <a:defRPr sz="2400"/>
+            </a:lvl1pPr>
+          </a:lstStyle>
+          <a:p>
+            <a:pPr/>
+            <a:r>
+              <a:t>DAA/Dynamic Programming</a:t>
+            </a:r>
+          </a:p>
+        </p:txBody>
+      </p:sp>
+      <p:sp>
+        <p:nvSpPr>
+          <p:cNvPr id="491" name="RPR/"/>
+          <p:cNvSpPr txBox="1"/>
+          <p:nvPr/>
+        </p:nvSpPr>
+        <p:spPr>
+          <a:xfrm>
+            <a:off x="7535212" y="6988206"/>
+            <a:ext cx="705605" cy="382910"/>
+          </a:xfrm>
+          <a:prstGeom prst="rect">
+            <a:avLst/>
+          </a:prstGeom>
+          <a:ln w="12700">
+            <a:miter lim="400000"/>
+          </a:ln>
+          <a:extLst>
+            <a:ext uri="{C572A759-6A51-4108-AA02-DFA0A04FC94B}">
+              <ma14:wrappingTextBoxFlag xmlns:ma14="http://schemas.microsoft.com/office/mac/drawingml/2011/main" val="1"/>
+            </a:ext>
+          </a:extLst>
+        </p:spPr>
+        <p:txBody>
+          <a:bodyPr wrap="none" lIns="50800" tIns="50800" rIns="50800" bIns="50800" anchor="ctr">
+            <a:spAutoFit/>
+          </a:bodyPr>
+          <a:lstStyle>
+            <a:lvl1pPr>
+              <a:defRPr sz="2000"/>
+            </a:lvl1pPr>
+          </a:lstStyle>
+          <a:p>
+            <a:pPr/>
+            <a:r>
+              <a:t>RPR/</a:t>
+            </a:r>
+          </a:p>
+        </p:txBody>
+      </p:sp>
+      <p:pic>
+        <p:nvPicPr>
+          <p:cNvPr id="492" name="Image" descr="Image"/>
+          <p:cNvPicPr>
+            <a:picLocks noChangeAspect="1"/>
+          </p:cNvPicPr>
+          <p:nvPr/>
+        </p:nvPicPr>
+        <p:blipFill>
+          <a:blip r:embed="rId2">
+            <a:extLst/>
+          </a:blip>
+          <a:stretch>
+            <a:fillRect/>
+          </a:stretch>
+        </p:blipFill>
+        <p:spPr>
+          <a:xfrm>
+            <a:off x="0" y="0"/>
+            <a:ext cx="10160000" cy="7620000"/>
+          </a:xfrm>
+          <a:prstGeom prst="rect">
+            <a:avLst/>
+          </a:prstGeom>
+        </p:spPr>
+      </p:pic>
+      <p:sp>
+        <p:nvSpPr>
+          <p:cNvPr id="493" name="src: https://ocw.mit.edu/courses/civil-and-environmental-engineering/1-204-computer-algorithms-in-systems-engineering-spring-2010/lecture-notes/MIT1_204S10_lec13.pdf"/>
+          <p:cNvSpPr txBox="1"/>
+          <p:nvPr>
+            <p:ph type="body" sz="quarter" idx="1"/>
+          </p:nvPr>
+        </p:nvSpPr>
+        <p:spPr>
+          <a:xfrm>
+            <a:off x="134176" y="6918"/>
+            <a:ext cx="9055612" cy="611293"/>
+          </a:xfrm>
+          <a:prstGeom prst="rect">
+            <a:avLst/>
+          </a:prstGeom>
+        </p:spPr>
+        <p:txBody>
+          <a:bodyPr/>
+          <a:lstStyle/>
+          <a:p>
+            <a:pPr marL="0" indent="0">
+              <a:buSzTx/>
+              <a:buNone/>
+              <a:defRPr sz="1800"/>
+            </a:pPr>
+            <a:r>
+              <a:t>src: </a:t>
+            </a:r>
+            <a:r>
+              <a:rPr u="sng">
+                <a:hlinkClick r:id="rId3" invalidUrl="" action="" tgtFrame="" tooltip="" history="1" highlightClick="0" endSnd="0"/>
+              </a:rPr>
+              <a:t>https://ocw.mit.edu/courses/civil-and-environmental-engineering/1-204-computer-algorithms-in-systems-engineering-spring-2010/lecture-notes/MIT1_204S10_lec13.pdf</a:t>
+            </a:r>
+          </a:p>
+        </p:txBody>
+      </p:sp>
+    </p:spTree>
+  </p:cSld>
+  <p:clrMapOvr>
+    <a:masterClrMapping/>
+  </p:clrMapOvr>
+  <p:transition xmlns:p14="http://schemas.microsoft.com/office/powerpoint/2010/main" spd="med" advClick="1"/>
+</p:sld>
+</file>
+
+<file path=ppt/slides/slide22.xml><?xml version="1.0" encoding="utf-8"?>
+<p:sld xmlns:a="http://schemas.openxmlformats.org/drawingml/2006/main" xmlns:r="http://schemas.openxmlformats.org/officeDocument/2006/relationships" xmlns:p="http://schemas.openxmlformats.org/presentationml/2006/main" xmlns:m="http://schemas.openxmlformats.org/officeDocument/2006/math" xmlns:a14="http://schemas.microsoft.com/office/drawing/2010/main" showMasterSp="1" showMasterPhAnim="1">
+  <p:cSld>
+    <p:spTree>
+      <p:nvGrpSpPr>
+        <p:cNvPr id="1" name=""/>
+        <p:cNvGrpSpPr/>
+        <p:nvPr/>
+      </p:nvGrpSpPr>
+      <p:grpSpPr>
+        <a:xfrm>
+          <a:off x="0" y="0"/>
+          <a:ext cx="0" cy="0"/>
+          <a:chOff x="0" y="0"/>
+          <a:chExt cx="0" cy="0"/>
+        </a:xfrm>
+      </p:grpSpPr>
+      <p:sp>
+        <p:nvSpPr>
+          <p:cNvPr id="495" name="Slide Number"/>
+          <p:cNvSpPr txBox="1"/>
+          <p:nvPr>
+            <p:ph type="sldNum" sz="quarter" idx="2"/>
+          </p:nvPr>
+        </p:nvSpPr>
+        <p:spPr>
+          <a:prstGeom prst="rect">
+            <a:avLst/>
+          </a:prstGeom>
+          <a:extLst>
+            <a:ext uri="{C572A759-6A51-4108-AA02-DFA0A04FC94B}">
+              <ma14:wrappingTextBoxFlag xmlns:ma14="http://schemas.microsoft.com/office/mac/drawingml/2011/main" val="1"/>
+            </a:ext>
+          </a:extLst>
+        </p:spPr>
+        <p:txBody>
+          <a:bodyPr/>
+          <a:lstStyle/>
+          <a:p>
+            <a:pPr/>
+            <a:fld id="{86CB4B4D-7CA3-9044-876B-883B54F8677D}" type="slidenum"/>
+          </a:p>
+        </p:txBody>
+      </p:sp>
+      <p:sp>
+        <p:nvSpPr>
+          <p:cNvPr id="496" name="DAA/Dynamic Programming"/>
+          <p:cNvSpPr txBox="1"/>
+          <p:nvPr/>
+        </p:nvSpPr>
+        <p:spPr>
+          <a:xfrm>
+            <a:off x="423212" y="6963885"/>
+            <a:ext cx="3769679" cy="431552"/>
+          </a:xfrm>
+          <a:prstGeom prst="rect">
+            <a:avLst/>
+          </a:prstGeom>
+          <a:ln w="12700">
+            <a:miter lim="400000"/>
+          </a:ln>
+          <a:extLst>
+            <a:ext uri="{C572A759-6A51-4108-AA02-DFA0A04FC94B}">
+              <ma14:wrappingTextBoxFlag xmlns:ma14="http://schemas.microsoft.com/office/mac/drawingml/2011/main" val="1"/>
+            </a:ext>
+          </a:extLst>
+        </p:spPr>
+        <p:txBody>
+          <a:bodyPr wrap="none" lIns="50800" tIns="50800" rIns="50800" bIns="50800" anchor="ctr">
+            <a:spAutoFit/>
+          </a:bodyPr>
+          <a:lstStyle>
+            <a:lvl1pPr>
+              <a:defRPr sz="2400"/>
+            </a:lvl1pPr>
+          </a:lstStyle>
+          <a:p>
+            <a:pPr/>
+            <a:r>
+              <a:t>DAA/Dynamic Programming</a:t>
+            </a:r>
+          </a:p>
+        </p:txBody>
+      </p:sp>
+      <p:sp>
+        <p:nvSpPr>
+          <p:cNvPr id="497" name="RPR/"/>
+          <p:cNvSpPr txBox="1"/>
+          <p:nvPr/>
+        </p:nvSpPr>
+        <p:spPr>
+          <a:xfrm>
+            <a:off x="7535212" y="6988206"/>
+            <a:ext cx="705605" cy="382910"/>
+          </a:xfrm>
+          <a:prstGeom prst="rect">
+            <a:avLst/>
+          </a:prstGeom>
+          <a:ln w="12700">
+            <a:miter lim="400000"/>
+          </a:ln>
+          <a:extLst>
+            <a:ext uri="{C572A759-6A51-4108-AA02-DFA0A04FC94B}">
+              <ma14:wrappingTextBoxFlag xmlns:ma14="http://schemas.microsoft.com/office/mac/drawingml/2011/main" val="1"/>
+            </a:ext>
+          </a:extLst>
+        </p:spPr>
+        <p:txBody>
+          <a:bodyPr wrap="none" lIns="50800" tIns="50800" rIns="50800" bIns="50800" anchor="ctr">
+            <a:spAutoFit/>
+          </a:bodyPr>
+          <a:lstStyle>
+            <a:lvl1pPr>
+              <a:defRPr sz="2000"/>
+            </a:lvl1pPr>
+          </a:lstStyle>
+          <a:p>
+            <a:pPr/>
+            <a:r>
+              <a:t>RPR/</a:t>
+            </a:r>
+          </a:p>
+        </p:txBody>
+      </p:sp>
+      <p:pic>
+        <p:nvPicPr>
+          <p:cNvPr id="498" name="Image" descr="Image"/>
+          <p:cNvPicPr>
+            <a:picLocks noChangeAspect="1"/>
+          </p:cNvPicPr>
+          <p:nvPr/>
+        </p:nvPicPr>
+        <p:blipFill>
+          <a:blip r:embed="rId2">
+            <a:extLst/>
+          </a:blip>
+          <a:stretch>
+            <a:fillRect/>
+          </a:stretch>
+        </p:blipFill>
+        <p:spPr>
+          <a:xfrm>
+            <a:off x="0" y="0"/>
+            <a:ext cx="10160000" cy="7620000"/>
+          </a:xfrm>
+          <a:prstGeom prst="rect">
+            <a:avLst/>
+          </a:prstGeom>
+        </p:spPr>
+      </p:pic>
+      <p:sp>
+        <p:nvSpPr>
+          <p:cNvPr id="499" name="src: https://ocw.mit.edu/courses/civil-and-environmental-engineering/1-204-computer-algorithms-in-systems-engineering-spring-2010/lecture-notes/MIT1_204S10_lec13.pdf"/>
+          <p:cNvSpPr txBox="1"/>
+          <p:nvPr>
+            <p:ph type="body" sz="quarter" idx="1"/>
+          </p:nvPr>
+        </p:nvSpPr>
+        <p:spPr>
+          <a:xfrm>
+            <a:off x="134176" y="6918"/>
+            <a:ext cx="9055612" cy="611293"/>
+          </a:xfrm>
+          <a:prstGeom prst="rect">
+            <a:avLst/>
+          </a:prstGeom>
+        </p:spPr>
+        <p:txBody>
+          <a:bodyPr/>
+          <a:lstStyle/>
+          <a:p>
+            <a:pPr marL="0" indent="0">
+              <a:buSzTx/>
+              <a:buNone/>
+              <a:defRPr sz="1800"/>
+            </a:pPr>
+            <a:r>
+              <a:t>src: </a:t>
+            </a:r>
+            <a:r>
+              <a:rPr u="sng">
+                <a:hlinkClick r:id="rId3" invalidUrl="" action="" tgtFrame="" tooltip="" history="1" highlightClick="0" endSnd="0"/>
+              </a:rPr>
+              <a:t>https://ocw.mit.edu/courses/civil-and-environmental-engineering/1-204-computer-algorithms-in-systems-engineering-spring-2010/lecture-notes/MIT1_204S10_lec13.pdf</a:t>
+            </a:r>
+          </a:p>
+        </p:txBody>
+      </p:sp>
+    </p:spTree>
+  </p:cSld>
+  <p:clrMapOvr>
+    <a:masterClrMapping/>
+  </p:clrMapOvr>
+  <p:transition xmlns:p14="http://schemas.microsoft.com/office/powerpoint/2010/main" spd="med" advClick="1"/>
+</p:sld>
+</file>
+
+<file path=ppt/slides/slide23.xml><?xml version="1.0" encoding="utf-8"?>
+<p:sld xmlns:a="http://schemas.openxmlformats.org/drawingml/2006/main" xmlns:r="http://schemas.openxmlformats.org/officeDocument/2006/relationships" xmlns:p="http://schemas.openxmlformats.org/presentationml/2006/main" xmlns:m="http://schemas.openxmlformats.org/officeDocument/2006/math" xmlns:a14="http://schemas.microsoft.com/office/drawing/2010/main" showMasterSp="1" showMasterPhAnim="1">
+  <p:cSld>
+    <p:spTree>
+      <p:nvGrpSpPr>
+        <p:cNvPr id="1" name=""/>
+        <p:cNvGrpSpPr/>
+        <p:nvPr/>
+      </p:nvGrpSpPr>
+      <p:grpSpPr>
+        <a:xfrm>
+          <a:off x="0" y="0"/>
+          <a:ext cx="0" cy="0"/>
+          <a:chOff x="0" y="0"/>
+          <a:chExt cx="0" cy="0"/>
+        </a:xfrm>
+      </p:grpSpPr>
+      <p:sp>
+        <p:nvSpPr>
+          <p:cNvPr id="501" name="Slide Number"/>
+          <p:cNvSpPr txBox="1"/>
+          <p:nvPr>
+            <p:ph type="sldNum" sz="quarter" idx="2"/>
+          </p:nvPr>
+        </p:nvSpPr>
+        <p:spPr>
+          <a:prstGeom prst="rect">
+            <a:avLst/>
+          </a:prstGeom>
+          <a:extLst>
+            <a:ext uri="{C572A759-6A51-4108-AA02-DFA0A04FC94B}">
+              <ma14:wrappingTextBoxFlag xmlns:ma14="http://schemas.microsoft.com/office/mac/drawingml/2011/main" val="1"/>
+            </a:ext>
+          </a:extLst>
+        </p:spPr>
+        <p:txBody>
+          <a:bodyPr/>
+          <a:lstStyle/>
+          <a:p>
+            <a:pPr/>
+            <a:fld id="{86CB4B4D-7CA3-9044-876B-883B54F8677D}" type="slidenum"/>
+          </a:p>
+        </p:txBody>
+      </p:sp>
+      <p:sp>
+        <p:nvSpPr>
+          <p:cNvPr id="502" name="DAA/Dynamic Programming"/>
+          <p:cNvSpPr txBox="1"/>
+          <p:nvPr/>
+        </p:nvSpPr>
+        <p:spPr>
+          <a:xfrm>
+            <a:off x="423212" y="6963885"/>
+            <a:ext cx="3769679" cy="431552"/>
+          </a:xfrm>
+          <a:prstGeom prst="rect">
+            <a:avLst/>
+          </a:prstGeom>
+          <a:ln w="12700">
+            <a:miter lim="400000"/>
+          </a:ln>
+          <a:extLst>
+            <a:ext uri="{C572A759-6A51-4108-AA02-DFA0A04FC94B}">
+              <ma14:wrappingTextBoxFlag xmlns:ma14="http://schemas.microsoft.com/office/mac/drawingml/2011/main" val="1"/>
+            </a:ext>
+          </a:extLst>
+        </p:spPr>
+        <p:txBody>
+          <a:bodyPr wrap="none" lIns="50800" tIns="50800" rIns="50800" bIns="50800" anchor="ctr">
+            <a:spAutoFit/>
+          </a:bodyPr>
+          <a:lstStyle>
+            <a:lvl1pPr>
+              <a:defRPr sz="2400"/>
+            </a:lvl1pPr>
+          </a:lstStyle>
+          <a:p>
+            <a:pPr/>
+            <a:r>
+              <a:t>DAA/Dynamic Programming</a:t>
+            </a:r>
+          </a:p>
+        </p:txBody>
+      </p:sp>
+      <p:sp>
+        <p:nvSpPr>
+          <p:cNvPr id="503" name="RPR/"/>
+          <p:cNvSpPr txBox="1"/>
+          <p:nvPr/>
+        </p:nvSpPr>
+        <p:spPr>
+          <a:xfrm>
+            <a:off x="7535212" y="6988206"/>
+            <a:ext cx="705605" cy="382910"/>
+          </a:xfrm>
+          <a:prstGeom prst="rect">
+            <a:avLst/>
+          </a:prstGeom>
+          <a:ln w="12700">
+            <a:miter lim="400000"/>
+          </a:ln>
+          <a:extLst>
+            <a:ext uri="{C572A759-6A51-4108-AA02-DFA0A04FC94B}">
+              <ma14:wrappingTextBoxFlag xmlns:ma14="http://schemas.microsoft.com/office/mac/drawingml/2011/main" val="1"/>
+            </a:ext>
+          </a:extLst>
+        </p:spPr>
+        <p:txBody>
+          <a:bodyPr wrap="none" lIns="50800" tIns="50800" rIns="50800" bIns="50800" anchor="ctr">
+            <a:spAutoFit/>
+          </a:bodyPr>
+          <a:lstStyle>
+            <a:lvl1pPr>
+              <a:defRPr sz="2000"/>
+            </a:lvl1pPr>
+          </a:lstStyle>
+          <a:p>
+            <a:pPr/>
+            <a:r>
+              <a:t>RPR/</a:t>
+            </a:r>
+          </a:p>
+        </p:txBody>
+      </p:sp>
+      <p:pic>
+        <p:nvPicPr>
+          <p:cNvPr id="504" name="Image" descr="Image"/>
+          <p:cNvPicPr>
+            <a:picLocks noChangeAspect="1"/>
+          </p:cNvPicPr>
+          <p:nvPr/>
+        </p:nvPicPr>
+        <p:blipFill>
+          <a:blip r:embed="rId2">
+            <a:extLst/>
+          </a:blip>
+          <a:stretch>
+            <a:fillRect/>
+          </a:stretch>
+        </p:blipFill>
+        <p:spPr>
+          <a:xfrm>
+            <a:off x="0" y="0"/>
+            <a:ext cx="10160000" cy="7620000"/>
+          </a:xfrm>
+          <a:prstGeom prst="rect">
+            <a:avLst/>
+          </a:prstGeom>
+        </p:spPr>
+      </p:pic>
+      <p:sp>
+        <p:nvSpPr>
+          <p:cNvPr id="505" name="src: https://ocw.mit.edu/courses/civil-and-environmental-engineering/1-204-computer-algorithms-in-systems-engineering-spring-2010/lecture-notes/MIT1_204S10_lec13.pdf"/>
+          <p:cNvSpPr txBox="1"/>
+          <p:nvPr>
+            <p:ph type="body" sz="quarter" idx="1"/>
+          </p:nvPr>
+        </p:nvSpPr>
+        <p:spPr>
+          <a:xfrm>
+            <a:off x="134176" y="6918"/>
+            <a:ext cx="9055612" cy="611293"/>
+          </a:xfrm>
+          <a:prstGeom prst="rect">
+            <a:avLst/>
+          </a:prstGeom>
+        </p:spPr>
+        <p:txBody>
+          <a:bodyPr/>
+          <a:lstStyle/>
+          <a:p>
+            <a:pPr marL="0" indent="0">
+              <a:buSzTx/>
+              <a:buNone/>
+              <a:defRPr sz="1800"/>
+            </a:pPr>
+            <a:r>
+              <a:t>src: </a:t>
+            </a:r>
+            <a:r>
+              <a:rPr u="sng">
+                <a:hlinkClick r:id="rId3" invalidUrl="" action="" tgtFrame="" tooltip="" history="1" highlightClick="0" endSnd="0"/>
+              </a:rPr>
+              <a:t>https://ocw.mit.edu/courses/civil-and-environmental-engineering/1-204-computer-algorithms-in-systems-engineering-spring-2010/lecture-notes/MIT1_204S10_lec13.pdf</a:t>
+            </a:r>
+          </a:p>
+        </p:txBody>
+      </p:sp>
+    </p:spTree>
+  </p:cSld>
+  <p:clrMapOvr>
+    <a:masterClrMapping/>
+  </p:clrMapOvr>
+  <p:transition xmlns:p14="http://schemas.microsoft.com/office/powerpoint/2010/main" spd="med" advClick="1"/>
+</p:sld>
+</file>
+
+<file path=ppt/slides/slide24.xml><?xml version="1.0" encoding="utf-8"?>
+<p:sld xmlns:a="http://schemas.openxmlformats.org/drawingml/2006/main" xmlns:r="http://schemas.openxmlformats.org/officeDocument/2006/relationships" xmlns:p="http://schemas.openxmlformats.org/presentationml/2006/main" xmlns:m="http://schemas.openxmlformats.org/officeDocument/2006/math" xmlns:a14="http://schemas.microsoft.com/office/drawing/2010/main" showMasterSp="1" showMasterPhAnim="1">
+  <p:cSld>
+    <p:spTree>
+      <p:nvGrpSpPr>
+        <p:cNvPr id="1" name=""/>
+        <p:cNvGrpSpPr/>
+        <p:nvPr/>
+      </p:nvGrpSpPr>
+      <p:grpSpPr>
+        <a:xfrm>
+          <a:off x="0" y="0"/>
+          <a:ext cx="0" cy="0"/>
+          <a:chOff x="0" y="0"/>
+          <a:chExt cx="0" cy="0"/>
+        </a:xfrm>
+      </p:grpSpPr>
+      <p:sp>
+        <p:nvSpPr>
+          <p:cNvPr id="507" name="Slide Number"/>
+          <p:cNvSpPr txBox="1"/>
+          <p:nvPr>
+            <p:ph type="sldNum" sz="quarter" idx="2"/>
+          </p:nvPr>
+        </p:nvSpPr>
+        <p:spPr>
+          <a:prstGeom prst="rect">
+            <a:avLst/>
+          </a:prstGeom>
+          <a:extLst>
+            <a:ext uri="{C572A759-6A51-4108-AA02-DFA0A04FC94B}">
+              <ma14:wrappingTextBoxFlag xmlns:ma14="http://schemas.microsoft.com/office/mac/drawingml/2011/main" val="1"/>
+            </a:ext>
+          </a:extLst>
+        </p:spPr>
+        <p:txBody>
+          <a:bodyPr/>
+          <a:lstStyle/>
+          <a:p>
+            <a:pPr/>
+            <a:fld id="{86CB4B4D-7CA3-9044-876B-883B54F8677D}" type="slidenum"/>
+          </a:p>
+        </p:txBody>
+      </p:sp>
+      <p:sp>
+        <p:nvSpPr>
+          <p:cNvPr id="508" name="DAA/Dynamic Programming"/>
+          <p:cNvSpPr txBox="1"/>
+          <p:nvPr/>
+        </p:nvSpPr>
+        <p:spPr>
+          <a:xfrm>
+            <a:off x="423212" y="6963885"/>
+            <a:ext cx="3769679" cy="431552"/>
+          </a:xfrm>
+          <a:prstGeom prst="rect">
+            <a:avLst/>
+          </a:prstGeom>
+          <a:ln w="12700">
+            <a:miter lim="400000"/>
+          </a:ln>
+          <a:extLst>
+            <a:ext uri="{C572A759-6A51-4108-AA02-DFA0A04FC94B}">
+              <ma14:wrappingTextBoxFlag xmlns:ma14="http://schemas.microsoft.com/office/mac/drawingml/2011/main" val="1"/>
+            </a:ext>
+          </a:extLst>
+        </p:spPr>
+        <p:txBody>
+          <a:bodyPr wrap="none" lIns="50800" tIns="50800" rIns="50800" bIns="50800" anchor="ctr">
+            <a:spAutoFit/>
+          </a:bodyPr>
+          <a:lstStyle>
+            <a:lvl1pPr>
+              <a:defRPr sz="2400"/>
+            </a:lvl1pPr>
+          </a:lstStyle>
+          <a:p>
+            <a:pPr/>
+            <a:r>
+              <a:t>DAA/Dynamic Programming</a:t>
+            </a:r>
+          </a:p>
+        </p:txBody>
+      </p:sp>
+      <p:sp>
+        <p:nvSpPr>
+          <p:cNvPr id="509" name="RPR/"/>
+          <p:cNvSpPr txBox="1"/>
+          <p:nvPr/>
+        </p:nvSpPr>
+        <p:spPr>
+          <a:xfrm>
+            <a:off x="7535212" y="6988206"/>
+            <a:ext cx="705605" cy="382910"/>
+          </a:xfrm>
+          <a:prstGeom prst="rect">
+            <a:avLst/>
+          </a:prstGeom>
+          <a:ln w="12700">
+            <a:miter lim="400000"/>
+          </a:ln>
+          <a:extLst>
+            <a:ext uri="{C572A759-6A51-4108-AA02-DFA0A04FC94B}">
+              <ma14:wrappingTextBoxFlag xmlns:ma14="http://schemas.microsoft.com/office/mac/drawingml/2011/main" val="1"/>
+            </a:ext>
+          </a:extLst>
+        </p:spPr>
+        <p:txBody>
+          <a:bodyPr wrap="none" lIns="50800" tIns="50800" rIns="50800" bIns="50800" anchor="ctr">
+            <a:spAutoFit/>
+          </a:bodyPr>
+          <a:lstStyle>
+            <a:lvl1pPr>
+              <a:defRPr sz="2000"/>
+            </a:lvl1pPr>
+          </a:lstStyle>
+          <a:p>
+            <a:pPr/>
+            <a:r>
+              <a:t>RPR/</a:t>
+            </a:r>
+          </a:p>
+        </p:txBody>
+      </p:sp>
+      <p:pic>
+        <p:nvPicPr>
+          <p:cNvPr id="510" name="Image" descr="Image"/>
+          <p:cNvPicPr>
+            <a:picLocks noChangeAspect="1"/>
+          </p:cNvPicPr>
+          <p:nvPr/>
+        </p:nvPicPr>
+        <p:blipFill>
+          <a:blip r:embed="rId2">
+            <a:extLst/>
+          </a:blip>
+          <a:stretch>
+            <a:fillRect/>
+          </a:stretch>
+        </p:blipFill>
+        <p:spPr>
+          <a:xfrm>
+            <a:off x="0" y="0"/>
+            <a:ext cx="10160000" cy="7620000"/>
+          </a:xfrm>
+          <a:prstGeom prst="rect">
+            <a:avLst/>
+          </a:prstGeom>
+        </p:spPr>
+      </p:pic>
+      <p:sp>
+        <p:nvSpPr>
+          <p:cNvPr id="511" name="src: https://ocw.mit.edu/courses/civil-and-environmental-engineering/1-204-computer-algorithms-in-systems-engineering-spring-2010/lecture-notes/MIT1_204S10_lec13.pdf"/>
+          <p:cNvSpPr txBox="1"/>
+          <p:nvPr>
+            <p:ph type="body" sz="quarter" idx="1"/>
+          </p:nvPr>
+        </p:nvSpPr>
+        <p:spPr>
+          <a:xfrm>
+            <a:off x="134176" y="6918"/>
+            <a:ext cx="9055612" cy="611293"/>
+          </a:xfrm>
+          <a:prstGeom prst="rect">
+            <a:avLst/>
+          </a:prstGeom>
+        </p:spPr>
+        <p:txBody>
+          <a:bodyPr/>
+          <a:lstStyle/>
+          <a:p>
+            <a:pPr marL="0" indent="0">
+              <a:buSzTx/>
+              <a:buNone/>
+              <a:defRPr sz="1800"/>
+            </a:pPr>
+            <a:r>
+              <a:t>src: </a:t>
+            </a:r>
+            <a:r>
+              <a:rPr u="sng">
+                <a:hlinkClick r:id="rId3" invalidUrl="" action="" tgtFrame="" tooltip="" history="1" highlightClick="0" endSnd="0"/>
+              </a:rPr>
+              <a:t>https://ocw.mit.edu/courses/civil-and-environmental-engineering/1-204-computer-algorithms-in-systems-engineering-spring-2010/lecture-notes/MIT1_204S10_lec13.pdf</a:t>
+            </a:r>
+          </a:p>
+        </p:txBody>
+      </p:sp>
+    </p:spTree>
+  </p:cSld>
+  <p:clrMapOvr>
+    <a:masterClrMapping/>
+  </p:clrMapOvr>
+  <p:transition xmlns:p14="http://schemas.microsoft.com/office/powerpoint/2010/main" spd="med" advClick="1"/>
+</p:sld>
+</file>
+
+<file path=ppt/slides/slide25.xml><?xml version="1.0" encoding="utf-8"?>
+<p:sld xmlns:a="http://schemas.openxmlformats.org/drawingml/2006/main" xmlns:r="http://schemas.openxmlformats.org/officeDocument/2006/relationships" xmlns:p="http://schemas.openxmlformats.org/presentationml/2006/main" xmlns:m="http://schemas.openxmlformats.org/officeDocument/2006/math" xmlns:a14="http://schemas.microsoft.com/office/drawing/2010/main" showMasterSp="1" showMasterPhAnim="1">
+  <p:cSld>
+    <p:spTree>
+      <p:nvGrpSpPr>
+        <p:cNvPr id="1" name=""/>
+        <p:cNvGrpSpPr/>
+        <p:nvPr/>
+      </p:nvGrpSpPr>
+      <p:grpSpPr>
+        <a:xfrm>
+          <a:off x="0" y="0"/>
+          <a:ext cx="0" cy="0"/>
+          <a:chOff x="0" y="0"/>
+          <a:chExt cx="0" cy="0"/>
+        </a:xfrm>
+      </p:grpSpPr>
+      <p:sp>
+        <p:nvSpPr>
+          <p:cNvPr id="513" name="Slide Number"/>
+          <p:cNvSpPr txBox="1"/>
+          <p:nvPr>
+            <p:ph type="sldNum" sz="quarter" idx="2"/>
+          </p:nvPr>
+        </p:nvSpPr>
+        <p:spPr>
+          <a:prstGeom prst="rect">
+            <a:avLst/>
+          </a:prstGeom>
+          <a:extLst>
+            <a:ext uri="{C572A759-6A51-4108-AA02-DFA0A04FC94B}">
+              <ma14:wrappingTextBoxFlag xmlns:ma14="http://schemas.microsoft.com/office/mac/drawingml/2011/main" val="1"/>
+            </a:ext>
+          </a:extLst>
+        </p:spPr>
+        <p:txBody>
+          <a:bodyPr/>
+          <a:lstStyle/>
+          <a:p>
+            <a:pPr/>
+            <a:fld id="{86CB4B4D-7CA3-9044-876B-883B54F8677D}" type="slidenum"/>
+          </a:p>
+        </p:txBody>
+      </p:sp>
+      <p:sp>
+        <p:nvSpPr>
+          <p:cNvPr id="514" name="DAA/Dynamic Programming"/>
+          <p:cNvSpPr txBox="1"/>
+          <p:nvPr/>
+        </p:nvSpPr>
+        <p:spPr>
+          <a:xfrm>
+            <a:off x="423212" y="6963885"/>
+            <a:ext cx="3769679" cy="431552"/>
+          </a:xfrm>
+          <a:prstGeom prst="rect">
+            <a:avLst/>
+          </a:prstGeom>
+          <a:ln w="12700">
+            <a:miter lim="400000"/>
+          </a:ln>
+          <a:extLst>
+            <a:ext uri="{C572A759-6A51-4108-AA02-DFA0A04FC94B}">
+              <ma14:wrappingTextBoxFlag xmlns:ma14="http://schemas.microsoft.com/office/mac/drawingml/2011/main" val="1"/>
+            </a:ext>
+          </a:extLst>
+        </p:spPr>
+        <p:txBody>
+          <a:bodyPr wrap="none" lIns="50800" tIns="50800" rIns="50800" bIns="50800" anchor="ctr">
+            <a:spAutoFit/>
+          </a:bodyPr>
+          <a:lstStyle>
+            <a:lvl1pPr>
+              <a:defRPr sz="2400"/>
+            </a:lvl1pPr>
+          </a:lstStyle>
+          <a:p>
+            <a:pPr/>
+            <a:r>
+              <a:t>DAA/Dynamic Programming</a:t>
+            </a:r>
+          </a:p>
+        </p:txBody>
+      </p:sp>
+      <p:sp>
+        <p:nvSpPr>
+          <p:cNvPr id="515" name="RPR/"/>
+          <p:cNvSpPr txBox="1"/>
+          <p:nvPr/>
+        </p:nvSpPr>
+        <p:spPr>
+          <a:xfrm>
+            <a:off x="7535212" y="6988206"/>
+            <a:ext cx="705605" cy="382910"/>
+          </a:xfrm>
+          <a:prstGeom prst="rect">
+            <a:avLst/>
+          </a:prstGeom>
+          <a:ln w="12700">
+            <a:miter lim="400000"/>
+          </a:ln>
+          <a:extLst>
+            <a:ext uri="{C572A759-6A51-4108-AA02-DFA0A04FC94B}">
+              <ma14:wrappingTextBoxFlag xmlns:ma14="http://schemas.microsoft.com/office/mac/drawingml/2011/main" val="1"/>
+            </a:ext>
+          </a:extLst>
+        </p:spPr>
+        <p:txBody>
+          <a:bodyPr wrap="none" lIns="50800" tIns="50800" rIns="50800" bIns="50800" anchor="ctr">
+            <a:spAutoFit/>
+          </a:bodyPr>
+          <a:lstStyle>
+            <a:lvl1pPr>
+              <a:defRPr sz="2000"/>
+            </a:lvl1pPr>
+          </a:lstStyle>
+          <a:p>
+            <a:pPr/>
+            <a:r>
+              <a:t>RPR/</a:t>
+            </a:r>
+          </a:p>
+        </p:txBody>
+      </p:sp>
+      <p:pic>
+        <p:nvPicPr>
+          <p:cNvPr id="516" name="Image" descr="Image"/>
+          <p:cNvPicPr>
+            <a:picLocks noChangeAspect="1"/>
+          </p:cNvPicPr>
+          <p:nvPr/>
+        </p:nvPicPr>
+        <p:blipFill>
+          <a:blip r:embed="rId2">
+            <a:extLst/>
+          </a:blip>
+          <a:stretch>
+            <a:fillRect/>
+          </a:stretch>
+        </p:blipFill>
+        <p:spPr>
+          <a:xfrm>
+            <a:off x="0" y="5943"/>
+            <a:ext cx="10160000" cy="7608114"/>
+          </a:xfrm>
+          <a:prstGeom prst="rect">
+            <a:avLst/>
+          </a:prstGeom>
+        </p:spPr>
+      </p:pic>
+      <p:sp>
+        <p:nvSpPr>
+          <p:cNvPr id="517" name="src: https://ocw.mit.edu/courses/civil-and-environmental-engineering/1-204-computer-algorithms-in-systems-engineering-spring-2010/lecture-notes/MIT1_204S10_lec13.pdf"/>
+          <p:cNvSpPr txBox="1"/>
+          <p:nvPr>
+            <p:ph type="body" sz="quarter" idx="1"/>
+          </p:nvPr>
+        </p:nvSpPr>
+        <p:spPr>
+          <a:xfrm>
+            <a:off x="134176" y="6918"/>
+            <a:ext cx="9055612" cy="611293"/>
+          </a:xfrm>
+          <a:prstGeom prst="rect">
+            <a:avLst/>
+          </a:prstGeom>
+        </p:spPr>
+        <p:txBody>
+          <a:bodyPr/>
+          <a:lstStyle/>
+          <a:p>
+            <a:pPr marL="0" indent="0">
+              <a:buSzTx/>
+              <a:buNone/>
+              <a:defRPr sz="1800"/>
+            </a:pPr>
+            <a:r>
+              <a:t>src: </a:t>
+            </a:r>
+            <a:r>
+              <a:rPr u="sng">
+                <a:hlinkClick r:id="rId3" invalidUrl="" action="" tgtFrame="" tooltip="" history="1" highlightClick="0" endSnd="0"/>
+              </a:rPr>
+              <a:t>https://ocw.mit.edu/courses/civil-and-environmental-engineering/1-204-computer-algorithms-in-systems-engineering-spring-2010/lecture-notes/MIT1_204S10_lec13.pdf</a:t>
+            </a:r>
+          </a:p>
+        </p:txBody>
+      </p:sp>
+    </p:spTree>
+  </p:cSld>
+  <p:clrMapOvr>
+    <a:masterClrMapping/>
+  </p:clrMapOvr>
+  <p:transition xmlns:p14="http://schemas.microsoft.com/office/powerpoint/2010/main" spd="med" advClick="1"/>
+</p:sld>
+</file>
+
+<file path=ppt/slides/slide26.xml><?xml version="1.0" encoding="utf-8"?>
+<p:sld xmlns:a="http://schemas.openxmlformats.org/drawingml/2006/main" xmlns:r="http://schemas.openxmlformats.org/officeDocument/2006/relationships" xmlns:p="http://schemas.openxmlformats.org/presentationml/2006/main" xmlns:m="http://schemas.openxmlformats.org/officeDocument/2006/math" xmlns:a14="http://schemas.microsoft.com/office/drawing/2010/main" showMasterSp="1" showMasterPhAnim="1">
+  <p:cSld>
+    <p:spTree>
+      <p:nvGrpSpPr>
+        <p:cNvPr id="1" name=""/>
+        <p:cNvGrpSpPr/>
+        <p:nvPr/>
+      </p:nvGrpSpPr>
+      <p:grpSpPr>
+        <a:xfrm>
+          <a:off x="0" y="0"/>
+          <a:ext cx="0" cy="0"/>
+          <a:chOff x="0" y="0"/>
+          <a:chExt cx="0" cy="0"/>
+        </a:xfrm>
+      </p:grpSpPr>
+      <p:sp>
+        <p:nvSpPr>
+          <p:cNvPr id="519" name="Slide Number"/>
+          <p:cNvSpPr txBox="1"/>
+          <p:nvPr>
+            <p:ph type="sldNum" sz="quarter" idx="2"/>
+          </p:nvPr>
+        </p:nvSpPr>
+        <p:spPr>
+          <a:prstGeom prst="rect">
+            <a:avLst/>
+          </a:prstGeom>
+          <a:extLst>
+            <a:ext uri="{C572A759-6A51-4108-AA02-DFA0A04FC94B}">
+              <ma14:wrappingTextBoxFlag xmlns:ma14="http://schemas.microsoft.com/office/mac/drawingml/2011/main" val="1"/>
+            </a:ext>
+          </a:extLst>
+        </p:spPr>
+        <p:txBody>
+          <a:bodyPr/>
+          <a:lstStyle/>
+          <a:p>
+            <a:pPr/>
+            <a:fld id="{86CB4B4D-7CA3-9044-876B-883B54F8677D}" type="slidenum"/>
+          </a:p>
+        </p:txBody>
+      </p:sp>
+      <p:sp>
+        <p:nvSpPr>
+          <p:cNvPr id="520" name="DAA/Dynamic Programming"/>
+          <p:cNvSpPr txBox="1"/>
+          <p:nvPr/>
+        </p:nvSpPr>
+        <p:spPr>
+          <a:xfrm>
+            <a:off x="423212" y="6963885"/>
+            <a:ext cx="3769679" cy="431552"/>
+          </a:xfrm>
+          <a:prstGeom prst="rect">
+            <a:avLst/>
+          </a:prstGeom>
+          <a:ln w="12700">
+            <a:miter lim="400000"/>
+          </a:ln>
+          <a:extLst>
+            <a:ext uri="{C572A759-6A51-4108-AA02-DFA0A04FC94B}">
+              <ma14:wrappingTextBoxFlag xmlns:ma14="http://schemas.microsoft.com/office/mac/drawingml/2011/main" val="1"/>
+            </a:ext>
+          </a:extLst>
+        </p:spPr>
+        <p:txBody>
+          <a:bodyPr wrap="none" lIns="50800" tIns="50800" rIns="50800" bIns="50800" anchor="ctr">
+            <a:spAutoFit/>
+          </a:bodyPr>
+          <a:lstStyle>
+            <a:lvl1pPr>
+              <a:defRPr sz="2400"/>
+            </a:lvl1pPr>
+          </a:lstStyle>
+          <a:p>
+            <a:pPr/>
+            <a:r>
+              <a:t>DAA/Dynamic Programming</a:t>
+            </a:r>
+          </a:p>
+        </p:txBody>
+      </p:sp>
+      <p:sp>
+        <p:nvSpPr>
+          <p:cNvPr id="521" name="RPR/"/>
+          <p:cNvSpPr txBox="1"/>
+          <p:nvPr/>
+        </p:nvSpPr>
+        <p:spPr>
+          <a:xfrm>
+            <a:off x="7535212" y="6988206"/>
+            <a:ext cx="705605" cy="382910"/>
+          </a:xfrm>
+          <a:prstGeom prst="rect">
+            <a:avLst/>
+          </a:prstGeom>
+          <a:ln w="12700">
+            <a:miter lim="400000"/>
+          </a:ln>
+          <a:extLst>
+            <a:ext uri="{C572A759-6A51-4108-AA02-DFA0A04FC94B}">
+              <ma14:wrappingTextBoxFlag xmlns:ma14="http://schemas.microsoft.com/office/mac/drawingml/2011/main" val="1"/>
+            </a:ext>
+          </a:extLst>
+        </p:spPr>
+        <p:txBody>
+          <a:bodyPr wrap="none" lIns="50800" tIns="50800" rIns="50800" bIns="50800" anchor="ctr">
+            <a:spAutoFit/>
+          </a:bodyPr>
+          <a:lstStyle>
+            <a:lvl1pPr>
+              <a:defRPr sz="2000"/>
+            </a:lvl1pPr>
+          </a:lstStyle>
+          <a:p>
+            <a:pPr/>
+            <a:r>
+              <a:t>RPR/</a:t>
+            </a:r>
+          </a:p>
+        </p:txBody>
+      </p:sp>
+      <p:pic>
+        <p:nvPicPr>
+          <p:cNvPr id="522" name="Image" descr="Image"/>
+          <p:cNvPicPr>
+            <a:picLocks noChangeAspect="1"/>
+          </p:cNvPicPr>
+          <p:nvPr/>
+        </p:nvPicPr>
+        <p:blipFill>
+          <a:blip r:embed="rId2">
+            <a:extLst/>
+          </a:blip>
+          <a:stretch>
+            <a:fillRect/>
+          </a:stretch>
+        </p:blipFill>
+        <p:spPr>
+          <a:xfrm>
+            <a:off x="0" y="0"/>
+            <a:ext cx="10160000" cy="7620000"/>
+          </a:xfrm>
+          <a:prstGeom prst="rect">
+            <a:avLst/>
+          </a:prstGeom>
+        </p:spPr>
+      </p:pic>
+      <p:sp>
+        <p:nvSpPr>
+          <p:cNvPr id="523" name="src: https://ocw.mit.edu/courses/civil-and-environmental-engineering/1-204-computer-algorithms-in-systems-engineering-spring-2010/lecture-notes/MIT1_204S10_lec13.pdf"/>
+          <p:cNvSpPr txBox="1"/>
+          <p:nvPr>
+            <p:ph type="body" sz="quarter" idx="1"/>
+          </p:nvPr>
+        </p:nvSpPr>
+        <p:spPr>
+          <a:xfrm>
+            <a:off x="134176" y="6918"/>
+            <a:ext cx="9055612" cy="611293"/>
+          </a:xfrm>
+          <a:prstGeom prst="rect">
+            <a:avLst/>
+          </a:prstGeom>
+        </p:spPr>
+        <p:txBody>
+          <a:bodyPr/>
+          <a:lstStyle/>
+          <a:p>
+            <a:pPr marL="0" indent="0">
+              <a:buSzTx/>
+              <a:buNone/>
+              <a:defRPr sz="1800"/>
+            </a:pPr>
+            <a:r>
+              <a:t>src: </a:t>
+            </a:r>
+            <a:r>
+              <a:rPr u="sng">
+                <a:hlinkClick r:id="rId3" invalidUrl="" action="" tgtFrame="" tooltip="" history="1" highlightClick="0" endSnd="0"/>
+              </a:rPr>
+              <a:t>https://ocw.mit.edu/courses/civil-and-environmental-engineering/1-204-computer-algorithms-in-systems-engineering-spring-2010/lecture-notes/MIT1_204S10_lec13.pdf</a:t>
+            </a:r>
+          </a:p>
+        </p:txBody>
+      </p:sp>
+    </p:spTree>
+  </p:cSld>
+  <p:clrMapOvr>
+    <a:masterClrMapping/>
+  </p:clrMapOvr>
+  <p:transition xmlns:p14="http://schemas.microsoft.com/office/powerpoint/2010/main" spd="med" advClick="1"/>
+</p:sld>
+</file>
+
+<file path=ppt/slides/slide27.xml><?xml version="1.0" encoding="utf-8"?>
+<p:sld xmlns:a="http://schemas.openxmlformats.org/drawingml/2006/main" xmlns:r="http://schemas.openxmlformats.org/officeDocument/2006/relationships" xmlns:p="http://schemas.openxmlformats.org/presentationml/2006/main" xmlns:m="http://schemas.openxmlformats.org/officeDocument/2006/math" xmlns:a14="http://schemas.microsoft.com/office/drawing/2010/main" showMasterSp="1" showMasterPhAnim="1">
+  <p:cSld>
+    <p:spTree>
+      <p:nvGrpSpPr>
+        <p:cNvPr id="1" name=""/>
+        <p:cNvGrpSpPr/>
+        <p:nvPr/>
+      </p:nvGrpSpPr>
+      <p:grpSpPr>
+        <a:xfrm>
+          <a:off x="0" y="0"/>
+          <a:ext cx="0" cy="0"/>
+          <a:chOff x="0" y="0"/>
+          <a:chExt cx="0" cy="0"/>
+        </a:xfrm>
+      </p:grpSpPr>
+      <p:sp>
+        <p:nvSpPr>
+          <p:cNvPr id="525" name="Slide Number"/>
+          <p:cNvSpPr txBox="1"/>
+          <p:nvPr>
+            <p:ph type="sldNum" sz="quarter" idx="2"/>
+          </p:nvPr>
+        </p:nvSpPr>
+        <p:spPr>
+          <a:prstGeom prst="rect">
+            <a:avLst/>
+          </a:prstGeom>
+          <a:extLst>
+            <a:ext uri="{C572A759-6A51-4108-AA02-DFA0A04FC94B}">
+              <ma14:wrappingTextBoxFlag xmlns:ma14="http://schemas.microsoft.com/office/mac/drawingml/2011/main" val="1"/>
+            </a:ext>
+          </a:extLst>
+        </p:spPr>
+        <p:txBody>
+          <a:bodyPr/>
+          <a:lstStyle/>
+          <a:p>
+            <a:pPr/>
+            <a:fld id="{86CB4B4D-7CA3-9044-876B-883B54F8677D}" type="slidenum"/>
+          </a:p>
+        </p:txBody>
+      </p:sp>
+      <p:sp>
+        <p:nvSpPr>
+          <p:cNvPr id="526" name="DAA/Dynamic Programming"/>
+          <p:cNvSpPr txBox="1"/>
+          <p:nvPr/>
+        </p:nvSpPr>
+        <p:spPr>
+          <a:xfrm>
+            <a:off x="423212" y="6963885"/>
+            <a:ext cx="3769679" cy="431552"/>
+          </a:xfrm>
+          <a:prstGeom prst="rect">
+            <a:avLst/>
+          </a:prstGeom>
+          <a:ln w="12700">
+            <a:miter lim="400000"/>
+          </a:ln>
+          <a:extLst>
+            <a:ext uri="{C572A759-6A51-4108-AA02-DFA0A04FC94B}">
+              <ma14:wrappingTextBoxFlag xmlns:ma14="http://schemas.microsoft.com/office/mac/drawingml/2011/main" val="1"/>
+            </a:ext>
+          </a:extLst>
+        </p:spPr>
+        <p:txBody>
+          <a:bodyPr wrap="none" lIns="50800" tIns="50800" rIns="50800" bIns="50800" anchor="ctr">
+            <a:spAutoFit/>
+          </a:bodyPr>
+          <a:lstStyle>
+            <a:lvl1pPr>
+              <a:defRPr sz="2400"/>
+            </a:lvl1pPr>
+          </a:lstStyle>
+          <a:p>
+            <a:pPr/>
+            <a:r>
+              <a:t>DAA/Dynamic Programming</a:t>
+            </a:r>
+          </a:p>
+        </p:txBody>
+      </p:sp>
+      <p:sp>
+        <p:nvSpPr>
+          <p:cNvPr id="527" name="RPR/"/>
+          <p:cNvSpPr txBox="1"/>
+          <p:nvPr/>
+        </p:nvSpPr>
+        <p:spPr>
+          <a:xfrm>
+            <a:off x="7535212" y="6988206"/>
+            <a:ext cx="705605" cy="382910"/>
+          </a:xfrm>
+          <a:prstGeom prst="rect">
+            <a:avLst/>
+          </a:prstGeom>
+          <a:ln w="12700">
+            <a:miter lim="400000"/>
+          </a:ln>
+          <a:extLst>
+            <a:ext uri="{C572A759-6A51-4108-AA02-DFA0A04FC94B}">
+              <ma14:wrappingTextBoxFlag xmlns:ma14="http://schemas.microsoft.com/office/mac/drawingml/2011/main" val="1"/>
+            </a:ext>
+          </a:extLst>
+        </p:spPr>
+        <p:txBody>
+          <a:bodyPr wrap="none" lIns="50800" tIns="50800" rIns="50800" bIns="50800" anchor="ctr">
+            <a:spAutoFit/>
+          </a:bodyPr>
+          <a:lstStyle>
+            <a:lvl1pPr>
+              <a:defRPr sz="2000"/>
+            </a:lvl1pPr>
+          </a:lstStyle>
+          <a:p>
+            <a:pPr/>
+            <a:r>
+              <a:t>RPR/</a:t>
+            </a:r>
+          </a:p>
+        </p:txBody>
+      </p:sp>
+      <p:pic>
+        <p:nvPicPr>
+          <p:cNvPr id="528" name="Image" descr="Image"/>
+          <p:cNvPicPr>
+            <a:picLocks noChangeAspect="1"/>
+          </p:cNvPicPr>
+          <p:nvPr/>
+        </p:nvPicPr>
+        <p:blipFill>
+          <a:blip r:embed="rId2">
+            <a:extLst/>
+          </a:blip>
+          <a:stretch>
+            <a:fillRect/>
+          </a:stretch>
+        </p:blipFill>
+        <p:spPr>
+          <a:xfrm>
+            <a:off x="0" y="0"/>
+            <a:ext cx="10160000" cy="7620000"/>
+          </a:xfrm>
+          <a:prstGeom prst="rect">
+            <a:avLst/>
+          </a:prstGeom>
+        </p:spPr>
+      </p:pic>
+      <p:sp>
+        <p:nvSpPr>
+          <p:cNvPr id="529" name="src: https://ocw.mit.edu/courses/civil-and-environmental-engineering/1-204-computer-algorithms-in-systems-engineering-spring-2010/lecture-notes/MIT1_204S10_lec13.pdf"/>
+          <p:cNvSpPr txBox="1"/>
+          <p:nvPr>
+            <p:ph type="body" sz="quarter" idx="1"/>
+          </p:nvPr>
+        </p:nvSpPr>
+        <p:spPr>
+          <a:xfrm>
+            <a:off x="134176" y="6918"/>
+            <a:ext cx="9055612" cy="611293"/>
+          </a:xfrm>
+          <a:prstGeom prst="rect">
+            <a:avLst/>
+          </a:prstGeom>
+        </p:spPr>
+        <p:txBody>
+          <a:bodyPr/>
+          <a:lstStyle/>
+          <a:p>
+            <a:pPr marL="0" indent="0">
+              <a:buSzTx/>
+              <a:buNone/>
+              <a:defRPr sz="1800"/>
+            </a:pPr>
+            <a:r>
+              <a:t>src: </a:t>
+            </a:r>
+            <a:r>
+              <a:rPr u="sng">
+                <a:hlinkClick r:id="rId3" invalidUrl="" action="" tgtFrame="" tooltip="" history="1" highlightClick="0" endSnd="0"/>
+              </a:rPr>
+              <a:t>https://ocw.mit.edu/courses/civil-and-environmental-engineering/1-204-computer-algorithms-in-systems-engineering-spring-2010/lecture-notes/MIT1_204S10_lec13.pdf</a:t>
+            </a:r>
+          </a:p>
+        </p:txBody>
+      </p:sp>
+    </p:spTree>
+  </p:cSld>
+  <p:clrMapOvr>
+    <a:masterClrMapping/>
+  </p:clrMapOvr>
+  <p:transition xmlns:p14="http://schemas.microsoft.com/office/powerpoint/2010/main" spd="med" advClick="1"/>
+</p:sld>
+</file>
+
+<file path=ppt/slides/slide28.xml><?xml version="1.0" encoding="utf-8"?>
+<p:sld xmlns:a="http://schemas.openxmlformats.org/drawingml/2006/main" xmlns:r="http://schemas.openxmlformats.org/officeDocument/2006/relationships" xmlns:p="http://schemas.openxmlformats.org/presentationml/2006/main" xmlns:m="http://schemas.openxmlformats.org/officeDocument/2006/math" xmlns:a14="http://schemas.microsoft.com/office/drawing/2010/main" showMasterSp="1" showMasterPhAnim="1">
+  <p:cSld>
+    <p:spTree>
+      <p:nvGrpSpPr>
+        <p:cNvPr id="1" name=""/>
+        <p:cNvGrpSpPr/>
+        <p:nvPr/>
+      </p:nvGrpSpPr>
+      <p:grpSpPr>
+        <a:xfrm>
+          <a:off x="0" y="0"/>
+          <a:ext cx="0" cy="0"/>
+          <a:chOff x="0" y="0"/>
+          <a:chExt cx="0" cy="0"/>
+        </a:xfrm>
+      </p:grpSpPr>
+      <p:sp>
+        <p:nvSpPr>
+          <p:cNvPr id="531" name="Ex 02: Find min cost path"/>
+          <p:cNvSpPr txBox="1"/>
+          <p:nvPr>
+            <p:ph type="title"/>
+          </p:nvPr>
+        </p:nvSpPr>
+        <p:spPr>
+          <a:prstGeom prst="rect">
+            <a:avLst/>
+          </a:prstGeom>
+        </p:spPr>
+        <p:txBody>
+          <a:bodyPr/>
+          <a:lstStyle/>
+          <a:p>
+            <a:pPr/>
+            <a:r>
+              <a:t>Ex 02: Find min cost path</a:t>
+            </a:r>
+          </a:p>
+        </p:txBody>
+      </p:sp>
+      <p:sp>
+        <p:nvSpPr>
+          <p:cNvPr id="532" name="Slide Number"/>
+          <p:cNvSpPr txBox="1"/>
+          <p:nvPr>
+            <p:ph type="sldNum" sz="quarter" idx="2"/>
+          </p:nvPr>
+        </p:nvSpPr>
+        <p:spPr>
+          <a:prstGeom prst="rect">
+            <a:avLst/>
+          </a:prstGeom>
+          <a:extLst>
+            <a:ext uri="{C572A759-6A51-4108-AA02-DFA0A04FC94B}">
+              <ma14:wrappingTextBoxFlag xmlns:ma14="http://schemas.microsoft.com/office/mac/drawingml/2011/main" val="1"/>
+            </a:ext>
+          </a:extLst>
+        </p:spPr>
+        <p:txBody>
+          <a:bodyPr/>
+          <a:lstStyle/>
+          <a:p>
+            <a:pPr/>
+            <a:fld id="{86CB4B4D-7CA3-9044-876B-883B54F8677D}" type="slidenum"/>
+          </a:p>
+        </p:txBody>
+      </p:sp>
+      <p:sp>
+        <p:nvSpPr>
+          <p:cNvPr id="533" name="DAA/Dynamic Programming"/>
+          <p:cNvSpPr txBox="1"/>
+          <p:nvPr/>
+        </p:nvSpPr>
+        <p:spPr>
+          <a:xfrm>
+            <a:off x="423212" y="6963885"/>
+            <a:ext cx="3769679" cy="431552"/>
+          </a:xfrm>
+          <a:prstGeom prst="rect">
+            <a:avLst/>
+          </a:prstGeom>
+          <a:ln w="12700">
+            <a:miter lim="400000"/>
+          </a:ln>
+          <a:extLst>
+            <a:ext uri="{C572A759-6A51-4108-AA02-DFA0A04FC94B}">
+              <ma14:wrappingTextBoxFlag xmlns:ma14="http://schemas.microsoft.com/office/mac/drawingml/2011/main" val="1"/>
+            </a:ext>
+          </a:extLst>
+        </p:spPr>
+        <p:txBody>
+          <a:bodyPr wrap="none" lIns="50800" tIns="50800" rIns="50800" bIns="50800" anchor="ctr">
+            <a:spAutoFit/>
+          </a:bodyPr>
+          <a:lstStyle>
+            <a:lvl1pPr>
+              <a:defRPr sz="2400"/>
+            </a:lvl1pPr>
+          </a:lstStyle>
+          <a:p>
+            <a:pPr/>
+            <a:r>
+              <a:t>DAA/Dynamic Programming</a:t>
+            </a:r>
+          </a:p>
+        </p:txBody>
+      </p:sp>
+      <p:sp>
+        <p:nvSpPr>
+          <p:cNvPr id="534" name="RPR/"/>
+          <p:cNvSpPr txBox="1"/>
+          <p:nvPr/>
+        </p:nvSpPr>
+        <p:spPr>
+          <a:xfrm>
+            <a:off x="7535212" y="6988206"/>
+            <a:ext cx="705605" cy="382910"/>
+          </a:xfrm>
+          <a:prstGeom prst="rect">
+            <a:avLst/>
+          </a:prstGeom>
+          <a:ln w="12700">
+            <a:miter lim="400000"/>
+          </a:ln>
+          <a:extLst>
+            <a:ext uri="{C572A759-6A51-4108-AA02-DFA0A04FC94B}">
+              <ma14:wrappingTextBoxFlag xmlns:ma14="http://schemas.microsoft.com/office/mac/drawingml/2011/main" val="1"/>
+            </a:ext>
+          </a:extLst>
+        </p:spPr>
+        <p:txBody>
+          <a:bodyPr wrap="none" lIns="50800" tIns="50800" rIns="50800" bIns="50800" anchor="ctr">
+            <a:spAutoFit/>
+          </a:bodyPr>
+          <a:lstStyle>
+            <a:lvl1pPr>
+              <a:defRPr sz="2000"/>
+            </a:lvl1pPr>
+          </a:lstStyle>
+          <a:p>
+            <a:pPr/>
+            <a:r>
+              <a:t>RPR/</a:t>
+            </a:r>
+          </a:p>
+        </p:txBody>
+      </p:sp>
+      <p:sp>
+        <p:nvSpPr>
+          <p:cNvPr id="535" name="1"/>
+          <p:cNvSpPr/>
+          <p:nvPr/>
+        </p:nvSpPr>
+        <p:spPr>
+          <a:xfrm>
+            <a:off x="895381" y="4417459"/>
+            <a:ext cx="580049" cy="616813"/>
+          </a:xfrm>
+          <a:prstGeom prst="ellipse">
+            <a:avLst/>
+          </a:prstGeom>
+          <a:ln w="25400">
+            <a:solidFill>
+              <a:srgbClr val="000000"/>
+            </a:solidFill>
+          </a:ln>
+          <a:extLst>
+            <a:ext uri="{C572A759-6A51-4108-AA02-DFA0A04FC94B}">
+              <ma14:wrappingTextBoxFlag xmlns:ma14="http://schemas.microsoft.com/office/mac/drawingml/2011/main" val="1"/>
+            </a:ext>
+          </a:extLst>
+        </p:spPr>
+        <p:txBody>
+          <a:bodyPr lIns="50800" tIns="50800" rIns="50800" bIns="50800" anchor="ctr"/>
+          <a:lstStyle>
+            <a:lvl1pPr algn="ctr">
+              <a:defRPr sz="2600">
+                <a:latin typeface="Arial"/>
+                <a:ea typeface="Arial"/>
+                <a:cs typeface="Arial"/>
+                <a:sym typeface="Arial"/>
+              </a:defRPr>
+            </a:lvl1pPr>
+          </a:lstStyle>
+          <a:p>
+            <a:pPr/>
+            <a:r>
+              <a:t>1</a:t>
+            </a:r>
+          </a:p>
+        </p:txBody>
+      </p:sp>
+      <p:sp>
+        <p:nvSpPr>
+          <p:cNvPr id="536" name="2"/>
+          <p:cNvSpPr/>
+          <p:nvPr/>
+        </p:nvSpPr>
+        <p:spPr>
+          <a:xfrm>
+            <a:off x="2708670" y="3361823"/>
+            <a:ext cx="580049" cy="616814"/>
+          </a:xfrm>
+          <a:prstGeom prst="ellipse">
+            <a:avLst/>
+          </a:prstGeom>
+          <a:ln w="25400">
+            <a:solidFill>
+              <a:srgbClr val="000000"/>
+            </a:solidFill>
+          </a:ln>
+          <a:extLst>
+            <a:ext uri="{C572A759-6A51-4108-AA02-DFA0A04FC94B}">
+              <ma14:wrappingTextBoxFlag xmlns:ma14="http://schemas.microsoft.com/office/mac/drawingml/2011/main" val="1"/>
+            </a:ext>
+          </a:extLst>
+        </p:spPr>
+        <p:txBody>
+          <a:bodyPr lIns="50800" tIns="50800" rIns="50800" bIns="50800" anchor="ctr"/>
+          <a:lstStyle>
+            <a:lvl1pPr algn="ctr">
+              <a:defRPr sz="2600">
+                <a:latin typeface="Arial"/>
+                <a:ea typeface="Arial"/>
+                <a:cs typeface="Arial"/>
+                <a:sym typeface="Arial"/>
+              </a:defRPr>
+            </a:lvl1pPr>
+          </a:lstStyle>
+          <a:p>
+            <a:pPr/>
+            <a:r>
+              <a:t>2</a:t>
+            </a:r>
+          </a:p>
+        </p:txBody>
+      </p:sp>
+      <p:sp>
+        <p:nvSpPr>
+          <p:cNvPr id="537" name="3"/>
+          <p:cNvSpPr/>
+          <p:nvPr/>
+        </p:nvSpPr>
+        <p:spPr>
+          <a:xfrm>
+            <a:off x="2708670" y="5342625"/>
+            <a:ext cx="580049" cy="616814"/>
+          </a:xfrm>
+          <a:prstGeom prst="ellipse">
+            <a:avLst/>
+          </a:prstGeom>
+          <a:ln w="25400">
+            <a:solidFill>
+              <a:srgbClr val="000000"/>
+            </a:solidFill>
+          </a:ln>
+          <a:extLst>
+            <a:ext uri="{C572A759-6A51-4108-AA02-DFA0A04FC94B}">
+              <ma14:wrappingTextBoxFlag xmlns:ma14="http://schemas.microsoft.com/office/mac/drawingml/2011/main" val="1"/>
+            </a:ext>
+          </a:extLst>
+        </p:spPr>
+        <p:txBody>
+          <a:bodyPr lIns="50800" tIns="50800" rIns="50800" bIns="50800" anchor="ctr"/>
+          <a:lstStyle>
+            <a:lvl1pPr algn="ctr">
+              <a:defRPr sz="2600">
+                <a:latin typeface="Arial"/>
+                <a:ea typeface="Arial"/>
+                <a:cs typeface="Arial"/>
+                <a:sym typeface="Arial"/>
+              </a:defRPr>
+            </a:lvl1pPr>
+          </a:lstStyle>
+          <a:p>
+            <a:pPr/>
+            <a:r>
+              <a:t>3</a:t>
+            </a:r>
+          </a:p>
+        </p:txBody>
+      </p:sp>
+      <p:sp>
+        <p:nvSpPr>
+          <p:cNvPr id="538" name="4"/>
+          <p:cNvSpPr/>
+          <p:nvPr/>
+        </p:nvSpPr>
+        <p:spPr>
+          <a:xfrm>
+            <a:off x="4547618" y="2449271"/>
+            <a:ext cx="580049" cy="616813"/>
+          </a:xfrm>
+          <a:prstGeom prst="ellipse">
+            <a:avLst/>
+          </a:prstGeom>
+          <a:ln w="25400">
+            <a:solidFill>
+              <a:srgbClr val="000000"/>
+            </a:solidFill>
+          </a:ln>
+          <a:extLst>
+            <a:ext uri="{C572A759-6A51-4108-AA02-DFA0A04FC94B}">
+              <ma14:wrappingTextBoxFlag xmlns:ma14="http://schemas.microsoft.com/office/mac/drawingml/2011/main" val="1"/>
+            </a:ext>
+          </a:extLst>
+        </p:spPr>
+        <p:txBody>
+          <a:bodyPr lIns="50800" tIns="50800" rIns="50800" bIns="50800" anchor="ctr"/>
+          <a:lstStyle>
+            <a:lvl1pPr algn="ctr">
+              <a:defRPr sz="2600">
+                <a:latin typeface="Arial"/>
+                <a:ea typeface="Arial"/>
+                <a:cs typeface="Arial"/>
+                <a:sym typeface="Arial"/>
+              </a:defRPr>
+            </a:lvl1pPr>
+          </a:lstStyle>
+          <a:p>
+            <a:pPr/>
+            <a:r>
+              <a:t>4</a:t>
+            </a:r>
+          </a:p>
+        </p:txBody>
+      </p:sp>
+      <p:sp>
+        <p:nvSpPr>
+          <p:cNvPr id="539" name="5"/>
+          <p:cNvSpPr/>
+          <p:nvPr/>
+        </p:nvSpPr>
+        <p:spPr>
+          <a:xfrm>
+            <a:off x="4547618" y="4417459"/>
+            <a:ext cx="580049" cy="616813"/>
+          </a:xfrm>
+          <a:prstGeom prst="ellipse">
+            <a:avLst/>
+          </a:prstGeom>
+          <a:ln w="25400">
+            <a:solidFill>
+              <a:srgbClr val="000000"/>
+            </a:solidFill>
+          </a:ln>
+          <a:extLst>
+            <a:ext uri="{C572A759-6A51-4108-AA02-DFA0A04FC94B}">
+              <ma14:wrappingTextBoxFlag xmlns:ma14="http://schemas.microsoft.com/office/mac/drawingml/2011/main" val="1"/>
+            </a:ext>
+          </a:extLst>
+        </p:spPr>
+        <p:txBody>
+          <a:bodyPr lIns="50800" tIns="50800" rIns="50800" bIns="50800" anchor="ctr"/>
+          <a:lstStyle>
+            <a:lvl1pPr algn="ctr">
+              <a:defRPr sz="2600">
+                <a:latin typeface="Arial"/>
+                <a:ea typeface="Arial"/>
+                <a:cs typeface="Arial"/>
+                <a:sym typeface="Arial"/>
+              </a:defRPr>
+            </a:lvl1pPr>
+          </a:lstStyle>
+          <a:p>
+            <a:pPr/>
+            <a:r>
+              <a:t>5</a:t>
+            </a:r>
+          </a:p>
+        </p:txBody>
+      </p:sp>
+      <p:sp>
+        <p:nvSpPr>
+          <p:cNvPr id="540" name="6"/>
+          <p:cNvSpPr/>
+          <p:nvPr/>
+        </p:nvSpPr>
+        <p:spPr>
+          <a:xfrm>
+            <a:off x="4547618" y="6195876"/>
+            <a:ext cx="580049" cy="616813"/>
+          </a:xfrm>
+          <a:prstGeom prst="ellipse">
+            <a:avLst/>
+          </a:prstGeom>
+          <a:ln w="25400">
+            <a:solidFill>
+              <a:srgbClr val="000000"/>
+            </a:solidFill>
+          </a:ln>
+          <a:extLst>
+            <a:ext uri="{C572A759-6A51-4108-AA02-DFA0A04FC94B}">
+              <ma14:wrappingTextBoxFlag xmlns:ma14="http://schemas.microsoft.com/office/mac/drawingml/2011/main" val="1"/>
+            </a:ext>
+          </a:extLst>
+        </p:spPr>
+        <p:txBody>
+          <a:bodyPr lIns="50800" tIns="50800" rIns="50800" bIns="50800" anchor="ctr"/>
+          <a:lstStyle>
+            <a:lvl1pPr algn="ctr">
+              <a:defRPr sz="2600">
+                <a:latin typeface="Arial"/>
+                <a:ea typeface="Arial"/>
+                <a:cs typeface="Arial"/>
+                <a:sym typeface="Arial"/>
+              </a:defRPr>
+            </a:lvl1pPr>
+          </a:lstStyle>
+          <a:p>
+            <a:pPr/>
+            <a:r>
+              <a:t>6</a:t>
+            </a:r>
+          </a:p>
+        </p:txBody>
+      </p:sp>
+      <p:sp>
+        <p:nvSpPr>
+          <p:cNvPr id="541" name="7"/>
+          <p:cNvSpPr/>
+          <p:nvPr/>
+        </p:nvSpPr>
+        <p:spPr>
+          <a:xfrm>
+            <a:off x="6825719" y="3361823"/>
+            <a:ext cx="580049" cy="616814"/>
+          </a:xfrm>
+          <a:prstGeom prst="ellipse">
+            <a:avLst/>
+          </a:prstGeom>
+          <a:ln w="25400">
+            <a:solidFill>
+              <a:srgbClr val="000000"/>
+            </a:solidFill>
+          </a:ln>
+          <a:extLst>
+            <a:ext uri="{C572A759-6A51-4108-AA02-DFA0A04FC94B}">
+              <ma14:wrappingTextBoxFlag xmlns:ma14="http://schemas.microsoft.com/office/mac/drawingml/2011/main" val="1"/>
+            </a:ext>
+          </a:extLst>
+        </p:spPr>
+        <p:txBody>
+          <a:bodyPr lIns="50800" tIns="50800" rIns="50800" bIns="50800" anchor="ctr"/>
+          <a:lstStyle>
+            <a:lvl1pPr algn="ctr">
+              <a:defRPr sz="2600">
+                <a:latin typeface="Arial"/>
+                <a:ea typeface="Arial"/>
+                <a:cs typeface="Arial"/>
+                <a:sym typeface="Arial"/>
+              </a:defRPr>
+            </a:lvl1pPr>
+          </a:lstStyle>
+          <a:p>
+            <a:pPr/>
+            <a:r>
+              <a:t>7</a:t>
+            </a:r>
+          </a:p>
+        </p:txBody>
+      </p:sp>
+      <p:sp>
+        <p:nvSpPr>
+          <p:cNvPr id="542" name="8"/>
+          <p:cNvSpPr/>
+          <p:nvPr/>
+        </p:nvSpPr>
+        <p:spPr>
+          <a:xfrm>
+            <a:off x="6825719" y="5342625"/>
+            <a:ext cx="580049" cy="616814"/>
+          </a:xfrm>
+          <a:prstGeom prst="ellipse">
+            <a:avLst/>
+          </a:prstGeom>
+          <a:ln w="25400">
+            <a:solidFill>
+              <a:srgbClr val="000000"/>
+            </a:solidFill>
+          </a:ln>
+          <a:extLst>
+            <a:ext uri="{C572A759-6A51-4108-AA02-DFA0A04FC94B}">
+              <ma14:wrappingTextBoxFlag xmlns:ma14="http://schemas.microsoft.com/office/mac/drawingml/2011/main" val="1"/>
+            </a:ext>
+          </a:extLst>
+        </p:spPr>
+        <p:txBody>
+          <a:bodyPr lIns="50800" tIns="50800" rIns="50800" bIns="50800" anchor="ctr"/>
+          <a:lstStyle>
+            <a:lvl1pPr algn="ctr">
+              <a:defRPr sz="2600">
+                <a:latin typeface="Arial"/>
+                <a:ea typeface="Arial"/>
+                <a:cs typeface="Arial"/>
+                <a:sym typeface="Arial"/>
+              </a:defRPr>
+            </a:lvl1pPr>
+          </a:lstStyle>
+          <a:p>
+            <a:pPr/>
+            <a:r>
+              <a:t>8</a:t>
+            </a:r>
+          </a:p>
+        </p:txBody>
+      </p:sp>
+      <p:sp>
+        <p:nvSpPr>
+          <p:cNvPr id="543" name="9"/>
+          <p:cNvSpPr/>
+          <p:nvPr/>
+        </p:nvSpPr>
+        <p:spPr>
+          <a:xfrm>
+            <a:off x="8787880" y="4417459"/>
+            <a:ext cx="580049" cy="616813"/>
+          </a:xfrm>
+          <a:prstGeom prst="ellipse">
+            <a:avLst/>
+          </a:prstGeom>
+          <a:ln w="25400">
+            <a:solidFill>
+              <a:srgbClr val="000000"/>
+            </a:solidFill>
+          </a:ln>
+          <a:extLst>
+            <a:ext uri="{C572A759-6A51-4108-AA02-DFA0A04FC94B}">
+              <ma14:wrappingTextBoxFlag xmlns:ma14="http://schemas.microsoft.com/office/mac/drawingml/2011/main" val="1"/>
+            </a:ext>
+          </a:extLst>
+        </p:spPr>
+        <p:txBody>
+          <a:bodyPr lIns="50800" tIns="50800" rIns="50800" bIns="50800" anchor="ctr"/>
+          <a:lstStyle>
+            <a:lvl1pPr algn="ctr">
+              <a:defRPr sz="2600">
+                <a:latin typeface="Arial"/>
+                <a:ea typeface="Arial"/>
+                <a:cs typeface="Arial"/>
+                <a:sym typeface="Arial"/>
+              </a:defRPr>
+            </a:lvl1pPr>
+          </a:lstStyle>
+          <a:p>
+            <a:pPr/>
+            <a:r>
+              <a:t>9</a:t>
+            </a:r>
+          </a:p>
+        </p:txBody>
+      </p:sp>
+      <p:sp>
+        <p:nvSpPr>
+          <p:cNvPr id="544" name="Line"/>
+          <p:cNvSpPr/>
+          <p:nvPr/>
+        </p:nvSpPr>
+        <p:spPr>
+          <a:xfrm flipV="1">
+            <a:off x="1460749" y="3864262"/>
+            <a:ext cx="1271080" cy="780280"/>
+          </a:xfrm>
+          <a:prstGeom prst="line">
+            <a:avLst/>
+          </a:prstGeom>
+          <a:ln w="38100">
+            <a:solidFill>
+              <a:srgbClr val="000000"/>
+            </a:solidFill>
+            <a:tailEnd type="triangle"/>
+          </a:ln>
+        </p:spPr>
+        <p:txBody>
+          <a:bodyPr lIns="0" tIns="0" rIns="0" bIns="0"/>
+          <a:lstStyle/>
+          <a:p>
+            <a:pPr/>
+          </a:p>
+        </p:txBody>
+      </p:sp>
+      <p:sp>
+        <p:nvSpPr>
+          <p:cNvPr id="545" name="Line"/>
+          <p:cNvSpPr/>
+          <p:nvPr/>
+        </p:nvSpPr>
+        <p:spPr>
+          <a:xfrm flipV="1">
+            <a:off x="3267225" y="2809389"/>
+            <a:ext cx="1271081" cy="780280"/>
+          </a:xfrm>
+          <a:prstGeom prst="line">
+            <a:avLst/>
+          </a:prstGeom>
+          <a:ln w="38100">
+            <a:solidFill>
+              <a:srgbClr val="000000"/>
+            </a:solidFill>
+            <a:tailEnd type="triangle"/>
+          </a:ln>
+        </p:spPr>
+        <p:txBody>
+          <a:bodyPr lIns="0" tIns="0" rIns="0" bIns="0"/>
+          <a:lstStyle/>
+          <a:p>
+            <a:pPr/>
+          </a:p>
+        </p:txBody>
+      </p:sp>
+      <p:sp>
+        <p:nvSpPr>
+          <p:cNvPr id="546" name="Line"/>
+          <p:cNvSpPr/>
+          <p:nvPr/>
+        </p:nvSpPr>
+        <p:spPr>
+          <a:xfrm flipV="1">
+            <a:off x="3267225" y="4822686"/>
+            <a:ext cx="1271081" cy="780280"/>
+          </a:xfrm>
+          <a:prstGeom prst="line">
+            <a:avLst/>
+          </a:prstGeom>
+          <a:ln w="38100">
+            <a:solidFill>
+              <a:srgbClr val="000000"/>
+            </a:solidFill>
+            <a:tailEnd type="triangle"/>
+          </a:ln>
+        </p:spPr>
+        <p:txBody>
+          <a:bodyPr lIns="0" tIns="0" rIns="0" bIns="0"/>
+          <a:lstStyle/>
+          <a:p>
+            <a:pPr/>
+          </a:p>
+        </p:txBody>
+      </p:sp>
+      <p:sp>
+        <p:nvSpPr>
+          <p:cNvPr id="547" name="Line"/>
+          <p:cNvSpPr/>
+          <p:nvPr/>
+        </p:nvSpPr>
+        <p:spPr>
+          <a:xfrm flipV="1">
+            <a:off x="5140086" y="5839387"/>
+            <a:ext cx="1635803" cy="611632"/>
+          </a:xfrm>
+          <a:prstGeom prst="line">
+            <a:avLst/>
+          </a:prstGeom>
+          <a:ln w="38100">
+            <a:solidFill>
+              <a:srgbClr val="000000"/>
+            </a:solidFill>
+            <a:tailEnd type="triangle"/>
+          </a:ln>
+        </p:spPr>
+        <p:txBody>
+          <a:bodyPr lIns="0" tIns="0" rIns="0" bIns="0"/>
+          <a:lstStyle/>
+          <a:p>
+            <a:pPr/>
+          </a:p>
+        </p:txBody>
+      </p:sp>
+      <p:sp>
+        <p:nvSpPr>
+          <p:cNvPr id="548" name="Line"/>
+          <p:cNvSpPr/>
+          <p:nvPr/>
+        </p:nvSpPr>
+        <p:spPr>
+          <a:xfrm flipV="1">
+            <a:off x="7424345" y="4822686"/>
+            <a:ext cx="1271080" cy="780280"/>
+          </a:xfrm>
+          <a:prstGeom prst="line">
+            <a:avLst/>
+          </a:prstGeom>
+          <a:ln w="38100">
+            <a:solidFill>
+              <a:srgbClr val="000000"/>
+            </a:solidFill>
+            <a:tailEnd type="triangle"/>
+          </a:ln>
+        </p:spPr>
+        <p:txBody>
+          <a:bodyPr lIns="0" tIns="0" rIns="0" bIns="0"/>
+          <a:lstStyle/>
+          <a:p>
+            <a:pPr/>
+          </a:p>
+        </p:txBody>
+      </p:sp>
+      <p:sp>
+        <p:nvSpPr>
+          <p:cNvPr id="549" name="Line"/>
+          <p:cNvSpPr/>
+          <p:nvPr/>
+        </p:nvSpPr>
+        <p:spPr>
+          <a:xfrm flipV="1">
+            <a:off x="5140086" y="3871831"/>
+            <a:ext cx="1636845" cy="772711"/>
+          </a:xfrm>
+          <a:prstGeom prst="line">
+            <a:avLst/>
+          </a:prstGeom>
+          <a:ln w="38100">
+            <a:solidFill>
+              <a:srgbClr val="000000"/>
+            </a:solidFill>
+            <a:tailEnd type="triangle"/>
+          </a:ln>
+        </p:spPr>
+        <p:txBody>
+          <a:bodyPr lIns="0" tIns="0" rIns="0" bIns="0"/>
+          <a:lstStyle/>
+          <a:p>
+            <a:pPr/>
+          </a:p>
+        </p:txBody>
+      </p:sp>
+      <p:sp>
+        <p:nvSpPr>
+          <p:cNvPr id="550" name="Line"/>
+          <p:cNvSpPr/>
+          <p:nvPr/>
+        </p:nvSpPr>
+        <p:spPr>
+          <a:xfrm>
+            <a:off x="1460749" y="4871312"/>
+            <a:ext cx="1271828" cy="715014"/>
+          </a:xfrm>
+          <a:prstGeom prst="line">
+            <a:avLst/>
+          </a:prstGeom>
+          <a:ln w="38100">
+            <a:solidFill>
+              <a:srgbClr val="000000"/>
+            </a:solidFill>
+            <a:tailEnd type="triangle"/>
+          </a:ln>
+        </p:spPr>
+        <p:txBody>
+          <a:bodyPr lIns="0" tIns="0" rIns="0" bIns="0"/>
+          <a:lstStyle/>
+          <a:p>
+            <a:pPr/>
+          </a:p>
+        </p:txBody>
+      </p:sp>
+      <p:sp>
+        <p:nvSpPr>
+          <p:cNvPr id="551" name="Line"/>
+          <p:cNvSpPr/>
+          <p:nvPr/>
+        </p:nvSpPr>
+        <p:spPr>
+          <a:xfrm>
+            <a:off x="3134197" y="3913315"/>
+            <a:ext cx="1543351" cy="2393346"/>
+          </a:xfrm>
+          <a:prstGeom prst="line">
+            <a:avLst/>
+          </a:prstGeom>
+          <a:ln w="38100">
+            <a:solidFill>
+              <a:srgbClr val="000000"/>
+            </a:solidFill>
+            <a:tailEnd type="triangle"/>
+          </a:ln>
+        </p:spPr>
+        <p:txBody>
+          <a:bodyPr lIns="0" tIns="0" rIns="0" bIns="0"/>
+          <a:lstStyle/>
+          <a:p>
+            <a:pPr/>
+          </a:p>
+        </p:txBody>
+      </p:sp>
+      <p:sp>
+        <p:nvSpPr>
+          <p:cNvPr id="552" name="Line"/>
+          <p:cNvSpPr/>
+          <p:nvPr/>
+        </p:nvSpPr>
+        <p:spPr>
+          <a:xfrm flipV="1">
+            <a:off x="3128170" y="3146242"/>
+            <a:ext cx="1554979" cy="2221844"/>
+          </a:xfrm>
+          <a:prstGeom prst="line">
+            <a:avLst/>
+          </a:prstGeom>
+          <a:ln w="38100">
+            <a:solidFill>
+              <a:srgbClr val="000000"/>
+            </a:solidFill>
+            <a:tailEnd type="triangle"/>
+          </a:ln>
+        </p:spPr>
+        <p:txBody>
+          <a:bodyPr lIns="0" tIns="0" rIns="0" bIns="0"/>
+          <a:lstStyle/>
+          <a:p>
+            <a:pPr/>
+          </a:p>
+        </p:txBody>
+      </p:sp>
+      <p:sp>
+        <p:nvSpPr>
+          <p:cNvPr id="553" name="Line"/>
+          <p:cNvSpPr/>
+          <p:nvPr/>
+        </p:nvSpPr>
+        <p:spPr>
+          <a:xfrm>
+            <a:off x="3263091" y="5795020"/>
+            <a:ext cx="1271828" cy="715014"/>
+          </a:xfrm>
+          <a:prstGeom prst="line">
+            <a:avLst/>
+          </a:prstGeom>
+          <a:ln w="38100">
+            <a:solidFill>
+              <a:srgbClr val="000000"/>
+            </a:solidFill>
+            <a:tailEnd type="triangle"/>
+          </a:ln>
+        </p:spPr>
+        <p:txBody>
+          <a:bodyPr lIns="0" tIns="0" rIns="0" bIns="0"/>
+          <a:lstStyle/>
+          <a:p>
+            <a:pPr/>
+          </a:p>
+        </p:txBody>
+      </p:sp>
+      <p:sp>
+        <p:nvSpPr>
+          <p:cNvPr id="554" name="Line"/>
+          <p:cNvSpPr/>
+          <p:nvPr/>
+        </p:nvSpPr>
+        <p:spPr>
+          <a:xfrm>
+            <a:off x="5139397" y="2825995"/>
+            <a:ext cx="1638862" cy="778590"/>
+          </a:xfrm>
+          <a:prstGeom prst="line">
+            <a:avLst/>
+          </a:prstGeom>
+          <a:ln w="38100">
+            <a:solidFill>
+              <a:srgbClr val="000000"/>
+            </a:solidFill>
+            <a:tailEnd type="triangle"/>
+          </a:ln>
+        </p:spPr>
+        <p:txBody>
+          <a:bodyPr lIns="0" tIns="0" rIns="0" bIns="0"/>
+          <a:lstStyle/>
+          <a:p>
+            <a:pPr/>
+          </a:p>
+        </p:txBody>
+      </p:sp>
+      <p:sp>
+        <p:nvSpPr>
+          <p:cNvPr id="555" name="Line"/>
+          <p:cNvSpPr/>
+          <p:nvPr/>
+        </p:nvSpPr>
+        <p:spPr>
+          <a:xfrm>
+            <a:off x="5081652" y="2986251"/>
+            <a:ext cx="1761465" cy="2392759"/>
+          </a:xfrm>
+          <a:prstGeom prst="line">
+            <a:avLst/>
+          </a:prstGeom>
+          <a:ln w="38100">
+            <a:solidFill>
+              <a:srgbClr val="000000"/>
+            </a:solidFill>
+            <a:tailEnd type="triangle"/>
+          </a:ln>
+        </p:spPr>
+        <p:txBody>
+          <a:bodyPr lIns="0" tIns="0" rIns="0" bIns="0"/>
+          <a:lstStyle/>
+          <a:p>
+            <a:pPr/>
+          </a:p>
+        </p:txBody>
+      </p:sp>
+      <p:sp>
+        <p:nvSpPr>
+          <p:cNvPr id="556" name="Line"/>
+          <p:cNvSpPr/>
+          <p:nvPr/>
+        </p:nvSpPr>
+        <p:spPr>
+          <a:xfrm>
+            <a:off x="5066555" y="4937614"/>
+            <a:ext cx="1783577" cy="611393"/>
+          </a:xfrm>
+          <a:prstGeom prst="line">
+            <a:avLst/>
+          </a:prstGeom>
+          <a:ln w="38100">
+            <a:solidFill>
+              <a:srgbClr val="000000"/>
+            </a:solidFill>
+            <a:tailEnd type="triangle"/>
+          </a:ln>
+        </p:spPr>
+        <p:txBody>
+          <a:bodyPr lIns="0" tIns="0" rIns="0" bIns="0"/>
+          <a:lstStyle/>
+          <a:p>
+            <a:pPr/>
+          </a:p>
+        </p:txBody>
+      </p:sp>
+      <p:sp>
+        <p:nvSpPr>
+          <p:cNvPr id="557" name="Line"/>
+          <p:cNvSpPr/>
+          <p:nvPr/>
+        </p:nvSpPr>
+        <p:spPr>
+          <a:xfrm flipV="1">
+            <a:off x="5089085" y="4077556"/>
+            <a:ext cx="1928466" cy="2274670"/>
+          </a:xfrm>
+          <a:prstGeom prst="line">
+            <a:avLst/>
+          </a:prstGeom>
+          <a:ln w="38100">
+            <a:solidFill>
+              <a:srgbClr val="000000"/>
+            </a:solidFill>
+            <a:tailEnd type="triangle"/>
+          </a:ln>
+        </p:spPr>
+        <p:txBody>
+          <a:bodyPr lIns="0" tIns="0" rIns="0" bIns="0"/>
+          <a:lstStyle/>
+          <a:p>
+            <a:pPr/>
+          </a:p>
+        </p:txBody>
+      </p:sp>
+      <p:sp>
+        <p:nvSpPr>
+          <p:cNvPr id="558" name="Line"/>
+          <p:cNvSpPr/>
+          <p:nvPr/>
+        </p:nvSpPr>
+        <p:spPr>
+          <a:xfrm>
+            <a:off x="7380458" y="3827779"/>
+            <a:ext cx="1358173" cy="715043"/>
+          </a:xfrm>
+          <a:prstGeom prst="line">
+            <a:avLst/>
+          </a:prstGeom>
+          <a:ln w="38100">
+            <a:solidFill>
+              <a:srgbClr val="000000"/>
+            </a:solidFill>
+            <a:tailEnd type="triangle"/>
+          </a:ln>
+        </p:spPr>
+        <p:txBody>
+          <a:bodyPr lIns="0" tIns="0" rIns="0" bIns="0"/>
+          <a:lstStyle/>
+          <a:p>
+            <a:pPr/>
+          </a:p>
+        </p:txBody>
+      </p:sp>
+      <p:sp>
+        <p:nvSpPr>
+          <p:cNvPr id="559" name="source"/>
+          <p:cNvSpPr txBox="1"/>
+          <p:nvPr/>
+        </p:nvSpPr>
+        <p:spPr>
+          <a:xfrm>
+            <a:off x="273795" y="4995793"/>
+            <a:ext cx="1069788" cy="447230"/>
+          </a:xfrm>
+          <a:prstGeom prst="rect">
+            <a:avLst/>
+          </a:prstGeom>
+          <a:ln w="12700">
+            <a:miter lim="400000"/>
+          </a:ln>
+          <a:extLst>
+            <a:ext uri="{C572A759-6A51-4108-AA02-DFA0A04FC94B}">
+              <ma14:wrappingTextBoxFlag xmlns:ma14="http://schemas.microsoft.com/office/mac/drawingml/2011/main" val="1"/>
+            </a:ext>
+          </a:extLst>
+        </p:spPr>
+        <p:txBody>
+          <a:bodyPr wrap="none" lIns="50800" tIns="50800" rIns="50800" bIns="50800" anchor="ctr">
+            <a:spAutoFit/>
+          </a:bodyPr>
+          <a:lstStyle>
+            <a:lvl1pPr>
+              <a:defRPr sz="2400">
+                <a:latin typeface="Arial"/>
+                <a:ea typeface="Arial"/>
+                <a:cs typeface="Arial"/>
+                <a:sym typeface="Arial"/>
+              </a:defRPr>
+            </a:lvl1pPr>
+          </a:lstStyle>
+          <a:p>
+            <a:pPr/>
+            <a:r>
+              <a:t>source</a:t>
+            </a:r>
+          </a:p>
+        </p:txBody>
+      </p:sp>
+      <p:sp>
+        <p:nvSpPr>
+          <p:cNvPr id="560" name="5"/>
+          <p:cNvSpPr txBox="1"/>
+          <p:nvPr/>
+        </p:nvSpPr>
+        <p:spPr>
+          <a:xfrm>
+            <a:off x="1674524" y="3953369"/>
+            <a:ext cx="324456" cy="447229"/>
+          </a:xfrm>
+          <a:prstGeom prst="rect">
+            <a:avLst/>
+          </a:prstGeom>
+          <a:ln w="12700">
+            <a:miter lim="400000"/>
+          </a:ln>
+          <a:extLst>
+            <a:ext uri="{C572A759-6A51-4108-AA02-DFA0A04FC94B}">
+              <ma14:wrappingTextBoxFlag xmlns:ma14="http://schemas.microsoft.com/office/mac/drawingml/2011/main" val="1"/>
+            </a:ext>
+          </a:extLst>
+        </p:spPr>
+        <p:txBody>
+          <a:bodyPr wrap="none" lIns="50800" tIns="50800" rIns="50800" bIns="50800" anchor="ctr">
+            <a:spAutoFit/>
+          </a:bodyPr>
+          <a:lstStyle>
+            <a:lvl1pPr>
+              <a:defRPr sz="2400">
+                <a:latin typeface="Arial"/>
+                <a:ea typeface="Arial"/>
+                <a:cs typeface="Arial"/>
+                <a:sym typeface="Arial"/>
+              </a:defRPr>
+            </a:lvl1pPr>
+          </a:lstStyle>
+          <a:p>
+            <a:pPr/>
+            <a:r>
+              <a:t>5</a:t>
+            </a:r>
+          </a:p>
+        </p:txBody>
+      </p:sp>
+      <p:sp>
+        <p:nvSpPr>
+          <p:cNvPr id="561" name="2"/>
+          <p:cNvSpPr txBox="1"/>
+          <p:nvPr/>
+        </p:nvSpPr>
+        <p:spPr>
+          <a:xfrm>
+            <a:off x="1674524" y="5086650"/>
+            <a:ext cx="324456" cy="447230"/>
+          </a:xfrm>
+          <a:prstGeom prst="rect">
+            <a:avLst/>
+          </a:prstGeom>
+          <a:ln w="12700">
+            <a:miter lim="400000"/>
+          </a:ln>
+          <a:extLst>
+            <a:ext uri="{C572A759-6A51-4108-AA02-DFA0A04FC94B}">
+              <ma14:wrappingTextBoxFlag xmlns:ma14="http://schemas.microsoft.com/office/mac/drawingml/2011/main" val="1"/>
+            </a:ext>
+          </a:extLst>
+        </p:spPr>
+        <p:txBody>
+          <a:bodyPr wrap="none" lIns="50800" tIns="50800" rIns="50800" bIns="50800" anchor="ctr">
+            <a:spAutoFit/>
+          </a:bodyPr>
+          <a:lstStyle>
+            <a:lvl1pPr>
+              <a:defRPr sz="2400">
+                <a:latin typeface="Arial"/>
+                <a:ea typeface="Arial"/>
+                <a:cs typeface="Arial"/>
+                <a:sym typeface="Arial"/>
+              </a:defRPr>
+            </a:lvl1pPr>
+          </a:lstStyle>
+          <a:p>
+            <a:pPr/>
+            <a:r>
+              <a:t>2</a:t>
+            </a:r>
+          </a:p>
+        </p:txBody>
+      </p:sp>
+      <p:sp>
+        <p:nvSpPr>
+          <p:cNvPr id="562" name="3"/>
+          <p:cNvSpPr txBox="1"/>
+          <p:nvPr/>
+        </p:nvSpPr>
+        <p:spPr>
+          <a:xfrm>
+            <a:off x="3464087" y="2814701"/>
+            <a:ext cx="324456" cy="447229"/>
+          </a:xfrm>
+          <a:prstGeom prst="rect">
+            <a:avLst/>
+          </a:prstGeom>
+          <a:ln w="12700">
+            <a:miter lim="400000"/>
+          </a:ln>
+          <a:extLst>
+            <a:ext uri="{C572A759-6A51-4108-AA02-DFA0A04FC94B}">
+              <ma14:wrappingTextBoxFlag xmlns:ma14="http://schemas.microsoft.com/office/mac/drawingml/2011/main" val="1"/>
+            </a:ext>
+          </a:extLst>
+        </p:spPr>
+        <p:txBody>
+          <a:bodyPr wrap="none" lIns="50800" tIns="50800" rIns="50800" bIns="50800" anchor="ctr">
+            <a:spAutoFit/>
+          </a:bodyPr>
+          <a:lstStyle>
+            <a:lvl1pPr>
+              <a:defRPr sz="2400">
+                <a:latin typeface="Arial"/>
+                <a:ea typeface="Arial"/>
+                <a:cs typeface="Arial"/>
+                <a:sym typeface="Arial"/>
+              </a:defRPr>
+            </a:lvl1pPr>
+          </a:lstStyle>
+          <a:p>
+            <a:pPr/>
+            <a:r>
+              <a:t>3</a:t>
+            </a:r>
+          </a:p>
+        </p:txBody>
+      </p:sp>
+      <p:sp>
+        <p:nvSpPr>
+          <p:cNvPr id="563" name="3"/>
+          <p:cNvSpPr txBox="1"/>
+          <p:nvPr/>
+        </p:nvSpPr>
+        <p:spPr>
+          <a:xfrm>
+            <a:off x="3281517" y="3818693"/>
+            <a:ext cx="324456" cy="447230"/>
+          </a:xfrm>
+          <a:prstGeom prst="rect">
+            <a:avLst/>
+          </a:prstGeom>
+          <a:ln w="12700">
+            <a:miter lim="400000"/>
+          </a:ln>
+          <a:extLst>
+            <a:ext uri="{C572A759-6A51-4108-AA02-DFA0A04FC94B}">
+              <ma14:wrappingTextBoxFlag xmlns:ma14="http://schemas.microsoft.com/office/mac/drawingml/2011/main" val="1"/>
+            </a:ext>
+          </a:extLst>
+        </p:spPr>
+        <p:txBody>
+          <a:bodyPr wrap="none" lIns="50800" tIns="50800" rIns="50800" bIns="50800" anchor="ctr">
+            <a:spAutoFit/>
+          </a:bodyPr>
+          <a:lstStyle>
+            <a:lvl1pPr>
+              <a:defRPr sz="2400">
+                <a:latin typeface="Arial"/>
+                <a:ea typeface="Arial"/>
+                <a:cs typeface="Arial"/>
+                <a:sym typeface="Arial"/>
+              </a:defRPr>
+            </a:lvl1pPr>
+          </a:lstStyle>
+          <a:p>
+            <a:pPr/>
+            <a:r>
+              <a:t>3</a:t>
+            </a:r>
+          </a:p>
+        </p:txBody>
+      </p:sp>
+      <p:sp>
+        <p:nvSpPr>
+          <p:cNvPr id="564" name="6"/>
+          <p:cNvSpPr txBox="1"/>
+          <p:nvPr/>
+        </p:nvSpPr>
+        <p:spPr>
+          <a:xfrm>
+            <a:off x="2974771" y="4822685"/>
+            <a:ext cx="324456" cy="447230"/>
+          </a:xfrm>
+          <a:prstGeom prst="rect">
+            <a:avLst/>
+          </a:prstGeom>
+          <a:ln w="12700">
+            <a:miter lim="400000"/>
+          </a:ln>
+          <a:extLst>
+            <a:ext uri="{C572A759-6A51-4108-AA02-DFA0A04FC94B}">
+              <ma14:wrappingTextBoxFlag xmlns:ma14="http://schemas.microsoft.com/office/mac/drawingml/2011/main" val="1"/>
+            </a:ext>
+          </a:extLst>
+        </p:spPr>
+        <p:txBody>
+          <a:bodyPr wrap="none" lIns="50800" tIns="50800" rIns="50800" bIns="50800" anchor="ctr">
+            <a:spAutoFit/>
+          </a:bodyPr>
+          <a:lstStyle>
+            <a:lvl1pPr>
+              <a:defRPr sz="2400">
+                <a:latin typeface="Arial"/>
+                <a:ea typeface="Arial"/>
+                <a:cs typeface="Arial"/>
+                <a:sym typeface="Arial"/>
+              </a:defRPr>
+            </a:lvl1pPr>
+          </a:lstStyle>
+          <a:p>
+            <a:pPr/>
+            <a:r>
+              <a:t>6</a:t>
+            </a:r>
+          </a:p>
+        </p:txBody>
+      </p:sp>
+      <p:sp>
+        <p:nvSpPr>
+          <p:cNvPr id="565" name="5"/>
+          <p:cNvSpPr txBox="1"/>
+          <p:nvPr/>
+        </p:nvSpPr>
+        <p:spPr>
+          <a:xfrm>
+            <a:off x="3370417" y="4997329"/>
+            <a:ext cx="324456" cy="447229"/>
+          </a:xfrm>
+          <a:prstGeom prst="rect">
+            <a:avLst/>
+          </a:prstGeom>
+          <a:ln w="12700">
+            <a:miter lim="400000"/>
+          </a:ln>
+          <a:extLst>
+            <a:ext uri="{C572A759-6A51-4108-AA02-DFA0A04FC94B}">
+              <ma14:wrappingTextBoxFlag xmlns:ma14="http://schemas.microsoft.com/office/mac/drawingml/2011/main" val="1"/>
+            </a:ext>
+          </a:extLst>
+        </p:spPr>
+        <p:txBody>
+          <a:bodyPr wrap="none" lIns="50800" tIns="50800" rIns="50800" bIns="50800" anchor="ctr">
+            <a:spAutoFit/>
+          </a:bodyPr>
+          <a:lstStyle>
+            <a:lvl1pPr>
+              <a:defRPr sz="2400">
+                <a:latin typeface="Arial"/>
+                <a:ea typeface="Arial"/>
+                <a:cs typeface="Arial"/>
+                <a:sym typeface="Arial"/>
+              </a:defRPr>
+            </a:lvl1pPr>
+          </a:lstStyle>
+          <a:p>
+            <a:pPr/>
+            <a:r>
+              <a:t>5</a:t>
+            </a:r>
+          </a:p>
+        </p:txBody>
+      </p:sp>
+      <p:sp>
+        <p:nvSpPr>
+          <p:cNvPr id="566" name="8"/>
+          <p:cNvSpPr txBox="1"/>
+          <p:nvPr/>
+        </p:nvSpPr>
+        <p:spPr>
+          <a:xfrm>
+            <a:off x="3281517" y="5890143"/>
+            <a:ext cx="324456" cy="447230"/>
+          </a:xfrm>
+          <a:prstGeom prst="rect">
+            <a:avLst/>
+          </a:prstGeom>
+          <a:ln w="12700">
+            <a:miter lim="400000"/>
+          </a:ln>
+          <a:extLst>
+            <a:ext uri="{C572A759-6A51-4108-AA02-DFA0A04FC94B}">
+              <ma14:wrappingTextBoxFlag xmlns:ma14="http://schemas.microsoft.com/office/mac/drawingml/2011/main" val="1"/>
+            </a:ext>
+          </a:extLst>
+        </p:spPr>
+        <p:txBody>
+          <a:bodyPr wrap="none" lIns="50800" tIns="50800" rIns="50800" bIns="50800" anchor="ctr">
+            <a:spAutoFit/>
+          </a:bodyPr>
+          <a:lstStyle>
+            <a:lvl1pPr>
+              <a:defRPr sz="2400">
+                <a:latin typeface="Arial"/>
+                <a:ea typeface="Arial"/>
+                <a:cs typeface="Arial"/>
+                <a:sym typeface="Arial"/>
+              </a:defRPr>
+            </a:lvl1pPr>
+          </a:lstStyle>
+          <a:p>
+            <a:pPr/>
+            <a:r>
+              <a:t>8</a:t>
+            </a:r>
+          </a:p>
+        </p:txBody>
+      </p:sp>
+      <p:sp>
+        <p:nvSpPr>
+          <p:cNvPr id="567" name="1"/>
+          <p:cNvSpPr txBox="1"/>
+          <p:nvPr/>
+        </p:nvSpPr>
+        <p:spPr>
+          <a:xfrm>
+            <a:off x="5366046" y="2534063"/>
+            <a:ext cx="324456" cy="447229"/>
+          </a:xfrm>
+          <a:prstGeom prst="rect">
+            <a:avLst/>
+          </a:prstGeom>
+          <a:ln w="12700">
+            <a:miter lim="400000"/>
+          </a:ln>
+          <a:extLst>
+            <a:ext uri="{C572A759-6A51-4108-AA02-DFA0A04FC94B}">
+              <ma14:wrappingTextBoxFlag xmlns:ma14="http://schemas.microsoft.com/office/mac/drawingml/2011/main" val="1"/>
+            </a:ext>
+          </a:extLst>
+        </p:spPr>
+        <p:txBody>
+          <a:bodyPr wrap="none" lIns="50800" tIns="50800" rIns="50800" bIns="50800" anchor="ctr">
+            <a:spAutoFit/>
+          </a:bodyPr>
+          <a:lstStyle>
+            <a:lvl1pPr>
+              <a:defRPr sz="2400">
+                <a:latin typeface="Arial"/>
+                <a:ea typeface="Arial"/>
+                <a:cs typeface="Arial"/>
+                <a:sym typeface="Arial"/>
+              </a:defRPr>
+            </a:lvl1pPr>
+          </a:lstStyle>
+          <a:p>
+            <a:pPr/>
+            <a:r>
+              <a:t>1</a:t>
+            </a:r>
+          </a:p>
+        </p:txBody>
+      </p:sp>
+      <p:sp>
+        <p:nvSpPr>
+          <p:cNvPr id="568" name="4"/>
+          <p:cNvSpPr txBox="1"/>
+          <p:nvPr/>
+        </p:nvSpPr>
+        <p:spPr>
+          <a:xfrm>
+            <a:off x="5513435" y="3241449"/>
+            <a:ext cx="324456" cy="447229"/>
+          </a:xfrm>
+          <a:prstGeom prst="rect">
+            <a:avLst/>
+          </a:prstGeom>
+          <a:ln w="12700">
+            <a:miter lim="400000"/>
+          </a:ln>
+          <a:extLst>
+            <a:ext uri="{C572A759-6A51-4108-AA02-DFA0A04FC94B}">
+              <ma14:wrappingTextBoxFlag xmlns:ma14="http://schemas.microsoft.com/office/mac/drawingml/2011/main" val="1"/>
+            </a:ext>
+          </a:extLst>
+        </p:spPr>
+        <p:txBody>
+          <a:bodyPr wrap="none" lIns="50800" tIns="50800" rIns="50800" bIns="50800" anchor="ctr">
+            <a:spAutoFit/>
+          </a:bodyPr>
+          <a:lstStyle>
+            <a:lvl1pPr>
+              <a:defRPr sz="2400">
+                <a:latin typeface="Arial"/>
+                <a:ea typeface="Arial"/>
+                <a:cs typeface="Arial"/>
+                <a:sym typeface="Arial"/>
+              </a:defRPr>
+            </a:lvl1pPr>
+          </a:lstStyle>
+          <a:p>
+            <a:pPr/>
+            <a:r>
+              <a:t>4</a:t>
+            </a:r>
+          </a:p>
+        </p:txBody>
+      </p:sp>
+      <p:sp>
+        <p:nvSpPr>
+          <p:cNvPr id="569" name="6"/>
+          <p:cNvSpPr txBox="1"/>
+          <p:nvPr/>
+        </p:nvSpPr>
+        <p:spPr>
+          <a:xfrm>
+            <a:off x="5162377" y="4175302"/>
+            <a:ext cx="324456" cy="447230"/>
+          </a:xfrm>
+          <a:prstGeom prst="rect">
+            <a:avLst/>
+          </a:prstGeom>
+          <a:ln w="12700">
+            <a:miter lim="400000"/>
+          </a:ln>
+          <a:extLst>
+            <a:ext uri="{C572A759-6A51-4108-AA02-DFA0A04FC94B}">
+              <ma14:wrappingTextBoxFlag xmlns:ma14="http://schemas.microsoft.com/office/mac/drawingml/2011/main" val="1"/>
+            </a:ext>
+          </a:extLst>
+        </p:spPr>
+        <p:txBody>
+          <a:bodyPr wrap="none" lIns="50800" tIns="50800" rIns="50800" bIns="50800" anchor="ctr">
+            <a:spAutoFit/>
+          </a:bodyPr>
+          <a:lstStyle>
+            <a:lvl1pPr>
+              <a:defRPr sz="2400">
+                <a:latin typeface="Arial"/>
+                <a:ea typeface="Arial"/>
+                <a:cs typeface="Arial"/>
+                <a:sym typeface="Arial"/>
+              </a:defRPr>
+            </a:lvl1pPr>
+          </a:lstStyle>
+          <a:p>
+            <a:pPr/>
+            <a:r>
+              <a:t>6</a:t>
+            </a:r>
+          </a:p>
+        </p:txBody>
+      </p:sp>
+      <p:sp>
+        <p:nvSpPr>
+          <p:cNvPr id="570" name="2"/>
+          <p:cNvSpPr txBox="1"/>
+          <p:nvPr/>
+        </p:nvSpPr>
+        <p:spPr>
+          <a:xfrm>
+            <a:off x="5258075" y="4634894"/>
+            <a:ext cx="324456" cy="447229"/>
+          </a:xfrm>
+          <a:prstGeom prst="rect">
+            <a:avLst/>
+          </a:prstGeom>
+          <a:ln w="12700">
+            <a:miter lim="400000"/>
+          </a:ln>
+          <a:extLst>
+            <a:ext uri="{C572A759-6A51-4108-AA02-DFA0A04FC94B}">
+              <ma14:wrappingTextBoxFlag xmlns:ma14="http://schemas.microsoft.com/office/mac/drawingml/2011/main" val="1"/>
+            </a:ext>
+          </a:extLst>
+        </p:spPr>
+        <p:txBody>
+          <a:bodyPr wrap="none" lIns="50800" tIns="50800" rIns="50800" bIns="50800" anchor="ctr">
+            <a:spAutoFit/>
+          </a:bodyPr>
+          <a:lstStyle>
+            <a:lvl1pPr>
+              <a:defRPr sz="2400">
+                <a:latin typeface="Arial"/>
+                <a:ea typeface="Arial"/>
+                <a:cs typeface="Arial"/>
+                <a:sym typeface="Arial"/>
+              </a:defRPr>
+            </a:lvl1pPr>
+          </a:lstStyle>
+          <a:p>
+            <a:pPr/>
+            <a:r>
+              <a:t>2</a:t>
+            </a:r>
+          </a:p>
+        </p:txBody>
+      </p:sp>
+      <p:sp>
+        <p:nvSpPr>
+          <p:cNvPr id="571" name="6"/>
+          <p:cNvSpPr txBox="1"/>
+          <p:nvPr/>
+        </p:nvSpPr>
+        <p:spPr>
+          <a:xfrm>
+            <a:off x="5127836" y="5654942"/>
+            <a:ext cx="324456" cy="447229"/>
+          </a:xfrm>
+          <a:prstGeom prst="rect">
+            <a:avLst/>
+          </a:prstGeom>
+          <a:ln w="12700">
+            <a:miter lim="400000"/>
+          </a:ln>
+          <a:extLst>
+            <a:ext uri="{C572A759-6A51-4108-AA02-DFA0A04FC94B}">
+              <ma14:wrappingTextBoxFlag xmlns:ma14="http://schemas.microsoft.com/office/mac/drawingml/2011/main" val="1"/>
+            </a:ext>
+          </a:extLst>
+        </p:spPr>
+        <p:txBody>
+          <a:bodyPr wrap="none" lIns="50800" tIns="50800" rIns="50800" bIns="50800" anchor="ctr">
+            <a:spAutoFit/>
+          </a:bodyPr>
+          <a:lstStyle>
+            <a:lvl1pPr>
+              <a:defRPr sz="2400">
+                <a:latin typeface="Arial"/>
+                <a:ea typeface="Arial"/>
+                <a:cs typeface="Arial"/>
+                <a:sym typeface="Arial"/>
+              </a:defRPr>
+            </a:lvl1pPr>
+          </a:lstStyle>
+          <a:p>
+            <a:pPr/>
+            <a:r>
+              <a:t>6</a:t>
+            </a:r>
+          </a:p>
+        </p:txBody>
+      </p:sp>
+      <p:sp>
+        <p:nvSpPr>
+          <p:cNvPr id="572" name="2"/>
+          <p:cNvSpPr txBox="1"/>
+          <p:nvPr/>
+        </p:nvSpPr>
+        <p:spPr>
+          <a:xfrm>
+            <a:off x="5583056" y="5824594"/>
+            <a:ext cx="324456" cy="447229"/>
+          </a:xfrm>
+          <a:prstGeom prst="rect">
+            <a:avLst/>
+          </a:prstGeom>
+          <a:ln w="12700">
+            <a:miter lim="400000"/>
+          </a:ln>
+          <a:extLst>
+            <a:ext uri="{C572A759-6A51-4108-AA02-DFA0A04FC94B}">
+              <ma14:wrappingTextBoxFlag xmlns:ma14="http://schemas.microsoft.com/office/mac/drawingml/2011/main" val="1"/>
+            </a:ext>
+          </a:extLst>
+        </p:spPr>
+        <p:txBody>
+          <a:bodyPr wrap="none" lIns="50800" tIns="50800" rIns="50800" bIns="50800" anchor="ctr">
+            <a:spAutoFit/>
+          </a:bodyPr>
+          <a:lstStyle>
+            <a:lvl1pPr>
+              <a:defRPr sz="2400">
+                <a:latin typeface="Arial"/>
+                <a:ea typeface="Arial"/>
+                <a:cs typeface="Arial"/>
+                <a:sym typeface="Arial"/>
+              </a:defRPr>
+            </a:lvl1pPr>
+          </a:lstStyle>
+          <a:p>
+            <a:pPr/>
+            <a:r>
+              <a:t>2</a:t>
+            </a:r>
+          </a:p>
+        </p:txBody>
+      </p:sp>
+      <p:sp>
+        <p:nvSpPr>
+          <p:cNvPr id="573" name="7"/>
+          <p:cNvSpPr txBox="1"/>
+          <p:nvPr/>
+        </p:nvSpPr>
+        <p:spPr>
+          <a:xfrm>
+            <a:off x="7692530" y="3647786"/>
+            <a:ext cx="324456" cy="447229"/>
+          </a:xfrm>
+          <a:prstGeom prst="rect">
+            <a:avLst/>
+          </a:prstGeom>
+          <a:ln w="12700">
+            <a:miter lim="400000"/>
+          </a:ln>
+          <a:extLst>
+            <a:ext uri="{C572A759-6A51-4108-AA02-DFA0A04FC94B}">
+              <ma14:wrappingTextBoxFlag xmlns:ma14="http://schemas.microsoft.com/office/mac/drawingml/2011/main" val="1"/>
+            </a:ext>
+          </a:extLst>
+        </p:spPr>
+        <p:txBody>
+          <a:bodyPr wrap="none" lIns="50800" tIns="50800" rIns="50800" bIns="50800" anchor="ctr">
+            <a:spAutoFit/>
+          </a:bodyPr>
+          <a:lstStyle>
+            <a:lvl1pPr>
+              <a:defRPr sz="2400">
+                <a:latin typeface="Arial"/>
+                <a:ea typeface="Arial"/>
+                <a:cs typeface="Arial"/>
+                <a:sym typeface="Arial"/>
+              </a:defRPr>
+            </a:lvl1pPr>
+          </a:lstStyle>
+          <a:p>
+            <a:pPr/>
+            <a:r>
+              <a:t>7</a:t>
+            </a:r>
+          </a:p>
+        </p:txBody>
+      </p:sp>
+      <p:sp>
+        <p:nvSpPr>
+          <p:cNvPr id="574" name="3"/>
+          <p:cNvSpPr txBox="1"/>
+          <p:nvPr/>
+        </p:nvSpPr>
+        <p:spPr>
+          <a:xfrm>
+            <a:off x="7480418" y="4995793"/>
+            <a:ext cx="324456" cy="447230"/>
+          </a:xfrm>
+          <a:prstGeom prst="rect">
+            <a:avLst/>
+          </a:prstGeom>
+          <a:ln w="12700">
+            <a:miter lim="400000"/>
+          </a:ln>
+          <a:extLst>
+            <a:ext uri="{C572A759-6A51-4108-AA02-DFA0A04FC94B}">
+              <ma14:wrappingTextBoxFlag xmlns:ma14="http://schemas.microsoft.com/office/mac/drawingml/2011/main" val="1"/>
+            </a:ext>
+          </a:extLst>
+        </p:spPr>
+        <p:txBody>
+          <a:bodyPr wrap="none" lIns="50800" tIns="50800" rIns="50800" bIns="50800" anchor="ctr">
+            <a:spAutoFit/>
+          </a:bodyPr>
+          <a:lstStyle>
+            <a:lvl1pPr>
+              <a:defRPr sz="2400">
+                <a:latin typeface="Arial"/>
+                <a:ea typeface="Arial"/>
+                <a:cs typeface="Arial"/>
+                <a:sym typeface="Arial"/>
+              </a:defRPr>
+            </a:lvl1pPr>
+          </a:lstStyle>
+          <a:p>
+            <a:pPr/>
+            <a:r>
+              <a:t>3</a:t>
+            </a:r>
+          </a:p>
+        </p:txBody>
+      </p:sp>
+      <p:sp>
+        <p:nvSpPr>
+          <p:cNvPr id="575" name="sink"/>
+          <p:cNvSpPr txBox="1"/>
+          <p:nvPr/>
+        </p:nvSpPr>
+        <p:spPr>
+          <a:xfrm>
+            <a:off x="8775180" y="4995793"/>
+            <a:ext cx="696973" cy="447230"/>
+          </a:xfrm>
+          <a:prstGeom prst="rect">
+            <a:avLst/>
+          </a:prstGeom>
+          <a:ln w="12700">
+            <a:miter lim="400000"/>
+          </a:ln>
+          <a:extLst>
+            <a:ext uri="{C572A759-6A51-4108-AA02-DFA0A04FC94B}">
+              <ma14:wrappingTextBoxFlag xmlns:ma14="http://schemas.microsoft.com/office/mac/drawingml/2011/main" val="1"/>
+            </a:ext>
+          </a:extLst>
+        </p:spPr>
+        <p:txBody>
+          <a:bodyPr wrap="none" lIns="50800" tIns="50800" rIns="50800" bIns="50800" anchor="ctr">
+            <a:spAutoFit/>
+          </a:bodyPr>
+          <a:lstStyle>
+            <a:lvl1pPr>
+              <a:defRPr sz="2400">
+                <a:latin typeface="Arial"/>
+                <a:ea typeface="Arial"/>
+                <a:cs typeface="Arial"/>
+                <a:sym typeface="Arial"/>
+              </a:defRPr>
+            </a:lvl1pPr>
+          </a:lstStyle>
+          <a:p>
+            <a:pPr/>
+            <a:r>
+              <a:t>sink</a:t>
+            </a:r>
+          </a:p>
+        </p:txBody>
+      </p:sp>
+      <p:sp>
+        <p:nvSpPr>
+          <p:cNvPr id="576" name="Using forward approach…"/>
+          <p:cNvSpPr txBox="1"/>
+          <p:nvPr/>
+        </p:nvSpPr>
+        <p:spPr>
+          <a:xfrm>
+            <a:off x="442846" y="964054"/>
+            <a:ext cx="4715075" cy="1059180"/>
+          </a:xfrm>
+          <a:prstGeom prst="rect">
+            <a:avLst/>
+          </a:prstGeom>
+          <a:ln w="12700">
+            <a:miter lim="400000"/>
+          </a:ln>
+          <a:extLst>
+            <a:ext uri="{C572A759-6A51-4108-AA02-DFA0A04FC94B}">
+              <ma14:wrappingTextBoxFlag xmlns:ma14="http://schemas.microsoft.com/office/mac/drawingml/2011/main" val="1"/>
+            </a:ext>
+          </a:extLst>
+        </p:spPr>
+        <p:txBody>
+          <a:bodyPr wrap="none" lIns="50800" tIns="50800" rIns="50800" bIns="50800" anchor="ctr">
+            <a:spAutoFit/>
+          </a:bodyPr>
+          <a:lstStyle/>
+          <a:p>
+            <a:pPr marL="382587" indent="-342900">
+              <a:lnSpc>
+                <a:spcPct val="90000"/>
+              </a:lnSpc>
+              <a:spcBef>
+                <a:spcPts val="700"/>
+              </a:spcBef>
+              <a:buSzPct val="100000"/>
+              <a:buChar char="•"/>
+              <a:defRPr sz="3200">
+                <a:latin typeface="+mn-lt"/>
+                <a:ea typeface="+mn-ea"/>
+                <a:cs typeface="+mn-cs"/>
+                <a:sym typeface="Gill Sans"/>
+              </a:defRPr>
+            </a:pPr>
+            <a:r>
+              <a:t>Using forward approach</a:t>
+            </a:r>
+          </a:p>
+          <a:p>
+            <a:pPr marL="382587" indent="-342900">
+              <a:lnSpc>
+                <a:spcPct val="90000"/>
+              </a:lnSpc>
+              <a:spcBef>
+                <a:spcPts val="700"/>
+              </a:spcBef>
+              <a:buSzPct val="100000"/>
+              <a:buChar char="•"/>
+              <a:defRPr sz="3200">
+                <a:latin typeface="+mn-lt"/>
+                <a:ea typeface="+mn-ea"/>
+                <a:cs typeface="+mn-cs"/>
+                <a:sym typeface="Gill Sans"/>
+              </a:defRPr>
+            </a:pPr>
+            <a:r>
+              <a:t>Using backward approach</a:t>
+            </a:r>
+          </a:p>
+        </p:txBody>
+      </p:sp>
+    </p:spTree>
+  </p:cSld>
+  <p:clrMapOvr>
+    <a:masterClrMapping/>
+  </p:clrMapOvr>
+  <p:transition xmlns:p14="http://schemas.microsoft.com/office/powerpoint/2010/main" spd="med" advClick="1"/>
+</p:sld>
+</file>
+
+<file path=ppt/slides/slide29.xml><?xml version="1.0" encoding="utf-8"?>
+<p:sld xmlns:a="http://schemas.openxmlformats.org/drawingml/2006/main" xmlns:r="http://schemas.openxmlformats.org/officeDocument/2006/relationships" xmlns:p="http://schemas.openxmlformats.org/presentationml/2006/main" xmlns:m="http://schemas.openxmlformats.org/officeDocument/2006/math" xmlns:a14="http://schemas.microsoft.com/office/drawing/2010/main" showMasterSp="1" showMasterPhAnim="1">
+  <p:cSld>
+    <p:spTree>
+      <p:nvGrpSpPr>
+        <p:cNvPr id="1" name=""/>
+        <p:cNvGrpSpPr/>
+        <p:nvPr/>
+      </p:nvGrpSpPr>
+      <p:grpSpPr>
+        <a:xfrm>
+          <a:off x="0" y="0"/>
+          <a:ext cx="0" cy="0"/>
+          <a:chOff x="0" y="0"/>
+          <a:chExt cx="0" cy="0"/>
+        </a:xfrm>
+      </p:grpSpPr>
+      <p:sp>
+        <p:nvSpPr>
+          <p:cNvPr id="578" name="Summary"/>
+          <p:cNvSpPr txBox="1"/>
+          <p:nvPr>
+            <p:ph type="title"/>
+          </p:nvPr>
+        </p:nvSpPr>
+        <p:spPr>
+          <a:prstGeom prst="rect">
+            <a:avLst/>
+          </a:prstGeom>
+        </p:spPr>
+        <p:txBody>
+          <a:bodyPr/>
+          <a:lstStyle/>
+          <a:p>
+            <a:pPr/>
+            <a:r>
+              <a:t>Summary</a:t>
+            </a:r>
+          </a:p>
+        </p:txBody>
+      </p:sp>
+      <p:sp>
+        <p:nvSpPr>
+          <p:cNvPr id="579" name="Multi stage graph…"/>
+          <p:cNvSpPr txBox="1"/>
+          <p:nvPr>
+            <p:ph type="body" idx="1"/>
+          </p:nvPr>
+        </p:nvSpPr>
+        <p:spPr>
+          <a:prstGeom prst="rect">
+            <a:avLst/>
+          </a:prstGeom>
+        </p:spPr>
+        <p:txBody>
+          <a:bodyPr/>
+          <a:lstStyle/>
+          <a:p>
+            <a:pPr/>
+            <a:r>
+              <a:t>Multi stage graph</a:t>
+            </a:r>
+          </a:p>
+          <a:p>
+            <a:pPr/>
+            <a:r>
+              <a:t>Forward approach</a:t>
+            </a:r>
+          </a:p>
+          <a:p>
+            <a:pPr/>
+            <a:r>
+              <a:t>Backward approach</a:t>
+            </a:r>
+          </a:p>
+        </p:txBody>
+      </p:sp>
+      <p:sp>
+        <p:nvSpPr>
+          <p:cNvPr id="580" name="Slide Number"/>
+          <p:cNvSpPr txBox="1"/>
+          <p:nvPr>
+            <p:ph type="sldNum" sz="quarter" idx="2"/>
+          </p:nvPr>
+        </p:nvSpPr>
+        <p:spPr>
+          <a:prstGeom prst="rect">
+            <a:avLst/>
+          </a:prstGeom>
+          <a:extLst>
+            <a:ext uri="{C572A759-6A51-4108-AA02-DFA0A04FC94B}">
+              <ma14:wrappingTextBoxFlag xmlns:ma14="http://schemas.microsoft.com/office/mac/drawingml/2011/main" val="1"/>
+            </a:ext>
+          </a:extLst>
+        </p:spPr>
+        <p:txBody>
+          <a:bodyPr/>
+          <a:lstStyle/>
+          <a:p>
+            <a:pPr/>
+            <a:fld id="{86CB4B4D-7CA3-9044-876B-883B54F8677D}" type="slidenum"/>
+          </a:p>
+        </p:txBody>
+      </p:sp>
+      <p:sp>
+        <p:nvSpPr>
+          <p:cNvPr id="581" name="DAA/Dynamic Programming"/>
+          <p:cNvSpPr txBox="1"/>
+          <p:nvPr/>
+        </p:nvSpPr>
+        <p:spPr>
+          <a:xfrm>
+            <a:off x="423212" y="6963885"/>
+            <a:ext cx="3769679" cy="431552"/>
+          </a:xfrm>
+          <a:prstGeom prst="rect">
+            <a:avLst/>
+          </a:prstGeom>
+          <a:ln w="12700">
+            <a:miter lim="400000"/>
+          </a:ln>
+          <a:extLst>
+            <a:ext uri="{C572A759-6A51-4108-AA02-DFA0A04FC94B}">
+              <ma14:wrappingTextBoxFlag xmlns:ma14="http://schemas.microsoft.com/office/mac/drawingml/2011/main" val="1"/>
+            </a:ext>
+          </a:extLst>
+        </p:spPr>
+        <p:txBody>
+          <a:bodyPr wrap="none" lIns="50800" tIns="50800" rIns="50800" bIns="50800" anchor="ctr">
+            <a:spAutoFit/>
+          </a:bodyPr>
+          <a:lstStyle>
+            <a:lvl1pPr>
+              <a:defRPr sz="2400"/>
+            </a:lvl1pPr>
+          </a:lstStyle>
+          <a:p>
+            <a:pPr/>
+            <a:r>
+              <a:t>DAA/Dynamic Programming</a:t>
+            </a:r>
+          </a:p>
+        </p:txBody>
+      </p:sp>
+      <p:sp>
+        <p:nvSpPr>
+          <p:cNvPr id="582" name="RPR/"/>
           <p:cNvSpPr txBox="1"/>
           <p:nvPr/>
         </p:nvSpPr>
@@ -22929,7 +28550,7 @@
                                       <p:cBhvr>
                                         <p:cTn id="6" fill="hold"/>
                                         <p:tgtEl>
-                                          <p:spTgt spid="471">
+                                          <p:spTgt spid="579">
                                             <p:bg/>
                                           </p:spTgt>
                                         </p:tgtEl>
@@ -22957,7 +28578,7 @@
                                       <p:cBhvr>
                                         <p:cTn id="8" fill="hold"/>
                                         <p:tgtEl>
-                                          <p:spTgt spid="471">
+                                          <p:spTgt spid="579">
                                             <p:txEl>
                                               <p:pRg st="0" end="0"/>
                                             </p:txEl>
@@ -23005,7 +28626,7 @@
                                       <p:cBhvr>
                                         <p:cTn id="12" fill="hold"/>
                                         <p:tgtEl>
-                                          <p:spTgt spid="471">
+                                          <p:spTgt spid="579">
                                             <p:txEl>
                                               <p:pRg st="1" end="1"/>
                                             </p:txEl>
@@ -23053,3106 +28674,7 @@
                                       <p:cBhvr>
                                         <p:cTn id="16" fill="hold"/>
                                         <p:tgtEl>
-                                          <p:spTgt spid="471">
-                                            <p:txEl>
-                                              <p:pRg st="2" end="2"/>
-                                            </p:txEl>
-                                          </p:spTgt>
-                                        </p:tgtEl>
-                                        <p:attrNameLst>
-                                          <p:attrName>style.visibility</p:attrName>
-                                        </p:attrNameLst>
-                                      </p:cBhvr>
-                                      <p:to>
-                                        <p:strVal val="visible"/>
-                                      </p:to>
-                                    </p:set>
-                                  </p:childTnLst>
-                                </p:cTn>
-                              </p:par>
-                            </p:childTnLst>
-                          </p:cTn>
-                        </p:par>
-                      </p:childTnLst>
-                    </p:cTn>
-                  </p:par>
-                  <p:par>
-                    <p:cTn id="17" fill="hold">
-                      <p:stCondLst>
-                        <p:cond delay="indefinite"/>
-                      </p:stCondLst>
-                      <p:childTnLst>
-                        <p:par>
-                          <p:cTn id="18" fill="hold">
-                            <p:stCondLst>
-                              <p:cond delay="0"/>
-                            </p:stCondLst>
-                            <p:childTnLst>
-                              <p:par>
-                                <p:cTn id="19" presetClass="entr" nodeType="clickEffect" presetSubtype="0" presetID="1" grpId="1" fill="hold">
-                                  <p:stCondLst>
-                                    <p:cond delay="0"/>
-                                  </p:stCondLst>
-                                  <p:iterate type="el" backwards="0">
-                                    <p:tmAbs val="0"/>
-                                  </p:iterate>
-                                  <p:childTnLst>
-                                    <p:set>
-                                      <p:cBhvr>
-                                        <p:cTn id="20" fill="hold"/>
-                                        <p:tgtEl>
-                                          <p:spTgt spid="471">
-                                            <p:txEl>
-                                              <p:pRg st="3" end="3"/>
-                                            </p:txEl>
-                                          </p:spTgt>
-                                        </p:tgtEl>
-                                        <p:attrNameLst>
-                                          <p:attrName>style.visibility</p:attrName>
-                                        </p:attrNameLst>
-                                      </p:cBhvr>
-                                      <p:to>
-                                        <p:strVal val="visible"/>
-                                      </p:to>
-                                    </p:set>
-                                  </p:childTnLst>
-                                </p:cTn>
-                              </p:par>
-                            </p:childTnLst>
-                          </p:cTn>
-                        </p:par>
-                      </p:childTnLst>
-                    </p:cTn>
-                  </p:par>
-                  <p:par>
-                    <p:cTn id="21" fill="hold">
-                      <p:stCondLst>
-                        <p:cond delay="indefinite"/>
-                      </p:stCondLst>
-                      <p:childTnLst>
-                        <p:par>
-                          <p:cTn id="22" fill="hold">
-                            <p:stCondLst>
-                              <p:cond delay="0"/>
-                            </p:stCondLst>
-                            <p:childTnLst>
-                              <p:par>
-                                <p:cTn id="23" presetClass="entr" nodeType="clickEffect" presetSubtype="0" presetID="1" grpId="1" fill="hold">
-                                  <p:stCondLst>
-                                    <p:cond delay="0"/>
-                                  </p:stCondLst>
-                                  <p:iterate type="el" backwards="0">
-                                    <p:tmAbs val="0"/>
-                                  </p:iterate>
-                                  <p:childTnLst>
-                                    <p:set>
-                                      <p:cBhvr>
-                                        <p:cTn id="24" fill="hold"/>
-                                        <p:tgtEl>
-                                          <p:spTgt spid="471">
-                                            <p:txEl>
-                                              <p:pRg st="4" end="4"/>
-                                            </p:txEl>
-                                          </p:spTgt>
-                                        </p:tgtEl>
-                                        <p:attrNameLst>
-                                          <p:attrName>style.visibility</p:attrName>
-                                        </p:attrNameLst>
-                                      </p:cBhvr>
-                                      <p:to>
-                                        <p:strVal val="visible"/>
-                                      </p:to>
-                                    </p:set>
-                                  </p:childTnLst>
-                                </p:cTn>
-                              </p:par>
-                            </p:childTnLst>
-                          </p:cTn>
-                        </p:par>
-                      </p:childTnLst>
-                    </p:cTn>
-                  </p:par>
-                  <p:par>
-                    <p:cTn id="25" fill="hold">
-                      <p:stCondLst>
-                        <p:cond delay="indefinite"/>
-                      </p:stCondLst>
-                      <p:childTnLst>
-                        <p:par>
-                          <p:cTn id="26" fill="hold">
-                            <p:stCondLst>
-                              <p:cond delay="0"/>
-                            </p:stCondLst>
-                            <p:childTnLst>
-                              <p:par>
-                                <p:cTn id="27" presetClass="entr" nodeType="clickEffect" presetSubtype="0" presetID="1" grpId="1" fill="hold">
-                                  <p:stCondLst>
-                                    <p:cond delay="0"/>
-                                  </p:stCondLst>
-                                  <p:iterate type="el" backwards="0">
-                                    <p:tmAbs val="0"/>
-                                  </p:iterate>
-                                  <p:childTnLst>
-                                    <p:set>
-                                      <p:cBhvr>
-                                        <p:cTn id="28" fill="hold"/>
-                                        <p:tgtEl>
-                                          <p:spTgt spid="471">
-                                            <p:txEl>
-                                              <p:pRg st="5" end="5"/>
-                                            </p:txEl>
-                                          </p:spTgt>
-                                        </p:tgtEl>
-                                        <p:attrNameLst>
-                                          <p:attrName>style.visibility</p:attrName>
-                                        </p:attrNameLst>
-                                      </p:cBhvr>
-                                      <p:to>
-                                        <p:strVal val="visible"/>
-                                      </p:to>
-                                    </p:set>
-                                  </p:childTnLst>
-                                </p:cTn>
-                              </p:par>
-                            </p:childTnLst>
-                          </p:cTn>
-                        </p:par>
-                      </p:childTnLst>
-                    </p:cTn>
-                  </p:par>
-                  <p:par>
-                    <p:cTn id="29" fill="hold">
-                      <p:stCondLst>
-                        <p:cond delay="indefinite"/>
-                      </p:stCondLst>
-                      <p:childTnLst>
-                        <p:par>
-                          <p:cTn id="30" fill="hold">
-                            <p:stCondLst>
-                              <p:cond delay="0"/>
-                            </p:stCondLst>
-                            <p:childTnLst>
-                              <p:par>
-                                <p:cTn id="31" presetClass="entr" nodeType="clickEffect" presetSubtype="0" presetID="1" grpId="1" fill="hold">
-                                  <p:stCondLst>
-                                    <p:cond delay="0"/>
-                                  </p:stCondLst>
-                                  <p:iterate type="el" backwards="0">
-                                    <p:tmAbs val="0"/>
-                                  </p:iterate>
-                                  <p:childTnLst>
-                                    <p:set>
-                                      <p:cBhvr>
-                                        <p:cTn id="32" fill="hold"/>
-                                        <p:tgtEl>
-                                          <p:spTgt spid="471">
-                                            <p:txEl>
-                                              <p:pRg st="6" end="6"/>
-                                            </p:txEl>
-                                          </p:spTgt>
-                                        </p:tgtEl>
-                                        <p:attrNameLst>
-                                          <p:attrName>style.visibility</p:attrName>
-                                        </p:attrNameLst>
-                                      </p:cBhvr>
-                                      <p:to>
-                                        <p:strVal val="visible"/>
-                                      </p:to>
-                                    </p:set>
-                                  </p:childTnLst>
-                                </p:cTn>
-                              </p:par>
-                            </p:childTnLst>
-                          </p:cTn>
-                        </p:par>
-                      </p:childTnLst>
-                    </p:cTn>
-                  </p:par>
-                  <p:par>
-                    <p:cTn id="33" fill="hold">
-                      <p:stCondLst>
-                        <p:cond delay="indefinite"/>
-                      </p:stCondLst>
-                      <p:childTnLst>
-                        <p:par>
-                          <p:cTn id="34" fill="hold">
-                            <p:stCondLst>
-                              <p:cond delay="0"/>
-                            </p:stCondLst>
-                            <p:childTnLst>
-                              <p:par>
-                                <p:cTn id="35" presetClass="entr" nodeType="clickEffect" presetSubtype="0" presetID="1" grpId="1" fill="hold">
-                                  <p:stCondLst>
-                                    <p:cond delay="0"/>
-                                  </p:stCondLst>
-                                  <p:iterate type="el" backwards="0">
-                                    <p:tmAbs val="0"/>
-                                  </p:iterate>
-                                  <p:childTnLst>
-                                    <p:set>
-                                      <p:cBhvr>
-                                        <p:cTn id="36" fill="hold"/>
-                                        <p:tgtEl>
-                                          <p:spTgt spid="471">
-                                            <p:txEl>
-                                              <p:pRg st="7" end="7"/>
-                                            </p:txEl>
-                                          </p:spTgt>
-                                        </p:tgtEl>
-                                        <p:attrNameLst>
-                                          <p:attrName>style.visibility</p:attrName>
-                                        </p:attrNameLst>
-                                      </p:cBhvr>
-                                      <p:to>
-                                        <p:strVal val="visible"/>
-                                      </p:to>
-                                    </p:set>
-                                  </p:childTnLst>
-                                </p:cTn>
-                              </p:par>
-                            </p:childTnLst>
-                          </p:cTn>
-                        </p:par>
-                      </p:childTnLst>
-                    </p:cTn>
-                  </p:par>
-                  <p:par>
-                    <p:cTn id="37" fill="hold">
-                      <p:stCondLst>
-                        <p:cond delay="indefinite"/>
-                      </p:stCondLst>
-                      <p:childTnLst>
-                        <p:par>
-                          <p:cTn id="38" fill="hold">
-                            <p:stCondLst>
-                              <p:cond delay="0"/>
-                            </p:stCondLst>
-                            <p:childTnLst>
-                              <p:par>
-                                <p:cTn id="39" presetClass="entr" nodeType="clickEffect" presetSubtype="0" presetID="1" grpId="1" fill="hold">
-                                  <p:stCondLst>
-                                    <p:cond delay="0"/>
-                                  </p:stCondLst>
-                                  <p:iterate type="el" backwards="0">
-                                    <p:tmAbs val="0"/>
-                                  </p:iterate>
-                                  <p:childTnLst>
-                                    <p:set>
-                                      <p:cBhvr>
-                                        <p:cTn id="40" fill="hold"/>
-                                        <p:tgtEl>
-                                          <p:spTgt spid="471">
-                                            <p:txEl>
-                                              <p:pRg st="8" end="8"/>
-                                            </p:txEl>
-                                          </p:spTgt>
-                                        </p:tgtEl>
-                                        <p:attrNameLst>
-                                          <p:attrName>style.visibility</p:attrName>
-                                        </p:attrNameLst>
-                                      </p:cBhvr>
-                                      <p:to>
-                                        <p:strVal val="visible"/>
-                                      </p:to>
-                                    </p:set>
-                                  </p:childTnLst>
-                                </p:cTn>
-                              </p:par>
-                            </p:childTnLst>
-                          </p:cTn>
-                        </p:par>
-                      </p:childTnLst>
-                    </p:cTn>
-                  </p:par>
-                  <p:par>
-                    <p:cTn id="41" fill="hold">
-                      <p:stCondLst>
-                        <p:cond delay="indefinite"/>
-                      </p:stCondLst>
-                      <p:childTnLst>
-                        <p:par>
-                          <p:cTn id="42" fill="hold">
-                            <p:stCondLst>
-                              <p:cond delay="0"/>
-                            </p:stCondLst>
-                            <p:childTnLst>
-                              <p:par>
-                                <p:cTn id="43" presetClass="entr" nodeType="clickEffect" presetSubtype="0" presetID="1" grpId="1" fill="hold">
-                                  <p:stCondLst>
-                                    <p:cond delay="0"/>
-                                  </p:stCondLst>
-                                  <p:iterate type="el" backwards="0">
-                                    <p:tmAbs val="0"/>
-                                  </p:iterate>
-                                  <p:childTnLst>
-                                    <p:set>
-                                      <p:cBhvr>
-                                        <p:cTn id="44" fill="hold"/>
-                                        <p:tgtEl>
-                                          <p:spTgt spid="471">
-                                            <p:txEl>
-                                              <p:pRg st="9" end="9"/>
-                                            </p:txEl>
-                                          </p:spTgt>
-                                        </p:tgtEl>
-                                        <p:attrNameLst>
-                                          <p:attrName>style.visibility</p:attrName>
-                                        </p:attrNameLst>
-                                      </p:cBhvr>
-                                      <p:to>
-                                        <p:strVal val="visible"/>
-                                      </p:to>
-                                    </p:set>
-                                  </p:childTnLst>
-                                </p:cTn>
-                              </p:par>
-                            </p:childTnLst>
-                          </p:cTn>
-                        </p:par>
-                      </p:childTnLst>
-                    </p:cTn>
-                  </p:par>
-                  <p:par>
-                    <p:cTn id="45" fill="hold">
-                      <p:stCondLst>
-                        <p:cond delay="indefinite"/>
-                      </p:stCondLst>
-                      <p:childTnLst>
-                        <p:par>
-                          <p:cTn id="46" fill="hold">
-                            <p:stCondLst>
-                              <p:cond delay="0"/>
-                            </p:stCondLst>
-                            <p:childTnLst>
-                              <p:par>
-                                <p:cTn id="47" presetClass="entr" nodeType="clickEffect" presetSubtype="0" presetID="1" grpId="1" fill="hold">
-                                  <p:stCondLst>
-                                    <p:cond delay="0"/>
-                                  </p:stCondLst>
-                                  <p:iterate type="el" backwards="0">
-                                    <p:tmAbs val="0"/>
-                                  </p:iterate>
-                                  <p:childTnLst>
-                                    <p:set>
-                                      <p:cBhvr>
-                                        <p:cTn id="48" fill="hold"/>
-                                        <p:tgtEl>
-                                          <p:spTgt spid="471">
-                                            <p:txEl>
-                                              <p:pRg st="10" end="10"/>
-                                            </p:txEl>
-                                          </p:spTgt>
-                                        </p:tgtEl>
-                                        <p:attrNameLst>
-                                          <p:attrName>style.visibility</p:attrName>
-                                        </p:attrNameLst>
-                                      </p:cBhvr>
-                                      <p:to>
-                                        <p:strVal val="visible"/>
-                                      </p:to>
-                                    </p:set>
-                                  </p:childTnLst>
-                                </p:cTn>
-                              </p:par>
-                            </p:childTnLst>
-                          </p:cTn>
-                        </p:par>
-                      </p:childTnLst>
-                    </p:cTn>
-                  </p:par>
-                  <p:par>
-                    <p:cTn id="49" fill="hold">
-                      <p:stCondLst>
-                        <p:cond delay="indefinite"/>
-                      </p:stCondLst>
-                      <p:childTnLst>
-                        <p:par>
-                          <p:cTn id="50" fill="hold">
-                            <p:stCondLst>
-                              <p:cond delay="0"/>
-                            </p:stCondLst>
-                            <p:childTnLst>
-                              <p:par>
-                                <p:cTn id="51" presetClass="entr" nodeType="clickEffect" presetSubtype="0" presetID="1" grpId="1" fill="hold">
-                                  <p:stCondLst>
-                                    <p:cond delay="0"/>
-                                  </p:stCondLst>
-                                  <p:iterate type="el" backwards="0">
-                                    <p:tmAbs val="0"/>
-                                  </p:iterate>
-                                  <p:childTnLst>
-                                    <p:set>
-                                      <p:cBhvr>
-                                        <p:cTn id="52" fill="hold"/>
-                                        <p:tgtEl>
-                                          <p:spTgt spid="471">
-                                            <p:txEl>
-                                              <p:pRg st="11" end="11"/>
-                                            </p:txEl>
-                                          </p:spTgt>
-                                        </p:tgtEl>
-                                        <p:attrNameLst>
-                                          <p:attrName>style.visibility</p:attrName>
-                                        </p:attrNameLst>
-                                      </p:cBhvr>
-                                      <p:to>
-                                        <p:strVal val="visible"/>
-                                      </p:to>
-                                    </p:set>
-                                  </p:childTnLst>
-                                </p:cTn>
-                              </p:par>
-                            </p:childTnLst>
-                          </p:cTn>
-                        </p:par>
-                      </p:childTnLst>
-                    </p:cTn>
-                  </p:par>
-                  <p:par>
-                    <p:cTn id="53" fill="hold">
-                      <p:stCondLst>
-                        <p:cond delay="indefinite"/>
-                      </p:stCondLst>
-                      <p:childTnLst>
-                        <p:par>
-                          <p:cTn id="54" fill="hold">
-                            <p:stCondLst>
-                              <p:cond delay="0"/>
-                            </p:stCondLst>
-                            <p:childTnLst>
-                              <p:par>
-                                <p:cTn id="55" presetClass="entr" nodeType="clickEffect" presetSubtype="0" presetID="1" grpId="1" fill="hold">
-                                  <p:stCondLst>
-                                    <p:cond delay="0"/>
-                                  </p:stCondLst>
-                                  <p:iterate type="el" backwards="0">
-                                    <p:tmAbs val="0"/>
-                                  </p:iterate>
-                                  <p:childTnLst>
-                                    <p:set>
-                                      <p:cBhvr>
-                                        <p:cTn id="56" fill="hold"/>
-                                        <p:tgtEl>
-                                          <p:spTgt spid="471">
-                                            <p:txEl>
-                                              <p:pRg st="12" end="12"/>
-                                            </p:txEl>
-                                          </p:spTgt>
-                                        </p:tgtEl>
-                                        <p:attrNameLst>
-                                          <p:attrName>style.visibility</p:attrName>
-                                        </p:attrNameLst>
-                                      </p:cBhvr>
-                                      <p:to>
-                                        <p:strVal val="visible"/>
-                                      </p:to>
-                                    </p:set>
-                                  </p:childTnLst>
-                                </p:cTn>
-                              </p:par>
-                            </p:childTnLst>
-                          </p:cTn>
-                        </p:par>
-                      </p:childTnLst>
-                    </p:cTn>
-                  </p:par>
-                  <p:par>
-                    <p:cTn id="57" fill="hold">
-                      <p:stCondLst>
-                        <p:cond delay="indefinite"/>
-                      </p:stCondLst>
-                      <p:childTnLst>
-                        <p:par>
-                          <p:cTn id="58" fill="hold">
-                            <p:stCondLst>
-                              <p:cond delay="0"/>
-                            </p:stCondLst>
-                            <p:childTnLst>
-                              <p:par>
-                                <p:cTn id="59" presetClass="entr" nodeType="clickEffect" presetSubtype="0" presetID="1" grpId="1" fill="hold">
-                                  <p:stCondLst>
-                                    <p:cond delay="0"/>
-                                  </p:stCondLst>
-                                  <p:iterate type="el" backwards="0">
-                                    <p:tmAbs val="0"/>
-                                  </p:iterate>
-                                  <p:childTnLst>
-                                    <p:set>
-                                      <p:cBhvr>
-                                        <p:cTn id="60" fill="hold"/>
-                                        <p:tgtEl>
-                                          <p:spTgt spid="471">
-                                            <p:txEl>
-                                              <p:pRg st="13" end="13"/>
-                                            </p:txEl>
-                                          </p:spTgt>
-                                        </p:tgtEl>
-                                        <p:attrNameLst>
-                                          <p:attrName>style.visibility</p:attrName>
-                                        </p:attrNameLst>
-                                      </p:cBhvr>
-                                      <p:to>
-                                        <p:strVal val="visible"/>
-                                      </p:to>
-                                    </p:set>
-                                  </p:childTnLst>
-                                </p:cTn>
-                              </p:par>
-                            </p:childTnLst>
-                          </p:cTn>
-                        </p:par>
-                      </p:childTnLst>
-                    </p:cTn>
-                  </p:par>
-                </p:childTnLst>
-              </p:cTn>
-              <p:prevCondLst>
-                <p:cond evt="onPrev">
-                  <p:tgtEl>
-                    <p:sldTgt/>
-                  </p:tgtEl>
-                </p:cond>
-              </p:prevCondLst>
-              <p:nextCondLst>
-                <p:cond evt="onNext">
-                  <p:tgtEl>
-                    <p:sldTgt/>
-                  </p:tgtEl>
-                </p:cond>
-              </p:nextCondLst>
-            </p:seq>
-          </p:childTnLst>
-        </p:cTn>
-      </p:par>
-    </p:tnLst>
-    <p:bldLst>
-      <p:bldP build="p" bldLvl="5" animBg="1" rev="0" advAuto="0" spid="471" grpId="1"/>
-    </p:bldLst>
-  </p:timing>
-</p:sld>
-</file>
-
-<file path=ppt/slides/slide19.xml><?xml version="1.0" encoding="utf-8"?>
-<p:sld xmlns:a="http://schemas.openxmlformats.org/drawingml/2006/main" xmlns:r="http://schemas.openxmlformats.org/officeDocument/2006/relationships" xmlns:p="http://schemas.openxmlformats.org/presentationml/2006/main" xmlns:m="http://schemas.openxmlformats.org/officeDocument/2006/math" xmlns:a14="http://schemas.microsoft.com/office/drawing/2010/main" showMasterSp="1" showMasterPhAnim="1">
-  <p:cSld>
-    <p:spTree>
-      <p:nvGrpSpPr>
-        <p:cNvPr id="1" name=""/>
-        <p:cNvGrpSpPr/>
-        <p:nvPr/>
-      </p:nvGrpSpPr>
-      <p:grpSpPr>
-        <a:xfrm>
-          <a:off x="0" y="0"/>
-          <a:ext cx="0" cy="0"/>
-          <a:chOff x="0" y="0"/>
-          <a:chExt cx="0" cy="0"/>
-        </a:xfrm>
-      </p:grpSpPr>
-      <p:sp>
-        <p:nvSpPr>
-          <p:cNvPr id="476" name="Exercise: Find min cost path"/>
-          <p:cNvSpPr txBox="1"/>
-          <p:nvPr>
-            <p:ph type="title"/>
-          </p:nvPr>
-        </p:nvSpPr>
-        <p:spPr>
-          <a:prstGeom prst="rect">
-            <a:avLst/>
-          </a:prstGeom>
-        </p:spPr>
-        <p:txBody>
-          <a:bodyPr/>
-          <a:lstStyle/>
-          <a:p>
-            <a:pPr/>
-            <a:r>
-              <a:t>Exercise: Find min cost path</a:t>
-            </a:r>
-          </a:p>
-        </p:txBody>
-      </p:sp>
-      <p:sp>
-        <p:nvSpPr>
-          <p:cNvPr id="477" name="Slide Number"/>
-          <p:cNvSpPr txBox="1"/>
-          <p:nvPr>
-            <p:ph type="sldNum" sz="quarter" idx="2"/>
-          </p:nvPr>
-        </p:nvSpPr>
-        <p:spPr>
-          <a:prstGeom prst="rect">
-            <a:avLst/>
-          </a:prstGeom>
-          <a:extLst>
-            <a:ext uri="{C572A759-6A51-4108-AA02-DFA0A04FC94B}">
-              <ma14:wrappingTextBoxFlag xmlns:ma14="http://schemas.microsoft.com/office/mac/drawingml/2011/main" val="1"/>
-            </a:ext>
-          </a:extLst>
-        </p:spPr>
-        <p:txBody>
-          <a:bodyPr/>
-          <a:lstStyle/>
-          <a:p>
-            <a:pPr/>
-            <a:fld id="{86CB4B4D-7CA3-9044-876B-883B54F8677D}" type="slidenum"/>
-          </a:p>
-        </p:txBody>
-      </p:sp>
-      <p:sp>
-        <p:nvSpPr>
-          <p:cNvPr id="478" name="DAA/Dynamic Programming"/>
-          <p:cNvSpPr txBox="1"/>
-          <p:nvPr/>
-        </p:nvSpPr>
-        <p:spPr>
-          <a:xfrm>
-            <a:off x="423212" y="6963885"/>
-            <a:ext cx="3769679" cy="431552"/>
-          </a:xfrm>
-          <a:prstGeom prst="rect">
-            <a:avLst/>
-          </a:prstGeom>
-          <a:ln w="12700">
-            <a:miter lim="400000"/>
-          </a:ln>
-          <a:extLst>
-            <a:ext uri="{C572A759-6A51-4108-AA02-DFA0A04FC94B}">
-              <ma14:wrappingTextBoxFlag xmlns:ma14="http://schemas.microsoft.com/office/mac/drawingml/2011/main" val="1"/>
-            </a:ext>
-          </a:extLst>
-        </p:spPr>
-        <p:txBody>
-          <a:bodyPr wrap="none" lIns="50800" tIns="50800" rIns="50800" bIns="50800" anchor="ctr">
-            <a:spAutoFit/>
-          </a:bodyPr>
-          <a:lstStyle>
-            <a:lvl1pPr>
-              <a:defRPr sz="2400"/>
-            </a:lvl1pPr>
-          </a:lstStyle>
-          <a:p>
-            <a:pPr/>
-            <a:r>
-              <a:t>DAA/Dynamic Programming</a:t>
-            </a:r>
-          </a:p>
-        </p:txBody>
-      </p:sp>
-      <p:sp>
-        <p:nvSpPr>
-          <p:cNvPr id="479" name="RPR/"/>
-          <p:cNvSpPr txBox="1"/>
-          <p:nvPr/>
-        </p:nvSpPr>
-        <p:spPr>
-          <a:xfrm>
-            <a:off x="7535212" y="6988206"/>
-            <a:ext cx="705605" cy="382910"/>
-          </a:xfrm>
-          <a:prstGeom prst="rect">
-            <a:avLst/>
-          </a:prstGeom>
-          <a:ln w="12700">
-            <a:miter lim="400000"/>
-          </a:ln>
-          <a:extLst>
-            <a:ext uri="{C572A759-6A51-4108-AA02-DFA0A04FC94B}">
-              <ma14:wrappingTextBoxFlag xmlns:ma14="http://schemas.microsoft.com/office/mac/drawingml/2011/main" val="1"/>
-            </a:ext>
-          </a:extLst>
-        </p:spPr>
-        <p:txBody>
-          <a:bodyPr wrap="none" lIns="50800" tIns="50800" rIns="50800" bIns="50800" anchor="ctr">
-            <a:spAutoFit/>
-          </a:bodyPr>
-          <a:lstStyle>
-            <a:lvl1pPr>
-              <a:defRPr sz="2000"/>
-            </a:lvl1pPr>
-          </a:lstStyle>
-          <a:p>
-            <a:pPr/>
-            <a:r>
-              <a:t>RPR/</a:t>
-            </a:r>
-          </a:p>
-        </p:txBody>
-      </p:sp>
-      <p:sp>
-        <p:nvSpPr>
-          <p:cNvPr id="480" name="1"/>
-          <p:cNvSpPr/>
-          <p:nvPr/>
-        </p:nvSpPr>
-        <p:spPr>
-          <a:xfrm>
-            <a:off x="895381" y="4417459"/>
-            <a:ext cx="580049" cy="616813"/>
-          </a:xfrm>
-          <a:prstGeom prst="ellipse">
-            <a:avLst/>
-          </a:prstGeom>
-          <a:ln w="25400">
-            <a:solidFill>
-              <a:srgbClr val="000000"/>
-            </a:solidFill>
-          </a:ln>
-          <a:extLst>
-            <a:ext uri="{C572A759-6A51-4108-AA02-DFA0A04FC94B}">
-              <ma14:wrappingTextBoxFlag xmlns:ma14="http://schemas.microsoft.com/office/mac/drawingml/2011/main" val="1"/>
-            </a:ext>
-          </a:extLst>
-        </p:spPr>
-        <p:txBody>
-          <a:bodyPr lIns="50800" tIns="50800" rIns="50800" bIns="50800" anchor="ctr"/>
-          <a:lstStyle>
-            <a:lvl1pPr algn="ctr">
-              <a:defRPr sz="2600">
-                <a:latin typeface="Arial"/>
-                <a:ea typeface="Arial"/>
-                <a:cs typeface="Arial"/>
-                <a:sym typeface="Arial"/>
-              </a:defRPr>
-            </a:lvl1pPr>
-          </a:lstStyle>
-          <a:p>
-            <a:pPr/>
-            <a:r>
-              <a:t>1</a:t>
-            </a:r>
-          </a:p>
-        </p:txBody>
-      </p:sp>
-      <p:sp>
-        <p:nvSpPr>
-          <p:cNvPr id="481" name="2"/>
-          <p:cNvSpPr/>
-          <p:nvPr/>
-        </p:nvSpPr>
-        <p:spPr>
-          <a:xfrm>
-            <a:off x="2708670" y="3361823"/>
-            <a:ext cx="580049" cy="616814"/>
-          </a:xfrm>
-          <a:prstGeom prst="ellipse">
-            <a:avLst/>
-          </a:prstGeom>
-          <a:ln w="25400">
-            <a:solidFill>
-              <a:srgbClr val="000000"/>
-            </a:solidFill>
-          </a:ln>
-          <a:extLst>
-            <a:ext uri="{C572A759-6A51-4108-AA02-DFA0A04FC94B}">
-              <ma14:wrappingTextBoxFlag xmlns:ma14="http://schemas.microsoft.com/office/mac/drawingml/2011/main" val="1"/>
-            </a:ext>
-          </a:extLst>
-        </p:spPr>
-        <p:txBody>
-          <a:bodyPr lIns="50800" tIns="50800" rIns="50800" bIns="50800" anchor="ctr"/>
-          <a:lstStyle>
-            <a:lvl1pPr algn="ctr">
-              <a:defRPr sz="2600">
-                <a:latin typeface="Arial"/>
-                <a:ea typeface="Arial"/>
-                <a:cs typeface="Arial"/>
-                <a:sym typeface="Arial"/>
-              </a:defRPr>
-            </a:lvl1pPr>
-          </a:lstStyle>
-          <a:p>
-            <a:pPr/>
-            <a:r>
-              <a:t>2</a:t>
-            </a:r>
-          </a:p>
-        </p:txBody>
-      </p:sp>
-      <p:sp>
-        <p:nvSpPr>
-          <p:cNvPr id="482" name="3"/>
-          <p:cNvSpPr/>
-          <p:nvPr/>
-        </p:nvSpPr>
-        <p:spPr>
-          <a:xfrm>
-            <a:off x="2708670" y="5342626"/>
-            <a:ext cx="580049" cy="616813"/>
-          </a:xfrm>
-          <a:prstGeom prst="ellipse">
-            <a:avLst/>
-          </a:prstGeom>
-          <a:ln w="25400">
-            <a:solidFill>
-              <a:srgbClr val="000000"/>
-            </a:solidFill>
-          </a:ln>
-          <a:extLst>
-            <a:ext uri="{C572A759-6A51-4108-AA02-DFA0A04FC94B}">
-              <ma14:wrappingTextBoxFlag xmlns:ma14="http://schemas.microsoft.com/office/mac/drawingml/2011/main" val="1"/>
-            </a:ext>
-          </a:extLst>
-        </p:spPr>
-        <p:txBody>
-          <a:bodyPr lIns="50800" tIns="50800" rIns="50800" bIns="50800" anchor="ctr"/>
-          <a:lstStyle>
-            <a:lvl1pPr algn="ctr">
-              <a:defRPr sz="2600">
-                <a:latin typeface="Arial"/>
-                <a:ea typeface="Arial"/>
-                <a:cs typeface="Arial"/>
-                <a:sym typeface="Arial"/>
-              </a:defRPr>
-            </a:lvl1pPr>
-          </a:lstStyle>
-          <a:p>
-            <a:pPr/>
-            <a:r>
-              <a:t>3</a:t>
-            </a:r>
-          </a:p>
-        </p:txBody>
-      </p:sp>
-      <p:sp>
-        <p:nvSpPr>
-          <p:cNvPr id="483" name="4"/>
-          <p:cNvSpPr/>
-          <p:nvPr/>
-        </p:nvSpPr>
-        <p:spPr>
-          <a:xfrm>
-            <a:off x="4547618" y="2449271"/>
-            <a:ext cx="580049" cy="616813"/>
-          </a:xfrm>
-          <a:prstGeom prst="ellipse">
-            <a:avLst/>
-          </a:prstGeom>
-          <a:ln w="25400">
-            <a:solidFill>
-              <a:srgbClr val="000000"/>
-            </a:solidFill>
-          </a:ln>
-          <a:extLst>
-            <a:ext uri="{C572A759-6A51-4108-AA02-DFA0A04FC94B}">
-              <ma14:wrappingTextBoxFlag xmlns:ma14="http://schemas.microsoft.com/office/mac/drawingml/2011/main" val="1"/>
-            </a:ext>
-          </a:extLst>
-        </p:spPr>
-        <p:txBody>
-          <a:bodyPr lIns="50800" tIns="50800" rIns="50800" bIns="50800" anchor="ctr"/>
-          <a:lstStyle>
-            <a:lvl1pPr algn="ctr">
-              <a:defRPr sz="2600">
-                <a:latin typeface="Arial"/>
-                <a:ea typeface="Arial"/>
-                <a:cs typeface="Arial"/>
-                <a:sym typeface="Arial"/>
-              </a:defRPr>
-            </a:lvl1pPr>
-          </a:lstStyle>
-          <a:p>
-            <a:pPr/>
-            <a:r>
-              <a:t>4</a:t>
-            </a:r>
-          </a:p>
-        </p:txBody>
-      </p:sp>
-      <p:sp>
-        <p:nvSpPr>
-          <p:cNvPr id="484" name="5"/>
-          <p:cNvSpPr/>
-          <p:nvPr/>
-        </p:nvSpPr>
-        <p:spPr>
-          <a:xfrm>
-            <a:off x="4547618" y="4417459"/>
-            <a:ext cx="580049" cy="616813"/>
-          </a:xfrm>
-          <a:prstGeom prst="ellipse">
-            <a:avLst/>
-          </a:prstGeom>
-          <a:ln w="25400">
-            <a:solidFill>
-              <a:srgbClr val="000000"/>
-            </a:solidFill>
-          </a:ln>
-          <a:extLst>
-            <a:ext uri="{C572A759-6A51-4108-AA02-DFA0A04FC94B}">
-              <ma14:wrappingTextBoxFlag xmlns:ma14="http://schemas.microsoft.com/office/mac/drawingml/2011/main" val="1"/>
-            </a:ext>
-          </a:extLst>
-        </p:spPr>
-        <p:txBody>
-          <a:bodyPr lIns="50800" tIns="50800" rIns="50800" bIns="50800" anchor="ctr"/>
-          <a:lstStyle>
-            <a:lvl1pPr algn="ctr">
-              <a:defRPr sz="2600">
-                <a:latin typeface="Arial"/>
-                <a:ea typeface="Arial"/>
-                <a:cs typeface="Arial"/>
-                <a:sym typeface="Arial"/>
-              </a:defRPr>
-            </a:lvl1pPr>
-          </a:lstStyle>
-          <a:p>
-            <a:pPr/>
-            <a:r>
-              <a:t>5</a:t>
-            </a:r>
-          </a:p>
-        </p:txBody>
-      </p:sp>
-      <p:sp>
-        <p:nvSpPr>
-          <p:cNvPr id="485" name="6"/>
-          <p:cNvSpPr/>
-          <p:nvPr/>
-        </p:nvSpPr>
-        <p:spPr>
-          <a:xfrm>
-            <a:off x="4547618" y="6195876"/>
-            <a:ext cx="580049" cy="616813"/>
-          </a:xfrm>
-          <a:prstGeom prst="ellipse">
-            <a:avLst/>
-          </a:prstGeom>
-          <a:ln w="25400">
-            <a:solidFill>
-              <a:srgbClr val="000000"/>
-            </a:solidFill>
-          </a:ln>
-          <a:extLst>
-            <a:ext uri="{C572A759-6A51-4108-AA02-DFA0A04FC94B}">
-              <ma14:wrappingTextBoxFlag xmlns:ma14="http://schemas.microsoft.com/office/mac/drawingml/2011/main" val="1"/>
-            </a:ext>
-          </a:extLst>
-        </p:spPr>
-        <p:txBody>
-          <a:bodyPr lIns="50800" tIns="50800" rIns="50800" bIns="50800" anchor="ctr"/>
-          <a:lstStyle>
-            <a:lvl1pPr algn="ctr">
-              <a:defRPr sz="2600">
-                <a:latin typeface="Arial"/>
-                <a:ea typeface="Arial"/>
-                <a:cs typeface="Arial"/>
-                <a:sym typeface="Arial"/>
-              </a:defRPr>
-            </a:lvl1pPr>
-          </a:lstStyle>
-          <a:p>
-            <a:pPr/>
-            <a:r>
-              <a:t>6</a:t>
-            </a:r>
-          </a:p>
-        </p:txBody>
-      </p:sp>
-      <p:sp>
-        <p:nvSpPr>
-          <p:cNvPr id="486" name="7"/>
-          <p:cNvSpPr/>
-          <p:nvPr/>
-        </p:nvSpPr>
-        <p:spPr>
-          <a:xfrm>
-            <a:off x="6825719" y="3361823"/>
-            <a:ext cx="580049" cy="616814"/>
-          </a:xfrm>
-          <a:prstGeom prst="ellipse">
-            <a:avLst/>
-          </a:prstGeom>
-          <a:ln w="25400">
-            <a:solidFill>
-              <a:srgbClr val="000000"/>
-            </a:solidFill>
-          </a:ln>
-          <a:extLst>
-            <a:ext uri="{C572A759-6A51-4108-AA02-DFA0A04FC94B}">
-              <ma14:wrappingTextBoxFlag xmlns:ma14="http://schemas.microsoft.com/office/mac/drawingml/2011/main" val="1"/>
-            </a:ext>
-          </a:extLst>
-        </p:spPr>
-        <p:txBody>
-          <a:bodyPr lIns="50800" tIns="50800" rIns="50800" bIns="50800" anchor="ctr"/>
-          <a:lstStyle>
-            <a:lvl1pPr algn="ctr">
-              <a:defRPr sz="2600">
-                <a:latin typeface="Arial"/>
-                <a:ea typeface="Arial"/>
-                <a:cs typeface="Arial"/>
-                <a:sym typeface="Arial"/>
-              </a:defRPr>
-            </a:lvl1pPr>
-          </a:lstStyle>
-          <a:p>
-            <a:pPr/>
-            <a:r>
-              <a:t>7</a:t>
-            </a:r>
-          </a:p>
-        </p:txBody>
-      </p:sp>
-      <p:sp>
-        <p:nvSpPr>
-          <p:cNvPr id="487" name="8"/>
-          <p:cNvSpPr/>
-          <p:nvPr/>
-        </p:nvSpPr>
-        <p:spPr>
-          <a:xfrm>
-            <a:off x="6825719" y="5342626"/>
-            <a:ext cx="580049" cy="616813"/>
-          </a:xfrm>
-          <a:prstGeom prst="ellipse">
-            <a:avLst/>
-          </a:prstGeom>
-          <a:ln w="25400">
-            <a:solidFill>
-              <a:srgbClr val="000000"/>
-            </a:solidFill>
-          </a:ln>
-          <a:extLst>
-            <a:ext uri="{C572A759-6A51-4108-AA02-DFA0A04FC94B}">
-              <ma14:wrappingTextBoxFlag xmlns:ma14="http://schemas.microsoft.com/office/mac/drawingml/2011/main" val="1"/>
-            </a:ext>
-          </a:extLst>
-        </p:spPr>
-        <p:txBody>
-          <a:bodyPr lIns="50800" tIns="50800" rIns="50800" bIns="50800" anchor="ctr"/>
-          <a:lstStyle>
-            <a:lvl1pPr algn="ctr">
-              <a:defRPr sz="2600">
-                <a:latin typeface="Arial"/>
-                <a:ea typeface="Arial"/>
-                <a:cs typeface="Arial"/>
-                <a:sym typeface="Arial"/>
-              </a:defRPr>
-            </a:lvl1pPr>
-          </a:lstStyle>
-          <a:p>
-            <a:pPr/>
-            <a:r>
-              <a:t>8</a:t>
-            </a:r>
-          </a:p>
-        </p:txBody>
-      </p:sp>
-      <p:sp>
-        <p:nvSpPr>
-          <p:cNvPr id="488" name="9"/>
-          <p:cNvSpPr/>
-          <p:nvPr/>
-        </p:nvSpPr>
-        <p:spPr>
-          <a:xfrm>
-            <a:off x="8787880" y="4417459"/>
-            <a:ext cx="580049" cy="616813"/>
-          </a:xfrm>
-          <a:prstGeom prst="ellipse">
-            <a:avLst/>
-          </a:prstGeom>
-          <a:ln w="25400">
-            <a:solidFill>
-              <a:srgbClr val="000000"/>
-            </a:solidFill>
-          </a:ln>
-          <a:extLst>
-            <a:ext uri="{C572A759-6A51-4108-AA02-DFA0A04FC94B}">
-              <ma14:wrappingTextBoxFlag xmlns:ma14="http://schemas.microsoft.com/office/mac/drawingml/2011/main" val="1"/>
-            </a:ext>
-          </a:extLst>
-        </p:spPr>
-        <p:txBody>
-          <a:bodyPr lIns="50800" tIns="50800" rIns="50800" bIns="50800" anchor="ctr"/>
-          <a:lstStyle>
-            <a:lvl1pPr algn="ctr">
-              <a:defRPr sz="2600">
-                <a:latin typeface="Arial"/>
-                <a:ea typeface="Arial"/>
-                <a:cs typeface="Arial"/>
-                <a:sym typeface="Arial"/>
-              </a:defRPr>
-            </a:lvl1pPr>
-          </a:lstStyle>
-          <a:p>
-            <a:pPr/>
-            <a:r>
-              <a:t>9</a:t>
-            </a:r>
-          </a:p>
-        </p:txBody>
-      </p:sp>
-      <p:sp>
-        <p:nvSpPr>
-          <p:cNvPr id="489" name="Line"/>
-          <p:cNvSpPr/>
-          <p:nvPr/>
-        </p:nvSpPr>
-        <p:spPr>
-          <a:xfrm flipV="1">
-            <a:off x="1460749" y="3864262"/>
-            <a:ext cx="1271080" cy="780280"/>
-          </a:xfrm>
-          <a:prstGeom prst="line">
-            <a:avLst/>
-          </a:prstGeom>
-          <a:ln w="38100">
-            <a:solidFill>
-              <a:srgbClr val="000000"/>
-            </a:solidFill>
-            <a:tailEnd type="triangle"/>
-          </a:ln>
-        </p:spPr>
-        <p:txBody>
-          <a:bodyPr lIns="0" tIns="0" rIns="0" bIns="0"/>
-          <a:lstStyle/>
-          <a:p>
-            <a:pPr/>
-          </a:p>
-        </p:txBody>
-      </p:sp>
-      <p:sp>
-        <p:nvSpPr>
-          <p:cNvPr id="490" name="Line"/>
-          <p:cNvSpPr/>
-          <p:nvPr/>
-        </p:nvSpPr>
-        <p:spPr>
-          <a:xfrm flipV="1">
-            <a:off x="3267225" y="2809389"/>
-            <a:ext cx="1271081" cy="780280"/>
-          </a:xfrm>
-          <a:prstGeom prst="line">
-            <a:avLst/>
-          </a:prstGeom>
-          <a:ln w="38100">
-            <a:solidFill>
-              <a:srgbClr val="000000"/>
-            </a:solidFill>
-            <a:tailEnd type="triangle"/>
-          </a:ln>
-        </p:spPr>
-        <p:txBody>
-          <a:bodyPr lIns="0" tIns="0" rIns="0" bIns="0"/>
-          <a:lstStyle/>
-          <a:p>
-            <a:pPr/>
-          </a:p>
-        </p:txBody>
-      </p:sp>
-      <p:sp>
-        <p:nvSpPr>
-          <p:cNvPr id="491" name="Line"/>
-          <p:cNvSpPr/>
-          <p:nvPr/>
-        </p:nvSpPr>
-        <p:spPr>
-          <a:xfrm flipV="1">
-            <a:off x="3267225" y="4822686"/>
-            <a:ext cx="1271081" cy="780280"/>
-          </a:xfrm>
-          <a:prstGeom prst="line">
-            <a:avLst/>
-          </a:prstGeom>
-          <a:ln w="38100">
-            <a:solidFill>
-              <a:srgbClr val="000000"/>
-            </a:solidFill>
-            <a:tailEnd type="triangle"/>
-          </a:ln>
-        </p:spPr>
-        <p:txBody>
-          <a:bodyPr lIns="0" tIns="0" rIns="0" bIns="0"/>
-          <a:lstStyle/>
-          <a:p>
-            <a:pPr/>
-          </a:p>
-        </p:txBody>
-      </p:sp>
-      <p:sp>
-        <p:nvSpPr>
-          <p:cNvPr id="492" name="Line"/>
-          <p:cNvSpPr/>
-          <p:nvPr/>
-        </p:nvSpPr>
-        <p:spPr>
-          <a:xfrm flipV="1">
-            <a:off x="5140086" y="5839387"/>
-            <a:ext cx="1635803" cy="611632"/>
-          </a:xfrm>
-          <a:prstGeom prst="line">
-            <a:avLst/>
-          </a:prstGeom>
-          <a:ln w="38100">
-            <a:solidFill>
-              <a:srgbClr val="000000"/>
-            </a:solidFill>
-            <a:tailEnd type="triangle"/>
-          </a:ln>
-        </p:spPr>
-        <p:txBody>
-          <a:bodyPr lIns="0" tIns="0" rIns="0" bIns="0"/>
-          <a:lstStyle/>
-          <a:p>
-            <a:pPr/>
-          </a:p>
-        </p:txBody>
-      </p:sp>
-      <p:sp>
-        <p:nvSpPr>
-          <p:cNvPr id="493" name="Line"/>
-          <p:cNvSpPr/>
-          <p:nvPr/>
-        </p:nvSpPr>
-        <p:spPr>
-          <a:xfrm flipV="1">
-            <a:off x="7424345" y="4822686"/>
-            <a:ext cx="1271080" cy="780280"/>
-          </a:xfrm>
-          <a:prstGeom prst="line">
-            <a:avLst/>
-          </a:prstGeom>
-          <a:ln w="38100">
-            <a:solidFill>
-              <a:srgbClr val="000000"/>
-            </a:solidFill>
-            <a:tailEnd type="triangle"/>
-          </a:ln>
-        </p:spPr>
-        <p:txBody>
-          <a:bodyPr lIns="0" tIns="0" rIns="0" bIns="0"/>
-          <a:lstStyle/>
-          <a:p>
-            <a:pPr/>
-          </a:p>
-        </p:txBody>
-      </p:sp>
-      <p:sp>
-        <p:nvSpPr>
-          <p:cNvPr id="494" name="Line"/>
-          <p:cNvSpPr/>
-          <p:nvPr/>
-        </p:nvSpPr>
-        <p:spPr>
-          <a:xfrm flipV="1">
-            <a:off x="5140086" y="3871831"/>
-            <a:ext cx="1636845" cy="772711"/>
-          </a:xfrm>
-          <a:prstGeom prst="line">
-            <a:avLst/>
-          </a:prstGeom>
-          <a:ln w="38100">
-            <a:solidFill>
-              <a:srgbClr val="000000"/>
-            </a:solidFill>
-            <a:tailEnd type="triangle"/>
-          </a:ln>
-        </p:spPr>
-        <p:txBody>
-          <a:bodyPr lIns="0" tIns="0" rIns="0" bIns="0"/>
-          <a:lstStyle/>
-          <a:p>
-            <a:pPr/>
-          </a:p>
-        </p:txBody>
-      </p:sp>
-      <p:sp>
-        <p:nvSpPr>
-          <p:cNvPr id="495" name="Line"/>
-          <p:cNvSpPr/>
-          <p:nvPr/>
-        </p:nvSpPr>
-        <p:spPr>
-          <a:xfrm>
-            <a:off x="1460749" y="4871312"/>
-            <a:ext cx="1271828" cy="715014"/>
-          </a:xfrm>
-          <a:prstGeom prst="line">
-            <a:avLst/>
-          </a:prstGeom>
-          <a:ln w="38100">
-            <a:solidFill>
-              <a:srgbClr val="000000"/>
-            </a:solidFill>
-            <a:tailEnd type="triangle"/>
-          </a:ln>
-        </p:spPr>
-        <p:txBody>
-          <a:bodyPr lIns="0" tIns="0" rIns="0" bIns="0"/>
-          <a:lstStyle/>
-          <a:p>
-            <a:pPr/>
-          </a:p>
-        </p:txBody>
-      </p:sp>
-      <p:sp>
-        <p:nvSpPr>
-          <p:cNvPr id="496" name="Line"/>
-          <p:cNvSpPr/>
-          <p:nvPr/>
-        </p:nvSpPr>
-        <p:spPr>
-          <a:xfrm>
-            <a:off x="3134197" y="3913315"/>
-            <a:ext cx="1543351" cy="2393346"/>
-          </a:xfrm>
-          <a:prstGeom prst="line">
-            <a:avLst/>
-          </a:prstGeom>
-          <a:ln w="38100">
-            <a:solidFill>
-              <a:srgbClr val="000000"/>
-            </a:solidFill>
-            <a:tailEnd type="triangle"/>
-          </a:ln>
-        </p:spPr>
-        <p:txBody>
-          <a:bodyPr lIns="0" tIns="0" rIns="0" bIns="0"/>
-          <a:lstStyle/>
-          <a:p>
-            <a:pPr/>
-          </a:p>
-        </p:txBody>
-      </p:sp>
-      <p:sp>
-        <p:nvSpPr>
-          <p:cNvPr id="497" name="Line"/>
-          <p:cNvSpPr/>
-          <p:nvPr/>
-        </p:nvSpPr>
-        <p:spPr>
-          <a:xfrm flipV="1">
-            <a:off x="3128170" y="3146242"/>
-            <a:ext cx="1554979" cy="2221845"/>
-          </a:xfrm>
-          <a:prstGeom prst="line">
-            <a:avLst/>
-          </a:prstGeom>
-          <a:ln w="38100">
-            <a:solidFill>
-              <a:srgbClr val="000000"/>
-            </a:solidFill>
-            <a:tailEnd type="triangle"/>
-          </a:ln>
-        </p:spPr>
-        <p:txBody>
-          <a:bodyPr lIns="0" tIns="0" rIns="0" bIns="0"/>
-          <a:lstStyle/>
-          <a:p>
-            <a:pPr/>
-          </a:p>
-        </p:txBody>
-      </p:sp>
-      <p:sp>
-        <p:nvSpPr>
-          <p:cNvPr id="498" name="Line"/>
-          <p:cNvSpPr/>
-          <p:nvPr/>
-        </p:nvSpPr>
-        <p:spPr>
-          <a:xfrm>
-            <a:off x="3263091" y="5795020"/>
-            <a:ext cx="1271828" cy="715014"/>
-          </a:xfrm>
-          <a:prstGeom prst="line">
-            <a:avLst/>
-          </a:prstGeom>
-          <a:ln w="38100">
-            <a:solidFill>
-              <a:srgbClr val="000000"/>
-            </a:solidFill>
-            <a:tailEnd type="triangle"/>
-          </a:ln>
-        </p:spPr>
-        <p:txBody>
-          <a:bodyPr lIns="0" tIns="0" rIns="0" bIns="0"/>
-          <a:lstStyle/>
-          <a:p>
-            <a:pPr/>
-          </a:p>
-        </p:txBody>
-      </p:sp>
-      <p:sp>
-        <p:nvSpPr>
-          <p:cNvPr id="499" name="Line"/>
-          <p:cNvSpPr/>
-          <p:nvPr/>
-        </p:nvSpPr>
-        <p:spPr>
-          <a:xfrm>
-            <a:off x="5139397" y="2825995"/>
-            <a:ext cx="1638861" cy="778590"/>
-          </a:xfrm>
-          <a:prstGeom prst="line">
-            <a:avLst/>
-          </a:prstGeom>
-          <a:ln w="38100">
-            <a:solidFill>
-              <a:srgbClr val="000000"/>
-            </a:solidFill>
-            <a:tailEnd type="triangle"/>
-          </a:ln>
-        </p:spPr>
-        <p:txBody>
-          <a:bodyPr lIns="0" tIns="0" rIns="0" bIns="0"/>
-          <a:lstStyle/>
-          <a:p>
-            <a:pPr/>
-          </a:p>
-        </p:txBody>
-      </p:sp>
-      <p:sp>
-        <p:nvSpPr>
-          <p:cNvPr id="500" name="Line"/>
-          <p:cNvSpPr/>
-          <p:nvPr/>
-        </p:nvSpPr>
-        <p:spPr>
-          <a:xfrm>
-            <a:off x="5081652" y="2986251"/>
-            <a:ext cx="1761465" cy="2392759"/>
-          </a:xfrm>
-          <a:prstGeom prst="line">
-            <a:avLst/>
-          </a:prstGeom>
-          <a:ln w="38100">
-            <a:solidFill>
-              <a:srgbClr val="000000"/>
-            </a:solidFill>
-            <a:tailEnd type="triangle"/>
-          </a:ln>
-        </p:spPr>
-        <p:txBody>
-          <a:bodyPr lIns="0" tIns="0" rIns="0" bIns="0"/>
-          <a:lstStyle/>
-          <a:p>
-            <a:pPr/>
-          </a:p>
-        </p:txBody>
-      </p:sp>
-      <p:sp>
-        <p:nvSpPr>
-          <p:cNvPr id="501" name="Line"/>
-          <p:cNvSpPr/>
-          <p:nvPr/>
-        </p:nvSpPr>
-        <p:spPr>
-          <a:xfrm>
-            <a:off x="5066555" y="4937614"/>
-            <a:ext cx="1783577" cy="611393"/>
-          </a:xfrm>
-          <a:prstGeom prst="line">
-            <a:avLst/>
-          </a:prstGeom>
-          <a:ln w="38100">
-            <a:solidFill>
-              <a:srgbClr val="000000"/>
-            </a:solidFill>
-            <a:tailEnd type="triangle"/>
-          </a:ln>
-        </p:spPr>
-        <p:txBody>
-          <a:bodyPr lIns="0" tIns="0" rIns="0" bIns="0"/>
-          <a:lstStyle/>
-          <a:p>
-            <a:pPr/>
-          </a:p>
-        </p:txBody>
-      </p:sp>
-      <p:sp>
-        <p:nvSpPr>
-          <p:cNvPr id="502" name="Line"/>
-          <p:cNvSpPr/>
-          <p:nvPr/>
-        </p:nvSpPr>
-        <p:spPr>
-          <a:xfrm flipV="1">
-            <a:off x="5089085" y="4077556"/>
-            <a:ext cx="1928466" cy="2274670"/>
-          </a:xfrm>
-          <a:prstGeom prst="line">
-            <a:avLst/>
-          </a:prstGeom>
-          <a:ln w="38100">
-            <a:solidFill>
-              <a:srgbClr val="000000"/>
-            </a:solidFill>
-            <a:tailEnd type="triangle"/>
-          </a:ln>
-        </p:spPr>
-        <p:txBody>
-          <a:bodyPr lIns="0" tIns="0" rIns="0" bIns="0"/>
-          <a:lstStyle/>
-          <a:p>
-            <a:pPr/>
-          </a:p>
-        </p:txBody>
-      </p:sp>
-      <p:sp>
-        <p:nvSpPr>
-          <p:cNvPr id="503" name="Line"/>
-          <p:cNvSpPr/>
-          <p:nvPr/>
-        </p:nvSpPr>
-        <p:spPr>
-          <a:xfrm>
-            <a:off x="7380458" y="3827779"/>
-            <a:ext cx="1358172" cy="715043"/>
-          </a:xfrm>
-          <a:prstGeom prst="line">
-            <a:avLst/>
-          </a:prstGeom>
-          <a:ln w="38100">
-            <a:solidFill>
-              <a:srgbClr val="000000"/>
-            </a:solidFill>
-            <a:tailEnd type="triangle"/>
-          </a:ln>
-        </p:spPr>
-        <p:txBody>
-          <a:bodyPr lIns="0" tIns="0" rIns="0" bIns="0"/>
-          <a:lstStyle/>
-          <a:p>
-            <a:pPr/>
-          </a:p>
-        </p:txBody>
-      </p:sp>
-      <p:sp>
-        <p:nvSpPr>
-          <p:cNvPr id="504" name="source"/>
-          <p:cNvSpPr txBox="1"/>
-          <p:nvPr/>
-        </p:nvSpPr>
-        <p:spPr>
-          <a:xfrm>
-            <a:off x="273795" y="4995793"/>
-            <a:ext cx="1069788" cy="447230"/>
-          </a:xfrm>
-          <a:prstGeom prst="rect">
-            <a:avLst/>
-          </a:prstGeom>
-          <a:ln w="12700">
-            <a:miter lim="400000"/>
-          </a:ln>
-          <a:extLst>
-            <a:ext uri="{C572A759-6A51-4108-AA02-DFA0A04FC94B}">
-              <ma14:wrappingTextBoxFlag xmlns:ma14="http://schemas.microsoft.com/office/mac/drawingml/2011/main" val="1"/>
-            </a:ext>
-          </a:extLst>
-        </p:spPr>
-        <p:txBody>
-          <a:bodyPr wrap="none" lIns="50800" tIns="50800" rIns="50800" bIns="50800" anchor="ctr">
-            <a:spAutoFit/>
-          </a:bodyPr>
-          <a:lstStyle>
-            <a:lvl1pPr>
-              <a:defRPr sz="2400">
-                <a:latin typeface="Arial"/>
-                <a:ea typeface="Arial"/>
-                <a:cs typeface="Arial"/>
-                <a:sym typeface="Arial"/>
-              </a:defRPr>
-            </a:lvl1pPr>
-          </a:lstStyle>
-          <a:p>
-            <a:pPr/>
-            <a:r>
-              <a:t>source</a:t>
-            </a:r>
-          </a:p>
-        </p:txBody>
-      </p:sp>
-      <p:sp>
-        <p:nvSpPr>
-          <p:cNvPr id="505" name="5"/>
-          <p:cNvSpPr txBox="1"/>
-          <p:nvPr/>
-        </p:nvSpPr>
-        <p:spPr>
-          <a:xfrm>
-            <a:off x="1674524" y="3953369"/>
-            <a:ext cx="324456" cy="447229"/>
-          </a:xfrm>
-          <a:prstGeom prst="rect">
-            <a:avLst/>
-          </a:prstGeom>
-          <a:ln w="12700">
-            <a:miter lim="400000"/>
-          </a:ln>
-          <a:extLst>
-            <a:ext uri="{C572A759-6A51-4108-AA02-DFA0A04FC94B}">
-              <ma14:wrappingTextBoxFlag xmlns:ma14="http://schemas.microsoft.com/office/mac/drawingml/2011/main" val="1"/>
-            </a:ext>
-          </a:extLst>
-        </p:spPr>
-        <p:txBody>
-          <a:bodyPr wrap="none" lIns="50800" tIns="50800" rIns="50800" bIns="50800" anchor="ctr">
-            <a:spAutoFit/>
-          </a:bodyPr>
-          <a:lstStyle>
-            <a:lvl1pPr>
-              <a:defRPr sz="2400">
-                <a:latin typeface="Arial"/>
-                <a:ea typeface="Arial"/>
-                <a:cs typeface="Arial"/>
-                <a:sym typeface="Arial"/>
-              </a:defRPr>
-            </a:lvl1pPr>
-          </a:lstStyle>
-          <a:p>
-            <a:pPr/>
-            <a:r>
-              <a:t>5</a:t>
-            </a:r>
-          </a:p>
-        </p:txBody>
-      </p:sp>
-      <p:sp>
-        <p:nvSpPr>
-          <p:cNvPr id="506" name="2"/>
-          <p:cNvSpPr txBox="1"/>
-          <p:nvPr/>
-        </p:nvSpPr>
-        <p:spPr>
-          <a:xfrm>
-            <a:off x="1674524" y="5086650"/>
-            <a:ext cx="324456" cy="447230"/>
-          </a:xfrm>
-          <a:prstGeom prst="rect">
-            <a:avLst/>
-          </a:prstGeom>
-          <a:ln w="12700">
-            <a:miter lim="400000"/>
-          </a:ln>
-          <a:extLst>
-            <a:ext uri="{C572A759-6A51-4108-AA02-DFA0A04FC94B}">
-              <ma14:wrappingTextBoxFlag xmlns:ma14="http://schemas.microsoft.com/office/mac/drawingml/2011/main" val="1"/>
-            </a:ext>
-          </a:extLst>
-        </p:spPr>
-        <p:txBody>
-          <a:bodyPr wrap="none" lIns="50800" tIns="50800" rIns="50800" bIns="50800" anchor="ctr">
-            <a:spAutoFit/>
-          </a:bodyPr>
-          <a:lstStyle>
-            <a:lvl1pPr>
-              <a:defRPr sz="2400">
-                <a:latin typeface="Arial"/>
-                <a:ea typeface="Arial"/>
-                <a:cs typeface="Arial"/>
-                <a:sym typeface="Arial"/>
-              </a:defRPr>
-            </a:lvl1pPr>
-          </a:lstStyle>
-          <a:p>
-            <a:pPr/>
-            <a:r>
-              <a:t>2</a:t>
-            </a:r>
-          </a:p>
-        </p:txBody>
-      </p:sp>
-      <p:sp>
-        <p:nvSpPr>
-          <p:cNvPr id="507" name="3"/>
-          <p:cNvSpPr txBox="1"/>
-          <p:nvPr/>
-        </p:nvSpPr>
-        <p:spPr>
-          <a:xfrm>
-            <a:off x="3464086" y="2814701"/>
-            <a:ext cx="324457" cy="447229"/>
-          </a:xfrm>
-          <a:prstGeom prst="rect">
-            <a:avLst/>
-          </a:prstGeom>
-          <a:ln w="12700">
-            <a:miter lim="400000"/>
-          </a:ln>
-          <a:extLst>
-            <a:ext uri="{C572A759-6A51-4108-AA02-DFA0A04FC94B}">
-              <ma14:wrappingTextBoxFlag xmlns:ma14="http://schemas.microsoft.com/office/mac/drawingml/2011/main" val="1"/>
-            </a:ext>
-          </a:extLst>
-        </p:spPr>
-        <p:txBody>
-          <a:bodyPr wrap="none" lIns="50800" tIns="50800" rIns="50800" bIns="50800" anchor="ctr">
-            <a:spAutoFit/>
-          </a:bodyPr>
-          <a:lstStyle>
-            <a:lvl1pPr>
-              <a:defRPr sz="2400">
-                <a:latin typeface="Arial"/>
-                <a:ea typeface="Arial"/>
-                <a:cs typeface="Arial"/>
-                <a:sym typeface="Arial"/>
-              </a:defRPr>
-            </a:lvl1pPr>
-          </a:lstStyle>
-          <a:p>
-            <a:pPr/>
-            <a:r>
-              <a:t>3</a:t>
-            </a:r>
-          </a:p>
-        </p:txBody>
-      </p:sp>
-      <p:sp>
-        <p:nvSpPr>
-          <p:cNvPr id="508" name="3"/>
-          <p:cNvSpPr txBox="1"/>
-          <p:nvPr/>
-        </p:nvSpPr>
-        <p:spPr>
-          <a:xfrm>
-            <a:off x="3281517" y="3818693"/>
-            <a:ext cx="324456" cy="447230"/>
-          </a:xfrm>
-          <a:prstGeom prst="rect">
-            <a:avLst/>
-          </a:prstGeom>
-          <a:ln w="12700">
-            <a:miter lim="400000"/>
-          </a:ln>
-          <a:extLst>
-            <a:ext uri="{C572A759-6A51-4108-AA02-DFA0A04FC94B}">
-              <ma14:wrappingTextBoxFlag xmlns:ma14="http://schemas.microsoft.com/office/mac/drawingml/2011/main" val="1"/>
-            </a:ext>
-          </a:extLst>
-        </p:spPr>
-        <p:txBody>
-          <a:bodyPr wrap="none" lIns="50800" tIns="50800" rIns="50800" bIns="50800" anchor="ctr">
-            <a:spAutoFit/>
-          </a:bodyPr>
-          <a:lstStyle>
-            <a:lvl1pPr>
-              <a:defRPr sz="2400">
-                <a:latin typeface="Arial"/>
-                <a:ea typeface="Arial"/>
-                <a:cs typeface="Arial"/>
-                <a:sym typeface="Arial"/>
-              </a:defRPr>
-            </a:lvl1pPr>
-          </a:lstStyle>
-          <a:p>
-            <a:pPr/>
-            <a:r>
-              <a:t>3</a:t>
-            </a:r>
-          </a:p>
-        </p:txBody>
-      </p:sp>
-      <p:sp>
-        <p:nvSpPr>
-          <p:cNvPr id="509" name="6"/>
-          <p:cNvSpPr txBox="1"/>
-          <p:nvPr/>
-        </p:nvSpPr>
-        <p:spPr>
-          <a:xfrm>
-            <a:off x="2974771" y="4822686"/>
-            <a:ext cx="324456" cy="447229"/>
-          </a:xfrm>
-          <a:prstGeom prst="rect">
-            <a:avLst/>
-          </a:prstGeom>
-          <a:ln w="12700">
-            <a:miter lim="400000"/>
-          </a:ln>
-          <a:extLst>
-            <a:ext uri="{C572A759-6A51-4108-AA02-DFA0A04FC94B}">
-              <ma14:wrappingTextBoxFlag xmlns:ma14="http://schemas.microsoft.com/office/mac/drawingml/2011/main" val="1"/>
-            </a:ext>
-          </a:extLst>
-        </p:spPr>
-        <p:txBody>
-          <a:bodyPr wrap="none" lIns="50800" tIns="50800" rIns="50800" bIns="50800" anchor="ctr">
-            <a:spAutoFit/>
-          </a:bodyPr>
-          <a:lstStyle>
-            <a:lvl1pPr>
-              <a:defRPr sz="2400">
-                <a:latin typeface="Arial"/>
-                <a:ea typeface="Arial"/>
-                <a:cs typeface="Arial"/>
-                <a:sym typeface="Arial"/>
-              </a:defRPr>
-            </a:lvl1pPr>
-          </a:lstStyle>
-          <a:p>
-            <a:pPr/>
-            <a:r>
-              <a:t>6</a:t>
-            </a:r>
-          </a:p>
-        </p:txBody>
-      </p:sp>
-      <p:sp>
-        <p:nvSpPr>
-          <p:cNvPr id="510" name="5"/>
-          <p:cNvSpPr txBox="1"/>
-          <p:nvPr/>
-        </p:nvSpPr>
-        <p:spPr>
-          <a:xfrm>
-            <a:off x="3370417" y="4997329"/>
-            <a:ext cx="324456" cy="447229"/>
-          </a:xfrm>
-          <a:prstGeom prst="rect">
-            <a:avLst/>
-          </a:prstGeom>
-          <a:ln w="12700">
-            <a:miter lim="400000"/>
-          </a:ln>
-          <a:extLst>
-            <a:ext uri="{C572A759-6A51-4108-AA02-DFA0A04FC94B}">
-              <ma14:wrappingTextBoxFlag xmlns:ma14="http://schemas.microsoft.com/office/mac/drawingml/2011/main" val="1"/>
-            </a:ext>
-          </a:extLst>
-        </p:spPr>
-        <p:txBody>
-          <a:bodyPr wrap="none" lIns="50800" tIns="50800" rIns="50800" bIns="50800" anchor="ctr">
-            <a:spAutoFit/>
-          </a:bodyPr>
-          <a:lstStyle>
-            <a:lvl1pPr>
-              <a:defRPr sz="2400">
-                <a:latin typeface="Arial"/>
-                <a:ea typeface="Arial"/>
-                <a:cs typeface="Arial"/>
-                <a:sym typeface="Arial"/>
-              </a:defRPr>
-            </a:lvl1pPr>
-          </a:lstStyle>
-          <a:p>
-            <a:pPr/>
-            <a:r>
-              <a:t>5</a:t>
-            </a:r>
-          </a:p>
-        </p:txBody>
-      </p:sp>
-      <p:sp>
-        <p:nvSpPr>
-          <p:cNvPr id="511" name="8"/>
-          <p:cNvSpPr txBox="1"/>
-          <p:nvPr/>
-        </p:nvSpPr>
-        <p:spPr>
-          <a:xfrm>
-            <a:off x="3281517" y="5890143"/>
-            <a:ext cx="324456" cy="447230"/>
-          </a:xfrm>
-          <a:prstGeom prst="rect">
-            <a:avLst/>
-          </a:prstGeom>
-          <a:ln w="12700">
-            <a:miter lim="400000"/>
-          </a:ln>
-          <a:extLst>
-            <a:ext uri="{C572A759-6A51-4108-AA02-DFA0A04FC94B}">
-              <ma14:wrappingTextBoxFlag xmlns:ma14="http://schemas.microsoft.com/office/mac/drawingml/2011/main" val="1"/>
-            </a:ext>
-          </a:extLst>
-        </p:spPr>
-        <p:txBody>
-          <a:bodyPr wrap="none" lIns="50800" tIns="50800" rIns="50800" bIns="50800" anchor="ctr">
-            <a:spAutoFit/>
-          </a:bodyPr>
-          <a:lstStyle>
-            <a:lvl1pPr>
-              <a:defRPr sz="2400">
-                <a:latin typeface="Arial"/>
-                <a:ea typeface="Arial"/>
-                <a:cs typeface="Arial"/>
-                <a:sym typeface="Arial"/>
-              </a:defRPr>
-            </a:lvl1pPr>
-          </a:lstStyle>
-          <a:p>
-            <a:pPr/>
-            <a:r>
-              <a:t>8</a:t>
-            </a:r>
-          </a:p>
-        </p:txBody>
-      </p:sp>
-      <p:sp>
-        <p:nvSpPr>
-          <p:cNvPr id="512" name="1"/>
-          <p:cNvSpPr txBox="1"/>
-          <p:nvPr/>
-        </p:nvSpPr>
-        <p:spPr>
-          <a:xfrm>
-            <a:off x="5366046" y="2534063"/>
-            <a:ext cx="324456" cy="447229"/>
-          </a:xfrm>
-          <a:prstGeom prst="rect">
-            <a:avLst/>
-          </a:prstGeom>
-          <a:ln w="12700">
-            <a:miter lim="400000"/>
-          </a:ln>
-          <a:extLst>
-            <a:ext uri="{C572A759-6A51-4108-AA02-DFA0A04FC94B}">
-              <ma14:wrappingTextBoxFlag xmlns:ma14="http://schemas.microsoft.com/office/mac/drawingml/2011/main" val="1"/>
-            </a:ext>
-          </a:extLst>
-        </p:spPr>
-        <p:txBody>
-          <a:bodyPr wrap="none" lIns="50800" tIns="50800" rIns="50800" bIns="50800" anchor="ctr">
-            <a:spAutoFit/>
-          </a:bodyPr>
-          <a:lstStyle>
-            <a:lvl1pPr>
-              <a:defRPr sz="2400">
-                <a:latin typeface="Arial"/>
-                <a:ea typeface="Arial"/>
-                <a:cs typeface="Arial"/>
-                <a:sym typeface="Arial"/>
-              </a:defRPr>
-            </a:lvl1pPr>
-          </a:lstStyle>
-          <a:p>
-            <a:pPr/>
-            <a:r>
-              <a:t>1</a:t>
-            </a:r>
-          </a:p>
-        </p:txBody>
-      </p:sp>
-      <p:sp>
-        <p:nvSpPr>
-          <p:cNvPr id="513" name="4"/>
-          <p:cNvSpPr txBox="1"/>
-          <p:nvPr/>
-        </p:nvSpPr>
-        <p:spPr>
-          <a:xfrm>
-            <a:off x="5513435" y="3241449"/>
-            <a:ext cx="324456" cy="447229"/>
-          </a:xfrm>
-          <a:prstGeom prst="rect">
-            <a:avLst/>
-          </a:prstGeom>
-          <a:ln w="12700">
-            <a:miter lim="400000"/>
-          </a:ln>
-          <a:extLst>
-            <a:ext uri="{C572A759-6A51-4108-AA02-DFA0A04FC94B}">
-              <ma14:wrappingTextBoxFlag xmlns:ma14="http://schemas.microsoft.com/office/mac/drawingml/2011/main" val="1"/>
-            </a:ext>
-          </a:extLst>
-        </p:spPr>
-        <p:txBody>
-          <a:bodyPr wrap="none" lIns="50800" tIns="50800" rIns="50800" bIns="50800" anchor="ctr">
-            <a:spAutoFit/>
-          </a:bodyPr>
-          <a:lstStyle>
-            <a:lvl1pPr>
-              <a:defRPr sz="2400">
-                <a:latin typeface="Arial"/>
-                <a:ea typeface="Arial"/>
-                <a:cs typeface="Arial"/>
-                <a:sym typeface="Arial"/>
-              </a:defRPr>
-            </a:lvl1pPr>
-          </a:lstStyle>
-          <a:p>
-            <a:pPr/>
-            <a:r>
-              <a:t>4</a:t>
-            </a:r>
-          </a:p>
-        </p:txBody>
-      </p:sp>
-      <p:sp>
-        <p:nvSpPr>
-          <p:cNvPr id="514" name="6"/>
-          <p:cNvSpPr txBox="1"/>
-          <p:nvPr/>
-        </p:nvSpPr>
-        <p:spPr>
-          <a:xfrm>
-            <a:off x="5162377" y="4175302"/>
-            <a:ext cx="324456" cy="447230"/>
-          </a:xfrm>
-          <a:prstGeom prst="rect">
-            <a:avLst/>
-          </a:prstGeom>
-          <a:ln w="12700">
-            <a:miter lim="400000"/>
-          </a:ln>
-          <a:extLst>
-            <a:ext uri="{C572A759-6A51-4108-AA02-DFA0A04FC94B}">
-              <ma14:wrappingTextBoxFlag xmlns:ma14="http://schemas.microsoft.com/office/mac/drawingml/2011/main" val="1"/>
-            </a:ext>
-          </a:extLst>
-        </p:spPr>
-        <p:txBody>
-          <a:bodyPr wrap="none" lIns="50800" tIns="50800" rIns="50800" bIns="50800" anchor="ctr">
-            <a:spAutoFit/>
-          </a:bodyPr>
-          <a:lstStyle>
-            <a:lvl1pPr>
-              <a:defRPr sz="2400">
-                <a:latin typeface="Arial"/>
-                <a:ea typeface="Arial"/>
-                <a:cs typeface="Arial"/>
-                <a:sym typeface="Arial"/>
-              </a:defRPr>
-            </a:lvl1pPr>
-          </a:lstStyle>
-          <a:p>
-            <a:pPr/>
-            <a:r>
-              <a:t>6</a:t>
-            </a:r>
-          </a:p>
-        </p:txBody>
-      </p:sp>
-      <p:sp>
-        <p:nvSpPr>
-          <p:cNvPr id="515" name="2"/>
-          <p:cNvSpPr txBox="1"/>
-          <p:nvPr/>
-        </p:nvSpPr>
-        <p:spPr>
-          <a:xfrm>
-            <a:off x="5258075" y="4634894"/>
-            <a:ext cx="324456" cy="447229"/>
-          </a:xfrm>
-          <a:prstGeom prst="rect">
-            <a:avLst/>
-          </a:prstGeom>
-          <a:ln w="12700">
-            <a:miter lim="400000"/>
-          </a:ln>
-          <a:extLst>
-            <a:ext uri="{C572A759-6A51-4108-AA02-DFA0A04FC94B}">
-              <ma14:wrappingTextBoxFlag xmlns:ma14="http://schemas.microsoft.com/office/mac/drawingml/2011/main" val="1"/>
-            </a:ext>
-          </a:extLst>
-        </p:spPr>
-        <p:txBody>
-          <a:bodyPr wrap="none" lIns="50800" tIns="50800" rIns="50800" bIns="50800" anchor="ctr">
-            <a:spAutoFit/>
-          </a:bodyPr>
-          <a:lstStyle>
-            <a:lvl1pPr>
-              <a:defRPr sz="2400">
-                <a:latin typeface="Arial"/>
-                <a:ea typeface="Arial"/>
-                <a:cs typeface="Arial"/>
-                <a:sym typeface="Arial"/>
-              </a:defRPr>
-            </a:lvl1pPr>
-          </a:lstStyle>
-          <a:p>
-            <a:pPr/>
-            <a:r>
-              <a:t>2</a:t>
-            </a:r>
-          </a:p>
-        </p:txBody>
-      </p:sp>
-      <p:sp>
-        <p:nvSpPr>
-          <p:cNvPr id="516" name="6"/>
-          <p:cNvSpPr txBox="1"/>
-          <p:nvPr/>
-        </p:nvSpPr>
-        <p:spPr>
-          <a:xfrm>
-            <a:off x="5127836" y="5654942"/>
-            <a:ext cx="324456" cy="447230"/>
-          </a:xfrm>
-          <a:prstGeom prst="rect">
-            <a:avLst/>
-          </a:prstGeom>
-          <a:ln w="12700">
-            <a:miter lim="400000"/>
-          </a:ln>
-          <a:extLst>
-            <a:ext uri="{C572A759-6A51-4108-AA02-DFA0A04FC94B}">
-              <ma14:wrappingTextBoxFlag xmlns:ma14="http://schemas.microsoft.com/office/mac/drawingml/2011/main" val="1"/>
-            </a:ext>
-          </a:extLst>
-        </p:spPr>
-        <p:txBody>
-          <a:bodyPr wrap="none" lIns="50800" tIns="50800" rIns="50800" bIns="50800" anchor="ctr">
-            <a:spAutoFit/>
-          </a:bodyPr>
-          <a:lstStyle>
-            <a:lvl1pPr>
-              <a:defRPr sz="2400">
-                <a:latin typeface="Arial"/>
-                <a:ea typeface="Arial"/>
-                <a:cs typeface="Arial"/>
-                <a:sym typeface="Arial"/>
-              </a:defRPr>
-            </a:lvl1pPr>
-          </a:lstStyle>
-          <a:p>
-            <a:pPr/>
-            <a:r>
-              <a:t>6</a:t>
-            </a:r>
-          </a:p>
-        </p:txBody>
-      </p:sp>
-      <p:sp>
-        <p:nvSpPr>
-          <p:cNvPr id="517" name="2"/>
-          <p:cNvSpPr txBox="1"/>
-          <p:nvPr/>
-        </p:nvSpPr>
-        <p:spPr>
-          <a:xfrm>
-            <a:off x="5583056" y="5824594"/>
-            <a:ext cx="324456" cy="447230"/>
-          </a:xfrm>
-          <a:prstGeom prst="rect">
-            <a:avLst/>
-          </a:prstGeom>
-          <a:ln w="12700">
-            <a:miter lim="400000"/>
-          </a:ln>
-          <a:extLst>
-            <a:ext uri="{C572A759-6A51-4108-AA02-DFA0A04FC94B}">
-              <ma14:wrappingTextBoxFlag xmlns:ma14="http://schemas.microsoft.com/office/mac/drawingml/2011/main" val="1"/>
-            </a:ext>
-          </a:extLst>
-        </p:spPr>
-        <p:txBody>
-          <a:bodyPr wrap="none" lIns="50800" tIns="50800" rIns="50800" bIns="50800" anchor="ctr">
-            <a:spAutoFit/>
-          </a:bodyPr>
-          <a:lstStyle>
-            <a:lvl1pPr>
-              <a:defRPr sz="2400">
-                <a:latin typeface="Arial"/>
-                <a:ea typeface="Arial"/>
-                <a:cs typeface="Arial"/>
-                <a:sym typeface="Arial"/>
-              </a:defRPr>
-            </a:lvl1pPr>
-          </a:lstStyle>
-          <a:p>
-            <a:pPr/>
-            <a:r>
-              <a:t>2</a:t>
-            </a:r>
-          </a:p>
-        </p:txBody>
-      </p:sp>
-      <p:sp>
-        <p:nvSpPr>
-          <p:cNvPr id="518" name="7"/>
-          <p:cNvSpPr txBox="1"/>
-          <p:nvPr/>
-        </p:nvSpPr>
-        <p:spPr>
-          <a:xfrm>
-            <a:off x="7692530" y="3647786"/>
-            <a:ext cx="324456" cy="447229"/>
-          </a:xfrm>
-          <a:prstGeom prst="rect">
-            <a:avLst/>
-          </a:prstGeom>
-          <a:ln w="12700">
-            <a:miter lim="400000"/>
-          </a:ln>
-          <a:extLst>
-            <a:ext uri="{C572A759-6A51-4108-AA02-DFA0A04FC94B}">
-              <ma14:wrappingTextBoxFlag xmlns:ma14="http://schemas.microsoft.com/office/mac/drawingml/2011/main" val="1"/>
-            </a:ext>
-          </a:extLst>
-        </p:spPr>
-        <p:txBody>
-          <a:bodyPr wrap="none" lIns="50800" tIns="50800" rIns="50800" bIns="50800" anchor="ctr">
-            <a:spAutoFit/>
-          </a:bodyPr>
-          <a:lstStyle>
-            <a:lvl1pPr>
-              <a:defRPr sz="2400">
-                <a:latin typeface="Arial"/>
-                <a:ea typeface="Arial"/>
-                <a:cs typeface="Arial"/>
-                <a:sym typeface="Arial"/>
-              </a:defRPr>
-            </a:lvl1pPr>
-          </a:lstStyle>
-          <a:p>
-            <a:pPr/>
-            <a:r>
-              <a:t>7</a:t>
-            </a:r>
-          </a:p>
-        </p:txBody>
-      </p:sp>
-      <p:sp>
-        <p:nvSpPr>
-          <p:cNvPr id="519" name="3"/>
-          <p:cNvSpPr txBox="1"/>
-          <p:nvPr/>
-        </p:nvSpPr>
-        <p:spPr>
-          <a:xfrm>
-            <a:off x="7480418" y="4995793"/>
-            <a:ext cx="324456" cy="447230"/>
-          </a:xfrm>
-          <a:prstGeom prst="rect">
-            <a:avLst/>
-          </a:prstGeom>
-          <a:ln w="12700">
-            <a:miter lim="400000"/>
-          </a:ln>
-          <a:extLst>
-            <a:ext uri="{C572A759-6A51-4108-AA02-DFA0A04FC94B}">
-              <ma14:wrappingTextBoxFlag xmlns:ma14="http://schemas.microsoft.com/office/mac/drawingml/2011/main" val="1"/>
-            </a:ext>
-          </a:extLst>
-        </p:spPr>
-        <p:txBody>
-          <a:bodyPr wrap="none" lIns="50800" tIns="50800" rIns="50800" bIns="50800" anchor="ctr">
-            <a:spAutoFit/>
-          </a:bodyPr>
-          <a:lstStyle>
-            <a:lvl1pPr>
-              <a:defRPr sz="2400">
-                <a:latin typeface="Arial"/>
-                <a:ea typeface="Arial"/>
-                <a:cs typeface="Arial"/>
-                <a:sym typeface="Arial"/>
-              </a:defRPr>
-            </a:lvl1pPr>
-          </a:lstStyle>
-          <a:p>
-            <a:pPr/>
-            <a:r>
-              <a:t>3</a:t>
-            </a:r>
-          </a:p>
-        </p:txBody>
-      </p:sp>
-      <p:sp>
-        <p:nvSpPr>
-          <p:cNvPr id="520" name="sink"/>
-          <p:cNvSpPr txBox="1"/>
-          <p:nvPr/>
-        </p:nvSpPr>
-        <p:spPr>
-          <a:xfrm>
-            <a:off x="8775180" y="4995793"/>
-            <a:ext cx="696973" cy="447230"/>
-          </a:xfrm>
-          <a:prstGeom prst="rect">
-            <a:avLst/>
-          </a:prstGeom>
-          <a:ln w="12700">
-            <a:miter lim="400000"/>
-          </a:ln>
-          <a:extLst>
-            <a:ext uri="{C572A759-6A51-4108-AA02-DFA0A04FC94B}">
-              <ma14:wrappingTextBoxFlag xmlns:ma14="http://schemas.microsoft.com/office/mac/drawingml/2011/main" val="1"/>
-            </a:ext>
-          </a:extLst>
-        </p:spPr>
-        <p:txBody>
-          <a:bodyPr wrap="none" lIns="50800" tIns="50800" rIns="50800" bIns="50800" anchor="ctr">
-            <a:spAutoFit/>
-          </a:bodyPr>
-          <a:lstStyle>
-            <a:lvl1pPr>
-              <a:defRPr sz="2400">
-                <a:latin typeface="Arial"/>
-                <a:ea typeface="Arial"/>
-                <a:cs typeface="Arial"/>
-                <a:sym typeface="Arial"/>
-              </a:defRPr>
-            </a:lvl1pPr>
-          </a:lstStyle>
-          <a:p>
-            <a:pPr/>
-            <a:r>
-              <a:t>sink</a:t>
-            </a:r>
-          </a:p>
-        </p:txBody>
-      </p:sp>
-      <p:sp>
-        <p:nvSpPr>
-          <p:cNvPr id="521" name="Using forward approach…"/>
-          <p:cNvSpPr txBox="1"/>
-          <p:nvPr/>
-        </p:nvSpPr>
-        <p:spPr>
-          <a:xfrm>
-            <a:off x="442846" y="964053"/>
-            <a:ext cx="4715075" cy="1059181"/>
-          </a:xfrm>
-          <a:prstGeom prst="rect">
-            <a:avLst/>
-          </a:prstGeom>
-          <a:ln w="12700">
-            <a:miter lim="400000"/>
-          </a:ln>
-          <a:extLst>
-            <a:ext uri="{C572A759-6A51-4108-AA02-DFA0A04FC94B}">
-              <ma14:wrappingTextBoxFlag xmlns:ma14="http://schemas.microsoft.com/office/mac/drawingml/2011/main" val="1"/>
-            </a:ext>
-          </a:extLst>
-        </p:spPr>
-        <p:txBody>
-          <a:bodyPr wrap="none" lIns="50800" tIns="50800" rIns="50800" bIns="50800" anchor="ctr">
-            <a:spAutoFit/>
-          </a:bodyPr>
-          <a:lstStyle/>
-          <a:p>
-            <a:pPr marL="382587" indent="-342900">
-              <a:lnSpc>
-                <a:spcPct val="90000"/>
-              </a:lnSpc>
-              <a:spcBef>
-                <a:spcPts val="700"/>
-              </a:spcBef>
-              <a:buSzPct val="100000"/>
-              <a:buChar char="•"/>
-              <a:defRPr sz="3200">
-                <a:latin typeface="+mn-lt"/>
-                <a:ea typeface="+mn-ea"/>
-                <a:cs typeface="+mn-cs"/>
-                <a:sym typeface="Gill Sans"/>
-              </a:defRPr>
-            </a:pPr>
-            <a:r>
-              <a:t>Using forward approach</a:t>
-            </a:r>
-          </a:p>
-          <a:p>
-            <a:pPr marL="382587" indent="-342900">
-              <a:lnSpc>
-                <a:spcPct val="90000"/>
-              </a:lnSpc>
-              <a:spcBef>
-                <a:spcPts val="700"/>
-              </a:spcBef>
-              <a:buSzPct val="100000"/>
-              <a:buChar char="•"/>
-              <a:defRPr sz="3200">
-                <a:latin typeface="+mn-lt"/>
-                <a:ea typeface="+mn-ea"/>
-                <a:cs typeface="+mn-cs"/>
-                <a:sym typeface="Gill Sans"/>
-              </a:defRPr>
-            </a:pPr>
-            <a:r>
-              <a:t>Using backward approach</a:t>
-            </a:r>
-          </a:p>
-        </p:txBody>
-      </p:sp>
-    </p:spTree>
-  </p:cSld>
-  <p:clrMapOvr>
-    <a:masterClrMapping/>
-  </p:clrMapOvr>
-  <p:transition xmlns:p14="http://schemas.microsoft.com/office/powerpoint/2010/main" spd="med" advClick="1"/>
-</p:sld>
-</file>
-
-<file path=ppt/slides/slide2.xml><?xml version="1.0" encoding="utf-8"?>
-<p:sld xmlns:a="http://schemas.openxmlformats.org/drawingml/2006/main" xmlns:r="http://schemas.openxmlformats.org/officeDocument/2006/relationships" xmlns:p="http://schemas.openxmlformats.org/presentationml/2006/main" xmlns:m="http://schemas.openxmlformats.org/officeDocument/2006/math" xmlns:a14="http://schemas.microsoft.com/office/drawing/2010/main" showMasterSp="1" showMasterPhAnim="1">
-  <p:cSld>
-    <p:spTree>
-      <p:nvGrpSpPr>
-        <p:cNvPr id="1" name=""/>
-        <p:cNvGrpSpPr/>
-        <p:nvPr/>
-      </p:nvGrpSpPr>
-      <p:grpSpPr>
-        <a:xfrm>
-          <a:off x="0" y="0"/>
-          <a:ext cx="0" cy="0"/>
-          <a:chOff x="0" y="0"/>
-          <a:chExt cx="0" cy="0"/>
-        </a:xfrm>
-      </p:grpSpPr>
-      <p:sp>
-        <p:nvSpPr>
-          <p:cNvPr id="47" name="Resources"/>
-          <p:cNvSpPr txBox="1"/>
-          <p:nvPr>
-            <p:ph type="title"/>
-          </p:nvPr>
-        </p:nvSpPr>
-        <p:spPr>
-          <a:prstGeom prst="rect">
-            <a:avLst/>
-          </a:prstGeom>
-        </p:spPr>
-        <p:txBody>
-          <a:bodyPr/>
-          <a:lstStyle/>
-          <a:p>
-            <a:pPr/>
-            <a:r>
-              <a:t>Resources</a:t>
-            </a:r>
-          </a:p>
-        </p:txBody>
-      </p:sp>
-      <p:sp>
-        <p:nvSpPr>
-          <p:cNvPr id="48" name="Text book 2: Horowitz…"/>
-          <p:cNvSpPr txBox="1"/>
-          <p:nvPr>
-            <p:ph type="body" idx="1"/>
-          </p:nvPr>
-        </p:nvSpPr>
-        <p:spPr>
-          <a:xfrm>
-            <a:off x="555600" y="1042550"/>
-            <a:ext cx="9048800" cy="5891610"/>
-          </a:xfrm>
-          <a:prstGeom prst="rect">
-            <a:avLst/>
-          </a:prstGeom>
-        </p:spPr>
-        <p:txBody>
-          <a:bodyPr/>
-          <a:lstStyle/>
-          <a:p>
-            <a:pPr marL="382587" indent="-342899">
-              <a:defRPr sz="2800"/>
-            </a:pPr>
-            <a:r>
-              <a:t>Text book 2: Horowitz</a:t>
-            </a:r>
-          </a:p>
-          <a:p>
-            <a:pPr lvl="1">
-              <a:defRPr sz="2800"/>
-            </a:pPr>
-            <a:r>
-              <a:t>Sec </a:t>
-            </a:r>
-            <a:r>
-              <a:rPr>
-                <a:latin typeface="Courier New"/>
-                <a:ea typeface="Courier New"/>
-                <a:cs typeface="Courier New"/>
-                <a:sym typeface="Courier New"/>
-              </a:rPr>
-              <a:t>5.1,5.2,5.4,5.8,5.9</a:t>
-            </a:r>
-            <a:r>
-              <a:t> </a:t>
-            </a:r>
-          </a:p>
-          <a:p>
-            <a:pPr marL="382587" indent="-342899">
-              <a:defRPr sz="2800"/>
-            </a:pPr>
-            <a:r>
-              <a:t>Text book </a:t>
-            </a:r>
-            <a:r>
-              <a:rPr>
-                <a:latin typeface="Arial"/>
-                <a:ea typeface="Arial"/>
-                <a:cs typeface="Arial"/>
-                <a:sym typeface="Arial"/>
-              </a:rPr>
-              <a:t>1</a:t>
-            </a:r>
-            <a:r>
-              <a:t>: Levitin</a:t>
-            </a:r>
-          </a:p>
-          <a:p>
-            <a:pPr lvl="1">
-              <a:defRPr sz="2800"/>
-            </a:pPr>
-            <a:r>
-              <a:t>Sec </a:t>
-            </a:r>
-            <a:r>
-              <a:rPr>
-                <a:latin typeface="Courier New"/>
-                <a:ea typeface="Courier New"/>
-                <a:cs typeface="Courier New"/>
-                <a:sym typeface="Courier New"/>
-              </a:rPr>
-              <a:t>8.2-8.4</a:t>
-            </a:r>
-            <a:r>
-              <a:t> </a:t>
-            </a:r>
-          </a:p>
-          <a:p>
-            <a:pPr marL="382587" indent="-342899">
-              <a:defRPr sz="2800"/>
-            </a:pPr>
-            <a:r>
-              <a:rPr u="sng">
-                <a:hlinkClick r:id="rId2" invalidUrl="" action="" tgtFrame="" tooltip="" history="1" highlightClick="0" endSnd="0"/>
-              </a:rPr>
-              <a:t>http://www.gdeepak.com/course/adslidesold/26ad.pdf</a:t>
-            </a:r>
-          </a:p>
-          <a:p>
-            <a:pPr marL="382587" indent="-342899">
-              <a:defRPr sz="2800"/>
-            </a:pPr>
-            <a:r>
-              <a:t>https://ocw.mit.edu/courses/civil-and-environmental-engineering/</a:t>
-            </a:r>
-            <a:r>
-              <a:rPr>
-                <a:latin typeface="Arial"/>
-                <a:ea typeface="Arial"/>
-                <a:cs typeface="Arial"/>
-                <a:sym typeface="Arial"/>
-              </a:rPr>
-              <a:t>1-204</a:t>
-            </a:r>
-            <a:r>
-              <a:t>-computer-algorithms-in-systems-engineering-spring-</a:t>
-            </a:r>
-            <a:r>
-              <a:rPr>
-                <a:latin typeface="Arial"/>
-                <a:ea typeface="Arial"/>
-                <a:cs typeface="Arial"/>
-                <a:sym typeface="Arial"/>
-              </a:rPr>
-              <a:t>2010</a:t>
-            </a:r>
-            <a:r>
-              <a:t>/lecture-notes/MIT</a:t>
-            </a:r>
-            <a:r>
-              <a:rPr>
-                <a:latin typeface="Arial"/>
-                <a:ea typeface="Arial"/>
-                <a:cs typeface="Arial"/>
-                <a:sym typeface="Arial"/>
-              </a:rPr>
-              <a:t>1_204S10</a:t>
-            </a:r>
-            <a:r>
-              <a:t>_lec</a:t>
-            </a:r>
-            <a:r>
-              <a:rPr>
-                <a:latin typeface="Arial"/>
-                <a:ea typeface="Arial"/>
-                <a:cs typeface="Arial"/>
-                <a:sym typeface="Arial"/>
-              </a:rPr>
-              <a:t>13</a:t>
-            </a:r>
-            <a:r>
-              <a:t>.pdf</a:t>
-            </a:r>
-          </a:p>
-          <a:p>
-            <a:pPr marL="382587" indent="-342899">
-              <a:defRPr sz="2800"/>
-            </a:pPr>
-            <a:r>
-              <a:t>R1: Introduction to Algorithms</a:t>
-            </a:r>
-          </a:p>
-          <a:p>
-            <a:pPr lvl="2"/>
-            <a:r>
-              <a:t>Cormen et al.</a:t>
-            </a:r>
-          </a:p>
-        </p:txBody>
-      </p:sp>
-      <p:sp>
-        <p:nvSpPr>
-          <p:cNvPr id="49" name="Slide Number"/>
-          <p:cNvSpPr txBox="1"/>
-          <p:nvPr>
-            <p:ph type="sldNum" sz="quarter" idx="2"/>
-          </p:nvPr>
-        </p:nvSpPr>
-        <p:spPr>
-          <a:prstGeom prst="rect">
-            <a:avLst/>
-          </a:prstGeom>
-          <a:extLst>
-            <a:ext uri="{C572A759-6A51-4108-AA02-DFA0A04FC94B}">
-              <ma14:wrappingTextBoxFlag xmlns:ma14="http://schemas.microsoft.com/office/mac/drawingml/2011/main" val="1"/>
-            </a:ext>
-          </a:extLst>
-        </p:spPr>
-        <p:txBody>
-          <a:bodyPr/>
-          <a:lstStyle/>
-          <a:p>
-            <a:pPr/>
-            <a:fld id="{86CB4B4D-7CA3-9044-876B-883B54F8677D}" type="slidenum"/>
-          </a:p>
-        </p:txBody>
-      </p:sp>
-      <p:sp>
-        <p:nvSpPr>
-          <p:cNvPr id="50" name="DAA/Dynamic Programming"/>
-          <p:cNvSpPr txBox="1"/>
-          <p:nvPr/>
-        </p:nvSpPr>
-        <p:spPr>
-          <a:xfrm>
-            <a:off x="423212" y="6963885"/>
-            <a:ext cx="3769679" cy="431552"/>
-          </a:xfrm>
-          <a:prstGeom prst="rect">
-            <a:avLst/>
-          </a:prstGeom>
-          <a:ln w="12700">
-            <a:miter lim="400000"/>
-          </a:ln>
-          <a:extLst>
-            <a:ext uri="{C572A759-6A51-4108-AA02-DFA0A04FC94B}">
-              <ma14:wrappingTextBoxFlag xmlns:ma14="http://schemas.microsoft.com/office/mac/drawingml/2011/main" val="1"/>
-            </a:ext>
-          </a:extLst>
-        </p:spPr>
-        <p:txBody>
-          <a:bodyPr wrap="none" lIns="50800" tIns="50800" rIns="50800" bIns="50800" anchor="ctr">
-            <a:spAutoFit/>
-          </a:bodyPr>
-          <a:lstStyle>
-            <a:lvl1pPr>
-              <a:defRPr sz="2400"/>
-            </a:lvl1pPr>
-          </a:lstStyle>
-          <a:p>
-            <a:pPr/>
-            <a:r>
-              <a:t>DAA/Dynamic Programming</a:t>
-            </a:r>
-          </a:p>
-        </p:txBody>
-      </p:sp>
-      <p:sp>
-        <p:nvSpPr>
-          <p:cNvPr id="51" name="RPR/"/>
-          <p:cNvSpPr txBox="1"/>
-          <p:nvPr/>
-        </p:nvSpPr>
-        <p:spPr>
-          <a:xfrm>
-            <a:off x="7535212" y="6988206"/>
-            <a:ext cx="705605" cy="382910"/>
-          </a:xfrm>
-          <a:prstGeom prst="rect">
-            <a:avLst/>
-          </a:prstGeom>
-          <a:ln w="12700">
-            <a:miter lim="400000"/>
-          </a:ln>
-          <a:extLst>
-            <a:ext uri="{C572A759-6A51-4108-AA02-DFA0A04FC94B}">
-              <ma14:wrappingTextBoxFlag xmlns:ma14="http://schemas.microsoft.com/office/mac/drawingml/2011/main" val="1"/>
-            </a:ext>
-          </a:extLst>
-        </p:spPr>
-        <p:txBody>
-          <a:bodyPr wrap="none" lIns="50800" tIns="50800" rIns="50800" bIns="50800" anchor="ctr">
-            <a:spAutoFit/>
-          </a:bodyPr>
-          <a:lstStyle>
-            <a:lvl1pPr>
-              <a:defRPr sz="2000"/>
-            </a:lvl1pPr>
-          </a:lstStyle>
-          <a:p>
-            <a:pPr/>
-            <a:r>
-              <a:t>RPR/</a:t>
-            </a:r>
-          </a:p>
-        </p:txBody>
-      </p:sp>
-    </p:spTree>
-  </p:cSld>
-  <p:clrMapOvr>
-    <a:masterClrMapping/>
-  </p:clrMapOvr>
-  <mc:AlternateContent xmlns:mc="http://schemas.openxmlformats.org/markup-compatibility/2006">
-    <mc:Choice xmlns:p14="http://schemas.microsoft.com/office/powerpoint/2010/main" Requires="p14">
-      <p:transition spd="med" advClick="1" p14:dur="899">
-        <p:wipe dir="l"/>
-      </p:transition>
-    </mc:Choice>
-    <mc:Fallback>
-      <p:transition spd="med">
-        <p:fade/>
-      </p:transition>
-    </mc:Fallback>
-  </mc:AlternateContent>
-</p:sld>
-</file>
-
-<file path=ppt/slides/slide20.xml><?xml version="1.0" encoding="utf-8"?>
-<p:sld xmlns:a="http://schemas.openxmlformats.org/drawingml/2006/main" xmlns:r="http://schemas.openxmlformats.org/officeDocument/2006/relationships" xmlns:p="http://schemas.openxmlformats.org/presentationml/2006/main" xmlns:m="http://schemas.openxmlformats.org/officeDocument/2006/math" xmlns:a14="http://schemas.microsoft.com/office/drawing/2010/main" showMasterSp="1" showMasterPhAnim="1">
-  <p:cSld>
-    <p:spTree>
-      <p:nvGrpSpPr>
-        <p:cNvPr id="1" name=""/>
-        <p:cNvGrpSpPr/>
-        <p:nvPr/>
-      </p:nvGrpSpPr>
-      <p:grpSpPr>
-        <a:xfrm>
-          <a:off x="0" y="0"/>
-          <a:ext cx="0" cy="0"/>
-          <a:chOff x="0" y="0"/>
-          <a:chExt cx="0" cy="0"/>
-        </a:xfrm>
-      </p:grpSpPr>
-      <p:sp>
-        <p:nvSpPr>
-          <p:cNvPr id="523" name="Summary"/>
-          <p:cNvSpPr txBox="1"/>
-          <p:nvPr>
-            <p:ph type="title"/>
-          </p:nvPr>
-        </p:nvSpPr>
-        <p:spPr>
-          <a:prstGeom prst="rect">
-            <a:avLst/>
-          </a:prstGeom>
-        </p:spPr>
-        <p:txBody>
-          <a:bodyPr/>
-          <a:lstStyle/>
-          <a:p>
-            <a:pPr/>
-            <a:r>
-              <a:t>Summary</a:t>
-            </a:r>
-          </a:p>
-        </p:txBody>
-      </p:sp>
-      <p:sp>
-        <p:nvSpPr>
-          <p:cNvPr id="524" name="Multi stage graph…"/>
-          <p:cNvSpPr txBox="1"/>
-          <p:nvPr>
-            <p:ph type="body" idx="1"/>
-          </p:nvPr>
-        </p:nvSpPr>
-        <p:spPr>
-          <a:prstGeom prst="rect">
-            <a:avLst/>
-          </a:prstGeom>
-        </p:spPr>
-        <p:txBody>
-          <a:bodyPr/>
-          <a:lstStyle/>
-          <a:p>
-            <a:pPr/>
-            <a:r>
-              <a:t>Multi stage graph</a:t>
-            </a:r>
-          </a:p>
-          <a:p>
-            <a:pPr/>
-            <a:r>
-              <a:t>Forward approach</a:t>
-            </a:r>
-          </a:p>
-          <a:p>
-            <a:pPr/>
-            <a:r>
-              <a:t>Backward approach</a:t>
-            </a:r>
-          </a:p>
-        </p:txBody>
-      </p:sp>
-      <p:sp>
-        <p:nvSpPr>
-          <p:cNvPr id="525" name="Slide Number"/>
-          <p:cNvSpPr txBox="1"/>
-          <p:nvPr>
-            <p:ph type="sldNum" sz="quarter" idx="2"/>
-          </p:nvPr>
-        </p:nvSpPr>
-        <p:spPr>
-          <a:prstGeom prst="rect">
-            <a:avLst/>
-          </a:prstGeom>
-          <a:extLst>
-            <a:ext uri="{C572A759-6A51-4108-AA02-DFA0A04FC94B}">
-              <ma14:wrappingTextBoxFlag xmlns:ma14="http://schemas.microsoft.com/office/mac/drawingml/2011/main" val="1"/>
-            </a:ext>
-          </a:extLst>
-        </p:spPr>
-        <p:txBody>
-          <a:bodyPr/>
-          <a:lstStyle/>
-          <a:p>
-            <a:pPr/>
-            <a:fld id="{86CB4B4D-7CA3-9044-876B-883B54F8677D}" type="slidenum"/>
-          </a:p>
-        </p:txBody>
-      </p:sp>
-      <p:sp>
-        <p:nvSpPr>
-          <p:cNvPr id="526" name="DAA/Dynamic Programming"/>
-          <p:cNvSpPr txBox="1"/>
-          <p:nvPr/>
-        </p:nvSpPr>
-        <p:spPr>
-          <a:xfrm>
-            <a:off x="423212" y="6963885"/>
-            <a:ext cx="3769679" cy="431552"/>
-          </a:xfrm>
-          <a:prstGeom prst="rect">
-            <a:avLst/>
-          </a:prstGeom>
-          <a:ln w="12700">
-            <a:miter lim="400000"/>
-          </a:ln>
-          <a:extLst>
-            <a:ext uri="{C572A759-6A51-4108-AA02-DFA0A04FC94B}">
-              <ma14:wrappingTextBoxFlag xmlns:ma14="http://schemas.microsoft.com/office/mac/drawingml/2011/main" val="1"/>
-            </a:ext>
-          </a:extLst>
-        </p:spPr>
-        <p:txBody>
-          <a:bodyPr wrap="none" lIns="50800" tIns="50800" rIns="50800" bIns="50800" anchor="ctr">
-            <a:spAutoFit/>
-          </a:bodyPr>
-          <a:lstStyle>
-            <a:lvl1pPr>
-              <a:defRPr sz="2400"/>
-            </a:lvl1pPr>
-          </a:lstStyle>
-          <a:p>
-            <a:pPr/>
-            <a:r>
-              <a:t>DAA/Dynamic Programming</a:t>
-            </a:r>
-          </a:p>
-        </p:txBody>
-      </p:sp>
-      <p:sp>
-        <p:nvSpPr>
-          <p:cNvPr id="527" name="RPR/"/>
-          <p:cNvSpPr txBox="1"/>
-          <p:nvPr/>
-        </p:nvSpPr>
-        <p:spPr>
-          <a:xfrm>
-            <a:off x="7535212" y="6988206"/>
-            <a:ext cx="705605" cy="382910"/>
-          </a:xfrm>
-          <a:prstGeom prst="rect">
-            <a:avLst/>
-          </a:prstGeom>
-          <a:ln w="12700">
-            <a:miter lim="400000"/>
-          </a:ln>
-          <a:extLst>
-            <a:ext uri="{C572A759-6A51-4108-AA02-DFA0A04FC94B}">
-              <ma14:wrappingTextBoxFlag xmlns:ma14="http://schemas.microsoft.com/office/mac/drawingml/2011/main" val="1"/>
-            </a:ext>
-          </a:extLst>
-        </p:spPr>
-        <p:txBody>
-          <a:bodyPr wrap="none" lIns="50800" tIns="50800" rIns="50800" bIns="50800" anchor="ctr">
-            <a:spAutoFit/>
-          </a:bodyPr>
-          <a:lstStyle>
-            <a:lvl1pPr>
-              <a:defRPr sz="2000"/>
-            </a:lvl1pPr>
-          </a:lstStyle>
-          <a:p>
-            <a:pPr/>
-            <a:r>
-              <a:t>RPR/</a:t>
-            </a:r>
-          </a:p>
-        </p:txBody>
-      </p:sp>
-    </p:spTree>
-  </p:cSld>
-  <p:clrMapOvr>
-    <a:masterClrMapping/>
-  </p:clrMapOvr>
-  <p:transition xmlns:p14="http://schemas.microsoft.com/office/powerpoint/2010/main" spd="med" advClick="1"/>
-  <p:timing>
-    <p:tnLst>
-      <p:par>
-        <p:cTn id="1" nodeType="tmRoot" restart="never" dur="indefinite" fill="hold">
-          <p:childTnLst>
-            <p:seq concurrent="1" prevAc="none" nextAc="seek">
-              <p:cTn id="2" nodeType="mainSeq" dur="indefinite" fill="hold">
-                <p:childTnLst>
-                  <p:par>
-                    <p:cTn id="3" fill="hold">
-                      <p:stCondLst>
-                        <p:cond delay="indefinite"/>
-                      </p:stCondLst>
-                      <p:childTnLst>
-                        <p:par>
-                          <p:cTn id="4" fill="hold">
-                            <p:stCondLst>
-                              <p:cond delay="0"/>
-                            </p:stCondLst>
-                            <p:childTnLst>
-                              <p:par>
-                                <p:cTn id="5" presetClass="entr" nodeType="clickEffect" presetSubtype="0" presetID="1" grpId="1" fill="hold">
-                                  <p:stCondLst>
-                                    <p:cond delay="0"/>
-                                  </p:stCondLst>
-                                  <p:iterate type="el" backwards="0">
-                                    <p:tmAbs val="0"/>
-                                  </p:iterate>
-                                  <p:childTnLst>
-                                    <p:set>
-                                      <p:cBhvr>
-                                        <p:cTn id="6" fill="hold"/>
-                                        <p:tgtEl>
-                                          <p:spTgt spid="524">
-                                            <p:bg/>
-                                          </p:spTgt>
-                                        </p:tgtEl>
-                                        <p:attrNameLst>
-                                          <p:attrName>style.visibility</p:attrName>
-                                        </p:attrNameLst>
-                                      </p:cBhvr>
-                                      <p:to>
-                                        <p:strVal val="visible"/>
-                                      </p:to>
-                                    </p:set>
-                                  </p:childTnLst>
-                                </p:cTn>
-                              </p:par>
-                              <p:par>
-                                <p:cTn id="7" presetClass="entr" nodeType="withEffect" presetSubtype="0" presetID="1" grpId="1" fill="hold">
-                                  <p:stCondLst>
-                                    <p:cond delay="0"/>
-                                  </p:stCondLst>
-                                  <p:iterate type="el" backwards="0">
-                                    <p:tmAbs val="0"/>
-                                  </p:iterate>
-                                  <p:childTnLst>
-                                    <p:set>
-                                      <p:cBhvr>
-                                        <p:cTn id="8" fill="hold"/>
-                                        <p:tgtEl>
-                                          <p:spTgt spid="524">
-                                            <p:txEl>
-                                              <p:pRg st="0" end="0"/>
-                                            </p:txEl>
-                                          </p:spTgt>
-                                        </p:tgtEl>
-                                        <p:attrNameLst>
-                                          <p:attrName>style.visibility</p:attrName>
-                                        </p:attrNameLst>
-                                      </p:cBhvr>
-                                      <p:to>
-                                        <p:strVal val="visible"/>
-                                      </p:to>
-                                    </p:set>
-                                  </p:childTnLst>
-                                </p:cTn>
-                              </p:par>
-                            </p:childTnLst>
-                          </p:cTn>
-                        </p:par>
-                      </p:childTnLst>
-                    </p:cTn>
-                  </p:par>
-                  <p:par>
-                    <p:cTn id="9" fill="hold">
-                      <p:stCondLst>
-                        <p:cond delay="indefinite"/>
-                      </p:stCondLst>
-                      <p:childTnLst>
-                        <p:par>
-                          <p:cTn id="10" fill="hold">
-                            <p:stCondLst>
-                              <p:cond delay="0"/>
-                            </p:stCondLst>
-                            <p:childTnLst>
-                              <p:par>
-                                <p:cTn id="11" presetClass="entr" nodeType="clickEffect" presetSubtype="0" presetID="1" grpId="1" fill="hold">
-                                  <p:stCondLst>
-                                    <p:cond delay="0"/>
-                                  </p:stCondLst>
-                                  <p:iterate type="el" backwards="0">
-                                    <p:tmAbs val="0"/>
-                                  </p:iterate>
-                                  <p:childTnLst>
-                                    <p:set>
-                                      <p:cBhvr>
-                                        <p:cTn id="12" fill="hold"/>
-                                        <p:tgtEl>
-                                          <p:spTgt spid="524">
-                                            <p:txEl>
-                                              <p:pRg st="1" end="1"/>
-                                            </p:txEl>
-                                          </p:spTgt>
-                                        </p:tgtEl>
-                                        <p:attrNameLst>
-                                          <p:attrName>style.visibility</p:attrName>
-                                        </p:attrNameLst>
-                                      </p:cBhvr>
-                                      <p:to>
-                                        <p:strVal val="visible"/>
-                                      </p:to>
-                                    </p:set>
-                                  </p:childTnLst>
-                                </p:cTn>
-                              </p:par>
-                            </p:childTnLst>
-                          </p:cTn>
-                        </p:par>
-                      </p:childTnLst>
-                    </p:cTn>
-                  </p:par>
-                  <p:par>
-                    <p:cTn id="13" fill="hold">
-                      <p:stCondLst>
-                        <p:cond delay="indefinite"/>
-                      </p:stCondLst>
-                      <p:childTnLst>
-                        <p:par>
-                          <p:cTn id="14" fill="hold">
-                            <p:stCondLst>
-                              <p:cond delay="0"/>
-                            </p:stCondLst>
-                            <p:childTnLst>
-                              <p:par>
-                                <p:cTn id="15" presetClass="entr" nodeType="clickEffect" presetSubtype="0" presetID="1" grpId="1" fill="hold">
-                                  <p:stCondLst>
-                                    <p:cond delay="0"/>
-                                  </p:stCondLst>
-                                  <p:iterate type="el" backwards="0">
-                                    <p:tmAbs val="0"/>
-                                  </p:iterate>
-                                  <p:childTnLst>
-                                    <p:set>
-                                      <p:cBhvr>
-                                        <p:cTn id="16" fill="hold"/>
-                                        <p:tgtEl>
-                                          <p:spTgt spid="524">
+                                          <p:spTgt spid="579">
                                             <p:txEl>
                                               <p:pRg st="2" end="2"/>
                                             </p:txEl>
@@ -26197,7 +28719,7 @@
       </p:par>
     </p:tnLst>
     <p:bldLst>
-      <p:bldP build="p" bldLvl="5" animBg="1" rev="0" advAuto="0" spid="524" grpId="1"/>
+      <p:bldP build="p" bldLvl="5" animBg="1" rev="0" advAuto="0" spid="579" grpId="1"/>
     </p:bldLst>
   </p:timing>
 </p:sld>
@@ -30799,19 +33321,19 @@
       </p:par>
     </p:tnLst>
     <p:bldLst>
+      <p:bldP build="whole" bldLvl="1" animBg="1" rev="0" advAuto="0" spid="116" grpId="10"/>
+      <p:bldP build="whole" bldLvl="1" animBg="1" rev="0" advAuto="0" spid="122" grpId="12"/>
+      <p:bldP build="whole" bldLvl="1" animBg="1" rev="0" advAuto="0" spid="103" grpId="6"/>
       <p:bldP build="whole" bldLvl="1" animBg="1" rev="0" advAuto="0" spid="82" grpId="3"/>
+      <p:bldP build="whole" bldLvl="1" animBg="1" rev="0" advAuto="0" spid="90" grpId="4"/>
+      <p:bldP build="whole" bldLvl="1" animBg="1" rev="0" advAuto="0" spid="75" grpId="2"/>
+      <p:bldP build="whole" bldLvl="1" animBg="1" rev="0" advAuto="0" spid="110" grpId="8"/>
+      <p:bldP build="whole" bldLvl="1" animBg="1" rev="0" advAuto="0" spid="97" grpId="5"/>
       <p:bldP build="whole" bldLvl="1" animBg="1" rev="0" advAuto="0" spid="119" grpId="11"/>
+      <p:bldP build="whole" bldLvl="1" animBg="1" rev="0" advAuto="0" spid="107" grpId="7"/>
+      <p:bldP build="whole" bldLvl="1" animBg="1" rev="0" advAuto="0" spid="113" grpId="9"/>
       <p:bldP build="whole" bldLvl="1" animBg="1" rev="0" advAuto="0" spid="63" grpId="1"/>
-      <p:bldP build="whole" bldLvl="1" animBg="1" rev="0" advAuto="0" spid="110" grpId="8"/>
-      <p:bldP build="whole" bldLvl="1" animBg="1" rev="0" advAuto="0" spid="75" grpId="2"/>
-      <p:bldP build="whole" bldLvl="1" animBg="1" rev="0" advAuto="0" spid="107" grpId="7"/>
-      <p:bldP build="whole" bldLvl="1" animBg="1" rev="0" advAuto="0" spid="90" grpId="4"/>
-      <p:bldP build="whole" bldLvl="1" animBg="1" rev="0" advAuto="0" spid="122" grpId="12"/>
       <p:bldP build="whole" bldLvl="1" animBg="1" rev="0" advAuto="0" spid="143" grpId="13"/>
-      <p:bldP build="whole" bldLvl="1" animBg="1" rev="0" advAuto="0" spid="116" grpId="10"/>
-      <p:bldP build="whole" bldLvl="1" animBg="1" rev="0" advAuto="0" spid="113" grpId="9"/>
-      <p:bldP build="whole" bldLvl="1" animBg="1" rev="0" advAuto="0" spid="97" grpId="5"/>
-      <p:bldP build="whole" bldLvl="1" animBg="1" rev="0" advAuto="0" spid="103" grpId="6"/>
     </p:bldLst>
   </p:timing>
 </p:sld>
@@ -32453,8 +34975,8 @@
       </p:par>
     </p:tnLst>
     <p:bldLst>
+      <p:bldP build="whole" bldLvl="1" animBg="1" rev="0" advAuto="0" spid="179" grpId="2"/>
       <p:bldP build="p" bldLvl="5" animBg="1" rev="0" advAuto="0" spid="146" grpId="1"/>
-      <p:bldP build="whole" bldLvl="1" animBg="1" rev="0" advAuto="0" spid="179" grpId="2"/>
     </p:bldLst>
   </p:timing>
 </p:sld>
@@ -37687,31 +40209,31 @@
       </p:par>
     </p:tnLst>
     <p:bldLst>
-      <p:bldP build="whole" bldLvl="1" animBg="1" rev="0" advAuto="0" spid="246" grpId="23"/>
-      <p:bldP build="p" bldLvl="5" animBg="1" rev="0" advAuto="0" spid="232" grpId="5"/>
-      <p:bldP build="whole" bldLvl="1" animBg="1" rev="0" advAuto="0" spid="243" grpId="10"/>
-      <p:bldP build="whole" bldLvl="1" animBg="1" rev="0" advAuto="0" spid="274" grpId="3"/>
-      <p:bldP build="whole" bldLvl="1" animBg="1" rev="0" advAuto="0" spid="277" grpId="11"/>
-      <p:bldP build="whole" bldLvl="1" animBg="1" rev="0" advAuto="0" spid="251" grpId="17"/>
-      <p:bldP build="whole" bldLvl="1" animBg="1" rev="0" advAuto="0" spid="251" grpId="13"/>
-      <p:bldP build="whole" bldLvl="1" animBg="1" rev="0" advAuto="0" spid="274" grpId="9"/>
-      <p:bldP build="whole" bldLvl="1" animBg="1" rev="0" advAuto="0" spid="257" grpId="22"/>
-      <p:bldP build="whole" bldLvl="1" animBg="1" rev="0" advAuto="0" spid="268" grpId="1"/>
+      <p:bldP build="whole" bldLvl="1" animBg="1" rev="0" advAuto="0" spid="252" grpId="6"/>
+      <p:bldP build="whole" bldLvl="1" animBg="1" rev="0" advAuto="0" spid="247" grpId="18"/>
       <p:bldP build="whole" bldLvl="1" animBg="1" rev="0" advAuto="0" spid="242" grpId="21"/>
       <p:bldP build="whole" bldLvl="1" animBg="1" rev="0" advAuto="0" spid="249" grpId="12"/>
+      <p:bldP build="whole" bldLvl="1" animBg="1" rev="0" advAuto="0" spid="246" grpId="15"/>
+      <p:bldP build="whole" bldLvl="1" animBg="1" rev="0" advAuto="0" spid="277" grpId="4"/>
+      <p:bldP build="whole" bldLvl="1" animBg="1" rev="0" advAuto="0" spid="251" grpId="13"/>
+      <p:bldP build="whole" bldLvl="1" animBg="1" rev="0" advAuto="0" spid="244" grpId="8"/>
+      <p:bldP build="whole" bldLvl="1" animBg="1" rev="0" advAuto="0" spid="246" grpId="19"/>
+      <p:bldP build="whole" bldLvl="1" animBg="1" rev="0" advAuto="0" spid="257" grpId="22"/>
+      <p:bldP build="whole" bldLvl="1" animBg="1" rev="0" advAuto="0" spid="251" grpId="17"/>
+      <p:bldP build="whole" bldLvl="1" animBg="1" rev="0" advAuto="0" spid="277" grpId="11"/>
+      <p:bldP build="whole" bldLvl="1" animBg="1" rev="0" advAuto="0" spid="246" grpId="23"/>
+      <p:bldP build="whole" bldLvl="1" animBg="1" rev="0" advAuto="0" spid="248" grpId="24"/>
+      <p:bldP build="whole" bldLvl="1" animBg="1" rev="0" advAuto="0" spid="268" grpId="1"/>
+      <p:bldP build="whole" bldLvl="1" animBg="1" rev="0" advAuto="0" spid="245" grpId="20"/>
+      <p:bldP build="whole" bldLvl="1" animBg="1" rev="0" advAuto="0" spid="271" grpId="2"/>
       <p:bldP build="whole" bldLvl="1" animBg="1" rev="0" advAuto="0" spid="242" grpId="25"/>
-      <p:bldP build="whole" bldLvl="1" animBg="1" rev="0" advAuto="0" spid="245" grpId="20"/>
-      <p:bldP build="whole" bldLvl="1" animBg="1" rev="0" advAuto="0" spid="248" grpId="24"/>
-      <p:bldP build="whole" bldLvl="1" animBg="1" rev="0" advAuto="0" spid="271" grpId="2"/>
-      <p:bldP build="whole" bldLvl="1" animBg="1" rev="0" advAuto="0" spid="247" grpId="18"/>
-      <p:bldP build="whole" bldLvl="1" animBg="1" rev="0" advAuto="0" spid="246" grpId="15"/>
-      <p:bldP build="whole" bldLvl="1" animBg="1" rev="0" advAuto="0" spid="244" grpId="8"/>
+      <p:bldP build="whole" bldLvl="1" animBg="1" rev="0" advAuto="0" spid="271" grpId="7"/>
+      <p:bldP build="p" bldLvl="5" animBg="1" rev="0" advAuto="0" spid="232" grpId="5"/>
       <p:bldP build="whole" bldLvl="1" animBg="1" rev="0" advAuto="0" spid="241" grpId="16"/>
-      <p:bldP build="whole" bldLvl="1" animBg="1" rev="0" advAuto="0" spid="271" grpId="7"/>
-      <p:bldP build="whole" bldLvl="1" animBg="1" rev="0" advAuto="0" spid="246" grpId="19"/>
+      <p:bldP build="whole" bldLvl="1" animBg="1" rev="0" advAuto="0" spid="274" grpId="3"/>
+      <p:bldP build="whole" bldLvl="1" animBg="1" rev="0" advAuto="0" spid="243" grpId="10"/>
+      <p:bldP build="whole" bldLvl="1" animBg="1" rev="0" advAuto="0" spid="274" grpId="9"/>
       <p:bldP build="whole" bldLvl="1" animBg="1" rev="0" advAuto="0" spid="250" grpId="14"/>
-      <p:bldP build="whole" bldLvl="1" animBg="1" rev="0" advAuto="0" spid="277" grpId="4"/>
-      <p:bldP build="whole" bldLvl="1" animBg="1" rev="0" advAuto="0" spid="252" grpId="6"/>
     </p:bldLst>
   </p:timing>
 </p:sld>
@@ -40570,17 +43092,17 @@
       </p:par>
     </p:tnLst>
     <p:bldLst>
-      <p:bldP build="whole" bldLvl="1" animBg="1" rev="0" advAuto="0" spid="328" grpId="9"/>
+      <p:bldP build="whole" bldLvl="1" animBg="1" rev="0" advAuto="0" spid="298" grpId="8"/>
       <p:bldP build="p" bldLvl="5" animBg="1" rev="0" advAuto="0" spid="283" grpId="11"/>
       <p:bldP build="whole" bldLvl="1" animBg="1" rev="0" advAuto="0" spid="303" grpId="6"/>
       <p:bldP build="whole" bldLvl="1" animBg="1" rev="0" advAuto="0" spid="328" grpId="4"/>
+      <p:bldP build="whole" bldLvl="1" animBg="1" rev="0" advAuto="0" spid="294" grpId="10"/>
       <p:bldP build="whole" bldLvl="1" animBg="1" rev="0" advAuto="0" spid="325" grpId="3"/>
       <p:bldP build="whole" bldLvl="1" animBg="1" rev="0" advAuto="0" spid="322" grpId="2"/>
-      <p:bldP build="whole" bldLvl="1" animBg="1" rev="0" advAuto="0" spid="294" grpId="10"/>
+      <p:bldP build="whole" bldLvl="1" animBg="1" rev="0" advAuto="0" spid="328" grpId="9"/>
       <p:bldP build="whole" bldLvl="1" animBg="1" rev="0" advAuto="0" spid="322" grpId="5"/>
+      <p:bldP build="whole" bldLvl="1" animBg="1" rev="0" advAuto="0" spid="325" grpId="7"/>
       <p:bldP build="whole" bldLvl="1" animBg="1" rev="0" advAuto="0" spid="319" grpId="1"/>
-      <p:bldP build="whole" bldLvl="1" animBg="1" rev="0" advAuto="0" spid="325" grpId="7"/>
-      <p:bldP build="whole" bldLvl="1" animBg="1" rev="0" advAuto="0" spid="298" grpId="8"/>
     </p:bldLst>
   </p:timing>
 </p:sld>
